--- a/발표자료/3_Unsuprervised_Learning.pptx
+++ b/발표자료/3_Unsuprervised_Learning.pptx
@@ -6,67 +6,68 @@
   </p:sldMasterIdLst>
   <p:sldIdLst>
     <p:sldId id="256" r:id="rId2"/>
-    <p:sldId id="257" r:id="rId3"/>
-    <p:sldId id="258" r:id="rId4"/>
-    <p:sldId id="259" r:id="rId5"/>
-    <p:sldId id="260" r:id="rId6"/>
-    <p:sldId id="261" r:id="rId7"/>
-    <p:sldId id="265" r:id="rId8"/>
-    <p:sldId id="266" r:id="rId9"/>
-    <p:sldId id="267" r:id="rId10"/>
-    <p:sldId id="268" r:id="rId11"/>
-    <p:sldId id="269" r:id="rId12"/>
-    <p:sldId id="262" r:id="rId13"/>
-    <p:sldId id="263" r:id="rId14"/>
-    <p:sldId id="264" r:id="rId15"/>
-    <p:sldId id="270" r:id="rId16"/>
-    <p:sldId id="271" r:id="rId17"/>
-    <p:sldId id="272" r:id="rId18"/>
-    <p:sldId id="273" r:id="rId19"/>
-    <p:sldId id="274" r:id="rId20"/>
-    <p:sldId id="275" r:id="rId21"/>
-    <p:sldId id="276" r:id="rId22"/>
-    <p:sldId id="277" r:id="rId23"/>
-    <p:sldId id="278" r:id="rId24"/>
-    <p:sldId id="279" r:id="rId25"/>
-    <p:sldId id="280" r:id="rId26"/>
-    <p:sldId id="281" r:id="rId27"/>
-    <p:sldId id="282" r:id="rId28"/>
-    <p:sldId id="283" r:id="rId29"/>
-    <p:sldId id="284" r:id="rId30"/>
-    <p:sldId id="285" r:id="rId31"/>
-    <p:sldId id="286" r:id="rId32"/>
-    <p:sldId id="287" r:id="rId33"/>
-    <p:sldId id="288" r:id="rId34"/>
-    <p:sldId id="289" r:id="rId35"/>
-    <p:sldId id="290" r:id="rId36"/>
-    <p:sldId id="291" r:id="rId37"/>
-    <p:sldId id="292" r:id="rId38"/>
-    <p:sldId id="293" r:id="rId39"/>
-    <p:sldId id="294" r:id="rId40"/>
-    <p:sldId id="295" r:id="rId41"/>
-    <p:sldId id="296" r:id="rId42"/>
-    <p:sldId id="297" r:id="rId43"/>
-    <p:sldId id="298" r:id="rId44"/>
-    <p:sldId id="299" r:id="rId45"/>
-    <p:sldId id="300" r:id="rId46"/>
-    <p:sldId id="301" r:id="rId47"/>
-    <p:sldId id="302" r:id="rId48"/>
-    <p:sldId id="303" r:id="rId49"/>
-    <p:sldId id="304" r:id="rId50"/>
-    <p:sldId id="305" r:id="rId51"/>
-    <p:sldId id="306" r:id="rId52"/>
-    <p:sldId id="307" r:id="rId53"/>
-    <p:sldId id="308" r:id="rId54"/>
-    <p:sldId id="309" r:id="rId55"/>
-    <p:sldId id="310" r:id="rId56"/>
-    <p:sldId id="311" r:id="rId57"/>
-    <p:sldId id="312" r:id="rId58"/>
-    <p:sldId id="313" r:id="rId59"/>
-    <p:sldId id="314" r:id="rId60"/>
-    <p:sldId id="315" r:id="rId61"/>
-    <p:sldId id="316" r:id="rId62"/>
-    <p:sldId id="317" r:id="rId63"/>
+    <p:sldId id="318" r:id="rId3"/>
+    <p:sldId id="257" r:id="rId4"/>
+    <p:sldId id="258" r:id="rId5"/>
+    <p:sldId id="259" r:id="rId6"/>
+    <p:sldId id="260" r:id="rId7"/>
+    <p:sldId id="261" r:id="rId8"/>
+    <p:sldId id="265" r:id="rId9"/>
+    <p:sldId id="266" r:id="rId10"/>
+    <p:sldId id="267" r:id="rId11"/>
+    <p:sldId id="268" r:id="rId12"/>
+    <p:sldId id="269" r:id="rId13"/>
+    <p:sldId id="262" r:id="rId14"/>
+    <p:sldId id="263" r:id="rId15"/>
+    <p:sldId id="264" r:id="rId16"/>
+    <p:sldId id="270" r:id="rId17"/>
+    <p:sldId id="271" r:id="rId18"/>
+    <p:sldId id="272" r:id="rId19"/>
+    <p:sldId id="273" r:id="rId20"/>
+    <p:sldId id="274" r:id="rId21"/>
+    <p:sldId id="275" r:id="rId22"/>
+    <p:sldId id="276" r:id="rId23"/>
+    <p:sldId id="277" r:id="rId24"/>
+    <p:sldId id="278" r:id="rId25"/>
+    <p:sldId id="279" r:id="rId26"/>
+    <p:sldId id="280" r:id="rId27"/>
+    <p:sldId id="281" r:id="rId28"/>
+    <p:sldId id="282" r:id="rId29"/>
+    <p:sldId id="283" r:id="rId30"/>
+    <p:sldId id="284" r:id="rId31"/>
+    <p:sldId id="285" r:id="rId32"/>
+    <p:sldId id="286" r:id="rId33"/>
+    <p:sldId id="287" r:id="rId34"/>
+    <p:sldId id="288" r:id="rId35"/>
+    <p:sldId id="289" r:id="rId36"/>
+    <p:sldId id="290" r:id="rId37"/>
+    <p:sldId id="291" r:id="rId38"/>
+    <p:sldId id="292" r:id="rId39"/>
+    <p:sldId id="293" r:id="rId40"/>
+    <p:sldId id="294" r:id="rId41"/>
+    <p:sldId id="295" r:id="rId42"/>
+    <p:sldId id="296" r:id="rId43"/>
+    <p:sldId id="297" r:id="rId44"/>
+    <p:sldId id="298" r:id="rId45"/>
+    <p:sldId id="299" r:id="rId46"/>
+    <p:sldId id="300" r:id="rId47"/>
+    <p:sldId id="301" r:id="rId48"/>
+    <p:sldId id="302" r:id="rId49"/>
+    <p:sldId id="303" r:id="rId50"/>
+    <p:sldId id="304" r:id="rId51"/>
+    <p:sldId id="305" r:id="rId52"/>
+    <p:sldId id="306" r:id="rId53"/>
+    <p:sldId id="307" r:id="rId54"/>
+    <p:sldId id="308" r:id="rId55"/>
+    <p:sldId id="309" r:id="rId56"/>
+    <p:sldId id="310" r:id="rId57"/>
+    <p:sldId id="311" r:id="rId58"/>
+    <p:sldId id="312" r:id="rId59"/>
+    <p:sldId id="313" r:id="rId60"/>
+    <p:sldId id="314" r:id="rId61"/>
+    <p:sldId id="315" r:id="rId62"/>
+    <p:sldId id="316" r:id="rId63"/>
+    <p:sldId id="317" r:id="rId64"/>
   </p:sldIdLst>
   <p:sldSz cx="12192000" cy="6858000"/>
   <p:notesSz cx="6858000" cy="9144000"/>
@@ -165,6 +166,11 @@
       </a:defRPr>
     </a:lvl9pPr>
   </p:defaultTextStyle>
+  <p:extLst>
+    <p:ext uri="{EFAFB233-063F-42B5-8137-9DF3F51BA10A}">
+      <p15:sldGuideLst xmlns:p15="http://schemas.microsoft.com/office/powerpoint/2012/main"/>
+    </p:ext>
+  </p:extLst>
 </p:presentation>
 </file>
 
@@ -315,7 +321,7 @@
           <a:p>
             <a:fld id="{29BEE5A6-929A-46EC-9C82-4B5324760692}" type="datetimeFigureOut">
               <a:rPr lang="ko-KR" altLang="en-US" smtClean="0"/>
-              <a:t>2022-04-10</a:t>
+              <a:t>2022-04-13</a:t>
             </a:fld>
             <a:endParaRPr lang="ko-KR" altLang="en-US"/>
           </a:p>
@@ -513,7 +519,7 @@
           <a:p>
             <a:fld id="{29BEE5A6-929A-46EC-9C82-4B5324760692}" type="datetimeFigureOut">
               <a:rPr lang="ko-KR" altLang="en-US" smtClean="0"/>
-              <a:t>2022-04-10</a:t>
+              <a:t>2022-04-13</a:t>
             </a:fld>
             <a:endParaRPr lang="ko-KR" altLang="en-US"/>
           </a:p>
@@ -721,7 +727,7 @@
           <a:p>
             <a:fld id="{29BEE5A6-929A-46EC-9C82-4B5324760692}" type="datetimeFigureOut">
               <a:rPr lang="ko-KR" altLang="en-US" smtClean="0"/>
-              <a:t>2022-04-10</a:t>
+              <a:t>2022-04-13</a:t>
             </a:fld>
             <a:endParaRPr lang="ko-KR" altLang="en-US"/>
           </a:p>
@@ -919,7 +925,7 @@
           <a:p>
             <a:fld id="{29BEE5A6-929A-46EC-9C82-4B5324760692}" type="datetimeFigureOut">
               <a:rPr lang="ko-KR" altLang="en-US" smtClean="0"/>
-              <a:t>2022-04-10</a:t>
+              <a:t>2022-04-13</a:t>
             </a:fld>
             <a:endParaRPr lang="ko-KR" altLang="en-US"/>
           </a:p>
@@ -1194,7 +1200,7 @@
           <a:p>
             <a:fld id="{29BEE5A6-929A-46EC-9C82-4B5324760692}" type="datetimeFigureOut">
               <a:rPr lang="ko-KR" altLang="en-US" smtClean="0"/>
-              <a:t>2022-04-10</a:t>
+              <a:t>2022-04-13</a:t>
             </a:fld>
             <a:endParaRPr lang="ko-KR" altLang="en-US"/>
           </a:p>
@@ -1459,7 +1465,7 @@
           <a:p>
             <a:fld id="{29BEE5A6-929A-46EC-9C82-4B5324760692}" type="datetimeFigureOut">
               <a:rPr lang="ko-KR" altLang="en-US" smtClean="0"/>
-              <a:t>2022-04-10</a:t>
+              <a:t>2022-04-13</a:t>
             </a:fld>
             <a:endParaRPr lang="ko-KR" altLang="en-US"/>
           </a:p>
@@ -1871,7 +1877,7 @@
           <a:p>
             <a:fld id="{29BEE5A6-929A-46EC-9C82-4B5324760692}" type="datetimeFigureOut">
               <a:rPr lang="ko-KR" altLang="en-US" smtClean="0"/>
-              <a:t>2022-04-10</a:t>
+              <a:t>2022-04-13</a:t>
             </a:fld>
             <a:endParaRPr lang="ko-KR" altLang="en-US"/>
           </a:p>
@@ -2012,7 +2018,7 @@
           <a:p>
             <a:fld id="{29BEE5A6-929A-46EC-9C82-4B5324760692}" type="datetimeFigureOut">
               <a:rPr lang="ko-KR" altLang="en-US" smtClean="0"/>
-              <a:t>2022-04-10</a:t>
+              <a:t>2022-04-13</a:t>
             </a:fld>
             <a:endParaRPr lang="ko-KR" altLang="en-US"/>
           </a:p>
@@ -2125,7 +2131,7 @@
           <a:p>
             <a:fld id="{29BEE5A6-929A-46EC-9C82-4B5324760692}" type="datetimeFigureOut">
               <a:rPr lang="ko-KR" altLang="en-US" smtClean="0"/>
-              <a:t>2022-04-10</a:t>
+              <a:t>2022-04-13</a:t>
             </a:fld>
             <a:endParaRPr lang="ko-KR" altLang="en-US"/>
           </a:p>
@@ -2436,7 +2442,7 @@
           <a:p>
             <a:fld id="{29BEE5A6-929A-46EC-9C82-4B5324760692}" type="datetimeFigureOut">
               <a:rPr lang="ko-KR" altLang="en-US" smtClean="0"/>
-              <a:t>2022-04-10</a:t>
+              <a:t>2022-04-13</a:t>
             </a:fld>
             <a:endParaRPr lang="ko-KR" altLang="en-US"/>
           </a:p>
@@ -2724,7 +2730,7 @@
           <a:p>
             <a:fld id="{29BEE5A6-929A-46EC-9C82-4B5324760692}" type="datetimeFigureOut">
               <a:rPr lang="ko-KR" altLang="en-US" smtClean="0"/>
-              <a:t>2022-04-10</a:t>
+              <a:t>2022-04-13</a:t>
             </a:fld>
             <a:endParaRPr lang="ko-KR" altLang="en-US"/>
           </a:p>
@@ -2965,7 +2971,7 @@
           <a:p>
             <a:fld id="{29BEE5A6-929A-46EC-9C82-4B5324760692}" type="datetimeFigureOut">
               <a:rPr lang="ko-KR" altLang="en-US" smtClean="0"/>
-              <a:t>2022-04-10</a:t>
+              <a:t>2022-04-13</a:t>
             </a:fld>
             <a:endParaRPr lang="ko-KR" altLang="en-US"/>
           </a:p>
@@ -3476,6 +3482,52 @@
           </a:prstGeom>
         </p:spPr>
       </p:pic>
+      <p:sp>
+        <p:nvSpPr>
+          <p:cNvPr id="5" name="TextBox 4">
+            <a:extLst>
+              <a:ext uri="{FF2B5EF4-FFF2-40B4-BE49-F238E27FC236}">
+                <a16:creationId xmlns:a16="http://schemas.microsoft.com/office/drawing/2014/main" id="{E5744416-595F-42E7-A23E-10A7042C4044}"/>
+              </a:ext>
+            </a:extLst>
+          </p:cNvPr>
+          <p:cNvSpPr txBox="1"/>
+          <p:nvPr/>
+        </p:nvSpPr>
+        <p:spPr>
+          <a:xfrm>
+            <a:off x="0" y="6211669"/>
+            <a:ext cx="2805576" cy="646331"/>
+          </a:xfrm>
+          <a:prstGeom prst="rect">
+            <a:avLst/>
+          </a:prstGeom>
+          <a:noFill/>
+        </p:spPr>
+        <p:txBody>
+          <a:bodyPr wrap="none" rtlCol="0">
+            <a:spAutoFit/>
+          </a:bodyPr>
+          <a:lstStyle/>
+          <a:p>
+            <a:r>
+              <a:rPr lang="ko-KR" altLang="en-US" dirty="0"/>
+              <a:t>경희대학교 컴퓨터공학과</a:t>
+            </a:r>
+            <a:endParaRPr lang="en-US" altLang="ko-KR" dirty="0"/>
+          </a:p>
+          <a:p>
+            <a:r>
+              <a:rPr lang="en-US" altLang="ko-KR" dirty="0"/>
+              <a:t>2019102191 </a:t>
+            </a:r>
+            <a:r>
+              <a:rPr lang="ko-KR" altLang="en-US" dirty="0"/>
+              <a:t>신주영</a:t>
+            </a:r>
+          </a:p>
+        </p:txBody>
+      </p:sp>
     </p:spTree>
     <p:extLst>
       <p:ext uri="{BB962C8B-B14F-4D97-AF65-F5344CB8AC3E}">
@@ -3490,6 +3542,537 @@
 </file>
 
 <file path=ppt/slides/slide10.xml><?xml version="1.0" encoding="utf-8"?>
+<p:sld xmlns:a="http://schemas.openxmlformats.org/drawingml/2006/main" xmlns:r="http://schemas.openxmlformats.org/officeDocument/2006/relationships" xmlns:p="http://schemas.openxmlformats.org/presentationml/2006/main">
+  <p:cSld>
+    <p:spTree>
+      <p:nvGrpSpPr>
+        <p:cNvPr id="1" name=""/>
+        <p:cNvGrpSpPr/>
+        <p:nvPr/>
+      </p:nvGrpSpPr>
+      <p:grpSpPr>
+        <a:xfrm>
+          <a:off x="0" y="0"/>
+          <a:ext cx="0" cy="0"/>
+          <a:chOff x="0" y="0"/>
+          <a:chExt cx="0" cy="0"/>
+        </a:xfrm>
+      </p:grpSpPr>
+      <p:sp>
+        <p:nvSpPr>
+          <p:cNvPr id="2" name="제목 1">
+            <a:extLst>
+              <a:ext uri="{FF2B5EF4-FFF2-40B4-BE49-F238E27FC236}">
+                <a16:creationId xmlns:a16="http://schemas.microsoft.com/office/drawing/2014/main" id="{6166E8EE-6B62-48E8-9FF1-9D1DBC7A7802}"/>
+              </a:ext>
+            </a:extLst>
+          </p:cNvPr>
+          <p:cNvSpPr>
+            <a:spLocks noGrp="1"/>
+          </p:cNvSpPr>
+          <p:nvPr>
+            <p:ph type="title"/>
+          </p:nvPr>
+        </p:nvSpPr>
+        <p:spPr/>
+        <p:txBody>
+          <a:bodyPr/>
+          <a:lstStyle/>
+          <a:p>
+            <a:r>
+              <a:rPr lang="en-US" altLang="ko-KR" dirty="0"/>
+              <a:t>Algorithm</a:t>
+            </a:r>
+            <a:br>
+              <a:rPr lang="en-US" altLang="ko-KR" dirty="0"/>
+            </a:br>
+            <a:r>
+              <a:rPr lang="en-US" altLang="ko-KR" sz="2400" dirty="0"/>
+              <a:t>Correlation</a:t>
+            </a:r>
+            <a:endParaRPr lang="ko-KR" altLang="en-US" dirty="0"/>
+          </a:p>
+        </p:txBody>
+      </p:sp>
+      <p:pic>
+        <p:nvPicPr>
+          <p:cNvPr id="4" name="그림 3">
+            <a:extLst>
+              <a:ext uri="{FF2B5EF4-FFF2-40B4-BE49-F238E27FC236}">
+                <a16:creationId xmlns:a16="http://schemas.microsoft.com/office/drawing/2014/main" id="{9C40C19B-6FA5-4EAD-A011-5807CEE34AA9}"/>
+              </a:ext>
+            </a:extLst>
+          </p:cNvPr>
+          <p:cNvPicPr>
+            <a:picLocks noChangeAspect="1"/>
+          </p:cNvPicPr>
+          <p:nvPr/>
+        </p:nvPicPr>
+        <p:blipFill>
+          <a:blip r:embed="rId2">
+            <a:extLst>
+              <a:ext uri="{28A0092B-C50C-407E-A947-70E740481C1C}">
+                <a14:useLocalDpi xmlns:a14="http://schemas.microsoft.com/office/drawing/2010/main" val="0"/>
+              </a:ext>
+            </a:extLst>
+          </a:blip>
+          <a:stretch>
+            <a:fillRect/>
+          </a:stretch>
+        </p:blipFill>
+        <p:spPr>
+          <a:xfrm>
+            <a:off x="9017429" y="6124103"/>
+            <a:ext cx="3031958" cy="733897"/>
+          </a:xfrm>
+          <a:prstGeom prst="rect">
+            <a:avLst/>
+          </a:prstGeom>
+        </p:spPr>
+      </p:pic>
+      <mc:AlternateContent xmlns:mc="http://schemas.openxmlformats.org/markup-compatibility/2006" xmlns:a14="http://schemas.microsoft.com/office/drawing/2010/main">
+        <mc:Choice Requires="a14">
+          <p:sp>
+            <p:nvSpPr>
+              <p:cNvPr id="5" name="내용 개체 틀 4">
+                <a:extLst>
+                  <a:ext uri="{FF2B5EF4-FFF2-40B4-BE49-F238E27FC236}">
+                    <a16:creationId xmlns:a16="http://schemas.microsoft.com/office/drawing/2014/main" id="{9A145EEF-778A-4D7E-8BC0-10B9D82A9B24}"/>
+                  </a:ext>
+                </a:extLst>
+              </p:cNvPr>
+              <p:cNvSpPr>
+                <a:spLocks noGrp="1"/>
+              </p:cNvSpPr>
+              <p:nvPr>
+                <p:ph idx="1"/>
+              </p:nvPr>
+            </p:nvSpPr>
+            <p:spPr/>
+            <p:txBody>
+              <a:bodyPr/>
+              <a:lstStyle/>
+              <a:p>
+                <a:r>
+                  <a:rPr lang="en-US" altLang="ko-KR" b="0" i="0" dirty="0">
+                    <a:solidFill>
+                      <a:srgbClr val="000000"/>
+                    </a:solidFill>
+                    <a:effectLst/>
+                  </a:rPr>
+                  <a:t>An index that does not depend on the size of the variance represents a correlation coefficient.</a:t>
+                </a:r>
+              </a:p>
+              <a:p>
+                <a:r>
+                  <a:rPr lang="en-US" altLang="ko-KR" b="0" i="0" dirty="0">
+                    <a:solidFill>
+                      <a:srgbClr val="000000"/>
+                    </a:solidFill>
+                    <a:effectLst/>
+                  </a:rPr>
+                  <a:t>The covariance </a:t>
+                </a:r>
+                <a14:m>
+                  <m:oMath xmlns:m="http://schemas.openxmlformats.org/officeDocument/2006/math">
+                    <m:sSub>
+                      <m:sSubPr>
+                        <m:ctrlPr>
+                          <a:rPr lang="en-US" altLang="ko-KR" b="0" i="1" dirty="0" smtClean="0">
+                            <a:solidFill>
+                              <a:srgbClr val="000000"/>
+                            </a:solidFill>
+                            <a:effectLst/>
+                            <a:latin typeface="Cambria Math" panose="02040503050406030204" pitchFamily="18" charset="0"/>
+                          </a:rPr>
+                        </m:ctrlPr>
+                      </m:sSubPr>
+                      <m:e>
+                        <m:r>
+                          <a:rPr lang="en-US" altLang="ko-KR" b="0" i="1" dirty="0" smtClean="0">
+                            <a:solidFill>
+                              <a:srgbClr val="000000"/>
+                            </a:solidFill>
+                            <a:effectLst/>
+                            <a:latin typeface="Cambria Math" panose="02040503050406030204" pitchFamily="18" charset="0"/>
+                          </a:rPr>
+                          <m:t>𝑠</m:t>
+                        </m:r>
+                      </m:e>
+                      <m:sub>
+                        <m:r>
+                          <a:rPr lang="en-US" altLang="ko-KR" b="0" i="1" dirty="0" smtClean="0">
+                            <a:solidFill>
+                              <a:srgbClr val="000000"/>
+                            </a:solidFill>
+                            <a:effectLst/>
+                            <a:latin typeface="Cambria Math" panose="02040503050406030204" pitchFamily="18" charset="0"/>
+                          </a:rPr>
+                          <m:t>𝑥𝑦</m:t>
+                        </m:r>
+                      </m:sub>
+                    </m:sSub>
+                    <m:r>
+                      <a:rPr lang="en-US" altLang="ko-KR" b="0" i="1" dirty="0" smtClean="0">
+                        <a:solidFill>
+                          <a:srgbClr val="000000"/>
+                        </a:solidFill>
+                        <a:effectLst/>
+                        <a:latin typeface="Cambria Math" panose="02040503050406030204" pitchFamily="18" charset="0"/>
+                      </a:rPr>
+                      <m:t> </m:t>
+                    </m:r>
+                  </m:oMath>
+                </a14:m>
+                <a:r>
+                  <a:rPr lang="en-US" altLang="ko-KR" b="0" i="0" dirty="0">
+                    <a:solidFill>
+                      <a:srgbClr val="000000"/>
+                    </a:solidFill>
+                    <a:effectLst/>
+                  </a:rPr>
+                  <a:t>of the two data </a:t>
+                </a:r>
+                <a14:m>
+                  <m:oMath xmlns:m="http://schemas.openxmlformats.org/officeDocument/2006/math">
+                    <m:r>
+                      <a:rPr lang="en-US" altLang="ko-KR" i="1">
+                        <a:solidFill>
+                          <a:srgbClr val="000000"/>
+                        </a:solidFill>
+                        <a:latin typeface="Cambria Math" panose="02040503050406030204" pitchFamily="18" charset="0"/>
+                      </a:rPr>
+                      <m:t>𝑥</m:t>
+                    </m:r>
+                  </m:oMath>
+                </a14:m>
+                <a:r>
+                  <a:rPr lang="en-US" altLang="ko-KR" b="0" i="0" dirty="0">
+                    <a:solidFill>
+                      <a:srgbClr val="000000"/>
+                    </a:solidFill>
+                    <a:effectLst/>
+                  </a:rPr>
+                  <a:t> and </a:t>
+                </a:r>
+                <a14:m>
+                  <m:oMath xmlns:m="http://schemas.openxmlformats.org/officeDocument/2006/math">
+                    <m:r>
+                      <a:rPr lang="en-US" altLang="ko-KR" i="1" dirty="0">
+                        <a:solidFill>
+                          <a:srgbClr val="000000"/>
+                        </a:solidFill>
+                        <a:latin typeface="Cambria Math" panose="02040503050406030204" pitchFamily="18" charset="0"/>
+                      </a:rPr>
+                      <m:t>𝑦</m:t>
+                    </m:r>
+                  </m:oMath>
+                </a14:m>
+                <a:r>
+                  <a:rPr lang="en-US" altLang="ko-KR" b="0" i="0" dirty="0">
+                    <a:solidFill>
+                      <a:srgbClr val="000000"/>
+                    </a:solidFill>
+                    <a:effectLst/>
+                  </a:rPr>
+                  <a:t> is divided by the standard deviations </a:t>
+                </a:r>
+                <a14:m>
+                  <m:oMath xmlns:m="http://schemas.openxmlformats.org/officeDocument/2006/math">
+                    <m:sSub>
+                      <m:sSubPr>
+                        <m:ctrlPr>
+                          <a:rPr lang="en-US" altLang="ko-KR" b="0" i="1" smtClean="0">
+                            <a:solidFill>
+                              <a:srgbClr val="000000"/>
+                            </a:solidFill>
+                            <a:effectLst/>
+                            <a:latin typeface="Cambria Math" panose="02040503050406030204" pitchFamily="18" charset="0"/>
+                          </a:rPr>
+                        </m:ctrlPr>
+                      </m:sSubPr>
+                      <m:e>
+                        <m:r>
+                          <a:rPr lang="en-US" altLang="ko-KR" b="0" i="1" smtClean="0">
+                            <a:solidFill>
+                              <a:srgbClr val="000000"/>
+                            </a:solidFill>
+                            <a:effectLst/>
+                            <a:latin typeface="Cambria Math" panose="02040503050406030204" pitchFamily="18" charset="0"/>
+                          </a:rPr>
+                          <m:t>𝑠</m:t>
+                        </m:r>
+                      </m:e>
+                      <m:sub>
+                        <m:r>
+                          <a:rPr lang="en-US" altLang="ko-KR" b="0" i="1" smtClean="0">
+                            <a:solidFill>
+                              <a:srgbClr val="000000"/>
+                            </a:solidFill>
+                            <a:effectLst/>
+                            <a:latin typeface="Cambria Math" panose="02040503050406030204" pitchFamily="18" charset="0"/>
+                          </a:rPr>
+                          <m:t>𝑥</m:t>
+                        </m:r>
+                      </m:sub>
+                    </m:sSub>
+                  </m:oMath>
+                </a14:m>
+                <a:r>
+                  <a:rPr lang="en-US" altLang="ko-KR" b="0" i="0" dirty="0">
+                    <a:solidFill>
+                      <a:srgbClr val="000000"/>
+                    </a:solidFill>
+                    <a:effectLst/>
+                  </a:rPr>
+                  <a:t> and </a:t>
+                </a:r>
+                <a14:m>
+                  <m:oMath xmlns:m="http://schemas.openxmlformats.org/officeDocument/2006/math">
+                    <m:sSub>
+                      <m:sSubPr>
+                        <m:ctrlPr>
+                          <a:rPr lang="en-US" altLang="ko-KR" b="0" i="1" smtClean="0">
+                            <a:solidFill>
+                              <a:srgbClr val="000000"/>
+                            </a:solidFill>
+                            <a:effectLst/>
+                            <a:latin typeface="Cambria Math" panose="02040503050406030204" pitchFamily="18" charset="0"/>
+                          </a:rPr>
+                        </m:ctrlPr>
+                      </m:sSubPr>
+                      <m:e>
+                        <m:r>
+                          <a:rPr lang="en-US" altLang="ko-KR" b="0" i="1" smtClean="0">
+                            <a:solidFill>
+                              <a:srgbClr val="000000"/>
+                            </a:solidFill>
+                            <a:effectLst/>
+                            <a:latin typeface="Cambria Math" panose="02040503050406030204" pitchFamily="18" charset="0"/>
+                          </a:rPr>
+                          <m:t>𝑠</m:t>
+                        </m:r>
+                      </m:e>
+                      <m:sub>
+                        <m:r>
+                          <a:rPr lang="en-US" altLang="ko-KR" b="0" i="1" smtClean="0">
+                            <a:solidFill>
+                              <a:srgbClr val="000000"/>
+                            </a:solidFill>
+                            <a:effectLst/>
+                            <a:latin typeface="Cambria Math" panose="02040503050406030204" pitchFamily="18" charset="0"/>
+                          </a:rPr>
+                          <m:t>𝑦</m:t>
+                        </m:r>
+                      </m:sub>
+                    </m:sSub>
+                  </m:oMath>
+                </a14:m>
+                <a:r>
+                  <a:rPr lang="en-US" altLang="ko-KR" b="0" i="0" dirty="0">
+                    <a:solidFill>
+                      <a:srgbClr val="000000"/>
+                    </a:solidFill>
+                    <a:effectLst/>
+                  </a:rPr>
+                  <a:t>.</a:t>
+                </a:r>
+              </a:p>
+              <a:p>
+                <a14:m>
+                  <m:oMath xmlns:m="http://schemas.openxmlformats.org/officeDocument/2006/math">
+                    <m:sSub>
+                      <m:sSubPr>
+                        <m:ctrlPr>
+                          <a:rPr lang="en-US" altLang="ko-KR" i="1" smtClean="0">
+                            <a:latin typeface="Cambria Math" panose="02040503050406030204" pitchFamily="18" charset="0"/>
+                          </a:rPr>
+                        </m:ctrlPr>
+                      </m:sSubPr>
+                      <m:e>
+                        <m:r>
+                          <a:rPr lang="en-US" altLang="ko-KR" b="0" i="1" smtClean="0">
+                            <a:latin typeface="Cambria Math" panose="02040503050406030204" pitchFamily="18" charset="0"/>
+                          </a:rPr>
+                          <m:t>𝑟</m:t>
+                        </m:r>
+                      </m:e>
+                      <m:sub>
+                        <m:r>
+                          <a:rPr lang="en-US" altLang="ko-KR" b="0" i="1" smtClean="0">
+                            <a:latin typeface="Cambria Math" panose="02040503050406030204" pitchFamily="18" charset="0"/>
+                          </a:rPr>
+                          <m:t>𝑥𝑦</m:t>
+                        </m:r>
+                      </m:sub>
+                    </m:sSub>
+                    <m:r>
+                      <a:rPr lang="en-US" altLang="ko-KR" b="0" i="1" smtClean="0">
+                        <a:latin typeface="Cambria Math" panose="02040503050406030204" pitchFamily="18" charset="0"/>
+                      </a:rPr>
+                      <m:t>=</m:t>
+                    </m:r>
+                    <m:f>
+                      <m:fPr>
+                        <m:ctrlPr>
+                          <a:rPr lang="en-US" altLang="ko-KR" b="0" i="1" smtClean="0">
+                            <a:latin typeface="Cambria Math" panose="02040503050406030204" pitchFamily="18" charset="0"/>
+                          </a:rPr>
+                        </m:ctrlPr>
+                      </m:fPr>
+                      <m:num>
+                        <m:sSub>
+                          <m:sSubPr>
+                            <m:ctrlPr>
+                              <a:rPr lang="en-US" altLang="ko-KR" b="0" i="1" smtClean="0">
+                                <a:latin typeface="Cambria Math" panose="02040503050406030204" pitchFamily="18" charset="0"/>
+                              </a:rPr>
+                            </m:ctrlPr>
+                          </m:sSubPr>
+                          <m:e>
+                            <m:r>
+                              <a:rPr lang="en-US" altLang="ko-KR" b="0" i="1" smtClean="0">
+                                <a:latin typeface="Cambria Math" panose="02040503050406030204" pitchFamily="18" charset="0"/>
+                              </a:rPr>
+                              <m:t>𝑠</m:t>
+                            </m:r>
+                          </m:e>
+                          <m:sub>
+                            <m:r>
+                              <a:rPr lang="en-US" altLang="ko-KR" b="0" i="1" smtClean="0">
+                                <a:latin typeface="Cambria Math" panose="02040503050406030204" pitchFamily="18" charset="0"/>
+                              </a:rPr>
+                              <m:t>𝑥𝑦</m:t>
+                            </m:r>
+                          </m:sub>
+                        </m:sSub>
+                      </m:num>
+                      <m:den>
+                        <m:sSub>
+                          <m:sSubPr>
+                            <m:ctrlPr>
+                              <a:rPr lang="en-US" altLang="ko-KR" b="0" i="1" smtClean="0">
+                                <a:latin typeface="Cambria Math" panose="02040503050406030204" pitchFamily="18" charset="0"/>
+                              </a:rPr>
+                            </m:ctrlPr>
+                          </m:sSubPr>
+                          <m:e>
+                            <m:r>
+                              <a:rPr lang="en-US" altLang="ko-KR" b="0" i="1" smtClean="0">
+                                <a:latin typeface="Cambria Math" panose="02040503050406030204" pitchFamily="18" charset="0"/>
+                              </a:rPr>
+                              <m:t>𝑠</m:t>
+                            </m:r>
+                          </m:e>
+                          <m:sub>
+                            <m:r>
+                              <a:rPr lang="en-US" altLang="ko-KR" b="0" i="1" smtClean="0">
+                                <a:latin typeface="Cambria Math" panose="02040503050406030204" pitchFamily="18" charset="0"/>
+                              </a:rPr>
+                              <m:t>𝑥</m:t>
+                            </m:r>
+                          </m:sub>
+                        </m:sSub>
+                        <m:sSub>
+                          <m:sSubPr>
+                            <m:ctrlPr>
+                              <a:rPr lang="en-US" altLang="ko-KR" b="0" i="1" smtClean="0">
+                                <a:latin typeface="Cambria Math" panose="02040503050406030204" pitchFamily="18" charset="0"/>
+                              </a:rPr>
+                            </m:ctrlPr>
+                          </m:sSubPr>
+                          <m:e>
+                            <m:r>
+                              <a:rPr lang="en-US" altLang="ko-KR" b="0" i="1" smtClean="0">
+                                <a:latin typeface="Cambria Math" panose="02040503050406030204" pitchFamily="18" charset="0"/>
+                              </a:rPr>
+                              <m:t>𝑠</m:t>
+                            </m:r>
+                          </m:e>
+                          <m:sub>
+                            <m:r>
+                              <a:rPr lang="en-US" altLang="ko-KR" b="0" i="1" smtClean="0">
+                                <a:latin typeface="Cambria Math" panose="02040503050406030204" pitchFamily="18" charset="0"/>
+                              </a:rPr>
+                              <m:t>𝑦</m:t>
+                            </m:r>
+                          </m:sub>
+                        </m:sSub>
+                      </m:den>
+                    </m:f>
+                  </m:oMath>
+                </a14:m>
+                <a:endParaRPr lang="en-US" altLang="ko-KR" dirty="0"/>
+              </a:p>
+              <a:p>
+                <a:r>
+                  <a:rPr lang="en-US" altLang="ko-KR" b="0" i="0" dirty="0">
+                    <a:solidFill>
+                      <a:srgbClr val="000000"/>
+                    </a:solidFill>
+                    <a:effectLst/>
+                  </a:rPr>
+                  <a:t>The correlation coefficient represents the relationship between data like covariance, but since it is divided by each standard deviation, a value between -1 and 1 is obtained.</a:t>
+                </a:r>
+                <a:endParaRPr lang="ko-KR" altLang="en-US" dirty="0"/>
+              </a:p>
+            </p:txBody>
+          </p:sp>
+        </mc:Choice>
+        <mc:Fallback xmlns="">
+          <p:sp>
+            <p:nvSpPr>
+              <p:cNvPr id="5" name="내용 개체 틀 4">
+                <a:extLst>
+                  <a:ext uri="{FF2B5EF4-FFF2-40B4-BE49-F238E27FC236}">
+                    <a16:creationId xmlns:a16="http://schemas.microsoft.com/office/drawing/2014/main" id="{9A145EEF-778A-4D7E-8BC0-10B9D82A9B24}"/>
+                  </a:ext>
+                </a:extLst>
+              </p:cNvPr>
+              <p:cNvSpPr>
+                <a:spLocks noGrp="1" noRot="1" noChangeAspect="1" noMove="1" noResize="1" noEditPoints="1" noAdjustHandles="1" noChangeArrowheads="1" noChangeShapeType="1" noTextEdit="1"/>
+              </p:cNvSpPr>
+              <p:nvPr>
+                <p:ph idx="1"/>
+              </p:nvPr>
+            </p:nvSpPr>
+            <p:spPr>
+              <a:blipFill>
+                <a:blip r:embed="rId3"/>
+                <a:stretch>
+                  <a:fillRect l="-1043" t="-2381"/>
+                </a:stretch>
+              </a:blipFill>
+            </p:spPr>
+            <p:txBody>
+              <a:bodyPr/>
+              <a:lstStyle/>
+              <a:p>
+                <a:r>
+                  <a:rPr lang="ko-KR" altLang="en-US">
+                    <a:noFill/>
+                  </a:rPr>
+                  <a:t> </a:t>
+                </a:r>
+              </a:p>
+            </p:txBody>
+          </p:sp>
+        </mc:Fallback>
+      </mc:AlternateContent>
+    </p:spTree>
+    <p:extLst>
+      <p:ext uri="{BB962C8B-B14F-4D97-AF65-F5344CB8AC3E}">
+        <p14:creationId xmlns:p14="http://schemas.microsoft.com/office/powerpoint/2010/main" val="3832908025"/>
+      </p:ext>
+    </p:extLst>
+  </p:cSld>
+  <p:clrMapOvr>
+    <a:masterClrMapping/>
+  </p:clrMapOvr>
+</p:sld>
+</file>
+
+<file path=ppt/slides/slide11.xml><?xml version="1.0" encoding="utf-8"?>
 <p:sld xmlns:a="http://schemas.openxmlformats.org/drawingml/2006/main" xmlns:r="http://schemas.openxmlformats.org/officeDocument/2006/relationships" xmlns:p="http://schemas.openxmlformats.org/presentationml/2006/main">
   <p:cSld>
     <p:spTree>
@@ -4203,7 +4786,7 @@
 </p:sld>
 </file>
 
-<file path=ppt/slides/slide11.xml><?xml version="1.0" encoding="utf-8"?>
+<file path=ppt/slides/slide12.xml><?xml version="1.0" encoding="utf-8"?>
 <p:sld xmlns:a="http://schemas.openxmlformats.org/drawingml/2006/main" xmlns:r="http://schemas.openxmlformats.org/officeDocument/2006/relationships" xmlns:p="http://schemas.openxmlformats.org/presentationml/2006/main">
   <p:cSld>
     <p:spTree>
@@ -4923,7 +5506,7 @@
 </p:sld>
 </file>
 
-<file path=ppt/slides/slide12.xml><?xml version="1.0" encoding="utf-8"?>
+<file path=ppt/slides/slide13.xml><?xml version="1.0" encoding="utf-8"?>
 <p:sld xmlns:a="http://schemas.openxmlformats.org/drawingml/2006/main" xmlns:r="http://schemas.openxmlformats.org/officeDocument/2006/relationships" xmlns:p="http://schemas.openxmlformats.org/presentationml/2006/main">
   <p:cSld>
     <p:spTree>
@@ -5242,197 +5825,6 @@
 </p:sld>
 </file>
 
-<file path=ppt/slides/slide13.xml><?xml version="1.0" encoding="utf-8"?>
-<p:sld xmlns:a="http://schemas.openxmlformats.org/drawingml/2006/main" xmlns:r="http://schemas.openxmlformats.org/officeDocument/2006/relationships" xmlns:p="http://schemas.openxmlformats.org/presentationml/2006/main">
-  <p:cSld>
-    <p:spTree>
-      <p:nvGrpSpPr>
-        <p:cNvPr id="1" name=""/>
-        <p:cNvGrpSpPr/>
-        <p:nvPr/>
-      </p:nvGrpSpPr>
-      <p:grpSpPr>
-        <a:xfrm>
-          <a:off x="0" y="0"/>
-          <a:ext cx="0" cy="0"/>
-          <a:chOff x="0" y="0"/>
-          <a:chExt cx="0" cy="0"/>
-        </a:xfrm>
-      </p:grpSpPr>
-      <p:sp>
-        <p:nvSpPr>
-          <p:cNvPr id="2" name="제목 1">
-            <a:extLst>
-              <a:ext uri="{FF2B5EF4-FFF2-40B4-BE49-F238E27FC236}">
-                <a16:creationId xmlns:a16="http://schemas.microsoft.com/office/drawing/2014/main" id="{C540CC04-1585-4064-8907-459537D39D09}"/>
-              </a:ext>
-            </a:extLst>
-          </p:cNvPr>
-          <p:cNvSpPr>
-            <a:spLocks noGrp="1"/>
-          </p:cNvSpPr>
-          <p:nvPr>
-            <p:ph type="title"/>
-          </p:nvPr>
-        </p:nvSpPr>
-        <p:spPr/>
-        <p:txBody>
-          <a:bodyPr/>
-          <a:lstStyle/>
-          <a:p>
-            <a:r>
-              <a:rPr lang="en-US" altLang="ko-KR" dirty="0"/>
-              <a:t>Algorithm</a:t>
-            </a:r>
-            <a:endParaRPr lang="ko-KR" altLang="en-US" dirty="0"/>
-          </a:p>
-        </p:txBody>
-      </p:sp>
-      <p:pic>
-        <p:nvPicPr>
-          <p:cNvPr id="4" name="그림 3">
-            <a:extLst>
-              <a:ext uri="{FF2B5EF4-FFF2-40B4-BE49-F238E27FC236}">
-                <a16:creationId xmlns:a16="http://schemas.microsoft.com/office/drawing/2014/main" id="{BD17100A-6263-4BAC-B87F-42153C247FDA}"/>
-              </a:ext>
-            </a:extLst>
-          </p:cNvPr>
-          <p:cNvPicPr>
-            <a:picLocks noChangeAspect="1"/>
-          </p:cNvPicPr>
-          <p:nvPr/>
-        </p:nvPicPr>
-        <p:blipFill>
-          <a:blip r:embed="rId2">
-            <a:extLst>
-              <a:ext uri="{28A0092B-C50C-407E-A947-70E740481C1C}">
-                <a14:useLocalDpi xmlns:a14="http://schemas.microsoft.com/office/drawing/2010/main" val="0"/>
-              </a:ext>
-            </a:extLst>
-          </a:blip>
-          <a:stretch>
-            <a:fillRect/>
-          </a:stretch>
-        </p:blipFill>
-        <p:spPr>
-          <a:xfrm>
-            <a:off x="9017429" y="6124103"/>
-            <a:ext cx="3031958" cy="733897"/>
-          </a:xfrm>
-          <a:prstGeom prst="rect">
-            <a:avLst/>
-          </a:prstGeom>
-        </p:spPr>
-      </p:pic>
-      <p:sp>
-        <p:nvSpPr>
-          <p:cNvPr id="5" name="내용 개체 틀 4">
-            <a:extLst>
-              <a:ext uri="{FF2B5EF4-FFF2-40B4-BE49-F238E27FC236}">
-                <a16:creationId xmlns:a16="http://schemas.microsoft.com/office/drawing/2014/main" id="{15A699E5-7E30-45BD-BE32-71C7AB56832A}"/>
-              </a:ext>
-            </a:extLst>
-          </p:cNvPr>
-          <p:cNvSpPr>
-            <a:spLocks noGrp="1"/>
-          </p:cNvSpPr>
-          <p:nvPr>
-            <p:ph idx="1"/>
-          </p:nvPr>
-        </p:nvSpPr>
-        <p:spPr/>
-        <p:txBody>
-          <a:bodyPr>
-            <a:normAutofit/>
-          </a:bodyPr>
-          <a:lstStyle/>
-          <a:p>
-            <a:pPr algn="l">
-              <a:buFont typeface="Arial" panose="020B0604020202020204" pitchFamily="34" charset="0"/>
-              <a:buChar char="•"/>
-            </a:pPr>
-            <a:r>
-              <a:rPr lang="en-US" altLang="ko-KR" b="0" i="0" dirty="0">
-                <a:solidFill>
-                  <a:srgbClr val="000000"/>
-                </a:solidFill>
-                <a:effectLst/>
-              </a:rPr>
-              <a:t>The direction of the data is related to the eigenvector.</a:t>
-            </a:r>
-          </a:p>
-          <a:p>
-            <a:pPr algn="l">
-              <a:buFont typeface="Arial" panose="020B0604020202020204" pitchFamily="34" charset="0"/>
-              <a:buChar char="•"/>
-            </a:pPr>
-            <a:r>
-              <a:rPr lang="en-US" altLang="ko-KR" b="0" i="0" dirty="0">
-                <a:solidFill>
-                  <a:srgbClr val="000000"/>
-                </a:solidFill>
-                <a:effectLst/>
-              </a:rPr>
-              <a:t>The importance of data is related to eigenvalues.</a:t>
-            </a:r>
-          </a:p>
-          <a:p>
-            <a:pPr algn="l">
-              <a:buFont typeface="Arial" panose="020B0604020202020204" pitchFamily="34" charset="0"/>
-              <a:buChar char="•"/>
-            </a:pPr>
-            <a:r>
-              <a:rPr lang="en-US" altLang="ko-KR" b="0" i="0" dirty="0">
-                <a:solidFill>
-                  <a:srgbClr val="000000"/>
-                </a:solidFill>
-                <a:effectLst/>
-              </a:rPr>
-              <a:t>If the eigenvalue calculated for each principal component is divided by the total sum of several eigenvalues, the importance of the principal component can be expressed as a ratio, which is called the contribution rate.</a:t>
-            </a:r>
-          </a:p>
-          <a:p>
-            <a:pPr algn="l">
-              <a:buFont typeface="Arial" panose="020B0604020202020204" pitchFamily="34" charset="0"/>
-              <a:buChar char="•"/>
-            </a:pPr>
-            <a:r>
-              <a:rPr lang="en-US" altLang="ko-KR" b="0" i="0" dirty="0">
-                <a:solidFill>
-                  <a:srgbClr val="000000"/>
-                </a:solidFill>
-                <a:effectLst/>
-              </a:rPr>
-              <a:t>The value obtained by adding the contribution rate sequentially from the first main component is called the cumulative contribution rate.</a:t>
-            </a:r>
-          </a:p>
-          <a:p>
-            <a:pPr algn="l">
-              <a:buFont typeface="Arial" panose="020B0604020202020204" pitchFamily="34" charset="0"/>
-              <a:buChar char="•"/>
-            </a:pPr>
-            <a:endParaRPr lang="en-US" altLang="ko-KR" b="0" i="0" dirty="0">
-              <a:solidFill>
-                <a:srgbClr val="000000"/>
-              </a:solidFill>
-              <a:effectLst/>
-            </a:endParaRPr>
-          </a:p>
-        </p:txBody>
-      </p:sp>
-    </p:spTree>
-    <p:extLst>
-      <p:ext uri="{BB962C8B-B14F-4D97-AF65-F5344CB8AC3E}">
-        <p14:creationId xmlns:p14="http://schemas.microsoft.com/office/powerpoint/2010/main" val="344945086"/>
-      </p:ext>
-    </p:extLst>
-  </p:cSld>
-  <p:clrMapOvr>
-    <a:masterClrMapping/>
-  </p:clrMapOvr>
-</p:sld>
-</file>
-
 <file path=ppt/slides/slide14.xml><?xml version="1.0" encoding="utf-8"?>
 <p:sld xmlns:a="http://schemas.openxmlformats.org/drawingml/2006/main" xmlns:r="http://schemas.openxmlformats.org/officeDocument/2006/relationships" xmlns:p="http://schemas.openxmlformats.org/presentationml/2006/main">
   <p:cSld>
@@ -5455,7 +5847,7 @@
           <p:cNvPr id="2" name="제목 1">
             <a:extLst>
               <a:ext uri="{FF2B5EF4-FFF2-40B4-BE49-F238E27FC236}">
-                <a16:creationId xmlns:a16="http://schemas.microsoft.com/office/drawing/2014/main" id="{62708592-EF30-4991-864F-5C322588CC9B}"/>
+                <a16:creationId xmlns:a16="http://schemas.microsoft.com/office/drawing/2014/main" id="{C540CC04-1585-4064-8907-459537D39D09}"/>
               </a:ext>
             </a:extLst>
           </p:cNvPr>
@@ -5473,60 +5865,7 @@
           <a:p>
             <a:r>
               <a:rPr lang="en-US" altLang="ko-KR" dirty="0"/>
-              <a:t>Sample Code</a:t>
-            </a:r>
-            <a:endParaRPr lang="ko-KR" altLang="en-US" dirty="0"/>
-          </a:p>
-        </p:txBody>
-      </p:sp>
-      <p:sp>
-        <p:nvSpPr>
-          <p:cNvPr id="3" name="내용 개체 틀 2">
-            <a:extLst>
-              <a:ext uri="{FF2B5EF4-FFF2-40B4-BE49-F238E27FC236}">
-                <a16:creationId xmlns:a16="http://schemas.microsoft.com/office/drawing/2014/main" id="{916DB3EE-75F3-4123-B1C8-20E2F1B4A660}"/>
-              </a:ext>
-            </a:extLst>
-          </p:cNvPr>
-          <p:cNvSpPr>
-            <a:spLocks noGrp="1"/>
-          </p:cNvSpPr>
-          <p:nvPr>
-            <p:ph sz="half" idx="1"/>
-          </p:nvPr>
-        </p:nvSpPr>
-        <p:spPr/>
-        <p:txBody>
-          <a:bodyPr/>
-          <a:lstStyle/>
-          <a:p>
-            <a:r>
-              <a:rPr lang="en-US" altLang="ko-KR" dirty="0"/>
-              <a:t>Import libraries</a:t>
-            </a:r>
-          </a:p>
-          <a:p>
-            <a:r>
-              <a:rPr lang="en-US" altLang="ko-KR" dirty="0"/>
-              <a:t>Get iris dataset</a:t>
-            </a:r>
-          </a:p>
-          <a:p>
-            <a:r>
-              <a:rPr lang="en-US" altLang="ko-KR" dirty="0"/>
-              <a:t>Make PCA model</a:t>
-            </a:r>
-          </a:p>
-          <a:p>
-            <a:r>
-              <a:rPr lang="en-US" altLang="ko-KR" dirty="0"/>
-              <a:t>Train data into model</a:t>
-            </a:r>
-          </a:p>
-          <a:p>
-            <a:r>
-              <a:rPr lang="en-US" altLang="ko-KR" dirty="0"/>
-              <a:t>Print transformed data</a:t>
+              <a:t>Algorithm</a:t>
             </a:r>
             <a:endParaRPr lang="ko-KR" altLang="en-US" dirty="0"/>
           </a:p>
@@ -5534,45 +5873,10 @@
       </p:sp>
       <p:pic>
         <p:nvPicPr>
-          <p:cNvPr id="7" name="내용 개체 틀 6">
-            <a:extLst>
-              <a:ext uri="{FF2B5EF4-FFF2-40B4-BE49-F238E27FC236}">
-                <a16:creationId xmlns:a16="http://schemas.microsoft.com/office/drawing/2014/main" id="{7C4B9EAC-38C8-45D7-AF4F-8441F24762F4}"/>
-              </a:ext>
-            </a:extLst>
-          </p:cNvPr>
-          <p:cNvPicPr>
-            <a:picLocks noGrp="1" noChangeAspect="1"/>
-          </p:cNvPicPr>
-          <p:nvPr>
-            <p:ph sz="half" idx="2"/>
-          </p:nvPr>
-        </p:nvPicPr>
-        <p:blipFill>
-          <a:blip r:embed="rId2">
-            <a:extLst>
-              <a:ext uri="{28A0092B-C50C-407E-A947-70E740481C1C}">
-                <a14:useLocalDpi xmlns:a14="http://schemas.microsoft.com/office/drawing/2010/main" val="0"/>
-              </a:ext>
-            </a:extLst>
-          </a:blip>
-          <a:stretch>
-            <a:fillRect/>
-          </a:stretch>
-        </p:blipFill>
-        <p:spPr>
-          <a:xfrm>
-            <a:off x="6172200" y="1850545"/>
-            <a:ext cx="5181600" cy="4301498"/>
-          </a:xfrm>
-        </p:spPr>
-      </p:pic>
-      <p:pic>
-        <p:nvPicPr>
-          <p:cNvPr id="5" name="그림 4">
-            <a:extLst>
-              <a:ext uri="{FF2B5EF4-FFF2-40B4-BE49-F238E27FC236}">
-                <a16:creationId xmlns:a16="http://schemas.microsoft.com/office/drawing/2014/main" id="{9959D615-DBE2-47BB-9FDC-C0C2A539D23C}"/>
+          <p:cNvPr id="4" name="그림 3">
+            <a:extLst>
+              <a:ext uri="{FF2B5EF4-FFF2-40B4-BE49-F238E27FC236}">
+                <a16:creationId xmlns:a16="http://schemas.microsoft.com/office/drawing/2014/main" id="{BD17100A-6263-4BAC-B87F-42153C247FDA}"/>
               </a:ext>
             </a:extLst>
           </p:cNvPr>
@@ -5582,7 +5886,7 @@
           <p:nvPr/>
         </p:nvPicPr>
         <p:blipFill>
-          <a:blip r:embed="rId3">
+          <a:blip r:embed="rId2">
             <a:extLst>
               <a:ext uri="{28A0092B-C50C-407E-A947-70E740481C1C}">
                 <a14:useLocalDpi xmlns:a14="http://schemas.microsoft.com/office/drawing/2010/main" val="0"/>
@@ -5603,10 +5907,106 @@
           </a:prstGeom>
         </p:spPr>
       </p:pic>
+      <p:sp>
+        <p:nvSpPr>
+          <p:cNvPr id="5" name="내용 개체 틀 4">
+            <a:extLst>
+              <a:ext uri="{FF2B5EF4-FFF2-40B4-BE49-F238E27FC236}">
+                <a16:creationId xmlns:a16="http://schemas.microsoft.com/office/drawing/2014/main" id="{15A699E5-7E30-45BD-BE32-71C7AB56832A}"/>
+              </a:ext>
+            </a:extLst>
+          </p:cNvPr>
+          <p:cNvSpPr>
+            <a:spLocks noGrp="1"/>
+          </p:cNvSpPr>
+          <p:nvPr>
+            <p:ph idx="1"/>
+          </p:nvPr>
+        </p:nvSpPr>
+        <p:spPr/>
+        <p:txBody>
+          <a:bodyPr>
+            <a:normAutofit/>
+          </a:bodyPr>
+          <a:lstStyle/>
+          <a:p>
+            <a:pPr algn="l">
+              <a:buFont typeface="Arial" panose="020B0604020202020204" pitchFamily="34" charset="0"/>
+              <a:buChar char="•"/>
+            </a:pPr>
+            <a:r>
+              <a:rPr lang="en-US" altLang="ko-KR" b="0" i="0" dirty="0">
+                <a:solidFill>
+                  <a:srgbClr val="000000"/>
+                </a:solidFill>
+                <a:effectLst/>
+              </a:rPr>
+              <a:t>The direction of the data is related to the eigenvector.</a:t>
+            </a:r>
+          </a:p>
+          <a:p>
+            <a:pPr algn="l">
+              <a:buFont typeface="Arial" panose="020B0604020202020204" pitchFamily="34" charset="0"/>
+              <a:buChar char="•"/>
+            </a:pPr>
+            <a:r>
+              <a:rPr lang="en-US" altLang="ko-KR" b="0" i="0" dirty="0">
+                <a:solidFill>
+                  <a:srgbClr val="000000"/>
+                </a:solidFill>
+                <a:effectLst/>
+              </a:rPr>
+              <a:t>The importance of data is related to eigenvalues.</a:t>
+            </a:r>
+          </a:p>
+          <a:p>
+            <a:pPr algn="l">
+              <a:buFont typeface="Arial" panose="020B0604020202020204" pitchFamily="34" charset="0"/>
+              <a:buChar char="•"/>
+            </a:pPr>
+            <a:r>
+              <a:rPr lang="en-US" altLang="ko-KR" b="0" i="0" dirty="0">
+                <a:solidFill>
+                  <a:srgbClr val="000000"/>
+                </a:solidFill>
+                <a:effectLst/>
+              </a:rPr>
+              <a:t>If the eigenvalue calculated for each principal component is divided by the total sum of several eigenvalues, the importance of the principal component can be expressed as a ratio, which is called the contribution rate.</a:t>
+            </a:r>
+          </a:p>
+          <a:p>
+            <a:pPr algn="l">
+              <a:buFont typeface="Arial" panose="020B0604020202020204" pitchFamily="34" charset="0"/>
+              <a:buChar char="•"/>
+            </a:pPr>
+            <a:r>
+              <a:rPr lang="en-US" altLang="ko-KR" b="0" i="0" dirty="0">
+                <a:solidFill>
+                  <a:srgbClr val="000000"/>
+                </a:solidFill>
+                <a:effectLst/>
+              </a:rPr>
+              <a:t>The value obtained by adding the contribution rate sequentially from the first main component is called the cumulative contribution rate.</a:t>
+            </a:r>
+          </a:p>
+          <a:p>
+            <a:pPr algn="l">
+              <a:buFont typeface="Arial" panose="020B0604020202020204" pitchFamily="34" charset="0"/>
+              <a:buChar char="•"/>
+            </a:pPr>
+            <a:endParaRPr lang="en-US" altLang="ko-KR" b="0" i="0" dirty="0">
+              <a:solidFill>
+                <a:srgbClr val="000000"/>
+              </a:solidFill>
+              <a:effectLst/>
+            </a:endParaRPr>
+          </a:p>
+        </p:txBody>
+      </p:sp>
     </p:spTree>
     <p:extLst>
       <p:ext uri="{BB962C8B-B14F-4D97-AF65-F5344CB8AC3E}">
-        <p14:creationId xmlns:p14="http://schemas.microsoft.com/office/powerpoint/2010/main" val="3643273581"/>
+        <p14:creationId xmlns:p14="http://schemas.microsoft.com/office/powerpoint/2010/main" val="344945086"/>
       </p:ext>
     </p:extLst>
   </p:cSld>
@@ -5638,7 +6038,7 @@
           <p:cNvPr id="2" name="제목 1">
             <a:extLst>
               <a:ext uri="{FF2B5EF4-FFF2-40B4-BE49-F238E27FC236}">
-                <a16:creationId xmlns:a16="http://schemas.microsoft.com/office/drawing/2014/main" id="{CC37993E-4B47-420F-8C02-45912244A255}"/>
+                <a16:creationId xmlns:a16="http://schemas.microsoft.com/office/drawing/2014/main" id="{62708592-EF30-4991-864F-5C322588CC9B}"/>
               </a:ext>
             </a:extLst>
           </p:cNvPr>
@@ -5646,7 +6046,7 @@
             <a:spLocks noGrp="1"/>
           </p:cNvSpPr>
           <p:nvPr>
-            <p:ph type="ctrTitle"/>
+            <p:ph type="title"/>
           </p:nvPr>
         </p:nvSpPr>
         <p:spPr/>
@@ -5656,7 +6056,7 @@
           <a:p>
             <a:r>
               <a:rPr lang="en-US" altLang="ko-KR" dirty="0"/>
-              <a:t>Unsupervised Learning</a:t>
+              <a:t>Sample Code</a:t>
             </a:r>
             <a:endParaRPr lang="ko-KR" altLang="en-US" dirty="0"/>
           </a:p>
@@ -5664,10 +6064,10 @@
       </p:sp>
       <p:sp>
         <p:nvSpPr>
-          <p:cNvPr id="3" name="부제목 2">
-            <a:extLst>
-              <a:ext uri="{FF2B5EF4-FFF2-40B4-BE49-F238E27FC236}">
-                <a16:creationId xmlns:a16="http://schemas.microsoft.com/office/drawing/2014/main" id="{75F2B656-D547-44ED-85A3-2BF46AE26968}"/>
+          <p:cNvPr id="3" name="내용 개체 틀 2">
+            <a:extLst>
+              <a:ext uri="{FF2B5EF4-FFF2-40B4-BE49-F238E27FC236}">
+                <a16:creationId xmlns:a16="http://schemas.microsoft.com/office/drawing/2014/main" id="{916DB3EE-75F3-4123-B1C8-20E2F1B4A660}"/>
               </a:ext>
             </a:extLst>
           </p:cNvPr>
@@ -5675,7 +6075,7 @@
             <a:spLocks noGrp="1"/>
           </p:cNvSpPr>
           <p:nvPr>
-            <p:ph type="subTitle" idx="1"/>
+            <p:ph sz="half" idx="1"/>
           </p:nvPr>
         </p:nvSpPr>
         <p:spPr/>
@@ -5685,7 +6085,31 @@
           <a:p>
             <a:r>
               <a:rPr lang="en-US" altLang="ko-KR" dirty="0"/>
-              <a:t>Latent Semantic Analysis, LSA</a:t>
+              <a:t>Import libraries</a:t>
+            </a:r>
+          </a:p>
+          <a:p>
+            <a:r>
+              <a:rPr lang="en-US" altLang="ko-KR" dirty="0"/>
+              <a:t>Get iris dataset</a:t>
+            </a:r>
+          </a:p>
+          <a:p>
+            <a:r>
+              <a:rPr lang="en-US" altLang="ko-KR" dirty="0"/>
+              <a:t>Make PCA model</a:t>
+            </a:r>
+          </a:p>
+          <a:p>
+            <a:r>
+              <a:rPr lang="en-US" altLang="ko-KR" dirty="0"/>
+              <a:t>Train data into model</a:t>
+            </a:r>
+          </a:p>
+          <a:p>
+            <a:r>
+              <a:rPr lang="en-US" altLang="ko-KR" dirty="0"/>
+              <a:t>Print transformed data</a:t>
             </a:r>
             <a:endParaRPr lang="ko-KR" altLang="en-US" dirty="0"/>
           </a:p>
@@ -5693,10 +6117,45 @@
       </p:sp>
       <p:pic>
         <p:nvPicPr>
-          <p:cNvPr id="4" name="그림 3">
-            <a:extLst>
-              <a:ext uri="{FF2B5EF4-FFF2-40B4-BE49-F238E27FC236}">
-                <a16:creationId xmlns:a16="http://schemas.microsoft.com/office/drawing/2014/main" id="{D74D955A-B598-4DD3-B041-C5EDC95F1648}"/>
+          <p:cNvPr id="7" name="내용 개체 틀 6">
+            <a:extLst>
+              <a:ext uri="{FF2B5EF4-FFF2-40B4-BE49-F238E27FC236}">
+                <a16:creationId xmlns:a16="http://schemas.microsoft.com/office/drawing/2014/main" id="{7C4B9EAC-38C8-45D7-AF4F-8441F24762F4}"/>
+              </a:ext>
+            </a:extLst>
+          </p:cNvPr>
+          <p:cNvPicPr>
+            <a:picLocks noGrp="1" noChangeAspect="1"/>
+          </p:cNvPicPr>
+          <p:nvPr>
+            <p:ph sz="half" idx="2"/>
+          </p:nvPr>
+        </p:nvPicPr>
+        <p:blipFill>
+          <a:blip r:embed="rId2">
+            <a:extLst>
+              <a:ext uri="{28A0092B-C50C-407E-A947-70E740481C1C}">
+                <a14:useLocalDpi xmlns:a14="http://schemas.microsoft.com/office/drawing/2010/main" val="0"/>
+              </a:ext>
+            </a:extLst>
+          </a:blip>
+          <a:stretch>
+            <a:fillRect/>
+          </a:stretch>
+        </p:blipFill>
+        <p:spPr>
+          <a:xfrm>
+            <a:off x="6172200" y="1850545"/>
+            <a:ext cx="5181600" cy="4301498"/>
+          </a:xfrm>
+        </p:spPr>
+      </p:pic>
+      <p:pic>
+        <p:nvPicPr>
+          <p:cNvPr id="5" name="그림 4">
+            <a:extLst>
+              <a:ext uri="{FF2B5EF4-FFF2-40B4-BE49-F238E27FC236}">
+                <a16:creationId xmlns:a16="http://schemas.microsoft.com/office/drawing/2014/main" id="{9959D615-DBE2-47BB-9FDC-C0C2A539D23C}"/>
               </a:ext>
             </a:extLst>
           </p:cNvPr>
@@ -5706,7 +6165,7 @@
           <p:nvPr/>
         </p:nvPicPr>
         <p:blipFill>
-          <a:blip r:embed="rId2">
+          <a:blip r:embed="rId3">
             <a:extLst>
               <a:ext uri="{28A0092B-C50C-407E-A947-70E740481C1C}">
                 <a14:useLocalDpi xmlns:a14="http://schemas.microsoft.com/office/drawing/2010/main" val="0"/>
@@ -5730,7 +6189,7 @@
     </p:spTree>
     <p:extLst>
       <p:ext uri="{BB962C8B-B14F-4D97-AF65-F5344CB8AC3E}">
-        <p14:creationId xmlns:p14="http://schemas.microsoft.com/office/powerpoint/2010/main" val="2213238989"/>
+        <p14:creationId xmlns:p14="http://schemas.microsoft.com/office/powerpoint/2010/main" val="3643273581"/>
       </p:ext>
     </p:extLst>
   </p:cSld>
@@ -5762,6 +6221,176 @@
           <p:cNvPr id="2" name="제목 1">
             <a:extLst>
               <a:ext uri="{FF2B5EF4-FFF2-40B4-BE49-F238E27FC236}">
+                <a16:creationId xmlns:a16="http://schemas.microsoft.com/office/drawing/2014/main" id="{CC37993E-4B47-420F-8C02-45912244A255}"/>
+              </a:ext>
+            </a:extLst>
+          </p:cNvPr>
+          <p:cNvSpPr>
+            <a:spLocks noGrp="1"/>
+          </p:cNvSpPr>
+          <p:nvPr>
+            <p:ph type="ctrTitle"/>
+          </p:nvPr>
+        </p:nvSpPr>
+        <p:spPr/>
+        <p:txBody>
+          <a:bodyPr/>
+          <a:lstStyle/>
+          <a:p>
+            <a:r>
+              <a:rPr lang="en-US" altLang="ko-KR" dirty="0"/>
+              <a:t>Unsupervised Learning</a:t>
+            </a:r>
+            <a:endParaRPr lang="ko-KR" altLang="en-US" dirty="0"/>
+          </a:p>
+        </p:txBody>
+      </p:sp>
+      <p:sp>
+        <p:nvSpPr>
+          <p:cNvPr id="3" name="부제목 2">
+            <a:extLst>
+              <a:ext uri="{FF2B5EF4-FFF2-40B4-BE49-F238E27FC236}">
+                <a16:creationId xmlns:a16="http://schemas.microsoft.com/office/drawing/2014/main" id="{75F2B656-D547-44ED-85A3-2BF46AE26968}"/>
+              </a:ext>
+            </a:extLst>
+          </p:cNvPr>
+          <p:cNvSpPr>
+            <a:spLocks noGrp="1"/>
+          </p:cNvSpPr>
+          <p:nvPr>
+            <p:ph type="subTitle" idx="1"/>
+          </p:nvPr>
+        </p:nvSpPr>
+        <p:spPr/>
+        <p:txBody>
+          <a:bodyPr/>
+          <a:lstStyle/>
+          <a:p>
+            <a:r>
+              <a:rPr lang="en-US" altLang="ko-KR" dirty="0"/>
+              <a:t>Latent Semantic Analysis, LSA</a:t>
+            </a:r>
+            <a:endParaRPr lang="ko-KR" altLang="en-US" dirty="0"/>
+          </a:p>
+        </p:txBody>
+      </p:sp>
+      <p:pic>
+        <p:nvPicPr>
+          <p:cNvPr id="4" name="그림 3">
+            <a:extLst>
+              <a:ext uri="{FF2B5EF4-FFF2-40B4-BE49-F238E27FC236}">
+                <a16:creationId xmlns:a16="http://schemas.microsoft.com/office/drawing/2014/main" id="{D74D955A-B598-4DD3-B041-C5EDC95F1648}"/>
+              </a:ext>
+            </a:extLst>
+          </p:cNvPr>
+          <p:cNvPicPr>
+            <a:picLocks noChangeAspect="1"/>
+          </p:cNvPicPr>
+          <p:nvPr/>
+        </p:nvPicPr>
+        <p:blipFill>
+          <a:blip r:embed="rId2">
+            <a:extLst>
+              <a:ext uri="{28A0092B-C50C-407E-A947-70E740481C1C}">
+                <a14:useLocalDpi xmlns:a14="http://schemas.microsoft.com/office/drawing/2010/main" val="0"/>
+              </a:ext>
+            </a:extLst>
+          </a:blip>
+          <a:stretch>
+            <a:fillRect/>
+          </a:stretch>
+        </p:blipFill>
+        <p:spPr>
+          <a:xfrm>
+            <a:off x="9017429" y="6124103"/>
+            <a:ext cx="3031958" cy="733897"/>
+          </a:xfrm>
+          <a:prstGeom prst="rect">
+            <a:avLst/>
+          </a:prstGeom>
+        </p:spPr>
+      </p:pic>
+      <p:sp>
+        <p:nvSpPr>
+          <p:cNvPr id="6" name="TextBox 5">
+            <a:extLst>
+              <a:ext uri="{FF2B5EF4-FFF2-40B4-BE49-F238E27FC236}">
+                <a16:creationId xmlns:a16="http://schemas.microsoft.com/office/drawing/2014/main" id="{D5F4130A-F42A-42AF-94F5-3DE30D25DA99}"/>
+              </a:ext>
+            </a:extLst>
+          </p:cNvPr>
+          <p:cNvSpPr txBox="1"/>
+          <p:nvPr/>
+        </p:nvSpPr>
+        <p:spPr>
+          <a:xfrm>
+            <a:off x="0" y="6211669"/>
+            <a:ext cx="2805576" cy="646331"/>
+          </a:xfrm>
+          <a:prstGeom prst="rect">
+            <a:avLst/>
+          </a:prstGeom>
+          <a:noFill/>
+        </p:spPr>
+        <p:txBody>
+          <a:bodyPr wrap="none" rtlCol="0">
+            <a:spAutoFit/>
+          </a:bodyPr>
+          <a:lstStyle/>
+          <a:p>
+            <a:r>
+              <a:rPr lang="ko-KR" altLang="en-US" dirty="0"/>
+              <a:t>경희대학교 컴퓨터공학과</a:t>
+            </a:r>
+            <a:endParaRPr lang="en-US" altLang="ko-KR" dirty="0"/>
+          </a:p>
+          <a:p>
+            <a:r>
+              <a:rPr lang="en-US" altLang="ko-KR" dirty="0"/>
+              <a:t>2019102191 </a:t>
+            </a:r>
+            <a:r>
+              <a:rPr lang="ko-KR" altLang="en-US" dirty="0"/>
+              <a:t>신주영</a:t>
+            </a:r>
+          </a:p>
+        </p:txBody>
+      </p:sp>
+    </p:spTree>
+    <p:extLst>
+      <p:ext uri="{BB962C8B-B14F-4D97-AF65-F5344CB8AC3E}">
+        <p14:creationId xmlns:p14="http://schemas.microsoft.com/office/powerpoint/2010/main" val="2213238989"/>
+      </p:ext>
+    </p:extLst>
+  </p:cSld>
+  <p:clrMapOvr>
+    <a:masterClrMapping/>
+  </p:clrMapOvr>
+</p:sld>
+</file>
+
+<file path=ppt/slides/slide17.xml><?xml version="1.0" encoding="utf-8"?>
+<p:sld xmlns:a="http://schemas.openxmlformats.org/drawingml/2006/main" xmlns:r="http://schemas.openxmlformats.org/officeDocument/2006/relationships" xmlns:p="http://schemas.openxmlformats.org/presentationml/2006/main">
+  <p:cSld>
+    <p:spTree>
+      <p:nvGrpSpPr>
+        <p:cNvPr id="1" name=""/>
+        <p:cNvGrpSpPr/>
+        <p:nvPr/>
+      </p:nvGrpSpPr>
+      <p:grpSpPr>
+        <a:xfrm>
+          <a:off x="0" y="0"/>
+          <a:ext cx="0" cy="0"/>
+          <a:chOff x="0" y="0"/>
+          <a:chExt cx="0" cy="0"/>
+        </a:xfrm>
+      </p:grpSpPr>
+      <p:sp>
+        <p:nvSpPr>
+          <p:cNvPr id="2" name="제목 1">
+            <a:extLst>
+              <a:ext uri="{FF2B5EF4-FFF2-40B4-BE49-F238E27FC236}">
                 <a16:creationId xmlns:a16="http://schemas.microsoft.com/office/drawing/2014/main" id="{D9CFED25-DB1E-4284-B816-C997CBCB6BD5}"/>
               </a:ext>
             </a:extLst>
@@ -5817,7 +6446,6 @@
                   <a:srgbClr val="000000"/>
                 </a:solidFill>
                 <a:effectLst/>
-                <a:latin typeface="Helvetica Neue"/>
               </a:rPr>
               <a:t>It is used in the field of data information </a:t>
             </a:r>
@@ -5827,7 +6455,6 @@
                   <a:srgbClr val="000000"/>
                 </a:solidFill>
                 <a:effectLst/>
-                <a:latin typeface="Helvetica Neue"/>
               </a:rPr>
               <a:t>retreival</a:t>
             </a:r>
@@ -5836,7 +6463,6 @@
                 <a:srgbClr val="000000"/>
               </a:solidFill>
               <a:effectLst/>
-              <a:latin typeface="Helvetica Neue"/>
             </a:endParaRPr>
           </a:p>
           <a:p>
@@ -5850,7 +6476,6 @@
                   <a:srgbClr val="000000"/>
                 </a:solidFill>
                 <a:effectLst/>
-                <a:latin typeface="Helvetica Neue"/>
               </a:rPr>
               <a:t>By using LSA, we can see the latent relevance of words from a large amount of document data.</a:t>
             </a:r>
@@ -5909,7 +6534,7 @@
 </p:sld>
 </file>
 
-<file path=ppt/slides/slide17.xml><?xml version="1.0" encoding="utf-8"?>
+<file path=ppt/slides/slide18.xml><?xml version="1.0" encoding="utf-8"?>
 <p:sld xmlns:a="http://schemas.openxmlformats.org/drawingml/2006/main" xmlns:r="http://schemas.openxmlformats.org/officeDocument/2006/relationships" xmlns:p="http://schemas.openxmlformats.org/presentationml/2006/main">
   <p:cSld>
     <p:spTree>
@@ -6890,7 +7515,7 @@
 </p:sld>
 </file>
 
-<file path=ppt/slides/slide18.xml><?xml version="1.0" encoding="utf-8"?>
+<file path=ppt/slides/slide19.xml><?xml version="1.0" encoding="utf-8"?>
 <p:sld xmlns:a="http://schemas.openxmlformats.org/drawingml/2006/main" xmlns:r="http://schemas.openxmlformats.org/officeDocument/2006/relationships" xmlns:p="http://schemas.openxmlformats.org/presentationml/2006/main">
   <p:cSld>
     <p:spTree>
@@ -7758,7 +8383,213 @@
 </p:sld>
 </file>
 
-<file path=ppt/slides/slide19.xml><?xml version="1.0" encoding="utf-8"?>
+<file path=ppt/slides/slide2.xml><?xml version="1.0" encoding="utf-8"?>
+<p:sld xmlns:a="http://schemas.openxmlformats.org/drawingml/2006/main" xmlns:r="http://schemas.openxmlformats.org/officeDocument/2006/relationships" xmlns:p="http://schemas.openxmlformats.org/presentationml/2006/main">
+  <p:cSld>
+    <p:spTree>
+      <p:nvGrpSpPr>
+        <p:cNvPr id="1" name=""/>
+        <p:cNvGrpSpPr/>
+        <p:nvPr/>
+      </p:nvGrpSpPr>
+      <p:grpSpPr>
+        <a:xfrm>
+          <a:off x="0" y="0"/>
+          <a:ext cx="0" cy="0"/>
+          <a:chOff x="0" y="0"/>
+          <a:chExt cx="0" cy="0"/>
+        </a:xfrm>
+      </p:grpSpPr>
+      <p:sp>
+        <p:nvSpPr>
+          <p:cNvPr id="2" name="제목 1">
+            <a:extLst>
+              <a:ext uri="{FF2B5EF4-FFF2-40B4-BE49-F238E27FC236}">
+                <a16:creationId xmlns:a16="http://schemas.microsoft.com/office/drawing/2014/main" id="{00602320-DB7C-4D5C-BC1D-3E0AC7424119}"/>
+              </a:ext>
+            </a:extLst>
+          </p:cNvPr>
+          <p:cNvSpPr>
+            <a:spLocks noGrp="1"/>
+          </p:cNvSpPr>
+          <p:nvPr>
+            <p:ph type="title"/>
+          </p:nvPr>
+        </p:nvSpPr>
+        <p:spPr/>
+        <p:txBody>
+          <a:bodyPr/>
+          <a:lstStyle/>
+          <a:p>
+            <a:r>
+              <a:rPr lang="en-US" altLang="ko-KR" dirty="0"/>
+              <a:t>Table of Contents</a:t>
+            </a:r>
+            <a:endParaRPr lang="ko-KR" altLang="en-US" dirty="0"/>
+          </a:p>
+        </p:txBody>
+      </p:sp>
+      <p:sp>
+        <p:nvSpPr>
+          <p:cNvPr id="3" name="내용 개체 틀 2">
+            <a:extLst>
+              <a:ext uri="{FF2B5EF4-FFF2-40B4-BE49-F238E27FC236}">
+                <a16:creationId xmlns:a16="http://schemas.microsoft.com/office/drawing/2014/main" id="{687367B9-A881-4791-B645-93836176BD3C}"/>
+              </a:ext>
+            </a:extLst>
+          </p:cNvPr>
+          <p:cNvSpPr>
+            <a:spLocks noGrp="1"/>
+          </p:cNvSpPr>
+          <p:nvPr>
+            <p:ph idx="1"/>
+          </p:nvPr>
+        </p:nvSpPr>
+        <p:spPr/>
+        <p:txBody>
+          <a:bodyPr/>
+          <a:lstStyle/>
+          <a:p>
+            <a:pPr marL="514350" indent="-514350">
+              <a:buFont typeface="+mj-lt"/>
+              <a:buAutoNum type="arabicPeriod"/>
+            </a:pPr>
+            <a:r>
+              <a:rPr lang="en-US" altLang="ko-KR" dirty="0"/>
+              <a:t>PCA (Principal Component Analysis)</a:t>
+            </a:r>
+          </a:p>
+          <a:p>
+            <a:pPr marL="514350" indent="-514350">
+              <a:buFont typeface="+mj-lt"/>
+              <a:buAutoNum type="arabicPeriod"/>
+            </a:pPr>
+            <a:r>
+              <a:rPr lang="en-US" altLang="ko-KR" dirty="0"/>
+              <a:t>LSA (Latent Semantic Analysis)</a:t>
+            </a:r>
+          </a:p>
+          <a:p>
+            <a:pPr marL="514350" indent="-514350">
+              <a:buFont typeface="+mj-lt"/>
+              <a:buAutoNum type="arabicPeriod"/>
+            </a:pPr>
+            <a:r>
+              <a:rPr lang="en-US" altLang="ko-KR" dirty="0"/>
+              <a:t>NMF (Non-negative Matrix Factorization)</a:t>
+            </a:r>
+          </a:p>
+          <a:p>
+            <a:pPr marL="514350" indent="-514350">
+              <a:buFont typeface="+mj-lt"/>
+              <a:buAutoNum type="arabicPeriod"/>
+            </a:pPr>
+            <a:r>
+              <a:rPr lang="en-US" altLang="ko-KR" dirty="0"/>
+              <a:t>LDA (Latent </a:t>
+            </a:r>
+            <a:r>
+              <a:rPr lang="en-US" altLang="ko-KR" dirty="0" err="1"/>
+              <a:t>Direchle</a:t>
+            </a:r>
+            <a:r>
+              <a:rPr lang="en-US" altLang="ko-KR" dirty="0"/>
+              <a:t> Allocation)</a:t>
+            </a:r>
+          </a:p>
+          <a:p>
+            <a:pPr marL="514350" indent="-514350">
+              <a:buFont typeface="+mj-lt"/>
+              <a:buAutoNum type="arabicPeriod"/>
+            </a:pPr>
+            <a:r>
+              <a:rPr lang="en-US" altLang="ko-KR" dirty="0"/>
+              <a:t>K-Means Algorithm</a:t>
+            </a:r>
+          </a:p>
+          <a:p>
+            <a:pPr marL="514350" indent="-514350">
+              <a:buFont typeface="+mj-lt"/>
+              <a:buAutoNum type="arabicPeriod"/>
+            </a:pPr>
+            <a:r>
+              <a:rPr lang="en-US" altLang="ko-KR" dirty="0"/>
+              <a:t>Gaussian Mixture Model</a:t>
+            </a:r>
+          </a:p>
+          <a:p>
+            <a:pPr marL="514350" indent="-514350">
+              <a:buFont typeface="+mj-lt"/>
+              <a:buAutoNum type="arabicPeriod"/>
+            </a:pPr>
+            <a:r>
+              <a:rPr lang="en-US" altLang="ko-KR" dirty="0"/>
+              <a:t>LLE (Local Linear Embedding)</a:t>
+            </a:r>
+          </a:p>
+          <a:p>
+            <a:pPr marL="514350" indent="-514350">
+              <a:buFont typeface="+mj-lt"/>
+              <a:buAutoNum type="arabicPeriod"/>
+            </a:pPr>
+            <a:r>
+              <a:rPr lang="en-US" altLang="ko-KR" dirty="0"/>
+              <a:t>t-SNE (t-distributed stochastic neighbor embedding)</a:t>
+            </a:r>
+            <a:endParaRPr lang="ko-KR" altLang="en-US" dirty="0"/>
+          </a:p>
+        </p:txBody>
+      </p:sp>
+      <p:pic>
+        <p:nvPicPr>
+          <p:cNvPr id="4" name="그림 3">
+            <a:extLst>
+              <a:ext uri="{FF2B5EF4-FFF2-40B4-BE49-F238E27FC236}">
+                <a16:creationId xmlns:a16="http://schemas.microsoft.com/office/drawing/2014/main" id="{3B006DA0-0116-438F-96C4-238A876BD615}"/>
+              </a:ext>
+            </a:extLst>
+          </p:cNvPr>
+          <p:cNvPicPr>
+            <a:picLocks noChangeAspect="1"/>
+          </p:cNvPicPr>
+          <p:nvPr/>
+        </p:nvPicPr>
+        <p:blipFill>
+          <a:blip r:embed="rId2">
+            <a:extLst>
+              <a:ext uri="{28A0092B-C50C-407E-A947-70E740481C1C}">
+                <a14:useLocalDpi xmlns:a14="http://schemas.microsoft.com/office/drawing/2010/main" val="0"/>
+              </a:ext>
+            </a:extLst>
+          </a:blip>
+          <a:stretch>
+            <a:fillRect/>
+          </a:stretch>
+        </p:blipFill>
+        <p:spPr>
+          <a:xfrm>
+            <a:off x="9017429" y="6124103"/>
+            <a:ext cx="3031958" cy="733897"/>
+          </a:xfrm>
+          <a:prstGeom prst="rect">
+            <a:avLst/>
+          </a:prstGeom>
+        </p:spPr>
+      </p:pic>
+    </p:spTree>
+    <p:extLst>
+      <p:ext uri="{BB962C8B-B14F-4D97-AF65-F5344CB8AC3E}">
+        <p14:creationId xmlns:p14="http://schemas.microsoft.com/office/powerpoint/2010/main" val="1852162486"/>
+      </p:ext>
+    </p:extLst>
+  </p:cSld>
+  <p:clrMapOvr>
+    <a:masterClrMapping/>
+  </p:clrMapOvr>
+</p:sld>
+</file>
+
+<file path=ppt/slides/slide20.xml><?xml version="1.0" encoding="utf-8"?>
 <p:sld xmlns:a="http://schemas.openxmlformats.org/drawingml/2006/main" xmlns:r="http://schemas.openxmlformats.org/officeDocument/2006/relationships" xmlns:p="http://schemas.openxmlformats.org/presentationml/2006/main">
   <p:cSld>
     <p:spTree>
@@ -7971,137 +8802,7 @@
 </p:sld>
 </file>
 
-<file path=ppt/slides/slide2.xml><?xml version="1.0" encoding="utf-8"?>
-<p:sld xmlns:a="http://schemas.openxmlformats.org/drawingml/2006/main" xmlns:r="http://schemas.openxmlformats.org/officeDocument/2006/relationships" xmlns:p="http://schemas.openxmlformats.org/presentationml/2006/main">
-  <p:cSld>
-    <p:spTree>
-      <p:nvGrpSpPr>
-        <p:cNvPr id="1" name=""/>
-        <p:cNvGrpSpPr/>
-        <p:nvPr/>
-      </p:nvGrpSpPr>
-      <p:grpSpPr>
-        <a:xfrm>
-          <a:off x="0" y="0"/>
-          <a:ext cx="0" cy="0"/>
-          <a:chOff x="0" y="0"/>
-          <a:chExt cx="0" cy="0"/>
-        </a:xfrm>
-      </p:grpSpPr>
-      <p:sp>
-        <p:nvSpPr>
-          <p:cNvPr id="2" name="제목 1">
-            <a:extLst>
-              <a:ext uri="{FF2B5EF4-FFF2-40B4-BE49-F238E27FC236}">
-                <a16:creationId xmlns:a16="http://schemas.microsoft.com/office/drawing/2014/main" id="{C540CC04-1585-4064-8907-459537D39D09}"/>
-              </a:ext>
-            </a:extLst>
-          </p:cNvPr>
-          <p:cNvSpPr>
-            <a:spLocks noGrp="1"/>
-          </p:cNvSpPr>
-          <p:nvPr>
-            <p:ph type="title"/>
-          </p:nvPr>
-        </p:nvSpPr>
-        <p:spPr/>
-        <p:txBody>
-          <a:bodyPr/>
-          <a:lstStyle/>
-          <a:p>
-            <a:r>
-              <a:rPr lang="en-US" altLang="ko-KR" dirty="0"/>
-              <a:t>Fundamental Concept</a:t>
-            </a:r>
-            <a:endParaRPr lang="ko-KR" altLang="en-US" dirty="0"/>
-          </a:p>
-        </p:txBody>
-      </p:sp>
-      <p:pic>
-        <p:nvPicPr>
-          <p:cNvPr id="6" name="내용 개체 틀 5">
-            <a:extLst>
-              <a:ext uri="{FF2B5EF4-FFF2-40B4-BE49-F238E27FC236}">
-                <a16:creationId xmlns:a16="http://schemas.microsoft.com/office/drawing/2014/main" id="{8A7DF99F-BAA2-4E8C-B089-F97B1F0BD1F6}"/>
-              </a:ext>
-            </a:extLst>
-          </p:cNvPr>
-          <p:cNvPicPr>
-            <a:picLocks noGrp="1" noChangeAspect="1"/>
-          </p:cNvPicPr>
-          <p:nvPr>
-            <p:ph idx="1"/>
-          </p:nvPr>
-        </p:nvPicPr>
-        <p:blipFill>
-          <a:blip r:embed="rId2">
-            <a:extLst>
-              <a:ext uri="{28A0092B-C50C-407E-A947-70E740481C1C}">
-                <a14:useLocalDpi xmlns:a14="http://schemas.microsoft.com/office/drawing/2010/main" val="0"/>
-              </a:ext>
-            </a:extLst>
-          </a:blip>
-          <a:stretch>
-            <a:fillRect/>
-          </a:stretch>
-        </p:blipFill>
-        <p:spPr>
-          <a:xfrm>
-            <a:off x="3379892" y="1772765"/>
-            <a:ext cx="5432216" cy="4351338"/>
-          </a:xfrm>
-        </p:spPr>
-      </p:pic>
-      <p:pic>
-        <p:nvPicPr>
-          <p:cNvPr id="4" name="그림 3">
-            <a:extLst>
-              <a:ext uri="{FF2B5EF4-FFF2-40B4-BE49-F238E27FC236}">
-                <a16:creationId xmlns:a16="http://schemas.microsoft.com/office/drawing/2014/main" id="{BD17100A-6263-4BAC-B87F-42153C247FDA}"/>
-              </a:ext>
-            </a:extLst>
-          </p:cNvPr>
-          <p:cNvPicPr>
-            <a:picLocks noChangeAspect="1"/>
-          </p:cNvPicPr>
-          <p:nvPr/>
-        </p:nvPicPr>
-        <p:blipFill>
-          <a:blip r:embed="rId3">
-            <a:extLst>
-              <a:ext uri="{28A0092B-C50C-407E-A947-70E740481C1C}">
-                <a14:useLocalDpi xmlns:a14="http://schemas.microsoft.com/office/drawing/2010/main" val="0"/>
-              </a:ext>
-            </a:extLst>
-          </a:blip>
-          <a:stretch>
-            <a:fillRect/>
-          </a:stretch>
-        </p:blipFill>
-        <p:spPr>
-          <a:xfrm>
-            <a:off x="9017429" y="6124103"/>
-            <a:ext cx="3031958" cy="733897"/>
-          </a:xfrm>
-          <a:prstGeom prst="rect">
-            <a:avLst/>
-          </a:prstGeom>
-        </p:spPr>
-      </p:pic>
-    </p:spTree>
-    <p:extLst>
-      <p:ext uri="{BB962C8B-B14F-4D97-AF65-F5344CB8AC3E}">
-        <p14:creationId xmlns:p14="http://schemas.microsoft.com/office/powerpoint/2010/main" val="3104638744"/>
-      </p:ext>
-    </p:extLst>
-  </p:cSld>
-  <p:clrMapOvr>
-    <a:masterClrMapping/>
-  </p:clrMapOvr>
-</p:sld>
-</file>
-
-<file path=ppt/slides/slide20.xml><?xml version="1.0" encoding="utf-8"?>
+<file path=ppt/slides/slide21.xml><?xml version="1.0" encoding="utf-8"?>
 <p:sld xmlns:a="http://schemas.openxmlformats.org/drawingml/2006/main" xmlns:r="http://schemas.openxmlformats.org/officeDocument/2006/relationships" xmlns:p="http://schemas.openxmlformats.org/presentationml/2006/main">
   <p:cSld>
     <p:spTree>
@@ -8765,7 +9466,7 @@
 </p:sld>
 </file>
 
-<file path=ppt/slides/slide21.xml><?xml version="1.0" encoding="utf-8"?>
+<file path=ppt/slides/slide22.xml><?xml version="1.0" encoding="utf-8"?>
 <p:sld xmlns:a="http://schemas.openxmlformats.org/drawingml/2006/main" xmlns:r="http://schemas.openxmlformats.org/officeDocument/2006/relationships" xmlns:p="http://schemas.openxmlformats.org/presentationml/2006/main">
   <p:cSld>
     <p:spTree>
@@ -9398,203 +10099,6 @@
 </p:sld>
 </file>
 
-<file path=ppt/slides/slide22.xml><?xml version="1.0" encoding="utf-8"?>
-<p:sld xmlns:a="http://schemas.openxmlformats.org/drawingml/2006/main" xmlns:r="http://schemas.openxmlformats.org/officeDocument/2006/relationships" xmlns:p="http://schemas.openxmlformats.org/presentationml/2006/main">
-  <p:cSld>
-    <p:spTree>
-      <p:nvGrpSpPr>
-        <p:cNvPr id="1" name=""/>
-        <p:cNvGrpSpPr/>
-        <p:nvPr/>
-      </p:nvGrpSpPr>
-      <p:grpSpPr>
-        <a:xfrm>
-          <a:off x="0" y="0"/>
-          <a:ext cx="0" cy="0"/>
-          <a:chOff x="0" y="0"/>
-          <a:chExt cx="0" cy="0"/>
-        </a:xfrm>
-      </p:grpSpPr>
-      <p:sp>
-        <p:nvSpPr>
-          <p:cNvPr id="2" name="제목 1">
-            <a:extLst>
-              <a:ext uri="{FF2B5EF4-FFF2-40B4-BE49-F238E27FC236}">
-                <a16:creationId xmlns:a16="http://schemas.microsoft.com/office/drawing/2014/main" id="{5D9AA183-4139-4FCF-B75D-0120E1AA4F68}"/>
-              </a:ext>
-            </a:extLst>
-          </p:cNvPr>
-          <p:cNvSpPr>
-            <a:spLocks noGrp="1"/>
-          </p:cNvSpPr>
-          <p:nvPr>
-            <p:ph type="title"/>
-          </p:nvPr>
-        </p:nvSpPr>
-        <p:spPr/>
-        <p:txBody>
-          <a:bodyPr/>
-          <a:lstStyle/>
-          <a:p>
-            <a:r>
-              <a:rPr lang="en-US" altLang="ko-KR" dirty="0"/>
-              <a:t>Sample Code</a:t>
-            </a:r>
-            <a:endParaRPr lang="ko-KR" altLang="en-US" dirty="0"/>
-          </a:p>
-        </p:txBody>
-      </p:sp>
-      <p:sp>
-        <p:nvSpPr>
-          <p:cNvPr id="3" name="내용 개체 틀 2">
-            <a:extLst>
-              <a:ext uri="{FF2B5EF4-FFF2-40B4-BE49-F238E27FC236}">
-                <a16:creationId xmlns:a16="http://schemas.microsoft.com/office/drawing/2014/main" id="{7A173320-4440-47FF-9441-A2253E896EAB}"/>
-              </a:ext>
-            </a:extLst>
-          </p:cNvPr>
-          <p:cNvSpPr>
-            <a:spLocks noGrp="1"/>
-          </p:cNvSpPr>
-          <p:nvPr>
-            <p:ph sz="half" idx="1"/>
-          </p:nvPr>
-        </p:nvSpPr>
-        <p:spPr/>
-        <p:txBody>
-          <a:bodyPr/>
-          <a:lstStyle/>
-          <a:p>
-            <a:r>
-              <a:rPr lang="en-US" altLang="ko-KR" dirty="0"/>
-              <a:t>Import library</a:t>
-            </a:r>
-          </a:p>
-          <a:p>
-            <a:r>
-              <a:rPr lang="en-US" altLang="ko-KR" dirty="0"/>
-              <a:t>Set data</a:t>
-            </a:r>
-          </a:p>
-          <a:p>
-            <a:r>
-              <a:rPr lang="en-US" altLang="ko-KR" b="0" i="0" dirty="0">
-                <a:solidFill>
-                  <a:srgbClr val="000000"/>
-                </a:solidFill>
-                <a:effectLst/>
-              </a:rPr>
-              <a:t>Set dimension to reduce</a:t>
-            </a:r>
-          </a:p>
-          <a:p>
-            <a:r>
-              <a:rPr lang="en-US" altLang="ko-KR" dirty="0">
-                <a:solidFill>
-                  <a:srgbClr val="000000"/>
-                </a:solidFill>
-              </a:rPr>
-              <a:t>Print transformed data</a:t>
-            </a:r>
-          </a:p>
-          <a:p>
-            <a:r>
-              <a:rPr lang="en-US" altLang="ko-KR" b="0" i="0" dirty="0">
-                <a:solidFill>
-                  <a:srgbClr val="000000"/>
-                </a:solidFill>
-                <a:effectLst/>
-              </a:rPr>
-              <a:t>Print Contribution Rate</a:t>
-            </a:r>
-            <a:endParaRPr lang="ko-KR" altLang="en-US" dirty="0"/>
-          </a:p>
-        </p:txBody>
-      </p:sp>
-      <p:pic>
-        <p:nvPicPr>
-          <p:cNvPr id="6" name="그림 5">
-            <a:extLst>
-              <a:ext uri="{FF2B5EF4-FFF2-40B4-BE49-F238E27FC236}">
-                <a16:creationId xmlns:a16="http://schemas.microsoft.com/office/drawing/2014/main" id="{484F9E7A-99ED-4DB0-A396-428F455A815B}"/>
-              </a:ext>
-            </a:extLst>
-          </p:cNvPr>
-          <p:cNvPicPr>
-            <a:picLocks noChangeAspect="1"/>
-          </p:cNvPicPr>
-          <p:nvPr/>
-        </p:nvPicPr>
-        <p:blipFill>
-          <a:blip r:embed="rId2">
-            <a:extLst>
-              <a:ext uri="{28A0092B-C50C-407E-A947-70E740481C1C}">
-                <a14:useLocalDpi xmlns:a14="http://schemas.microsoft.com/office/drawing/2010/main" val="0"/>
-              </a:ext>
-            </a:extLst>
-          </a:blip>
-          <a:stretch>
-            <a:fillRect/>
-          </a:stretch>
-        </p:blipFill>
-        <p:spPr>
-          <a:xfrm>
-            <a:off x="9017429" y="6124103"/>
-            <a:ext cx="3031958" cy="733897"/>
-          </a:xfrm>
-          <a:prstGeom prst="rect">
-            <a:avLst/>
-          </a:prstGeom>
-        </p:spPr>
-      </p:pic>
-      <p:pic>
-        <p:nvPicPr>
-          <p:cNvPr id="9" name="내용 개체 틀 8">
-            <a:extLst>
-              <a:ext uri="{FF2B5EF4-FFF2-40B4-BE49-F238E27FC236}">
-                <a16:creationId xmlns:a16="http://schemas.microsoft.com/office/drawing/2014/main" id="{7BEC9262-1246-4543-B150-7A7C951612B3}"/>
-              </a:ext>
-            </a:extLst>
-          </p:cNvPr>
-          <p:cNvPicPr>
-            <a:picLocks noGrp="1" noChangeAspect="1"/>
-          </p:cNvPicPr>
-          <p:nvPr>
-            <p:ph sz="half" idx="2"/>
-          </p:nvPr>
-        </p:nvPicPr>
-        <p:blipFill>
-          <a:blip r:embed="rId3">
-            <a:extLst>
-              <a:ext uri="{28A0092B-C50C-407E-A947-70E740481C1C}">
-                <a14:useLocalDpi xmlns:a14="http://schemas.microsoft.com/office/drawing/2010/main" val="0"/>
-              </a:ext>
-            </a:extLst>
-          </a:blip>
-          <a:stretch>
-            <a:fillRect/>
-          </a:stretch>
-        </p:blipFill>
-        <p:spPr>
-          <a:xfrm>
-            <a:off x="6634120" y="1825625"/>
-            <a:ext cx="4257760" cy="4351338"/>
-          </a:xfrm>
-        </p:spPr>
-      </p:pic>
-    </p:spTree>
-    <p:extLst>
-      <p:ext uri="{BB962C8B-B14F-4D97-AF65-F5344CB8AC3E}">
-        <p14:creationId xmlns:p14="http://schemas.microsoft.com/office/powerpoint/2010/main" val="3196942375"/>
-      </p:ext>
-    </p:extLst>
-  </p:cSld>
-  <p:clrMapOvr>
-    <a:masterClrMapping/>
-  </p:clrMapOvr>
-</p:sld>
-</file>
-
 <file path=ppt/slides/slide23.xml><?xml version="1.0" encoding="utf-8"?>
 <p:sld xmlns:a="http://schemas.openxmlformats.org/drawingml/2006/main" xmlns:r="http://schemas.openxmlformats.org/officeDocument/2006/relationships" xmlns:p="http://schemas.openxmlformats.org/presentationml/2006/main">
   <p:cSld>
@@ -9617,7 +10121,7 @@
           <p:cNvPr id="2" name="제목 1">
             <a:extLst>
               <a:ext uri="{FF2B5EF4-FFF2-40B4-BE49-F238E27FC236}">
-                <a16:creationId xmlns:a16="http://schemas.microsoft.com/office/drawing/2014/main" id="{7CCA402D-7991-44EE-A934-531841E6AA14}"/>
+                <a16:creationId xmlns:a16="http://schemas.microsoft.com/office/drawing/2014/main" id="{5D9AA183-4139-4FCF-B75D-0120E1AA4F68}"/>
               </a:ext>
             </a:extLst>
           </p:cNvPr>
@@ -9635,7 +10139,7 @@
           <a:p>
             <a:r>
               <a:rPr lang="en-US" altLang="ko-KR" dirty="0"/>
-              <a:t>Points to note</a:t>
+              <a:t>Sample Code</a:t>
             </a:r>
             <a:endParaRPr lang="ko-KR" altLang="en-US" dirty="0"/>
           </a:p>
@@ -9646,7 +10150,7 @@
           <p:cNvPr id="3" name="내용 개체 틀 2">
             <a:extLst>
               <a:ext uri="{FF2B5EF4-FFF2-40B4-BE49-F238E27FC236}">
-                <a16:creationId xmlns:a16="http://schemas.microsoft.com/office/drawing/2014/main" id="{8812503F-28A9-49CC-8B99-034FD46349E5}"/>
+                <a16:creationId xmlns:a16="http://schemas.microsoft.com/office/drawing/2014/main" id="{7A173320-4440-47FF-9441-A2253E896EAB}"/>
               </a:ext>
             </a:extLst>
           </p:cNvPr>
@@ -9654,7 +10158,7 @@
             <a:spLocks noGrp="1"/>
           </p:cNvSpPr>
           <p:nvPr>
-            <p:ph idx="1"/>
+            <p:ph sz="half" idx="1"/>
           </p:nvPr>
         </p:nvSpPr>
         <p:spPr/>
@@ -9662,10 +10166,18 @@
           <a:bodyPr/>
           <a:lstStyle/>
           <a:p>
-            <a:pPr marL="514350" indent="-514350" algn="l">
-              <a:buFont typeface="+mj-lt"/>
-              <a:buAutoNum type="arabicPeriod"/>
-            </a:pPr>
+            <a:r>
+              <a:rPr lang="en-US" altLang="ko-KR" dirty="0"/>
+              <a:t>Import library</a:t>
+            </a:r>
+          </a:p>
+          <a:p>
+            <a:r>
+              <a:rPr lang="en-US" altLang="ko-KR" dirty="0"/>
+              <a:t>Set data</a:t>
+            </a:r>
+          </a:p>
+          <a:p>
             <a:r>
               <a:rPr lang="en-US" altLang="ko-KR" b="0" i="0" dirty="0">
                 <a:solidFill>
@@ -9673,22 +10185,20 @@
                 </a:solidFill>
                 <a:effectLst/>
               </a:rPr>
-              <a:t>It is difficult to properly explain the relevance of words with the converted matrix. If each dimension is ortho</a:t>
-            </a:r>
+              <a:t>Set dimension to reduce</a:t>
+            </a:r>
+          </a:p>
+          <a:p>
             <a:r>
               <a:rPr lang="en-US" altLang="ko-KR" dirty="0">
                 <a:solidFill>
                   <a:srgbClr val="000000"/>
                 </a:solidFill>
               </a:rPr>
-              <a:t>gonal or the matrix element is negative, it is difficult to properly explain the relevance.</a:t>
-            </a:r>
-          </a:p>
-          <a:p>
-            <a:pPr marL="514350" indent="-514350" algn="l">
-              <a:buFont typeface="+mj-lt"/>
-              <a:buAutoNum type="arabicPeriod"/>
-            </a:pPr>
+              <a:t>Print transformed data</a:t>
+            </a:r>
+          </a:p>
+          <a:p>
             <a:r>
               <a:rPr lang="en-US" altLang="ko-KR" b="0" i="0" dirty="0">
                 <a:solidFill>
@@ -9696,40 +10206,18 @@
                 </a:solidFill>
                 <a:effectLst/>
               </a:rPr>
-              <a:t>The calculation can take a very </a:t>
-            </a:r>
-            <a:r>
-              <a:rPr lang="en-US" altLang="ko-KR" b="0" i="0">
-                <a:solidFill>
-                  <a:srgbClr val="000000"/>
-                </a:solidFill>
-                <a:effectLst/>
-              </a:rPr>
-              <a:t>lo</a:t>
-            </a:r>
-            <a:r>
-              <a:rPr lang="en-US" altLang="ko-KR">
-                <a:solidFill>
-                  <a:srgbClr val="000000"/>
-                </a:solidFill>
-              </a:rPr>
-              <a:t>ng time.</a:t>
-            </a:r>
-            <a:endParaRPr lang="en-US" altLang="ko-KR" b="0" i="0" dirty="0">
-              <a:solidFill>
-                <a:srgbClr val="000000"/>
-              </a:solidFill>
-              <a:effectLst/>
-            </a:endParaRPr>
+              <a:t>Print Contribution Rate</a:t>
+            </a:r>
+            <a:endParaRPr lang="ko-KR" altLang="en-US" dirty="0"/>
           </a:p>
         </p:txBody>
       </p:sp>
       <p:pic>
         <p:nvPicPr>
-          <p:cNvPr id="4" name="그림 3">
-            <a:extLst>
-              <a:ext uri="{FF2B5EF4-FFF2-40B4-BE49-F238E27FC236}">
-                <a16:creationId xmlns:a16="http://schemas.microsoft.com/office/drawing/2014/main" id="{0808DF89-5ADF-49BE-B35A-6CADCDAD399C}"/>
+          <p:cNvPr id="6" name="그림 5">
+            <a:extLst>
+              <a:ext uri="{FF2B5EF4-FFF2-40B4-BE49-F238E27FC236}">
+                <a16:creationId xmlns:a16="http://schemas.microsoft.com/office/drawing/2014/main" id="{484F9E7A-99ED-4DB0-A396-428F455A815B}"/>
               </a:ext>
             </a:extLst>
           </p:cNvPr>
@@ -9760,10 +10248,45 @@
           </a:prstGeom>
         </p:spPr>
       </p:pic>
+      <p:pic>
+        <p:nvPicPr>
+          <p:cNvPr id="9" name="내용 개체 틀 8">
+            <a:extLst>
+              <a:ext uri="{FF2B5EF4-FFF2-40B4-BE49-F238E27FC236}">
+                <a16:creationId xmlns:a16="http://schemas.microsoft.com/office/drawing/2014/main" id="{7BEC9262-1246-4543-B150-7A7C951612B3}"/>
+              </a:ext>
+            </a:extLst>
+          </p:cNvPr>
+          <p:cNvPicPr>
+            <a:picLocks noGrp="1" noChangeAspect="1"/>
+          </p:cNvPicPr>
+          <p:nvPr>
+            <p:ph sz="half" idx="2"/>
+          </p:nvPr>
+        </p:nvPicPr>
+        <p:blipFill>
+          <a:blip r:embed="rId3">
+            <a:extLst>
+              <a:ext uri="{28A0092B-C50C-407E-A947-70E740481C1C}">
+                <a14:useLocalDpi xmlns:a14="http://schemas.microsoft.com/office/drawing/2010/main" val="0"/>
+              </a:ext>
+            </a:extLst>
+          </a:blip>
+          <a:stretch>
+            <a:fillRect/>
+          </a:stretch>
+        </p:blipFill>
+        <p:spPr>
+          <a:xfrm>
+            <a:off x="6634120" y="1825625"/>
+            <a:ext cx="4257760" cy="4351338"/>
+          </a:xfrm>
+        </p:spPr>
+      </p:pic>
     </p:spTree>
     <p:extLst>
       <p:ext uri="{BB962C8B-B14F-4D97-AF65-F5344CB8AC3E}">
-        <p14:creationId xmlns:p14="http://schemas.microsoft.com/office/powerpoint/2010/main" val="3759077875"/>
+        <p14:creationId xmlns:p14="http://schemas.microsoft.com/office/powerpoint/2010/main" val="3196942375"/>
       </p:ext>
     </p:extLst>
   </p:cSld>
@@ -9795,7 +10318,7 @@
           <p:cNvPr id="2" name="제목 1">
             <a:extLst>
               <a:ext uri="{FF2B5EF4-FFF2-40B4-BE49-F238E27FC236}">
-                <a16:creationId xmlns:a16="http://schemas.microsoft.com/office/drawing/2014/main" id="{69254EE8-CC75-42D2-8667-D0A54ED64205}"/>
+                <a16:creationId xmlns:a16="http://schemas.microsoft.com/office/drawing/2014/main" id="{7CCA402D-7991-44EE-A934-531841E6AA14}"/>
               </a:ext>
             </a:extLst>
           </p:cNvPr>
@@ -9803,7 +10326,7 @@
             <a:spLocks noGrp="1"/>
           </p:cNvSpPr>
           <p:nvPr>
-            <p:ph type="ctrTitle"/>
+            <p:ph type="title"/>
           </p:nvPr>
         </p:nvSpPr>
         <p:spPr/>
@@ -9813,7 +10336,7 @@
           <a:p>
             <a:r>
               <a:rPr lang="en-US" altLang="ko-KR" dirty="0"/>
-              <a:t>Unsupervised Learning</a:t>
+              <a:t>Points to note</a:t>
             </a:r>
             <a:endParaRPr lang="ko-KR" altLang="en-US" dirty="0"/>
           </a:p>
@@ -9821,10 +10344,10 @@
       </p:sp>
       <p:sp>
         <p:nvSpPr>
-          <p:cNvPr id="3" name="부제목 2">
-            <a:extLst>
-              <a:ext uri="{FF2B5EF4-FFF2-40B4-BE49-F238E27FC236}">
-                <a16:creationId xmlns:a16="http://schemas.microsoft.com/office/drawing/2014/main" id="{55E6F261-3FA9-4310-A3C5-5807A8763EB2}"/>
+          <p:cNvPr id="3" name="내용 개체 틀 2">
+            <a:extLst>
+              <a:ext uri="{FF2B5EF4-FFF2-40B4-BE49-F238E27FC236}">
+                <a16:creationId xmlns:a16="http://schemas.microsoft.com/office/drawing/2014/main" id="{8812503F-28A9-49CC-8B99-034FD46349E5}"/>
               </a:ext>
             </a:extLst>
           </p:cNvPr>
@@ -9832,7 +10355,7 @@
             <a:spLocks noGrp="1"/>
           </p:cNvSpPr>
           <p:nvPr>
-            <p:ph type="subTitle" idx="1"/>
+            <p:ph idx="1"/>
           </p:nvPr>
         </p:nvSpPr>
         <p:spPr/>
@@ -9840,11 +10363,65 @@
           <a:bodyPr/>
           <a:lstStyle/>
           <a:p>
-            <a:r>
-              <a:rPr lang="en-US" altLang="ko-KR" dirty="0"/>
-              <a:t>Non-negative Matrix Factorization, NMF</a:t>
-            </a:r>
-            <a:endParaRPr lang="ko-KR" altLang="en-US" dirty="0"/>
+            <a:pPr marL="514350" indent="-514350" algn="l">
+              <a:buFont typeface="+mj-lt"/>
+              <a:buAutoNum type="arabicPeriod"/>
+            </a:pPr>
+            <a:r>
+              <a:rPr lang="en-US" altLang="ko-KR" b="0" i="0" dirty="0">
+                <a:solidFill>
+                  <a:srgbClr val="000000"/>
+                </a:solidFill>
+                <a:effectLst/>
+              </a:rPr>
+              <a:t>It is difficult to properly explain the relevance of words with the converted matrix. If each dimension is ortho</a:t>
+            </a:r>
+            <a:r>
+              <a:rPr lang="en-US" altLang="ko-KR" dirty="0">
+                <a:solidFill>
+                  <a:srgbClr val="000000"/>
+                </a:solidFill>
+              </a:rPr>
+              <a:t>gonal or the matrix element is negative, it is difficult to properly explain the relevance.</a:t>
+            </a:r>
+          </a:p>
+          <a:p>
+            <a:pPr marL="514350" indent="-514350" algn="l">
+              <a:buFont typeface="+mj-lt"/>
+              <a:buAutoNum type="arabicPeriod"/>
+            </a:pPr>
+            <a:r>
+              <a:rPr lang="en-US" altLang="ko-KR" b="0" i="0" dirty="0">
+                <a:solidFill>
+                  <a:srgbClr val="000000"/>
+                </a:solidFill>
+                <a:effectLst/>
+              </a:rPr>
+              <a:t>The calculation can take a very </a:t>
+            </a:r>
+            <a:r>
+              <a:rPr lang="en-US" altLang="ko-KR" b="0" i="0">
+                <a:solidFill>
+                  <a:srgbClr val="000000"/>
+                </a:solidFill>
+                <a:effectLst/>
+              </a:rPr>
+              <a:t>lo</a:t>
+            </a:r>
+            <a:r>
+              <a:rPr lang="en-US" altLang="ko-KR">
+                <a:solidFill>
+                  <a:srgbClr val="000000"/>
+                </a:solidFill>
+              </a:rPr>
+              <a:t>ng time.</a:t>
+            </a:r>
+            <a:endParaRPr lang="en-US" altLang="ko-KR" b="0" i="0" dirty="0">
+              <a:solidFill>
+                <a:srgbClr val="000000"/>
+              </a:solidFill>
+              <a:effectLst/>
+            </a:endParaRPr>
           </a:p>
         </p:txBody>
       </p:sp>
@@ -9853,7 +10430,7 @@
           <p:cNvPr id="4" name="그림 3">
             <a:extLst>
               <a:ext uri="{FF2B5EF4-FFF2-40B4-BE49-F238E27FC236}">
-                <a16:creationId xmlns:a16="http://schemas.microsoft.com/office/drawing/2014/main" id="{6F3AD093-8766-42CD-B0BD-35340562F061}"/>
+                <a16:creationId xmlns:a16="http://schemas.microsoft.com/office/drawing/2014/main" id="{0808DF89-5ADF-49BE-B35A-6CADCDAD399C}"/>
               </a:ext>
             </a:extLst>
           </p:cNvPr>
@@ -9887,7 +10464,7 @@
     </p:spTree>
     <p:extLst>
       <p:ext uri="{BB962C8B-B14F-4D97-AF65-F5344CB8AC3E}">
-        <p14:creationId xmlns:p14="http://schemas.microsoft.com/office/powerpoint/2010/main" val="2451055119"/>
+        <p14:creationId xmlns:p14="http://schemas.microsoft.com/office/powerpoint/2010/main" val="3759077875"/>
       </p:ext>
     </p:extLst>
   </p:cSld>
@@ -9919,7 +10496,7 @@
           <p:cNvPr id="2" name="제목 1">
             <a:extLst>
               <a:ext uri="{FF2B5EF4-FFF2-40B4-BE49-F238E27FC236}">
-                <a16:creationId xmlns:a16="http://schemas.microsoft.com/office/drawing/2014/main" id="{D753B258-D654-4BBB-9B88-5D6A79623D77}"/>
+                <a16:creationId xmlns:a16="http://schemas.microsoft.com/office/drawing/2014/main" id="{69254EE8-CC75-42D2-8667-D0A54ED64205}"/>
               </a:ext>
             </a:extLst>
           </p:cNvPr>
@@ -9927,7 +10504,7 @@
             <a:spLocks noGrp="1"/>
           </p:cNvSpPr>
           <p:nvPr>
-            <p:ph type="title"/>
+            <p:ph type="ctrTitle"/>
           </p:nvPr>
         </p:nvSpPr>
         <p:spPr/>
@@ -9937,7 +10514,7 @@
           <a:p>
             <a:r>
               <a:rPr lang="en-US" altLang="ko-KR" dirty="0"/>
-              <a:t>Fundamental Concept</a:t>
+              <a:t>Unsupervised Learning</a:t>
             </a:r>
             <a:endParaRPr lang="ko-KR" altLang="en-US" dirty="0"/>
           </a:p>
@@ -9945,10 +10522,10 @@
       </p:sp>
       <p:sp>
         <p:nvSpPr>
-          <p:cNvPr id="3" name="내용 개체 틀 2">
-            <a:extLst>
-              <a:ext uri="{FF2B5EF4-FFF2-40B4-BE49-F238E27FC236}">
-                <a16:creationId xmlns:a16="http://schemas.microsoft.com/office/drawing/2014/main" id="{BC6B9B3F-145D-48F7-A415-3D84DD1E067C}"/>
+          <p:cNvPr id="3" name="부제목 2">
+            <a:extLst>
+              <a:ext uri="{FF2B5EF4-FFF2-40B4-BE49-F238E27FC236}">
+                <a16:creationId xmlns:a16="http://schemas.microsoft.com/office/drawing/2014/main" id="{55E6F261-3FA9-4310-A3C5-5807A8763EB2}"/>
               </a:ext>
             </a:extLst>
           </p:cNvPr>
@@ -9956,7 +10533,7 @@
             <a:spLocks noGrp="1"/>
           </p:cNvSpPr>
           <p:nvPr>
-            <p:ph idx="1"/>
+            <p:ph type="subTitle" idx="1"/>
           </p:nvPr>
         </p:nvSpPr>
         <p:spPr/>
@@ -9964,109 +10541,11 @@
           <a:bodyPr/>
           <a:lstStyle/>
           <a:p>
-            <a:pPr algn="l">
-              <a:buFont typeface="Arial" panose="020B0604020202020204" pitchFamily="34" charset="0"/>
-              <a:buChar char="•"/>
-            </a:pPr>
-            <a:r>
-              <a:rPr lang="en-US" altLang="ko-KR" b="0" i="0" dirty="0">
-                <a:solidFill>
-                  <a:srgbClr val="000000"/>
-                </a:solidFill>
-                <a:effectLst/>
-              </a:rPr>
-              <a:t>NMF is a dimensionality reduction method in which features and labels are both positive.</a:t>
-            </a:r>
-          </a:p>
-          <a:p>
-            <a:pPr algn="l">
-              <a:buFont typeface="Arial" panose="020B0604020202020204" pitchFamily="34" charset="0"/>
-              <a:buChar char="•"/>
-            </a:pPr>
-            <a:r>
-              <a:rPr lang="en-US" altLang="ko-KR" b="0" i="0" dirty="0">
-                <a:solidFill>
-                  <a:srgbClr val="000000"/>
-                </a:solidFill>
-                <a:effectLst/>
-              </a:rPr>
-              <a:t>Easy to model when dealing with image data, </a:t>
-            </a:r>
-            <a:r>
-              <a:rPr lang="en-US" altLang="ko-KR" b="0" i="0" dirty="0" err="1">
-                <a:solidFill>
-                  <a:srgbClr val="000000"/>
-                </a:solidFill>
-                <a:effectLst/>
-              </a:rPr>
-              <a:t>etc</a:t>
-            </a:r>
-            <a:endParaRPr lang="en-US" altLang="ko-KR" b="0" i="0" dirty="0">
-              <a:solidFill>
-                <a:srgbClr val="000000"/>
-              </a:solidFill>
-              <a:effectLst/>
-            </a:endParaRPr>
-          </a:p>
-          <a:p>
-            <a:pPr algn="l">
-              <a:buFont typeface="Arial" panose="020B0604020202020204" pitchFamily="34" charset="0"/>
-              <a:buChar char="•"/>
-            </a:pPr>
-            <a:r>
-              <a:rPr lang="en-US" altLang="ko-KR" b="0" i="0" dirty="0">
-                <a:solidFill>
-                  <a:srgbClr val="000000"/>
-                </a:solidFill>
-                <a:effectLst/>
-              </a:rPr>
-              <a:t>It is an algorithm that is applied only when all the components of the original matrix are positive.</a:t>
-            </a:r>
-          </a:p>
-          <a:p>
-            <a:pPr marL="742950" lvl="1" indent="-285750" algn="l">
-              <a:buFont typeface="Arial" panose="020B0604020202020204" pitchFamily="34" charset="0"/>
-              <a:buChar char="•"/>
-            </a:pPr>
-            <a:r>
-              <a:rPr lang="en-US" altLang="ko-KR" b="0" i="0" dirty="0">
-                <a:solidFill>
-                  <a:srgbClr val="000000"/>
-                </a:solidFill>
-                <a:effectLst/>
-              </a:rPr>
-              <a:t>The original matrix element must be positive.</a:t>
-            </a:r>
-          </a:p>
-          <a:p>
-            <a:pPr marL="742950" lvl="1" indent="-285750" algn="l">
-              <a:buFont typeface="Arial" panose="020B0604020202020204" pitchFamily="34" charset="0"/>
-              <a:buChar char="•"/>
-            </a:pPr>
-            <a:r>
-              <a:rPr lang="en-US" altLang="ko-KR" b="0" i="0" dirty="0">
-                <a:solidFill>
-                  <a:srgbClr val="000000"/>
-                </a:solidFill>
-                <a:effectLst/>
-              </a:rPr>
-              <a:t>After matrix decomposition, the matrix element is positive.</a:t>
-            </a:r>
-          </a:p>
-          <a:p>
-            <a:pPr marL="742950" lvl="1" indent="-285750" algn="l">
-              <a:buFont typeface="Arial" panose="020B0604020202020204" pitchFamily="34" charset="0"/>
-              <a:buChar char="•"/>
-            </a:pPr>
-            <a:r>
-              <a:rPr lang="en-US" altLang="ko-KR" b="0" i="0" dirty="0">
-                <a:solidFill>
-                  <a:srgbClr val="000000"/>
-                </a:solidFill>
-                <a:effectLst/>
-              </a:rPr>
-              <a:t>In NMF, there is no restriction that each dimension is orthogonal.</a:t>
-            </a:r>
+            <a:r>
+              <a:rPr lang="en-US" altLang="ko-KR" dirty="0"/>
+              <a:t>Non-negative Matrix Factorization, NMF</a:t>
+            </a:r>
+            <a:endParaRPr lang="ko-KR" altLang="en-US" dirty="0"/>
           </a:p>
         </p:txBody>
       </p:sp>
@@ -10075,7 +10554,7 @@
           <p:cNvPr id="4" name="그림 3">
             <a:extLst>
               <a:ext uri="{FF2B5EF4-FFF2-40B4-BE49-F238E27FC236}">
-                <a16:creationId xmlns:a16="http://schemas.microsoft.com/office/drawing/2014/main" id="{9F37F5ED-AC00-45E8-B097-D2B5CBF6970E}"/>
+                <a16:creationId xmlns:a16="http://schemas.microsoft.com/office/drawing/2014/main" id="{6F3AD093-8766-42CD-B0BD-35340562F061}"/>
               </a:ext>
             </a:extLst>
           </p:cNvPr>
@@ -10106,10 +10585,56 @@
           </a:prstGeom>
         </p:spPr>
       </p:pic>
+      <p:sp>
+        <p:nvSpPr>
+          <p:cNvPr id="5" name="TextBox 4">
+            <a:extLst>
+              <a:ext uri="{FF2B5EF4-FFF2-40B4-BE49-F238E27FC236}">
+                <a16:creationId xmlns:a16="http://schemas.microsoft.com/office/drawing/2014/main" id="{2BBE409C-D979-425F-A8DA-B2923C2C8FBF}"/>
+              </a:ext>
+            </a:extLst>
+          </p:cNvPr>
+          <p:cNvSpPr txBox="1"/>
+          <p:nvPr/>
+        </p:nvSpPr>
+        <p:spPr>
+          <a:xfrm>
+            <a:off x="0" y="6211669"/>
+            <a:ext cx="2805576" cy="646331"/>
+          </a:xfrm>
+          <a:prstGeom prst="rect">
+            <a:avLst/>
+          </a:prstGeom>
+          <a:noFill/>
+        </p:spPr>
+        <p:txBody>
+          <a:bodyPr wrap="none" rtlCol="0">
+            <a:spAutoFit/>
+          </a:bodyPr>
+          <a:lstStyle/>
+          <a:p>
+            <a:r>
+              <a:rPr lang="ko-KR" altLang="en-US" dirty="0"/>
+              <a:t>경희대학교 컴퓨터공학과</a:t>
+            </a:r>
+            <a:endParaRPr lang="en-US" altLang="ko-KR" dirty="0"/>
+          </a:p>
+          <a:p>
+            <a:r>
+              <a:rPr lang="en-US" altLang="ko-KR" dirty="0"/>
+              <a:t>2019102191 </a:t>
+            </a:r>
+            <a:r>
+              <a:rPr lang="ko-KR" altLang="en-US" dirty="0"/>
+              <a:t>신주영</a:t>
+            </a:r>
+          </a:p>
+        </p:txBody>
+      </p:sp>
     </p:spTree>
     <p:extLst>
       <p:ext uri="{BB962C8B-B14F-4D97-AF65-F5344CB8AC3E}">
-        <p14:creationId xmlns:p14="http://schemas.microsoft.com/office/powerpoint/2010/main" val="1646776524"/>
+        <p14:creationId xmlns:p14="http://schemas.microsoft.com/office/powerpoint/2010/main" val="2451055119"/>
       </p:ext>
     </p:extLst>
   </p:cSld>
@@ -10186,15 +10711,18 @@
           <a:bodyPr/>
           <a:lstStyle/>
           <a:p>
+            <a:pPr algn="l">
+              <a:buFont typeface="Arial" panose="020B0604020202020204" pitchFamily="34" charset="0"/>
+              <a:buChar char="•"/>
+            </a:pPr>
             <a:r>
               <a:rPr lang="en-US" altLang="ko-KR" b="0" i="0" dirty="0">
                 <a:solidFill>
                   <a:srgbClr val="000000"/>
                 </a:solidFill>
                 <a:effectLst/>
-                <a:latin typeface="Helvetica Neue"/>
               </a:rPr>
-              <a:t>PCA always uses orthogonal eigenvectors, making it difficult to find associations between data, but NMF can grasp the nature of the data.</a:t>
+              <a:t>NMF is a dimensionality reduction method in which features and labels are both positive.</a:t>
             </a:r>
           </a:p>
           <a:p>
@@ -10202,12 +10730,90 @@
               <a:buFont typeface="Arial" panose="020B0604020202020204" pitchFamily="34" charset="0"/>
               <a:buChar char="•"/>
             </a:pPr>
+            <a:r>
+              <a:rPr lang="en-US" altLang="ko-KR" b="0" i="0" dirty="0">
+                <a:solidFill>
+                  <a:srgbClr val="000000"/>
+                </a:solidFill>
+                <a:effectLst/>
+              </a:rPr>
+              <a:t>Easy to model when dealing with image data, </a:t>
+            </a:r>
+            <a:r>
+              <a:rPr lang="en-US" altLang="ko-KR" b="0" i="0" dirty="0" err="1">
+                <a:solidFill>
+                  <a:srgbClr val="000000"/>
+                </a:solidFill>
+                <a:effectLst/>
+              </a:rPr>
+              <a:t>etc</a:t>
+            </a:r>
             <a:endParaRPr lang="en-US" altLang="ko-KR" b="0" i="0" dirty="0">
               <a:solidFill>
                 <a:srgbClr val="000000"/>
               </a:solidFill>
               <a:effectLst/>
             </a:endParaRPr>
+          </a:p>
+          <a:p>
+            <a:pPr algn="l">
+              <a:buFont typeface="Arial" panose="020B0604020202020204" pitchFamily="34" charset="0"/>
+              <a:buChar char="•"/>
+            </a:pPr>
+            <a:r>
+              <a:rPr lang="en-US" altLang="ko-KR" b="0" i="0" dirty="0">
+                <a:solidFill>
+                  <a:srgbClr val="000000"/>
+                </a:solidFill>
+                <a:effectLst/>
+              </a:rPr>
+              <a:t>It is an algorithm that is applied only when all the components of the original matrix are positive.</a:t>
+            </a:r>
+          </a:p>
+          <a:p>
+            <a:pPr marL="742950" lvl="1" indent="-285750" algn="l">
+              <a:buFont typeface="Arial" panose="020B0604020202020204" pitchFamily="34" charset="0"/>
+              <a:buChar char="•"/>
+            </a:pPr>
+            <a:r>
+              <a:rPr lang="en-US" altLang="ko-KR" b="0" i="0" dirty="0">
+                <a:solidFill>
+                  <a:srgbClr val="000000"/>
+                </a:solidFill>
+                <a:effectLst/>
+              </a:rPr>
+              <a:t>The original matrix element must be positive.</a:t>
+            </a:r>
+          </a:p>
+          <a:p>
+            <a:pPr marL="742950" lvl="1" indent="-285750" algn="l">
+              <a:buFont typeface="Arial" panose="020B0604020202020204" pitchFamily="34" charset="0"/>
+              <a:buChar char="•"/>
+            </a:pPr>
+            <a:r>
+              <a:rPr lang="en-US" altLang="ko-KR" b="0" i="0" dirty="0">
+                <a:solidFill>
+                  <a:srgbClr val="000000"/>
+                </a:solidFill>
+                <a:effectLst/>
+              </a:rPr>
+              <a:t>After matrix decomposition, the matrix element is positive.</a:t>
+            </a:r>
+          </a:p>
+          <a:p>
+            <a:pPr marL="742950" lvl="1" indent="-285750" algn="l">
+              <a:buFont typeface="Arial" panose="020B0604020202020204" pitchFamily="34" charset="0"/>
+              <a:buChar char="•"/>
+            </a:pPr>
+            <a:r>
+              <a:rPr lang="en-US" altLang="ko-KR" b="0" i="0" dirty="0">
+                <a:solidFill>
+                  <a:srgbClr val="000000"/>
+                </a:solidFill>
+                <a:effectLst/>
+              </a:rPr>
+              <a:t>In NMF, there is no restriction that each dimension is orthogonal.</a:t>
+            </a:r>
           </a:p>
         </p:txBody>
       </p:sp>
@@ -10247,46 +10853,10 @@
           </a:prstGeom>
         </p:spPr>
       </p:pic>
-      <p:pic>
-        <p:nvPicPr>
-          <p:cNvPr id="6" name="그림 5">
-            <a:extLst>
-              <a:ext uri="{FF2B5EF4-FFF2-40B4-BE49-F238E27FC236}">
-                <a16:creationId xmlns:a16="http://schemas.microsoft.com/office/drawing/2014/main" id="{76164B93-C791-4068-9DCF-68F34C1B92BA}"/>
-              </a:ext>
-            </a:extLst>
-          </p:cNvPr>
-          <p:cNvPicPr>
-            <a:picLocks noChangeAspect="1"/>
-          </p:cNvPicPr>
-          <p:nvPr/>
-        </p:nvPicPr>
-        <p:blipFill>
-          <a:blip r:embed="rId3">
-            <a:extLst>
-              <a:ext uri="{28A0092B-C50C-407E-A947-70E740481C1C}">
-                <a14:useLocalDpi xmlns:a14="http://schemas.microsoft.com/office/drawing/2010/main" val="0"/>
-              </a:ext>
-            </a:extLst>
-          </a:blip>
-          <a:stretch>
-            <a:fillRect/>
-          </a:stretch>
-        </p:blipFill>
-        <p:spPr>
-          <a:xfrm>
-            <a:off x="1084847" y="3189849"/>
-            <a:ext cx="10022305" cy="2799317"/>
-          </a:xfrm>
-          <a:prstGeom prst="rect">
-            <a:avLst/>
-          </a:prstGeom>
-        </p:spPr>
-      </p:pic>
     </p:spTree>
     <p:extLst>
       <p:ext uri="{BB962C8B-B14F-4D97-AF65-F5344CB8AC3E}">
-        <p14:creationId xmlns:p14="http://schemas.microsoft.com/office/powerpoint/2010/main" val="4333499"/>
+        <p14:creationId xmlns:p14="http://schemas.microsoft.com/office/powerpoint/2010/main" val="1646776524"/>
       </p:ext>
     </p:extLst>
   </p:cSld>
@@ -10369,9 +10939,8 @@
                   <a:srgbClr val="000000"/>
                 </a:solidFill>
                 <a:effectLst/>
-                <a:latin typeface="Helvetica Neue"/>
               </a:rPr>
-              <a:t>NMF do dimensionality reduction by decompose original data to 2 matrix</a:t>
+              <a:t>PCA always uses orthogonal eigenvectors, making it difficult to find associations between data, but NMF can grasp the nature of the data.</a:t>
             </a:r>
           </a:p>
           <a:p>
@@ -10426,10 +10995,10 @@
       </p:pic>
       <p:pic>
         <p:nvPicPr>
-          <p:cNvPr id="7" name="그림 6">
-            <a:extLst>
-              <a:ext uri="{FF2B5EF4-FFF2-40B4-BE49-F238E27FC236}">
-                <a16:creationId xmlns:a16="http://schemas.microsoft.com/office/drawing/2014/main" id="{E6ECC6A3-6E59-44AC-A490-2004E311F776}"/>
+          <p:cNvPr id="6" name="그림 5">
+            <a:extLst>
+              <a:ext uri="{FF2B5EF4-FFF2-40B4-BE49-F238E27FC236}">
+                <a16:creationId xmlns:a16="http://schemas.microsoft.com/office/drawing/2014/main" id="{76164B93-C791-4068-9DCF-68F34C1B92BA}"/>
               </a:ext>
             </a:extLst>
           </p:cNvPr>
@@ -10452,8 +11021,8 @@
         </p:blipFill>
         <p:spPr>
           <a:xfrm>
-            <a:off x="1802166" y="3153545"/>
-            <a:ext cx="9004763" cy="2540131"/>
+            <a:off x="1084847" y="3189849"/>
+            <a:ext cx="10022305" cy="2799317"/>
           </a:xfrm>
           <a:prstGeom prst="rect">
             <a:avLst/>
@@ -10463,7 +11032,7 @@
     </p:spTree>
     <p:extLst>
       <p:ext uri="{BB962C8B-B14F-4D97-AF65-F5344CB8AC3E}">
-        <p14:creationId xmlns:p14="http://schemas.microsoft.com/office/powerpoint/2010/main" val="2761058719"/>
+        <p14:creationId xmlns:p14="http://schemas.microsoft.com/office/powerpoint/2010/main" val="4333499"/>
       </p:ext>
     </p:extLst>
   </p:cSld>
@@ -10540,10 +11109,6 @@
           <a:bodyPr/>
           <a:lstStyle/>
           <a:p>
-            <a:pPr algn="l">
-              <a:buFont typeface="Arial" panose="020B0604020202020204" pitchFamily="34" charset="0"/>
-              <a:buChar char="•"/>
-            </a:pPr>
             <a:r>
               <a:rPr lang="en-US" altLang="ko-KR" b="0" i="0" dirty="0">
                 <a:solidFill>
@@ -10551,67 +11116,7 @@
                 </a:solidFill>
                 <a:effectLst/>
               </a:rPr>
-              <a:t>Calculation Process</a:t>
-            </a:r>
-          </a:p>
-          <a:p>
-            <a:pPr marL="742950" lvl="1" indent="-285750" algn="l">
-              <a:buFont typeface="Arial" panose="020B0604020202020204" pitchFamily="34" charset="0"/>
-              <a:buChar char="•"/>
-            </a:pPr>
-            <a:r>
-              <a:rPr lang="en-US" altLang="ko-KR" b="0" i="0" dirty="0">
-                <a:solidFill>
-                  <a:srgbClr val="000000"/>
-                </a:solidFill>
-                <a:effectLst/>
-              </a:rPr>
-              <a:t>Initialize W, H as a positive value</a:t>
-            </a:r>
-          </a:p>
-          <a:p>
-            <a:pPr marL="742950" lvl="1" indent="-285750" algn="l">
-              <a:buFont typeface="Arial" panose="020B0604020202020204" pitchFamily="34" charset="0"/>
-              <a:buChar char="•"/>
-            </a:pPr>
-            <a:r>
-              <a:rPr lang="en-US" altLang="ko-KR" b="0" i="0" dirty="0">
-                <a:solidFill>
-                  <a:srgbClr val="000000"/>
-                </a:solidFill>
-                <a:effectLst/>
-              </a:rPr>
-              <a:t>Treat H as a constant and renew W</a:t>
-            </a:r>
-          </a:p>
-          <a:p>
-            <a:pPr marL="742950" lvl="1" indent="-285750" algn="l">
-              <a:buFont typeface="Arial" panose="020B0604020202020204" pitchFamily="34" charset="0"/>
-              <a:buChar char="•"/>
-            </a:pPr>
-            <a:r>
-              <a:rPr lang="en-US" altLang="ko-KR" b="0" i="0" dirty="0">
-                <a:solidFill>
-                  <a:srgbClr val="000000"/>
-                </a:solidFill>
-                <a:effectLst/>
-              </a:rPr>
-              <a:t>Treat W as a constant and renew H</a:t>
-            </a:r>
-          </a:p>
-          <a:p>
-            <a:pPr marL="742950" lvl="1" indent="-285750" algn="l">
-              <a:buFont typeface="Arial" panose="020B0604020202020204" pitchFamily="34" charset="0"/>
-              <a:buChar char="•"/>
-            </a:pPr>
-            <a:r>
-              <a:rPr lang="en-US" altLang="ko-KR" b="0" i="0" dirty="0">
-                <a:solidFill>
-                  <a:srgbClr val="000000"/>
-                </a:solidFill>
-                <a:effectLst/>
-              </a:rPr>
-              <a:t>End calculation when W, H converges to the original matrix</a:t>
+              <a:t>NMF do dimensionality reduction by decompose original data to 2 matrix</a:t>
             </a:r>
           </a:p>
           <a:p>
@@ -10664,10 +11169,46 @@
           </a:prstGeom>
         </p:spPr>
       </p:pic>
+      <p:pic>
+        <p:nvPicPr>
+          <p:cNvPr id="7" name="그림 6">
+            <a:extLst>
+              <a:ext uri="{FF2B5EF4-FFF2-40B4-BE49-F238E27FC236}">
+                <a16:creationId xmlns:a16="http://schemas.microsoft.com/office/drawing/2014/main" id="{E6ECC6A3-6E59-44AC-A490-2004E311F776}"/>
+              </a:ext>
+            </a:extLst>
+          </p:cNvPr>
+          <p:cNvPicPr>
+            <a:picLocks noChangeAspect="1"/>
+          </p:cNvPicPr>
+          <p:nvPr/>
+        </p:nvPicPr>
+        <p:blipFill>
+          <a:blip r:embed="rId3">
+            <a:extLst>
+              <a:ext uri="{28A0092B-C50C-407E-A947-70E740481C1C}">
+                <a14:useLocalDpi xmlns:a14="http://schemas.microsoft.com/office/drawing/2010/main" val="0"/>
+              </a:ext>
+            </a:extLst>
+          </a:blip>
+          <a:stretch>
+            <a:fillRect/>
+          </a:stretch>
+        </p:blipFill>
+        <p:spPr>
+          <a:xfrm>
+            <a:off x="1802166" y="3153545"/>
+            <a:ext cx="9004763" cy="2540131"/>
+          </a:xfrm>
+          <a:prstGeom prst="rect">
+            <a:avLst/>
+          </a:prstGeom>
+        </p:spPr>
+      </p:pic>
     </p:spTree>
     <p:extLst>
       <p:ext uri="{BB962C8B-B14F-4D97-AF65-F5344CB8AC3E}">
-        <p14:creationId xmlns:p14="http://schemas.microsoft.com/office/powerpoint/2010/main" val="775563444"/>
+        <p14:creationId xmlns:p14="http://schemas.microsoft.com/office/powerpoint/2010/main" val="2761058719"/>
       </p:ext>
     </p:extLst>
   </p:cSld>
@@ -10699,7 +11240,7 @@
           <p:cNvPr id="2" name="제목 1">
             <a:extLst>
               <a:ext uri="{FF2B5EF4-FFF2-40B4-BE49-F238E27FC236}">
-                <a16:creationId xmlns:a16="http://schemas.microsoft.com/office/drawing/2014/main" id="{CB4E6744-FE38-402B-88E6-67DB91E68CEB}"/>
+                <a16:creationId xmlns:a16="http://schemas.microsoft.com/office/drawing/2014/main" id="{D753B258-D654-4BBB-9B88-5D6A79623D77}"/>
               </a:ext>
             </a:extLst>
           </p:cNvPr>
@@ -10717,7 +11258,7 @@
           <a:p>
             <a:r>
               <a:rPr lang="en-US" altLang="ko-KR" dirty="0"/>
-              <a:t>Sample Code</a:t>
+              <a:t>Fundamental Concept</a:t>
             </a:r>
             <a:endParaRPr lang="ko-KR" altLang="en-US" dirty="0"/>
           </a:p>
@@ -10728,7 +11269,7 @@
           <p:cNvPr id="3" name="내용 개체 틀 2">
             <a:extLst>
               <a:ext uri="{FF2B5EF4-FFF2-40B4-BE49-F238E27FC236}">
-                <a16:creationId xmlns:a16="http://schemas.microsoft.com/office/drawing/2014/main" id="{6DC9F0E8-7A14-420B-A61E-1ECD06CC240B}"/>
+                <a16:creationId xmlns:a16="http://schemas.microsoft.com/office/drawing/2014/main" id="{BC6B9B3F-145D-48F7-A415-3D84DD1E067C}"/>
               </a:ext>
             </a:extLst>
           </p:cNvPr>
@@ -10736,7 +11277,7 @@
             <a:spLocks noGrp="1"/>
           </p:cNvSpPr>
           <p:nvPr>
-            <p:ph sz="half" idx="1"/>
+            <p:ph idx="1"/>
           </p:nvPr>
         </p:nvSpPr>
         <p:spPr/>
@@ -10744,89 +11285,100 @@
           <a:bodyPr/>
           <a:lstStyle/>
           <a:p>
-            <a:r>
-              <a:rPr lang="en-US" altLang="ko-KR" dirty="0" err="1"/>
-              <a:t>Imort</a:t>
-            </a:r>
-            <a:r>
-              <a:rPr lang="en-US" altLang="ko-KR" dirty="0"/>
-              <a:t> libraries</a:t>
-            </a:r>
-          </a:p>
-          <a:p>
-            <a:r>
-              <a:rPr lang="en-US" altLang="ko-KR" dirty="0"/>
-              <a:t>Set data</a:t>
-            </a:r>
-          </a:p>
-          <a:p>
-            <a:r>
-              <a:rPr lang="en-US" altLang="ko-KR" dirty="0"/>
-              <a:t>Set dimension to reduce</a:t>
-            </a:r>
-          </a:p>
-          <a:p>
-            <a:r>
-              <a:rPr lang="en-US" altLang="ko-KR" dirty="0"/>
-              <a:t>Make model</a:t>
-            </a:r>
-          </a:p>
-          <a:p>
-            <a:r>
-              <a:rPr lang="en-US" altLang="ko-KR" dirty="0"/>
-              <a:t>Train data</a:t>
-            </a:r>
-          </a:p>
-          <a:p>
-            <a:r>
-              <a:rPr lang="en-US" altLang="ko-KR" dirty="0"/>
-              <a:t>Print W matrix and H matrix</a:t>
-            </a:r>
-            <a:endParaRPr lang="ko-KR" altLang="en-US" dirty="0"/>
+            <a:pPr algn="l">
+              <a:buFont typeface="Arial" panose="020B0604020202020204" pitchFamily="34" charset="0"/>
+              <a:buChar char="•"/>
+            </a:pPr>
+            <a:r>
+              <a:rPr lang="en-US" altLang="ko-KR" b="0" i="0" dirty="0">
+                <a:solidFill>
+                  <a:srgbClr val="000000"/>
+                </a:solidFill>
+                <a:effectLst/>
+              </a:rPr>
+              <a:t>Calculation Process</a:t>
+            </a:r>
+          </a:p>
+          <a:p>
+            <a:pPr marL="742950" lvl="1" indent="-285750" algn="l">
+              <a:buFont typeface="Arial" panose="020B0604020202020204" pitchFamily="34" charset="0"/>
+              <a:buChar char="•"/>
+            </a:pPr>
+            <a:r>
+              <a:rPr lang="en-US" altLang="ko-KR" b="0" i="0" dirty="0">
+                <a:solidFill>
+                  <a:srgbClr val="000000"/>
+                </a:solidFill>
+                <a:effectLst/>
+              </a:rPr>
+              <a:t>Initialize W, H as a positive value</a:t>
+            </a:r>
+          </a:p>
+          <a:p>
+            <a:pPr marL="742950" lvl="1" indent="-285750" algn="l">
+              <a:buFont typeface="Arial" panose="020B0604020202020204" pitchFamily="34" charset="0"/>
+              <a:buChar char="•"/>
+            </a:pPr>
+            <a:r>
+              <a:rPr lang="en-US" altLang="ko-KR" b="0" i="0" dirty="0">
+                <a:solidFill>
+                  <a:srgbClr val="000000"/>
+                </a:solidFill>
+                <a:effectLst/>
+              </a:rPr>
+              <a:t>Treat H as a constant and renew W</a:t>
+            </a:r>
+          </a:p>
+          <a:p>
+            <a:pPr marL="742950" lvl="1" indent="-285750" algn="l">
+              <a:buFont typeface="Arial" panose="020B0604020202020204" pitchFamily="34" charset="0"/>
+              <a:buChar char="•"/>
+            </a:pPr>
+            <a:r>
+              <a:rPr lang="en-US" altLang="ko-KR" b="0" i="0" dirty="0">
+                <a:solidFill>
+                  <a:srgbClr val="000000"/>
+                </a:solidFill>
+                <a:effectLst/>
+              </a:rPr>
+              <a:t>Treat W as a constant and renew H</a:t>
+            </a:r>
+          </a:p>
+          <a:p>
+            <a:pPr marL="742950" lvl="1" indent="-285750" algn="l">
+              <a:buFont typeface="Arial" panose="020B0604020202020204" pitchFamily="34" charset="0"/>
+              <a:buChar char="•"/>
+            </a:pPr>
+            <a:r>
+              <a:rPr lang="en-US" altLang="ko-KR" b="0" i="0" dirty="0">
+                <a:solidFill>
+                  <a:srgbClr val="000000"/>
+                </a:solidFill>
+                <a:effectLst/>
+              </a:rPr>
+              <a:t>End calculation when W, H converges to the original matrix</a:t>
+            </a:r>
+          </a:p>
+          <a:p>
+            <a:pPr algn="l">
+              <a:buFont typeface="Arial" panose="020B0604020202020204" pitchFamily="34" charset="0"/>
+              <a:buChar char="•"/>
+            </a:pPr>
+            <a:endParaRPr lang="en-US" altLang="ko-KR" b="0" i="0" dirty="0">
+              <a:solidFill>
+                <a:srgbClr val="000000"/>
+              </a:solidFill>
+              <a:effectLst/>
+            </a:endParaRPr>
           </a:p>
         </p:txBody>
       </p:sp>
       <p:pic>
         <p:nvPicPr>
-          <p:cNvPr id="7" name="내용 개체 틀 6">
-            <a:extLst>
-              <a:ext uri="{FF2B5EF4-FFF2-40B4-BE49-F238E27FC236}">
-                <a16:creationId xmlns:a16="http://schemas.microsoft.com/office/drawing/2014/main" id="{9ED2FAC8-DBC4-41B8-8055-66F1A9FBDA3B}"/>
-              </a:ext>
-            </a:extLst>
-          </p:cNvPr>
-          <p:cNvPicPr>
-            <a:picLocks noGrp="1" noChangeAspect="1"/>
-          </p:cNvPicPr>
-          <p:nvPr>
-            <p:ph sz="half" idx="2"/>
-          </p:nvPr>
-        </p:nvPicPr>
-        <p:blipFill>
-          <a:blip r:embed="rId2">
-            <a:extLst>
-              <a:ext uri="{28A0092B-C50C-407E-A947-70E740481C1C}">
-                <a14:useLocalDpi xmlns:a14="http://schemas.microsoft.com/office/drawing/2010/main" val="0"/>
-              </a:ext>
-            </a:extLst>
-          </a:blip>
-          <a:stretch>
-            <a:fillRect/>
-          </a:stretch>
-        </p:blipFill>
-        <p:spPr>
-          <a:xfrm>
-            <a:off x="6431307" y="1825625"/>
-            <a:ext cx="4663386" cy="4351338"/>
-          </a:xfrm>
-        </p:spPr>
-      </p:pic>
-      <p:pic>
-        <p:nvPicPr>
-          <p:cNvPr id="5" name="그림 4">
-            <a:extLst>
-              <a:ext uri="{FF2B5EF4-FFF2-40B4-BE49-F238E27FC236}">
-                <a16:creationId xmlns:a16="http://schemas.microsoft.com/office/drawing/2014/main" id="{10C0AFF4-D668-4F9E-965E-DC79BA51A7AB}"/>
+          <p:cNvPr id="4" name="그림 3">
+            <a:extLst>
+              <a:ext uri="{FF2B5EF4-FFF2-40B4-BE49-F238E27FC236}">
+                <a16:creationId xmlns:a16="http://schemas.microsoft.com/office/drawing/2014/main" id="{9F37F5ED-AC00-45E8-B097-D2B5CBF6970E}"/>
               </a:ext>
             </a:extLst>
           </p:cNvPr>
@@ -10836,7 +11388,7 @@
           <p:nvPr/>
         </p:nvPicPr>
         <p:blipFill>
-          <a:blip r:embed="rId3">
+          <a:blip r:embed="rId2">
             <a:extLst>
               <a:ext uri="{28A0092B-C50C-407E-A947-70E740481C1C}">
                 <a14:useLocalDpi xmlns:a14="http://schemas.microsoft.com/office/drawing/2010/main" val="0"/>
@@ -10860,7 +11412,7 @@
     </p:spTree>
     <p:extLst>
       <p:ext uri="{BB962C8B-B14F-4D97-AF65-F5344CB8AC3E}">
-        <p14:creationId xmlns:p14="http://schemas.microsoft.com/office/powerpoint/2010/main" val="1247689863"/>
+        <p14:creationId xmlns:p14="http://schemas.microsoft.com/office/powerpoint/2010/main" val="775563444"/>
       </p:ext>
     </p:extLst>
   </p:cSld>
@@ -10918,6 +11470,41 @@
       </p:sp>
       <p:pic>
         <p:nvPicPr>
+          <p:cNvPr id="6" name="내용 개체 틀 5">
+            <a:extLst>
+              <a:ext uri="{FF2B5EF4-FFF2-40B4-BE49-F238E27FC236}">
+                <a16:creationId xmlns:a16="http://schemas.microsoft.com/office/drawing/2014/main" id="{8A7DF99F-BAA2-4E8C-B089-F97B1F0BD1F6}"/>
+              </a:ext>
+            </a:extLst>
+          </p:cNvPr>
+          <p:cNvPicPr>
+            <a:picLocks noGrp="1" noChangeAspect="1"/>
+          </p:cNvPicPr>
+          <p:nvPr>
+            <p:ph idx="1"/>
+          </p:nvPr>
+        </p:nvPicPr>
+        <p:blipFill>
+          <a:blip r:embed="rId2">
+            <a:extLst>
+              <a:ext uri="{28A0092B-C50C-407E-A947-70E740481C1C}">
+                <a14:useLocalDpi xmlns:a14="http://schemas.microsoft.com/office/drawing/2010/main" val="0"/>
+              </a:ext>
+            </a:extLst>
+          </a:blip>
+          <a:stretch>
+            <a:fillRect/>
+          </a:stretch>
+        </p:blipFill>
+        <p:spPr>
+          <a:xfrm>
+            <a:off x="3379892" y="1772765"/>
+            <a:ext cx="5432216" cy="4351338"/>
+          </a:xfrm>
+        </p:spPr>
+      </p:pic>
+      <p:pic>
+        <p:nvPicPr>
           <p:cNvPr id="4" name="그림 3">
             <a:extLst>
               <a:ext uri="{FF2B5EF4-FFF2-40B4-BE49-F238E27FC236}">
@@ -10931,7 +11518,7 @@
           <p:nvPr/>
         </p:nvPicPr>
         <p:blipFill>
-          <a:blip r:embed="rId2">
+          <a:blip r:embed="rId3">
             <a:extLst>
               <a:ext uri="{28A0092B-C50C-407E-A947-70E740481C1C}">
                 <a14:useLocalDpi xmlns:a14="http://schemas.microsoft.com/office/drawing/2010/main" val="0"/>
@@ -10952,107 +11539,10 @@
           </a:prstGeom>
         </p:spPr>
       </p:pic>
-      <p:sp>
-        <p:nvSpPr>
-          <p:cNvPr id="5" name="내용 개체 틀 4">
-            <a:extLst>
-              <a:ext uri="{FF2B5EF4-FFF2-40B4-BE49-F238E27FC236}">
-                <a16:creationId xmlns:a16="http://schemas.microsoft.com/office/drawing/2014/main" id="{15A699E5-7E30-45BD-BE32-71C7AB56832A}"/>
-              </a:ext>
-            </a:extLst>
-          </p:cNvPr>
-          <p:cNvSpPr>
-            <a:spLocks noGrp="1"/>
-          </p:cNvSpPr>
-          <p:nvPr>
-            <p:ph idx="1"/>
-          </p:nvPr>
-        </p:nvSpPr>
-        <p:spPr/>
-        <p:txBody>
-          <a:bodyPr/>
-          <a:lstStyle/>
-          <a:p>
-            <a:pPr algn="l">
-              <a:buFont typeface="Arial" panose="020B0604020202020204" pitchFamily="34" charset="0"/>
-              <a:buChar char="•"/>
-            </a:pPr>
-            <a:r>
-              <a:rPr lang="en-US" altLang="ko-KR" b="0" i="0" dirty="0">
-                <a:solidFill>
-                  <a:srgbClr val="000000"/>
-                </a:solidFill>
-                <a:effectLst/>
-              </a:rPr>
-              <a:t>Using PCA, correlated multivariate data can be concisely represented as the main component.</a:t>
-            </a:r>
-          </a:p>
-          <a:p>
-            <a:pPr algn="l">
-              <a:buFont typeface="Arial" panose="020B0604020202020204" pitchFamily="34" charset="0"/>
-              <a:buChar char="•"/>
-            </a:pPr>
-            <a:r>
-              <a:rPr lang="en-US" altLang="ko-KR" b="0" i="0" dirty="0">
-                <a:solidFill>
-                  <a:srgbClr val="000000"/>
-                </a:solidFill>
-                <a:effectLst/>
-              </a:rPr>
-              <a:t>PCA is a method used to reduce variables in data.</a:t>
-            </a:r>
-          </a:p>
-          <a:p>
-            <a:pPr algn="l">
-              <a:buFont typeface="Arial" panose="020B0604020202020204" pitchFamily="34" charset="0"/>
-              <a:buChar char="•"/>
-            </a:pPr>
-            <a:r>
-              <a:rPr lang="en-US" altLang="ko-KR" b="0" i="0" dirty="0">
-                <a:solidFill>
-                  <a:srgbClr val="000000"/>
-                </a:solidFill>
-                <a:effectLst/>
-              </a:rPr>
-              <a:t>It is a representative dimension reduction method that can be applied to data that is correlated between variables.</a:t>
-            </a:r>
-          </a:p>
-          <a:p>
-            <a:pPr algn="l">
-              <a:buFont typeface="Arial" panose="020B0604020202020204" pitchFamily="34" charset="0"/>
-              <a:buChar char="•"/>
-            </a:pPr>
-            <a:r>
-              <a:rPr lang="en-US" altLang="ko-KR" b="0" i="0" dirty="0">
-                <a:solidFill>
-                  <a:srgbClr val="000000"/>
-                </a:solidFill>
-                <a:effectLst/>
-              </a:rPr>
-              <a:t>Dimension reduction means 'It is expressed as several variables while maintaining the characteristics of data with many variables.'</a:t>
-            </a:r>
-          </a:p>
-          <a:p>
-            <a:pPr algn="l">
-              <a:buFont typeface="Arial" panose="020B0604020202020204" pitchFamily="34" charset="0"/>
-              <a:buChar char="•"/>
-            </a:pPr>
-            <a:r>
-              <a:rPr lang="en-US" altLang="ko-KR" b="0" i="0" dirty="0">
-                <a:solidFill>
-                  <a:srgbClr val="000000"/>
-                </a:solidFill>
-                <a:effectLst/>
-              </a:rPr>
-              <a:t>It helps reduce complexity when analyzing multivariate data.</a:t>
-            </a:r>
-          </a:p>
-        </p:txBody>
-      </p:sp>
     </p:spTree>
     <p:extLst>
       <p:ext uri="{BB962C8B-B14F-4D97-AF65-F5344CB8AC3E}">
-        <p14:creationId xmlns:p14="http://schemas.microsoft.com/office/powerpoint/2010/main" val="301880539"/>
+        <p14:creationId xmlns:p14="http://schemas.microsoft.com/office/powerpoint/2010/main" val="3104638744"/>
       </p:ext>
     </p:extLst>
   </p:cSld>
@@ -11084,7 +11574,7 @@
           <p:cNvPr id="2" name="제목 1">
             <a:extLst>
               <a:ext uri="{FF2B5EF4-FFF2-40B4-BE49-F238E27FC236}">
-                <a16:creationId xmlns:a16="http://schemas.microsoft.com/office/drawing/2014/main" id="{78A58025-647C-47D7-A8CA-865111C373B1}"/>
+                <a16:creationId xmlns:a16="http://schemas.microsoft.com/office/drawing/2014/main" id="{CB4E6744-FE38-402B-88E6-67DB91E68CEB}"/>
               </a:ext>
             </a:extLst>
           </p:cNvPr>
@@ -11092,7 +11582,7 @@
             <a:spLocks noGrp="1"/>
           </p:cNvSpPr>
           <p:nvPr>
-            <p:ph type="ctrTitle"/>
+            <p:ph type="title"/>
           </p:nvPr>
         </p:nvSpPr>
         <p:spPr/>
@@ -11102,7 +11592,7 @@
           <a:p>
             <a:r>
               <a:rPr lang="en-US" altLang="ko-KR" dirty="0"/>
-              <a:t>Unsupervised Learning</a:t>
+              <a:t>Sample Code</a:t>
             </a:r>
             <a:endParaRPr lang="ko-KR" altLang="en-US" dirty="0"/>
           </a:p>
@@ -11110,10 +11600,10 @@
       </p:sp>
       <p:sp>
         <p:nvSpPr>
-          <p:cNvPr id="3" name="부제목 2">
-            <a:extLst>
-              <a:ext uri="{FF2B5EF4-FFF2-40B4-BE49-F238E27FC236}">
-                <a16:creationId xmlns:a16="http://schemas.microsoft.com/office/drawing/2014/main" id="{3681C490-1BC5-4C61-B3A0-843845EADE02}"/>
+          <p:cNvPr id="3" name="내용 개체 틀 2">
+            <a:extLst>
+              <a:ext uri="{FF2B5EF4-FFF2-40B4-BE49-F238E27FC236}">
+                <a16:creationId xmlns:a16="http://schemas.microsoft.com/office/drawing/2014/main" id="{6DC9F0E8-7A14-420B-A61E-1ECD06CC240B}"/>
               </a:ext>
             </a:extLst>
           </p:cNvPr>
@@ -11121,7 +11611,7 @@
             <a:spLocks noGrp="1"/>
           </p:cNvSpPr>
           <p:nvPr>
-            <p:ph type="subTitle" idx="1"/>
+            <p:ph sz="half" idx="1"/>
           </p:nvPr>
         </p:nvSpPr>
         <p:spPr/>
@@ -11130,8 +11620,42 @@
           <a:lstStyle/>
           <a:p>
             <a:r>
+              <a:rPr lang="en-US" altLang="ko-KR" dirty="0" err="1"/>
+              <a:t>Imort</a:t>
+            </a:r>
+            <a:r>
               <a:rPr lang="en-US" altLang="ko-KR" dirty="0"/>
-              <a:t>Latent Dirichlet Allocation, LDA</a:t>
+              <a:t> libraries</a:t>
+            </a:r>
+          </a:p>
+          <a:p>
+            <a:r>
+              <a:rPr lang="en-US" altLang="ko-KR" dirty="0"/>
+              <a:t>Set data</a:t>
+            </a:r>
+          </a:p>
+          <a:p>
+            <a:r>
+              <a:rPr lang="en-US" altLang="ko-KR" dirty="0"/>
+              <a:t>Set dimension to reduce</a:t>
+            </a:r>
+          </a:p>
+          <a:p>
+            <a:r>
+              <a:rPr lang="en-US" altLang="ko-KR" dirty="0"/>
+              <a:t>Make model</a:t>
+            </a:r>
+          </a:p>
+          <a:p>
+            <a:r>
+              <a:rPr lang="en-US" altLang="ko-KR" dirty="0"/>
+              <a:t>Train data</a:t>
+            </a:r>
+          </a:p>
+          <a:p>
+            <a:r>
+              <a:rPr lang="en-US" altLang="ko-KR" dirty="0"/>
+              <a:t>Print W matrix and H matrix</a:t>
             </a:r>
             <a:endParaRPr lang="ko-KR" altLang="en-US" dirty="0"/>
           </a:p>
@@ -11139,10 +11663,45 @@
       </p:sp>
       <p:pic>
         <p:nvPicPr>
-          <p:cNvPr id="4" name="그림 3">
-            <a:extLst>
-              <a:ext uri="{FF2B5EF4-FFF2-40B4-BE49-F238E27FC236}">
-                <a16:creationId xmlns:a16="http://schemas.microsoft.com/office/drawing/2014/main" id="{679B4AA6-7872-4FDA-9FFD-A0AAF4654DEB}"/>
+          <p:cNvPr id="7" name="내용 개체 틀 6">
+            <a:extLst>
+              <a:ext uri="{FF2B5EF4-FFF2-40B4-BE49-F238E27FC236}">
+                <a16:creationId xmlns:a16="http://schemas.microsoft.com/office/drawing/2014/main" id="{9ED2FAC8-DBC4-41B8-8055-66F1A9FBDA3B}"/>
+              </a:ext>
+            </a:extLst>
+          </p:cNvPr>
+          <p:cNvPicPr>
+            <a:picLocks noGrp="1" noChangeAspect="1"/>
+          </p:cNvPicPr>
+          <p:nvPr>
+            <p:ph sz="half" idx="2"/>
+          </p:nvPr>
+        </p:nvPicPr>
+        <p:blipFill>
+          <a:blip r:embed="rId2">
+            <a:extLst>
+              <a:ext uri="{28A0092B-C50C-407E-A947-70E740481C1C}">
+                <a14:useLocalDpi xmlns:a14="http://schemas.microsoft.com/office/drawing/2010/main" val="0"/>
+              </a:ext>
+            </a:extLst>
+          </a:blip>
+          <a:stretch>
+            <a:fillRect/>
+          </a:stretch>
+        </p:blipFill>
+        <p:spPr>
+          <a:xfrm>
+            <a:off x="6431307" y="1825625"/>
+            <a:ext cx="4663386" cy="4351338"/>
+          </a:xfrm>
+        </p:spPr>
+      </p:pic>
+      <p:pic>
+        <p:nvPicPr>
+          <p:cNvPr id="5" name="그림 4">
+            <a:extLst>
+              <a:ext uri="{FF2B5EF4-FFF2-40B4-BE49-F238E27FC236}">
+                <a16:creationId xmlns:a16="http://schemas.microsoft.com/office/drawing/2014/main" id="{10C0AFF4-D668-4F9E-965E-DC79BA51A7AB}"/>
               </a:ext>
             </a:extLst>
           </p:cNvPr>
@@ -11152,7 +11711,7 @@
           <p:nvPr/>
         </p:nvPicPr>
         <p:blipFill>
-          <a:blip r:embed="rId2">
+          <a:blip r:embed="rId3">
             <a:extLst>
               <a:ext uri="{28A0092B-C50C-407E-A947-70E740481C1C}">
                 <a14:useLocalDpi xmlns:a14="http://schemas.microsoft.com/office/drawing/2010/main" val="0"/>
@@ -11176,7 +11735,7 @@
     </p:spTree>
     <p:extLst>
       <p:ext uri="{BB962C8B-B14F-4D97-AF65-F5344CB8AC3E}">
-        <p14:creationId xmlns:p14="http://schemas.microsoft.com/office/powerpoint/2010/main" val="1852525388"/>
+        <p14:creationId xmlns:p14="http://schemas.microsoft.com/office/powerpoint/2010/main" val="1247689863"/>
       </p:ext>
     </p:extLst>
   </p:cSld>
@@ -11208,7 +11767,7 @@
           <p:cNvPr id="2" name="제목 1">
             <a:extLst>
               <a:ext uri="{FF2B5EF4-FFF2-40B4-BE49-F238E27FC236}">
-                <a16:creationId xmlns:a16="http://schemas.microsoft.com/office/drawing/2014/main" id="{4A6F79E4-85D0-4CC3-B80C-F1336499619F}"/>
+                <a16:creationId xmlns:a16="http://schemas.microsoft.com/office/drawing/2014/main" id="{78A58025-647C-47D7-A8CA-865111C373B1}"/>
               </a:ext>
             </a:extLst>
           </p:cNvPr>
@@ -11216,7 +11775,7 @@
             <a:spLocks noGrp="1"/>
           </p:cNvSpPr>
           <p:nvPr>
-            <p:ph type="title"/>
+            <p:ph type="ctrTitle"/>
           </p:nvPr>
         </p:nvSpPr>
         <p:spPr/>
@@ -11226,7 +11785,7 @@
           <a:p>
             <a:r>
               <a:rPr lang="en-US" altLang="ko-KR" dirty="0"/>
-              <a:t>Fundamental Concept</a:t>
+              <a:t>Unsupervised Learning</a:t>
             </a:r>
             <a:endParaRPr lang="ko-KR" altLang="en-US" dirty="0"/>
           </a:p>
@@ -11234,10 +11793,10 @@
       </p:sp>
       <p:sp>
         <p:nvSpPr>
-          <p:cNvPr id="3" name="내용 개체 틀 2">
-            <a:extLst>
-              <a:ext uri="{FF2B5EF4-FFF2-40B4-BE49-F238E27FC236}">
-                <a16:creationId xmlns:a16="http://schemas.microsoft.com/office/drawing/2014/main" id="{F81E9F59-1E95-44A1-805E-84C0D16A5CDA}"/>
+          <p:cNvPr id="3" name="부제목 2">
+            <a:extLst>
+              <a:ext uri="{FF2B5EF4-FFF2-40B4-BE49-F238E27FC236}">
+                <a16:creationId xmlns:a16="http://schemas.microsoft.com/office/drawing/2014/main" id="{3681C490-1BC5-4C61-B3A0-843845EADE02}"/>
               </a:ext>
             </a:extLst>
           </p:cNvPr>
@@ -11245,7 +11804,7 @@
             <a:spLocks noGrp="1"/>
           </p:cNvSpPr>
           <p:nvPr>
-            <p:ph idx="1"/>
+            <p:ph type="subTitle" idx="1"/>
           </p:nvPr>
         </p:nvSpPr>
         <p:spPr/>
@@ -11253,96 +11812,10 @@
           <a:bodyPr/>
           <a:lstStyle/>
           <a:p>
-            <a:pPr algn="l">
-              <a:buFont typeface="Arial" panose="020B0604020202020204" pitchFamily="34" charset="0"/>
-              <a:buChar char="•"/>
-            </a:pPr>
-            <a:r>
-              <a:rPr lang="en-US" altLang="ko-KR" b="0" i="0" dirty="0">
-                <a:solidFill>
-                  <a:srgbClr val="000000"/>
-                </a:solidFill>
-                <a:effectLst/>
-              </a:rPr>
-              <a:t>One of the dimensional reduction methods suitable for modeling documents.</a:t>
-            </a:r>
-          </a:p>
-          <a:p>
-            <a:pPr algn="l">
-              <a:buFont typeface="Arial" panose="020B0604020202020204" pitchFamily="34" charset="0"/>
-              <a:buChar char="•"/>
-            </a:pPr>
-            <a:r>
-              <a:rPr lang="en-US" altLang="ko-KR" b="0" i="0" dirty="0">
-                <a:solidFill>
-                  <a:srgbClr val="000000"/>
-                </a:solidFill>
-                <a:effectLst/>
-              </a:rPr>
-              <a:t>Various topics can be covered by using words in the document as input data.</a:t>
-            </a:r>
-          </a:p>
-          <a:p>
-            <a:pPr algn="l">
-              <a:buFont typeface="Arial" panose="020B0604020202020204" pitchFamily="34" charset="0"/>
-              <a:buChar char="•"/>
-            </a:pPr>
-            <a:r>
-              <a:rPr lang="en-US" altLang="ko-KR" b="0" i="0" dirty="0">
-                <a:solidFill>
-                  <a:srgbClr val="000000"/>
-                </a:solidFill>
-                <a:effectLst/>
-              </a:rPr>
-              <a:t>It is used in NLP, </a:t>
-            </a:r>
-            <a:r>
-              <a:rPr lang="en-US" altLang="ko-KR" b="0" i="0" dirty="0" err="1">
-                <a:solidFill>
-                  <a:srgbClr val="000000"/>
-                </a:solidFill>
-                <a:effectLst/>
-              </a:rPr>
-              <a:t>etc</a:t>
-            </a:r>
-            <a:endParaRPr lang="en-US" altLang="ko-KR" b="0" i="0" dirty="0">
-              <a:solidFill>
-                <a:srgbClr val="000000"/>
-              </a:solidFill>
-              <a:effectLst/>
-            </a:endParaRPr>
-          </a:p>
-          <a:p>
-            <a:pPr algn="l">
-              <a:buFont typeface="Arial" panose="020B0604020202020204" pitchFamily="34" charset="0"/>
-              <a:buChar char="•"/>
-            </a:pPr>
-            <a:r>
-              <a:rPr lang="en-US" altLang="ko-KR" b="0" i="0" dirty="0">
-                <a:solidFill>
-                  <a:srgbClr val="000000"/>
-                </a:solidFill>
-                <a:effectLst/>
-              </a:rPr>
-              <a:t>Create latent topics with the words in the document to indicate what each document is composed of.</a:t>
-            </a:r>
-          </a:p>
-          <a:p>
-            <a:pPr algn="l">
-              <a:buFont typeface="Arial" panose="020B0604020202020204" pitchFamily="34" charset="0"/>
-              <a:buChar char="•"/>
-            </a:pPr>
-            <a:r>
-              <a:rPr lang="en-US" altLang="ko-KR" b="0" i="0" dirty="0">
-                <a:solidFill>
-                  <a:srgbClr val="000000"/>
-                </a:solidFill>
-                <a:effectLst/>
-              </a:rPr>
-              <a:t>You can explain that there are multiple topics in a document.</a:t>
-            </a:r>
-          </a:p>
-          <a:p>
+            <a:r>
+              <a:rPr lang="en-US" altLang="ko-KR" dirty="0"/>
+              <a:t>Latent Dirichlet Allocation, LDA</a:t>
+            </a:r>
             <a:endParaRPr lang="ko-KR" altLang="en-US" dirty="0"/>
           </a:p>
         </p:txBody>
@@ -11352,7 +11825,7 @@
           <p:cNvPr id="4" name="그림 3">
             <a:extLst>
               <a:ext uri="{FF2B5EF4-FFF2-40B4-BE49-F238E27FC236}">
-                <a16:creationId xmlns:a16="http://schemas.microsoft.com/office/drawing/2014/main" id="{3921922E-B3CC-4BFF-8FFB-688BE5E1B46F}"/>
+                <a16:creationId xmlns:a16="http://schemas.microsoft.com/office/drawing/2014/main" id="{679B4AA6-7872-4FDA-9FFD-A0AAF4654DEB}"/>
               </a:ext>
             </a:extLst>
           </p:cNvPr>
@@ -11383,10 +11856,56 @@
           </a:prstGeom>
         </p:spPr>
       </p:pic>
+      <p:sp>
+        <p:nvSpPr>
+          <p:cNvPr id="5" name="TextBox 4">
+            <a:extLst>
+              <a:ext uri="{FF2B5EF4-FFF2-40B4-BE49-F238E27FC236}">
+                <a16:creationId xmlns:a16="http://schemas.microsoft.com/office/drawing/2014/main" id="{350078B6-E254-4230-98A5-BD94E49B4787}"/>
+              </a:ext>
+            </a:extLst>
+          </p:cNvPr>
+          <p:cNvSpPr txBox="1"/>
+          <p:nvPr/>
+        </p:nvSpPr>
+        <p:spPr>
+          <a:xfrm>
+            <a:off x="0" y="6211669"/>
+            <a:ext cx="2805576" cy="646331"/>
+          </a:xfrm>
+          <a:prstGeom prst="rect">
+            <a:avLst/>
+          </a:prstGeom>
+          <a:noFill/>
+        </p:spPr>
+        <p:txBody>
+          <a:bodyPr wrap="none" rtlCol="0">
+            <a:spAutoFit/>
+          </a:bodyPr>
+          <a:lstStyle/>
+          <a:p>
+            <a:r>
+              <a:rPr lang="ko-KR" altLang="en-US" dirty="0"/>
+              <a:t>경희대학교 컴퓨터공학과</a:t>
+            </a:r>
+            <a:endParaRPr lang="en-US" altLang="ko-KR" dirty="0"/>
+          </a:p>
+          <a:p>
+            <a:r>
+              <a:rPr lang="en-US" altLang="ko-KR" dirty="0"/>
+              <a:t>2019102191 </a:t>
+            </a:r>
+            <a:r>
+              <a:rPr lang="ko-KR" altLang="en-US" dirty="0"/>
+              <a:t>신주영</a:t>
+            </a:r>
+          </a:p>
+        </p:txBody>
+      </p:sp>
     </p:spTree>
     <p:extLst>
       <p:ext uri="{BB962C8B-B14F-4D97-AF65-F5344CB8AC3E}">
-        <p14:creationId xmlns:p14="http://schemas.microsoft.com/office/powerpoint/2010/main" val="1213172803"/>
+        <p14:creationId xmlns:p14="http://schemas.microsoft.com/office/powerpoint/2010/main" val="1852525388"/>
       </p:ext>
     </p:extLst>
   </p:cSld>
@@ -11418,7 +11937,7 @@
           <p:cNvPr id="2" name="제목 1">
             <a:extLst>
               <a:ext uri="{FF2B5EF4-FFF2-40B4-BE49-F238E27FC236}">
-                <a16:creationId xmlns:a16="http://schemas.microsoft.com/office/drawing/2014/main" id="{E4AB58DD-9F24-4076-A4F2-12280CC4B488}"/>
+                <a16:creationId xmlns:a16="http://schemas.microsoft.com/office/drawing/2014/main" id="{4A6F79E4-85D0-4CC3-B80C-F1336499619F}"/>
               </a:ext>
             </a:extLst>
           </p:cNvPr>
@@ -11436,7 +11955,7 @@
           <a:p>
             <a:r>
               <a:rPr lang="en-US" altLang="ko-KR" dirty="0"/>
-              <a:t>Algorithm</a:t>
+              <a:t>Fundamental Concept</a:t>
             </a:r>
             <a:endParaRPr lang="ko-KR" altLang="en-US" dirty="0"/>
           </a:p>
@@ -11447,7 +11966,7 @@
           <p:cNvPr id="3" name="내용 개체 틀 2">
             <a:extLst>
               <a:ext uri="{FF2B5EF4-FFF2-40B4-BE49-F238E27FC236}">
-                <a16:creationId xmlns:a16="http://schemas.microsoft.com/office/drawing/2014/main" id="{A71AC127-8501-45D0-861A-EA8D82201D5D}"/>
+                <a16:creationId xmlns:a16="http://schemas.microsoft.com/office/drawing/2014/main" id="{F81E9F59-1E95-44A1-805E-84C0D16A5CDA}"/>
               </a:ext>
             </a:extLst>
           </p:cNvPr>
@@ -11463,54 +11982,96 @@
           <a:bodyPr/>
           <a:lstStyle/>
           <a:p>
-            <a:pPr marL="514350" indent="-514350">
-              <a:buFont typeface="+mj-lt"/>
-              <a:buAutoNum type="arabicPeriod"/>
+            <a:pPr algn="l">
+              <a:buFont typeface="Arial" panose="020B0604020202020204" pitchFamily="34" charset="0"/>
+              <a:buChar char="•"/>
             </a:pPr>
             <a:r>
-              <a:rPr lang="en-US" altLang="ko-KR" dirty="0"/>
-              <a:t>Assign a topic randomly to each word in a document</a:t>
-            </a:r>
-          </a:p>
-          <a:p>
-            <a:pPr marL="514350" indent="-514350">
-              <a:buFont typeface="+mj-lt"/>
-              <a:buAutoNum type="arabicPeriod"/>
+              <a:rPr lang="en-US" altLang="ko-KR" b="0" i="0" dirty="0">
+                <a:solidFill>
+                  <a:srgbClr val="000000"/>
+                </a:solidFill>
+                <a:effectLst/>
+              </a:rPr>
+              <a:t>One of the dimensional reduction methods suitable for modeling documents.</a:t>
+            </a:r>
+          </a:p>
+          <a:p>
+            <a:pPr algn="l">
+              <a:buFont typeface="Arial" panose="020B0604020202020204" pitchFamily="34" charset="0"/>
+              <a:buChar char="•"/>
             </a:pPr>
             <a:r>
-              <a:rPr lang="en-US" altLang="ko-KR" dirty="0"/>
-              <a:t>Calculate the probability of each topic in a document from the topic you assign to the word</a:t>
-            </a:r>
-          </a:p>
-          <a:p>
-            <a:pPr marL="514350" indent="-514350">
-              <a:buFont typeface="+mj-lt"/>
-              <a:buAutoNum type="arabicPeriod"/>
+              <a:rPr lang="en-US" altLang="ko-KR" b="0" i="0" dirty="0">
+                <a:solidFill>
+                  <a:srgbClr val="000000"/>
+                </a:solidFill>
+                <a:effectLst/>
+              </a:rPr>
+              <a:t>Various topics can be covered by using words in the document as input data.</a:t>
+            </a:r>
+          </a:p>
+          <a:p>
+            <a:pPr algn="l">
+              <a:buFont typeface="Arial" panose="020B0604020202020204" pitchFamily="34" charset="0"/>
+              <a:buChar char="•"/>
             </a:pPr>
             <a:r>
-              <a:rPr lang="en-US" altLang="ko-KR" dirty="0"/>
-              <a:t>Calculate the probability of words by topic from the topic you assign to the word</a:t>
-            </a:r>
-          </a:p>
-          <a:p>
-            <a:pPr marL="514350" indent="-514350">
-              <a:buFont typeface="+mj-lt"/>
-              <a:buAutoNum type="arabicPeriod"/>
+              <a:rPr lang="en-US" altLang="ko-KR" b="0" i="0" dirty="0">
+                <a:solidFill>
+                  <a:srgbClr val="000000"/>
+                </a:solidFill>
+                <a:effectLst/>
+              </a:rPr>
+              <a:t>It is used in NLP, </a:t>
+            </a:r>
+            <a:r>
+              <a:rPr lang="en-US" altLang="ko-KR" b="0" i="0" dirty="0" err="1">
+                <a:solidFill>
+                  <a:srgbClr val="000000"/>
+                </a:solidFill>
+                <a:effectLst/>
+              </a:rPr>
+              <a:t>etc</a:t>
+            </a:r>
+            <a:endParaRPr lang="en-US" altLang="ko-KR" b="0" i="0" dirty="0">
+              <a:solidFill>
+                <a:srgbClr val="000000"/>
+              </a:solidFill>
+              <a:effectLst/>
+            </a:endParaRPr>
+          </a:p>
+          <a:p>
+            <a:pPr algn="l">
+              <a:buFont typeface="Arial" panose="020B0604020202020204" pitchFamily="34" charset="0"/>
+              <a:buChar char="•"/>
             </a:pPr>
             <a:r>
-              <a:rPr lang="en-US" altLang="ko-KR" dirty="0"/>
-              <a:t>Reassign the topic to each word in the document with the probability of multiplying by 2 and 3</a:t>
-            </a:r>
-          </a:p>
-          <a:p>
-            <a:pPr marL="514350" indent="-514350">
-              <a:buFont typeface="+mj-lt"/>
-              <a:buAutoNum type="arabicPeriod"/>
+              <a:rPr lang="en-US" altLang="ko-KR" b="0" i="0" dirty="0">
+                <a:solidFill>
+                  <a:srgbClr val="000000"/>
+                </a:solidFill>
+                <a:effectLst/>
+              </a:rPr>
+              <a:t>Create latent topics with the words in the document to indicate what each document is composed of.</a:t>
+            </a:r>
+          </a:p>
+          <a:p>
+            <a:pPr algn="l">
+              <a:buFont typeface="Arial" panose="020B0604020202020204" pitchFamily="34" charset="0"/>
+              <a:buChar char="•"/>
             </a:pPr>
             <a:r>
-              <a:rPr lang="en-US" altLang="ko-KR" dirty="0"/>
-              <a:t>Repeat courses 2 through 4 until converging conditions</a:t>
-            </a:r>
+              <a:rPr lang="en-US" altLang="ko-KR" b="0" i="0" dirty="0">
+                <a:solidFill>
+                  <a:srgbClr val="000000"/>
+                </a:solidFill>
+                <a:effectLst/>
+              </a:rPr>
+              <a:t>You can explain that there are multiple topics in a document.</a:t>
+            </a:r>
+          </a:p>
+          <a:p>
             <a:endParaRPr lang="ko-KR" altLang="en-US" dirty="0"/>
           </a:p>
         </p:txBody>
@@ -11520,7 +12081,7 @@
           <p:cNvPr id="4" name="그림 3">
             <a:extLst>
               <a:ext uri="{FF2B5EF4-FFF2-40B4-BE49-F238E27FC236}">
-                <a16:creationId xmlns:a16="http://schemas.microsoft.com/office/drawing/2014/main" id="{D38FF5CB-D1E9-4532-8D78-90A492F7ECAD}"/>
+                <a16:creationId xmlns:a16="http://schemas.microsoft.com/office/drawing/2014/main" id="{3921922E-B3CC-4BFF-8FFB-688BE5E1B46F}"/>
               </a:ext>
             </a:extLst>
           </p:cNvPr>
@@ -11554,7 +12115,7 @@
     </p:spTree>
     <p:extLst>
       <p:ext uri="{BB962C8B-B14F-4D97-AF65-F5344CB8AC3E}">
-        <p14:creationId xmlns:p14="http://schemas.microsoft.com/office/powerpoint/2010/main" val="819578739"/>
+        <p14:creationId xmlns:p14="http://schemas.microsoft.com/office/powerpoint/2010/main" val="1213172803"/>
       </p:ext>
     </p:extLst>
   </p:cSld>
@@ -11586,7 +12147,7 @@
           <p:cNvPr id="2" name="제목 1">
             <a:extLst>
               <a:ext uri="{FF2B5EF4-FFF2-40B4-BE49-F238E27FC236}">
-                <a16:creationId xmlns:a16="http://schemas.microsoft.com/office/drawing/2014/main" id="{5320D15F-AE16-4388-8E34-5A3885E9B55E}"/>
+                <a16:creationId xmlns:a16="http://schemas.microsoft.com/office/drawing/2014/main" id="{E4AB58DD-9F24-4076-A4F2-12280CC4B488}"/>
               </a:ext>
             </a:extLst>
           </p:cNvPr>
@@ -11604,7 +12165,7 @@
           <a:p>
             <a:r>
               <a:rPr lang="en-US" altLang="ko-KR" dirty="0"/>
-              <a:t>Sample Code</a:t>
+              <a:t>Algorithm</a:t>
             </a:r>
             <a:endParaRPr lang="ko-KR" altLang="en-US" dirty="0"/>
           </a:p>
@@ -11615,7 +12176,7 @@
           <p:cNvPr id="3" name="내용 개체 틀 2">
             <a:extLst>
               <a:ext uri="{FF2B5EF4-FFF2-40B4-BE49-F238E27FC236}">
-                <a16:creationId xmlns:a16="http://schemas.microsoft.com/office/drawing/2014/main" id="{48932DB0-D62F-4CA3-906A-1E2166923809}"/>
+                <a16:creationId xmlns:a16="http://schemas.microsoft.com/office/drawing/2014/main" id="{A71AC127-8501-45D0-861A-EA8D82201D5D}"/>
               </a:ext>
             </a:extLst>
           </p:cNvPr>
@@ -11623,7 +12184,7 @@
             <a:spLocks noGrp="1"/>
           </p:cNvSpPr>
           <p:nvPr>
-            <p:ph sz="half" idx="1"/>
+            <p:ph idx="1"/>
           </p:nvPr>
         </p:nvSpPr>
         <p:spPr/>
@@ -11631,39 +12192,53 @@
           <a:bodyPr/>
           <a:lstStyle/>
           <a:p>
+            <a:pPr marL="514350" indent="-514350">
+              <a:buFont typeface="+mj-lt"/>
+              <a:buAutoNum type="arabicPeriod"/>
+            </a:pPr>
             <a:r>
               <a:rPr lang="en-US" altLang="ko-KR" dirty="0"/>
-              <a:t>Import libraries</a:t>
-            </a:r>
-          </a:p>
-          <a:p>
+              <a:t>Assign a topic randomly to each word in a document</a:t>
+            </a:r>
+          </a:p>
+          <a:p>
+            <a:pPr marL="514350" indent="-514350">
+              <a:buFont typeface="+mj-lt"/>
+              <a:buAutoNum type="arabicPeriod"/>
+            </a:pPr>
             <a:r>
               <a:rPr lang="en-US" altLang="ko-KR" dirty="0"/>
-              <a:t>Make dataset</a:t>
-            </a:r>
-          </a:p>
-          <a:p>
+              <a:t>Calculate the probability of each topic in a document from the topic you assign to the word</a:t>
+            </a:r>
+          </a:p>
+          <a:p>
+            <a:pPr marL="514350" indent="-514350">
+              <a:buFont typeface="+mj-lt"/>
+              <a:buAutoNum type="arabicPeriod"/>
+            </a:pPr>
             <a:r>
               <a:rPr lang="en-US" altLang="ko-KR" dirty="0"/>
-              <a:t>Set max feature</a:t>
-            </a:r>
-          </a:p>
-          <a:p>
+              <a:t>Calculate the probability of words by topic from the topic you assign to the word</a:t>
+            </a:r>
+          </a:p>
+          <a:p>
+            <a:pPr marL="514350" indent="-514350">
+              <a:buFont typeface="+mj-lt"/>
+              <a:buAutoNum type="arabicPeriod"/>
+            </a:pPr>
             <a:r>
               <a:rPr lang="en-US" altLang="ko-KR" dirty="0"/>
-              <a:t>Set stop words</a:t>
-            </a:r>
-          </a:p>
-          <a:p>
+              <a:t>Reassign the topic to each word in the document with the probability of multiplying by 2 and 3</a:t>
+            </a:r>
+          </a:p>
+          <a:p>
+            <a:pPr marL="514350" indent="-514350">
+              <a:buFont typeface="+mj-lt"/>
+              <a:buAutoNum type="arabicPeriod"/>
+            </a:pPr>
             <a:r>
               <a:rPr lang="en-US" altLang="ko-KR" dirty="0"/>
-              <a:t>Train data</a:t>
-            </a:r>
-          </a:p>
-          <a:p>
-            <a:r>
-              <a:rPr lang="en-US" altLang="ko-KR" dirty="0"/>
-              <a:t>Print results</a:t>
+              <a:t>Repeat courses 2 through 4 until converging conditions</a:t>
             </a:r>
             <a:endParaRPr lang="ko-KR" altLang="en-US" dirty="0"/>
           </a:p>
@@ -11671,45 +12246,10 @@
       </p:sp>
       <p:pic>
         <p:nvPicPr>
-          <p:cNvPr id="6" name="내용 개체 틀 5">
-            <a:extLst>
-              <a:ext uri="{FF2B5EF4-FFF2-40B4-BE49-F238E27FC236}">
-                <a16:creationId xmlns:a16="http://schemas.microsoft.com/office/drawing/2014/main" id="{7833D591-C906-4440-865D-2E50F80BE293}"/>
-              </a:ext>
-            </a:extLst>
-          </p:cNvPr>
-          <p:cNvPicPr>
-            <a:picLocks noGrp="1" noChangeAspect="1"/>
-          </p:cNvPicPr>
-          <p:nvPr>
-            <p:ph sz="half" idx="2"/>
-          </p:nvPr>
-        </p:nvPicPr>
-        <p:blipFill>
-          <a:blip r:embed="rId2">
-            <a:extLst>
-              <a:ext uri="{28A0092B-C50C-407E-A947-70E740481C1C}">
-                <a14:useLocalDpi xmlns:a14="http://schemas.microsoft.com/office/drawing/2010/main" val="0"/>
-              </a:ext>
-            </a:extLst>
-          </a:blip>
-          <a:stretch>
-            <a:fillRect/>
-          </a:stretch>
-        </p:blipFill>
-        <p:spPr>
-          <a:xfrm>
-            <a:off x="6172200" y="2316368"/>
-            <a:ext cx="5181600" cy="3369851"/>
-          </a:xfrm>
-        </p:spPr>
-      </p:pic>
-      <p:pic>
-        <p:nvPicPr>
-          <p:cNvPr id="7" name="그림 6">
-            <a:extLst>
-              <a:ext uri="{FF2B5EF4-FFF2-40B4-BE49-F238E27FC236}">
-                <a16:creationId xmlns:a16="http://schemas.microsoft.com/office/drawing/2014/main" id="{3FCD326E-F2B0-4319-A131-1B4D6D77CE2A}"/>
+          <p:cNvPr id="4" name="그림 3">
+            <a:extLst>
+              <a:ext uri="{FF2B5EF4-FFF2-40B4-BE49-F238E27FC236}">
+                <a16:creationId xmlns:a16="http://schemas.microsoft.com/office/drawing/2014/main" id="{D38FF5CB-D1E9-4532-8D78-90A492F7ECAD}"/>
               </a:ext>
             </a:extLst>
           </p:cNvPr>
@@ -11719,7 +12259,7 @@
           <p:nvPr/>
         </p:nvPicPr>
         <p:blipFill>
-          <a:blip r:embed="rId3">
+          <a:blip r:embed="rId2">
             <a:extLst>
               <a:ext uri="{28A0092B-C50C-407E-A947-70E740481C1C}">
                 <a14:useLocalDpi xmlns:a14="http://schemas.microsoft.com/office/drawing/2010/main" val="0"/>
@@ -11743,7 +12283,7 @@
     </p:spTree>
     <p:extLst>
       <p:ext uri="{BB962C8B-B14F-4D97-AF65-F5344CB8AC3E}">
-        <p14:creationId xmlns:p14="http://schemas.microsoft.com/office/powerpoint/2010/main" val="1129620220"/>
+        <p14:creationId xmlns:p14="http://schemas.microsoft.com/office/powerpoint/2010/main" val="819578739"/>
       </p:ext>
     </p:extLst>
   </p:cSld>
@@ -11775,7 +12315,7 @@
           <p:cNvPr id="2" name="제목 1">
             <a:extLst>
               <a:ext uri="{FF2B5EF4-FFF2-40B4-BE49-F238E27FC236}">
-                <a16:creationId xmlns:a16="http://schemas.microsoft.com/office/drawing/2014/main" id="{08A95DA5-A644-45D4-ADA6-E65EB2CCCBCF}"/>
+                <a16:creationId xmlns:a16="http://schemas.microsoft.com/office/drawing/2014/main" id="{5320D15F-AE16-4388-8E34-5A3885E9B55E}"/>
               </a:ext>
             </a:extLst>
           </p:cNvPr>
@@ -11793,7 +12333,7 @@
           <a:p>
             <a:r>
               <a:rPr lang="en-US" altLang="ko-KR" dirty="0"/>
-              <a:t>Disposal of stop word</a:t>
+              <a:t>Sample Code</a:t>
             </a:r>
             <a:endParaRPr lang="ko-KR" altLang="en-US" dirty="0"/>
           </a:p>
@@ -11804,7 +12344,7 @@
           <p:cNvPr id="3" name="내용 개체 틀 2">
             <a:extLst>
               <a:ext uri="{FF2B5EF4-FFF2-40B4-BE49-F238E27FC236}">
-                <a16:creationId xmlns:a16="http://schemas.microsoft.com/office/drawing/2014/main" id="{3718046F-55FA-40CD-AE27-344932E94681}"/>
+                <a16:creationId xmlns:a16="http://schemas.microsoft.com/office/drawing/2014/main" id="{48932DB0-D62F-4CA3-906A-1E2166923809}"/>
               </a:ext>
             </a:extLst>
           </p:cNvPr>
@@ -11812,7 +12352,7 @@
             <a:spLocks noGrp="1"/>
           </p:cNvSpPr>
           <p:nvPr>
-            <p:ph idx="1"/>
+            <p:ph sz="half" idx="1"/>
           </p:nvPr>
         </p:nvSpPr>
         <p:spPr/>
@@ -11820,119 +12360,85 @@
           <a:bodyPr/>
           <a:lstStyle/>
           <a:p>
-            <a:pPr algn="l">
-              <a:buFont typeface="Arial" panose="020B0604020202020204" pitchFamily="34" charset="0"/>
-              <a:buChar char="•"/>
-            </a:pPr>
-            <a:r>
-              <a:rPr lang="en-US" altLang="ko-KR" b="0" i="0" dirty="0">
-                <a:solidFill>
-                  <a:srgbClr val="000000"/>
-                </a:solidFill>
-                <a:effectLst/>
-              </a:rPr>
-              <a:t>Topic 4</a:t>
-            </a:r>
-            <a:br>
-              <a:rPr lang="en-US" altLang="ko-KR" b="0" i="0" dirty="0">
-                <a:solidFill>
-                  <a:srgbClr val="000000"/>
-                </a:solidFill>
-                <a:effectLst/>
-              </a:rPr>
-            </a:br>
-            <a:r>
-              <a:rPr lang="en-US" altLang="ko-KR" b="0" i="0" dirty="0">
-                <a:solidFill>
-                  <a:srgbClr val="000000"/>
-                </a:solidFill>
-                <a:effectLst/>
-              </a:rPr>
-              <a:t>:00 10 25 15 12 11 16 20 14 13 18 30 50 17 55 40 21 ...</a:t>
-            </a:r>
-          </a:p>
-          <a:p>
-            <a:pPr algn="l">
-              <a:buFont typeface="Arial" panose="020B0604020202020204" pitchFamily="34" charset="0"/>
-              <a:buChar char="•"/>
-            </a:pPr>
-            <a:r>
-              <a:rPr lang="en-US" altLang="ko-KR" b="0" i="0" dirty="0">
-                <a:solidFill>
-                  <a:srgbClr val="000000"/>
-                </a:solidFill>
-                <a:effectLst/>
-              </a:rPr>
-              <a:t>Topic 6</a:t>
-            </a:r>
-            <a:br>
-              <a:rPr lang="en-US" altLang="ko-KR" b="0" i="0" dirty="0">
-                <a:solidFill>
-                  <a:srgbClr val="000000"/>
-                </a:solidFill>
-                <a:effectLst/>
-              </a:rPr>
-            </a:br>
-            <a:r>
-              <a:rPr lang="en-US" altLang="ko-KR" b="0" i="0" dirty="0">
-                <a:solidFill>
-                  <a:srgbClr val="000000"/>
-                </a:solidFill>
-                <a:effectLst/>
-              </a:rPr>
-              <a:t>:people said know did don </a:t>
-            </a:r>
-            <a:r>
-              <a:rPr lang="en-US" altLang="ko-KR" b="0" i="0" dirty="0" err="1">
-                <a:solidFill>
-                  <a:srgbClr val="000000"/>
-                </a:solidFill>
-                <a:effectLst/>
-              </a:rPr>
-              <a:t>didn</a:t>
-            </a:r>
-            <a:r>
-              <a:rPr lang="en-US" altLang="ko-KR" b="0" i="0" dirty="0">
-                <a:solidFill>
-                  <a:srgbClr val="000000"/>
-                </a:solidFill>
-                <a:effectLst/>
-              </a:rPr>
-              <a:t> just time went like say think told</a:t>
-            </a:r>
-          </a:p>
-          <a:p>
-            <a:pPr algn="l">
-              <a:buFont typeface="Arial" panose="020B0604020202020204" pitchFamily="34" charset="0"/>
-              <a:buChar char="•"/>
-            </a:pPr>
-            <a:r>
-              <a:rPr lang="en-US" altLang="ko-KR" b="1" i="0" dirty="0">
-                <a:solidFill>
-                  <a:srgbClr val="000000"/>
-                </a:solidFill>
-                <a:effectLst/>
-              </a:rPr>
-              <a:t>As described above, the distribution of topics that are difficult to intuitively explain the topic can be improved by learning to exclude stop word.</a:t>
-            </a:r>
-            <a:endParaRPr lang="en-US" altLang="ko-KR" b="0" i="0" dirty="0">
-              <a:solidFill>
-                <a:srgbClr val="000000"/>
-              </a:solidFill>
-              <a:effectLst/>
-            </a:endParaRPr>
-          </a:p>
-          <a:p>
+            <a:r>
+              <a:rPr lang="en-US" altLang="ko-KR" dirty="0"/>
+              <a:t>Import libraries</a:t>
+            </a:r>
+          </a:p>
+          <a:p>
+            <a:r>
+              <a:rPr lang="en-US" altLang="ko-KR" dirty="0"/>
+              <a:t>Make dataset</a:t>
+            </a:r>
+          </a:p>
+          <a:p>
+            <a:r>
+              <a:rPr lang="en-US" altLang="ko-KR" dirty="0"/>
+              <a:t>Set max feature</a:t>
+            </a:r>
+          </a:p>
+          <a:p>
+            <a:r>
+              <a:rPr lang="en-US" altLang="ko-KR" dirty="0"/>
+              <a:t>Set stop words</a:t>
+            </a:r>
+          </a:p>
+          <a:p>
+            <a:r>
+              <a:rPr lang="en-US" altLang="ko-KR" dirty="0"/>
+              <a:t>Train data</a:t>
+            </a:r>
+          </a:p>
+          <a:p>
+            <a:r>
+              <a:rPr lang="en-US" altLang="ko-KR" dirty="0"/>
+              <a:t>Print results</a:t>
+            </a:r>
             <a:endParaRPr lang="ko-KR" altLang="en-US" dirty="0"/>
           </a:p>
         </p:txBody>
       </p:sp>
       <p:pic>
         <p:nvPicPr>
-          <p:cNvPr id="4" name="그림 3">
-            <a:extLst>
-              <a:ext uri="{FF2B5EF4-FFF2-40B4-BE49-F238E27FC236}">
-                <a16:creationId xmlns:a16="http://schemas.microsoft.com/office/drawing/2014/main" id="{0F1AA622-A187-465F-8F10-D64AF6C83129}"/>
+          <p:cNvPr id="6" name="내용 개체 틀 5">
+            <a:extLst>
+              <a:ext uri="{FF2B5EF4-FFF2-40B4-BE49-F238E27FC236}">
+                <a16:creationId xmlns:a16="http://schemas.microsoft.com/office/drawing/2014/main" id="{7833D591-C906-4440-865D-2E50F80BE293}"/>
+              </a:ext>
+            </a:extLst>
+          </p:cNvPr>
+          <p:cNvPicPr>
+            <a:picLocks noGrp="1" noChangeAspect="1"/>
+          </p:cNvPicPr>
+          <p:nvPr>
+            <p:ph sz="half" idx="2"/>
+          </p:nvPr>
+        </p:nvPicPr>
+        <p:blipFill>
+          <a:blip r:embed="rId2">
+            <a:extLst>
+              <a:ext uri="{28A0092B-C50C-407E-A947-70E740481C1C}">
+                <a14:useLocalDpi xmlns:a14="http://schemas.microsoft.com/office/drawing/2010/main" val="0"/>
+              </a:ext>
+            </a:extLst>
+          </a:blip>
+          <a:stretch>
+            <a:fillRect/>
+          </a:stretch>
+        </p:blipFill>
+        <p:spPr>
+          <a:xfrm>
+            <a:off x="6172200" y="2316368"/>
+            <a:ext cx="5181600" cy="3369851"/>
+          </a:xfrm>
+        </p:spPr>
+      </p:pic>
+      <p:pic>
+        <p:nvPicPr>
+          <p:cNvPr id="7" name="그림 6">
+            <a:extLst>
+              <a:ext uri="{FF2B5EF4-FFF2-40B4-BE49-F238E27FC236}">
+                <a16:creationId xmlns:a16="http://schemas.microsoft.com/office/drawing/2014/main" id="{3FCD326E-F2B0-4319-A131-1B4D6D77CE2A}"/>
               </a:ext>
             </a:extLst>
           </p:cNvPr>
@@ -11942,7 +12448,7 @@
           <p:nvPr/>
         </p:nvPicPr>
         <p:blipFill>
-          <a:blip r:embed="rId2">
+          <a:blip r:embed="rId3">
             <a:extLst>
               <a:ext uri="{28A0092B-C50C-407E-A947-70E740481C1C}">
                 <a14:useLocalDpi xmlns:a14="http://schemas.microsoft.com/office/drawing/2010/main" val="0"/>
@@ -11966,7 +12472,7 @@
     </p:spTree>
     <p:extLst>
       <p:ext uri="{BB962C8B-B14F-4D97-AF65-F5344CB8AC3E}">
-        <p14:creationId xmlns:p14="http://schemas.microsoft.com/office/powerpoint/2010/main" val="307995281"/>
+        <p14:creationId xmlns:p14="http://schemas.microsoft.com/office/powerpoint/2010/main" val="1129620220"/>
       </p:ext>
     </p:extLst>
   </p:cSld>
@@ -11998,7 +12504,7 @@
           <p:cNvPr id="2" name="제목 1">
             <a:extLst>
               <a:ext uri="{FF2B5EF4-FFF2-40B4-BE49-F238E27FC236}">
-                <a16:creationId xmlns:a16="http://schemas.microsoft.com/office/drawing/2014/main" id="{8AC5D614-9794-4866-8A3E-B32B27A9E52D}"/>
+                <a16:creationId xmlns:a16="http://schemas.microsoft.com/office/drawing/2014/main" id="{08A95DA5-A644-45D4-ADA6-E65EB2CCCBCF}"/>
               </a:ext>
             </a:extLst>
           </p:cNvPr>
@@ -12006,7 +12512,7 @@
             <a:spLocks noGrp="1"/>
           </p:cNvSpPr>
           <p:nvPr>
-            <p:ph type="ctrTitle"/>
+            <p:ph type="title"/>
           </p:nvPr>
         </p:nvSpPr>
         <p:spPr/>
@@ -12016,7 +12522,7 @@
           <a:p>
             <a:r>
               <a:rPr lang="en-US" altLang="ko-KR" dirty="0"/>
-              <a:t>Unsupervised Learning</a:t>
+              <a:t>Disposal of stop word</a:t>
             </a:r>
             <a:endParaRPr lang="ko-KR" altLang="en-US" dirty="0"/>
           </a:p>
@@ -12024,10 +12530,10 @@
       </p:sp>
       <p:sp>
         <p:nvSpPr>
-          <p:cNvPr id="3" name="부제목 2">
-            <a:extLst>
-              <a:ext uri="{FF2B5EF4-FFF2-40B4-BE49-F238E27FC236}">
-                <a16:creationId xmlns:a16="http://schemas.microsoft.com/office/drawing/2014/main" id="{E86A905D-3B79-44D1-BC18-D190AA2A2006}"/>
+          <p:cNvPr id="3" name="내용 개체 틀 2">
+            <a:extLst>
+              <a:ext uri="{FF2B5EF4-FFF2-40B4-BE49-F238E27FC236}">
+                <a16:creationId xmlns:a16="http://schemas.microsoft.com/office/drawing/2014/main" id="{3718046F-55FA-40CD-AE27-344932E94681}"/>
               </a:ext>
             </a:extLst>
           </p:cNvPr>
@@ -12035,7 +12541,7 @@
             <a:spLocks noGrp="1"/>
           </p:cNvSpPr>
           <p:nvPr>
-            <p:ph type="subTitle" idx="1"/>
+            <p:ph idx="1"/>
           </p:nvPr>
         </p:nvSpPr>
         <p:spPr/>
@@ -12043,20 +12549,119 @@
           <a:bodyPr/>
           <a:lstStyle/>
           <a:p>
-            <a:r>
-              <a:rPr lang="en-US" altLang="ko-KR" dirty="0"/>
-              <a:t>K-Means Algorithm</a:t>
-            </a:r>
+            <a:pPr algn="l">
+              <a:buFont typeface="Arial" panose="020B0604020202020204" pitchFamily="34" charset="0"/>
+              <a:buChar char="•"/>
+            </a:pPr>
+            <a:r>
+              <a:rPr lang="en-US" altLang="ko-KR" b="0" i="0" dirty="0">
+                <a:solidFill>
+                  <a:srgbClr val="000000"/>
+                </a:solidFill>
+                <a:effectLst/>
+              </a:rPr>
+              <a:t>Topic 4</a:t>
+            </a:r>
+            <a:br>
+              <a:rPr lang="en-US" altLang="ko-KR" b="0" i="0" dirty="0">
+                <a:solidFill>
+                  <a:srgbClr val="000000"/>
+                </a:solidFill>
+                <a:effectLst/>
+              </a:rPr>
+            </a:br>
+            <a:r>
+              <a:rPr lang="en-US" altLang="ko-KR" b="0" i="0" dirty="0">
+                <a:solidFill>
+                  <a:srgbClr val="000000"/>
+                </a:solidFill>
+                <a:effectLst/>
+              </a:rPr>
+              <a:t>:00 10 25 15 12 11 16 20 14 13 18 30 50 17 55 40 21 ...</a:t>
+            </a:r>
+          </a:p>
+          <a:p>
+            <a:pPr algn="l">
+              <a:buFont typeface="Arial" panose="020B0604020202020204" pitchFamily="34" charset="0"/>
+              <a:buChar char="•"/>
+            </a:pPr>
+            <a:r>
+              <a:rPr lang="en-US" altLang="ko-KR" b="0" i="0" dirty="0">
+                <a:solidFill>
+                  <a:srgbClr val="000000"/>
+                </a:solidFill>
+                <a:effectLst/>
+              </a:rPr>
+              <a:t>Topic 6</a:t>
+            </a:r>
+            <a:br>
+              <a:rPr lang="en-US" altLang="ko-KR" b="0" i="0" dirty="0">
+                <a:solidFill>
+                  <a:srgbClr val="000000"/>
+                </a:solidFill>
+                <a:effectLst/>
+              </a:rPr>
+            </a:br>
+            <a:r>
+              <a:rPr lang="en-US" altLang="ko-KR" b="0" i="0" dirty="0">
+                <a:solidFill>
+                  <a:srgbClr val="000000"/>
+                </a:solidFill>
+                <a:effectLst/>
+              </a:rPr>
+              <a:t>:people said know did don </a:t>
+            </a:r>
+            <a:r>
+              <a:rPr lang="en-US" altLang="ko-KR" b="0" i="0" dirty="0" err="1">
+                <a:solidFill>
+                  <a:srgbClr val="000000"/>
+                </a:solidFill>
+                <a:effectLst/>
+              </a:rPr>
+              <a:t>didn</a:t>
+            </a:r>
+            <a:r>
+              <a:rPr lang="en-US" altLang="ko-KR" b="0" i="0" dirty="0">
+                <a:solidFill>
+                  <a:srgbClr val="000000"/>
+                </a:solidFill>
+                <a:effectLst/>
+              </a:rPr>
+              <a:t> just time went like say think told</a:t>
+            </a:r>
+          </a:p>
+          <a:p>
+            <a:pPr algn="l">
+              <a:buFont typeface="Arial" panose="020B0604020202020204" pitchFamily="34" charset="0"/>
+              <a:buChar char="•"/>
+            </a:pPr>
+            <a:r>
+              <a:rPr lang="en-US" altLang="ko-KR" b="1" i="0" dirty="0">
+                <a:solidFill>
+                  <a:srgbClr val="000000"/>
+                </a:solidFill>
+                <a:effectLst/>
+              </a:rPr>
+              <a:t>As described above, the distribution of topics that are difficult to intuitively explain the topic can be improved by learning to exclude stop word.</a:t>
+            </a:r>
+            <a:endParaRPr lang="en-US" altLang="ko-KR" b="0" i="0" dirty="0">
+              <a:solidFill>
+                <a:srgbClr val="000000"/>
+              </a:solidFill>
+              <a:effectLst/>
+            </a:endParaRPr>
+          </a:p>
+          <a:p>
             <a:endParaRPr lang="ko-KR" altLang="en-US" dirty="0"/>
           </a:p>
         </p:txBody>
       </p:sp>
       <p:pic>
         <p:nvPicPr>
-          <p:cNvPr id="5" name="그림 4">
-            <a:extLst>
-              <a:ext uri="{FF2B5EF4-FFF2-40B4-BE49-F238E27FC236}">
-                <a16:creationId xmlns:a16="http://schemas.microsoft.com/office/drawing/2014/main" id="{545B35E9-49A0-43D0-AEDC-024F33813646}"/>
+          <p:cNvPr id="4" name="그림 3">
+            <a:extLst>
+              <a:ext uri="{FF2B5EF4-FFF2-40B4-BE49-F238E27FC236}">
+                <a16:creationId xmlns:a16="http://schemas.microsoft.com/office/drawing/2014/main" id="{0F1AA622-A187-465F-8F10-D64AF6C83129}"/>
               </a:ext>
             </a:extLst>
           </p:cNvPr>
@@ -12090,7 +12695,7 @@
     </p:spTree>
     <p:extLst>
       <p:ext uri="{BB962C8B-B14F-4D97-AF65-F5344CB8AC3E}">
-        <p14:creationId xmlns:p14="http://schemas.microsoft.com/office/powerpoint/2010/main" val="220401082"/>
+        <p14:creationId xmlns:p14="http://schemas.microsoft.com/office/powerpoint/2010/main" val="307995281"/>
       </p:ext>
     </p:extLst>
   </p:cSld>
@@ -12122,7 +12727,7 @@
           <p:cNvPr id="2" name="제목 1">
             <a:extLst>
               <a:ext uri="{FF2B5EF4-FFF2-40B4-BE49-F238E27FC236}">
-                <a16:creationId xmlns:a16="http://schemas.microsoft.com/office/drawing/2014/main" id="{587C3C4C-3112-42C0-8B41-9C5749A63148}"/>
+                <a16:creationId xmlns:a16="http://schemas.microsoft.com/office/drawing/2014/main" id="{8AC5D614-9794-4866-8A3E-B32B27A9E52D}"/>
               </a:ext>
             </a:extLst>
           </p:cNvPr>
@@ -12130,7 +12735,7 @@
             <a:spLocks noGrp="1"/>
           </p:cNvSpPr>
           <p:nvPr>
-            <p:ph type="title"/>
+            <p:ph type="ctrTitle"/>
           </p:nvPr>
         </p:nvSpPr>
         <p:spPr/>
@@ -12140,7 +12745,7 @@
           <a:p>
             <a:r>
               <a:rPr lang="en-US" altLang="ko-KR" dirty="0"/>
-              <a:t>Fundamental Concept</a:t>
+              <a:t>Unsupervised Learning</a:t>
             </a:r>
             <a:endParaRPr lang="ko-KR" altLang="en-US" dirty="0"/>
           </a:p>
@@ -12148,10 +12753,10 @@
       </p:sp>
       <p:sp>
         <p:nvSpPr>
-          <p:cNvPr id="3" name="내용 개체 틀 2">
-            <a:extLst>
-              <a:ext uri="{FF2B5EF4-FFF2-40B4-BE49-F238E27FC236}">
-                <a16:creationId xmlns:a16="http://schemas.microsoft.com/office/drawing/2014/main" id="{4BAE5E9D-D0F5-49E4-86F0-A66060BE965F}"/>
+          <p:cNvPr id="3" name="부제목 2">
+            <a:extLst>
+              <a:ext uri="{FF2B5EF4-FFF2-40B4-BE49-F238E27FC236}">
+                <a16:creationId xmlns:a16="http://schemas.microsoft.com/office/drawing/2014/main" id="{E86A905D-3B79-44D1-BC18-D190AA2A2006}"/>
               </a:ext>
             </a:extLst>
           </p:cNvPr>
@@ -12159,7 +12764,7 @@
             <a:spLocks noGrp="1"/>
           </p:cNvSpPr>
           <p:nvPr>
-            <p:ph idx="1"/>
+            <p:ph type="subTitle" idx="1"/>
           </p:nvPr>
         </p:nvSpPr>
         <p:spPr/>
@@ -12167,61 +12772,20 @@
           <a:bodyPr/>
           <a:lstStyle/>
           <a:p>
-            <a:pPr algn="l">
-              <a:buFont typeface="Arial" panose="020B0604020202020204" pitchFamily="34" charset="0"/>
-              <a:buChar char="•"/>
-            </a:pPr>
-            <a:r>
-              <a:rPr lang="en-US" altLang="ko-KR" b="0" i="0" dirty="0">
-                <a:solidFill>
-                  <a:srgbClr val="000000"/>
-                </a:solidFill>
-                <a:effectLst/>
-              </a:rPr>
-              <a:t>A method of dividing data of similar characteristics into groups is called clustering.</a:t>
-            </a:r>
-          </a:p>
-          <a:p>
-            <a:pPr algn="l">
-              <a:buFont typeface="Arial" panose="020B0604020202020204" pitchFamily="34" charset="0"/>
-              <a:buChar char="•"/>
-            </a:pPr>
-            <a:r>
-              <a:rPr lang="en-US" altLang="ko-KR" b="0" i="0" dirty="0">
-                <a:solidFill>
-                  <a:srgbClr val="000000"/>
-                </a:solidFill>
-                <a:effectLst/>
-              </a:rPr>
-              <a:t>The group to which the data points belong is determined as the group whose distance between the data points and the center of each group is closest.</a:t>
-            </a:r>
-          </a:p>
-          <a:p>
-            <a:pPr algn="l">
-              <a:buFont typeface="Arial" panose="020B0604020202020204" pitchFamily="34" charset="0"/>
-              <a:buChar char="•"/>
-            </a:pPr>
-            <a:r>
-              <a:rPr lang="en-US" altLang="ko-KR" b="0" i="0" dirty="0">
-                <a:solidFill>
-                  <a:srgbClr val="000000"/>
-                </a:solidFill>
-                <a:effectLst/>
-              </a:rPr>
-              <a:t>Determining the center of this group is an important operation of the K-means algorithm.</a:t>
-            </a:r>
-          </a:p>
-          <a:p>
+            <a:r>
+              <a:rPr lang="en-US" altLang="ko-KR" dirty="0"/>
+              <a:t>K-Means Algorithm</a:t>
+            </a:r>
             <a:endParaRPr lang="ko-KR" altLang="en-US" dirty="0"/>
           </a:p>
         </p:txBody>
       </p:sp>
       <p:pic>
         <p:nvPicPr>
-          <p:cNvPr id="4" name="그림 3">
-            <a:extLst>
-              <a:ext uri="{FF2B5EF4-FFF2-40B4-BE49-F238E27FC236}">
-                <a16:creationId xmlns:a16="http://schemas.microsoft.com/office/drawing/2014/main" id="{B8E269D6-A6BE-419D-961C-9AC1F4681786}"/>
+          <p:cNvPr id="5" name="그림 4">
+            <a:extLst>
+              <a:ext uri="{FF2B5EF4-FFF2-40B4-BE49-F238E27FC236}">
+                <a16:creationId xmlns:a16="http://schemas.microsoft.com/office/drawing/2014/main" id="{545B35E9-49A0-43D0-AEDC-024F33813646}"/>
               </a:ext>
             </a:extLst>
           </p:cNvPr>
@@ -12252,10 +12816,56 @@
           </a:prstGeom>
         </p:spPr>
       </p:pic>
+      <p:sp>
+        <p:nvSpPr>
+          <p:cNvPr id="6" name="TextBox 5">
+            <a:extLst>
+              <a:ext uri="{FF2B5EF4-FFF2-40B4-BE49-F238E27FC236}">
+                <a16:creationId xmlns:a16="http://schemas.microsoft.com/office/drawing/2014/main" id="{3954843A-16D8-4B0D-93B4-9018EC50D72F}"/>
+              </a:ext>
+            </a:extLst>
+          </p:cNvPr>
+          <p:cNvSpPr txBox="1"/>
+          <p:nvPr/>
+        </p:nvSpPr>
+        <p:spPr>
+          <a:xfrm>
+            <a:off x="0" y="6211669"/>
+            <a:ext cx="2805576" cy="646331"/>
+          </a:xfrm>
+          <a:prstGeom prst="rect">
+            <a:avLst/>
+          </a:prstGeom>
+          <a:noFill/>
+        </p:spPr>
+        <p:txBody>
+          <a:bodyPr wrap="none" rtlCol="0">
+            <a:spAutoFit/>
+          </a:bodyPr>
+          <a:lstStyle/>
+          <a:p>
+            <a:r>
+              <a:rPr lang="ko-KR" altLang="en-US" dirty="0"/>
+              <a:t>경희대학교 컴퓨터공학과</a:t>
+            </a:r>
+            <a:endParaRPr lang="en-US" altLang="ko-KR" dirty="0"/>
+          </a:p>
+          <a:p>
+            <a:r>
+              <a:rPr lang="en-US" altLang="ko-KR" dirty="0"/>
+              <a:t>2019102191 </a:t>
+            </a:r>
+            <a:r>
+              <a:rPr lang="ko-KR" altLang="en-US" dirty="0"/>
+              <a:t>신주영</a:t>
+            </a:r>
+          </a:p>
+        </p:txBody>
+      </p:sp>
     </p:spTree>
     <p:extLst>
       <p:ext uri="{BB962C8B-B14F-4D97-AF65-F5344CB8AC3E}">
-        <p14:creationId xmlns:p14="http://schemas.microsoft.com/office/powerpoint/2010/main" val="793636407"/>
+        <p14:creationId xmlns:p14="http://schemas.microsoft.com/office/powerpoint/2010/main" val="220401082"/>
       </p:ext>
     </p:extLst>
   </p:cSld>
@@ -12287,7 +12897,7 @@
           <p:cNvPr id="2" name="제목 1">
             <a:extLst>
               <a:ext uri="{FF2B5EF4-FFF2-40B4-BE49-F238E27FC236}">
-                <a16:creationId xmlns:a16="http://schemas.microsoft.com/office/drawing/2014/main" id="{1FFC1069-0AC9-4A0E-8B7B-DA42548C18E2}"/>
+                <a16:creationId xmlns:a16="http://schemas.microsoft.com/office/drawing/2014/main" id="{587C3C4C-3112-42C0-8B41-9C5749A63148}"/>
               </a:ext>
             </a:extLst>
           </p:cNvPr>
@@ -12311,47 +12921,82 @@
           </a:p>
         </p:txBody>
       </p:sp>
-      <p:pic>
-        <p:nvPicPr>
-          <p:cNvPr id="5" name="내용 개체 틀 4">
-            <a:extLst>
-              <a:ext uri="{FF2B5EF4-FFF2-40B4-BE49-F238E27FC236}">
-                <a16:creationId xmlns:a16="http://schemas.microsoft.com/office/drawing/2014/main" id="{74BD4B49-D049-4E8A-8A2B-AF775A876C37}"/>
-              </a:ext>
-            </a:extLst>
-          </p:cNvPr>
-          <p:cNvPicPr>
-            <a:picLocks noGrp="1" noChangeAspect="1"/>
-          </p:cNvPicPr>
+      <p:sp>
+        <p:nvSpPr>
+          <p:cNvPr id="3" name="내용 개체 틀 2">
+            <a:extLst>
+              <a:ext uri="{FF2B5EF4-FFF2-40B4-BE49-F238E27FC236}">
+                <a16:creationId xmlns:a16="http://schemas.microsoft.com/office/drawing/2014/main" id="{4BAE5E9D-D0F5-49E4-86F0-A66060BE965F}"/>
+              </a:ext>
+            </a:extLst>
+          </p:cNvPr>
+          <p:cNvSpPr>
+            <a:spLocks noGrp="1"/>
+          </p:cNvSpPr>
           <p:nvPr>
             <p:ph idx="1"/>
           </p:nvPr>
-        </p:nvPicPr>
-        <p:blipFill>
-          <a:blip r:embed="rId2">
-            <a:extLst>
-              <a:ext uri="{28A0092B-C50C-407E-A947-70E740481C1C}">
-                <a14:useLocalDpi xmlns:a14="http://schemas.microsoft.com/office/drawing/2010/main" val="0"/>
-              </a:ext>
-            </a:extLst>
-          </a:blip>
-          <a:stretch>
-            <a:fillRect/>
-          </a:stretch>
-        </p:blipFill>
-        <p:spPr>
-          <a:xfrm>
-            <a:off x="874394" y="1825625"/>
-            <a:ext cx="10443211" cy="4351338"/>
-          </a:xfrm>
-        </p:spPr>
-      </p:pic>
+        </p:nvSpPr>
+        <p:spPr/>
+        <p:txBody>
+          <a:bodyPr/>
+          <a:lstStyle/>
+          <a:p>
+            <a:pPr algn="l">
+              <a:buFont typeface="Arial" panose="020B0604020202020204" pitchFamily="34" charset="0"/>
+              <a:buChar char="•"/>
+            </a:pPr>
+            <a:r>
+              <a:rPr lang="en-US" altLang="ko-KR" b="0" i="0" dirty="0">
+                <a:solidFill>
+                  <a:srgbClr val="000000"/>
+                </a:solidFill>
+                <a:effectLst/>
+              </a:rPr>
+              <a:t>A method of dividing data of similar characteristics into groups is called clustering.</a:t>
+            </a:r>
+          </a:p>
+          <a:p>
+            <a:pPr algn="l">
+              <a:buFont typeface="Arial" panose="020B0604020202020204" pitchFamily="34" charset="0"/>
+              <a:buChar char="•"/>
+            </a:pPr>
+            <a:r>
+              <a:rPr lang="en-US" altLang="ko-KR" b="0" i="0" dirty="0">
+                <a:solidFill>
+                  <a:srgbClr val="000000"/>
+                </a:solidFill>
+                <a:effectLst/>
+              </a:rPr>
+              <a:t>The group to which the data points belong is determined as the group whose distance between the data points and the center of each group is closest.</a:t>
+            </a:r>
+          </a:p>
+          <a:p>
+            <a:pPr algn="l">
+              <a:buFont typeface="Arial" panose="020B0604020202020204" pitchFamily="34" charset="0"/>
+              <a:buChar char="•"/>
+            </a:pPr>
+            <a:r>
+              <a:rPr lang="en-US" altLang="ko-KR" b="0" i="0" dirty="0">
+                <a:solidFill>
+                  <a:srgbClr val="000000"/>
+                </a:solidFill>
+                <a:effectLst/>
+              </a:rPr>
+              <a:t>Determining the center of this group is an important operation of the K-means algorithm.</a:t>
+            </a:r>
+          </a:p>
+          <a:p>
+            <a:endParaRPr lang="ko-KR" altLang="en-US" dirty="0"/>
+          </a:p>
+        </p:txBody>
+      </p:sp>
       <p:pic>
         <p:nvPicPr>
-          <p:cNvPr id="6" name="그림 5">
-            <a:extLst>
-              <a:ext uri="{FF2B5EF4-FFF2-40B4-BE49-F238E27FC236}">
-                <a16:creationId xmlns:a16="http://schemas.microsoft.com/office/drawing/2014/main" id="{9CD5A4F0-0CDF-45B8-9B03-31A8392E9BA2}"/>
+          <p:cNvPr id="4" name="그림 3">
+            <a:extLst>
+              <a:ext uri="{FF2B5EF4-FFF2-40B4-BE49-F238E27FC236}">
+                <a16:creationId xmlns:a16="http://schemas.microsoft.com/office/drawing/2014/main" id="{B8E269D6-A6BE-419D-961C-9AC1F4681786}"/>
               </a:ext>
             </a:extLst>
           </p:cNvPr>
@@ -12361,7 +13006,7 @@
           <p:nvPr/>
         </p:nvPicPr>
         <p:blipFill>
-          <a:blip r:embed="rId3">
+          <a:blip r:embed="rId2">
             <a:extLst>
               <a:ext uri="{28A0092B-C50C-407E-A947-70E740481C1C}">
                 <a14:useLocalDpi xmlns:a14="http://schemas.microsoft.com/office/drawing/2010/main" val="0"/>
@@ -12385,7 +13030,7 @@
     </p:spTree>
     <p:extLst>
       <p:ext uri="{BB962C8B-B14F-4D97-AF65-F5344CB8AC3E}">
-        <p14:creationId xmlns:p14="http://schemas.microsoft.com/office/powerpoint/2010/main" val="2044930754"/>
+        <p14:creationId xmlns:p14="http://schemas.microsoft.com/office/powerpoint/2010/main" val="793636407"/>
       </p:ext>
     </p:extLst>
   </p:cSld>
@@ -12417,7 +13062,7 @@
           <p:cNvPr id="2" name="제목 1">
             <a:extLst>
               <a:ext uri="{FF2B5EF4-FFF2-40B4-BE49-F238E27FC236}">
-                <a16:creationId xmlns:a16="http://schemas.microsoft.com/office/drawing/2014/main" id="{587C3C4C-3112-42C0-8B41-9C5749A63148}"/>
+                <a16:creationId xmlns:a16="http://schemas.microsoft.com/office/drawing/2014/main" id="{1FFC1069-0AC9-4A0E-8B7B-DA42548C18E2}"/>
               </a:ext>
             </a:extLst>
           </p:cNvPr>
@@ -12435,136 +13080,53 @@
           <a:p>
             <a:r>
               <a:rPr lang="en-US" altLang="ko-KR" dirty="0"/>
-              <a:t>Algorithm</a:t>
-            </a:r>
-            <a:endParaRPr lang="ko-KR" altLang="en-US" dirty="0"/>
-          </a:p>
-        </p:txBody>
-      </p:sp>
-      <p:sp>
-        <p:nvSpPr>
-          <p:cNvPr id="3" name="내용 개체 틀 2">
-            <a:extLst>
-              <a:ext uri="{FF2B5EF4-FFF2-40B4-BE49-F238E27FC236}">
-                <a16:creationId xmlns:a16="http://schemas.microsoft.com/office/drawing/2014/main" id="{4BAE5E9D-D0F5-49E4-86F0-A66060BE965F}"/>
-              </a:ext>
-            </a:extLst>
-          </p:cNvPr>
-          <p:cNvSpPr>
-            <a:spLocks noGrp="1"/>
-          </p:cNvSpPr>
-          <p:nvPr>
-            <p:ph idx="1"/>
-          </p:nvPr>
-        </p:nvSpPr>
-        <p:spPr/>
-        <p:txBody>
-          <a:bodyPr/>
-          <a:lstStyle/>
-          <a:p>
-            <a:pPr algn="l">
-              <a:buFont typeface="Arial" panose="020B0604020202020204" pitchFamily="34" charset="0"/>
-              <a:buChar char="•"/>
-            </a:pPr>
-            <a:r>
-              <a:rPr lang="en-US" altLang="ko-KR" b="0" i="0" dirty="0">
-                <a:solidFill>
-                  <a:srgbClr val="000000"/>
-                </a:solidFill>
-                <a:effectLst/>
-              </a:rPr>
-              <a:t>K-means </a:t>
-            </a:r>
-            <a:r>
-              <a:rPr lang="en-US" altLang="ko-KR" b="0" i="0" dirty="0" err="1">
-                <a:solidFill>
-                  <a:srgbClr val="000000"/>
-                </a:solidFill>
-                <a:effectLst/>
-              </a:rPr>
-              <a:t>algorithmd's</a:t>
-            </a:r>
-            <a:r>
-              <a:rPr lang="en-US" altLang="ko-KR" b="0" i="0" dirty="0">
-                <a:solidFill>
-                  <a:srgbClr val="000000"/>
-                </a:solidFill>
-                <a:effectLst/>
-              </a:rPr>
-              <a:t> learning process</a:t>
-            </a:r>
-          </a:p>
-          <a:p>
-            <a:pPr marL="914400" lvl="1" indent="-457200" algn="l">
-              <a:buFont typeface="+mj-lt"/>
-              <a:buAutoNum type="arabicPeriod"/>
-            </a:pPr>
-            <a:r>
-              <a:rPr lang="en-US" altLang="ko-KR" b="0" i="0" dirty="0">
-                <a:solidFill>
-                  <a:srgbClr val="000000"/>
-                </a:solidFill>
-                <a:effectLst/>
-              </a:rPr>
-              <a:t>Choose and center the appropriate number of data pointers by the number of groups</a:t>
-            </a:r>
-          </a:p>
-          <a:p>
-            <a:pPr marL="914400" lvl="1" indent="-457200" algn="l">
-              <a:buFont typeface="+mj-lt"/>
-              <a:buAutoNum type="arabicPeriod"/>
-            </a:pPr>
-            <a:r>
-              <a:rPr lang="en-US" altLang="ko-KR" b="0" i="0" dirty="0">
-                <a:solidFill>
-                  <a:srgbClr val="000000"/>
-                </a:solidFill>
-                <a:effectLst/>
-              </a:rPr>
-              <a:t>Calculates the distance between a data point and each center to determine the nearest center as the group to which that data point belongs</a:t>
-            </a:r>
-          </a:p>
-          <a:p>
-            <a:pPr marL="914400" lvl="1" indent="-457200" algn="l">
-              <a:buFont typeface="+mj-lt"/>
-              <a:buAutoNum type="arabicPeriod"/>
-            </a:pPr>
-            <a:r>
-              <a:rPr lang="en-US" altLang="ko-KR" b="0" i="0" dirty="0">
-                <a:solidFill>
-                  <a:srgbClr val="000000"/>
-                </a:solidFill>
-                <a:effectLst/>
-              </a:rPr>
-              <a:t>Average data points for each group and set them as new centers</a:t>
-            </a:r>
-          </a:p>
-          <a:p>
-            <a:pPr marL="914400" lvl="1" indent="-457200" algn="l">
-              <a:buFont typeface="+mj-lt"/>
-              <a:buAutoNum type="arabicPeriod"/>
-            </a:pPr>
-            <a:r>
-              <a:rPr lang="en-US" altLang="ko-KR" b="0" i="0" dirty="0">
-                <a:solidFill>
-                  <a:srgbClr val="000000"/>
-                </a:solidFill>
-                <a:effectLst/>
-              </a:rPr>
-              <a:t>Repeat steps 2-3 until convergence</a:t>
-            </a:r>
-          </a:p>
-          <a:p>
+              <a:t>Fundamental Concept</a:t>
+            </a:r>
             <a:endParaRPr lang="ko-KR" altLang="en-US" dirty="0"/>
           </a:p>
         </p:txBody>
       </p:sp>
       <p:pic>
         <p:nvPicPr>
-          <p:cNvPr id="4" name="그림 3">
-            <a:extLst>
-              <a:ext uri="{FF2B5EF4-FFF2-40B4-BE49-F238E27FC236}">
-                <a16:creationId xmlns:a16="http://schemas.microsoft.com/office/drawing/2014/main" id="{B8E269D6-A6BE-419D-961C-9AC1F4681786}"/>
+          <p:cNvPr id="5" name="내용 개체 틀 4">
+            <a:extLst>
+              <a:ext uri="{FF2B5EF4-FFF2-40B4-BE49-F238E27FC236}">
+                <a16:creationId xmlns:a16="http://schemas.microsoft.com/office/drawing/2014/main" id="{74BD4B49-D049-4E8A-8A2B-AF775A876C37}"/>
+              </a:ext>
+            </a:extLst>
+          </p:cNvPr>
+          <p:cNvPicPr>
+            <a:picLocks noGrp="1" noChangeAspect="1"/>
+          </p:cNvPicPr>
+          <p:nvPr>
+            <p:ph idx="1"/>
+          </p:nvPr>
+        </p:nvPicPr>
+        <p:blipFill>
+          <a:blip r:embed="rId2">
+            <a:extLst>
+              <a:ext uri="{28A0092B-C50C-407E-A947-70E740481C1C}">
+                <a14:useLocalDpi xmlns:a14="http://schemas.microsoft.com/office/drawing/2010/main" val="0"/>
+              </a:ext>
+            </a:extLst>
+          </a:blip>
+          <a:stretch>
+            <a:fillRect/>
+          </a:stretch>
+        </p:blipFill>
+        <p:spPr>
+          <a:xfrm>
+            <a:off x="874394" y="1825625"/>
+            <a:ext cx="10443211" cy="4351338"/>
+          </a:xfrm>
+        </p:spPr>
+      </p:pic>
+      <p:pic>
+        <p:nvPicPr>
+          <p:cNvPr id="6" name="그림 5">
+            <a:extLst>
+              <a:ext uri="{FF2B5EF4-FFF2-40B4-BE49-F238E27FC236}">
+                <a16:creationId xmlns:a16="http://schemas.microsoft.com/office/drawing/2014/main" id="{9CD5A4F0-0CDF-45B8-9B03-31A8392E9BA2}"/>
               </a:ext>
             </a:extLst>
           </p:cNvPr>
@@ -12574,7 +13136,7 @@
           <p:nvPr/>
         </p:nvPicPr>
         <p:blipFill>
-          <a:blip r:embed="rId2">
+          <a:blip r:embed="rId3">
             <a:extLst>
               <a:ext uri="{28A0092B-C50C-407E-A947-70E740481C1C}">
                 <a14:useLocalDpi xmlns:a14="http://schemas.microsoft.com/office/drawing/2010/main" val="0"/>
@@ -12598,7 +13160,7 @@
     </p:spTree>
     <p:extLst>
       <p:ext uri="{BB962C8B-B14F-4D97-AF65-F5344CB8AC3E}">
-        <p14:creationId xmlns:p14="http://schemas.microsoft.com/office/powerpoint/2010/main" val="234729889"/>
+        <p14:creationId xmlns:p14="http://schemas.microsoft.com/office/powerpoint/2010/main" val="2044930754"/>
       </p:ext>
     </p:extLst>
   </p:cSld>
@@ -12630,7 +13192,7 @@
           <p:cNvPr id="2" name="제목 1">
             <a:extLst>
               <a:ext uri="{FF2B5EF4-FFF2-40B4-BE49-F238E27FC236}">
-                <a16:creationId xmlns:a16="http://schemas.microsoft.com/office/drawing/2014/main" id="{1FFC1069-0AC9-4A0E-8B7B-DA42548C18E2}"/>
+                <a16:creationId xmlns:a16="http://schemas.microsoft.com/office/drawing/2014/main" id="{587C3C4C-3112-42C0-8B41-9C5749A63148}"/>
               </a:ext>
             </a:extLst>
           </p:cNvPr>
@@ -12654,12 +13216,130 @@
           </a:p>
         </p:txBody>
       </p:sp>
+      <p:sp>
+        <p:nvSpPr>
+          <p:cNvPr id="3" name="내용 개체 틀 2">
+            <a:extLst>
+              <a:ext uri="{FF2B5EF4-FFF2-40B4-BE49-F238E27FC236}">
+                <a16:creationId xmlns:a16="http://schemas.microsoft.com/office/drawing/2014/main" id="{4BAE5E9D-D0F5-49E4-86F0-A66060BE965F}"/>
+              </a:ext>
+            </a:extLst>
+          </p:cNvPr>
+          <p:cNvSpPr>
+            <a:spLocks noGrp="1"/>
+          </p:cNvSpPr>
+          <p:nvPr>
+            <p:ph idx="1"/>
+          </p:nvPr>
+        </p:nvSpPr>
+        <p:spPr/>
+        <p:txBody>
+          <a:bodyPr/>
+          <a:lstStyle/>
+          <a:p>
+            <a:pPr algn="l">
+              <a:buFont typeface="Arial" panose="020B0604020202020204" pitchFamily="34" charset="0"/>
+              <a:buChar char="•"/>
+            </a:pPr>
+            <a:r>
+              <a:rPr lang="en-US" altLang="ko-KR" b="0" i="0" dirty="0">
+                <a:solidFill>
+                  <a:srgbClr val="000000"/>
+                </a:solidFill>
+                <a:effectLst/>
+              </a:rPr>
+              <a:t>K-means </a:t>
+            </a:r>
+            <a:r>
+              <a:rPr lang="en-US" altLang="ko-KR" b="0" i="0" dirty="0" err="1">
+                <a:solidFill>
+                  <a:srgbClr val="000000"/>
+                </a:solidFill>
+                <a:effectLst/>
+              </a:rPr>
+              <a:t>algorithmd's</a:t>
+            </a:r>
+            <a:r>
+              <a:rPr lang="en-US" altLang="ko-KR" b="0" i="0" dirty="0">
+                <a:solidFill>
+                  <a:srgbClr val="000000"/>
+                </a:solidFill>
+                <a:effectLst/>
+              </a:rPr>
+              <a:t> learning process</a:t>
+            </a:r>
+          </a:p>
+          <a:p>
+            <a:pPr marL="914400" lvl="1" indent="-457200" algn="l">
+              <a:buFont typeface="+mj-lt"/>
+              <a:buAutoNum type="arabicPeriod"/>
+            </a:pPr>
+            <a:r>
+              <a:rPr lang="en-US" altLang="ko-KR" b="0" i="0" dirty="0">
+                <a:solidFill>
+                  <a:srgbClr val="000000"/>
+                </a:solidFill>
+                <a:effectLst/>
+              </a:rPr>
+              <a:t>Choose and center the appropriate number of data pointers by the number of groups</a:t>
+            </a:r>
+          </a:p>
+          <a:p>
+            <a:pPr marL="914400" lvl="1" indent="-457200" algn="l">
+              <a:buFont typeface="+mj-lt"/>
+              <a:buAutoNum type="arabicPeriod"/>
+            </a:pPr>
+            <a:r>
+              <a:rPr lang="en-US" altLang="ko-KR" b="0" i="0" dirty="0">
+                <a:solidFill>
+                  <a:srgbClr val="000000"/>
+                </a:solidFill>
+                <a:effectLst/>
+              </a:rPr>
+              <a:t>Calculates the distance between a data point and each center to determine the nearest center as the group to which that data point belongs</a:t>
+            </a:r>
+          </a:p>
+          <a:p>
+            <a:pPr marL="914400" lvl="1" indent="-457200" algn="l">
+              <a:buFont typeface="+mj-lt"/>
+              <a:buAutoNum type="arabicPeriod"/>
+            </a:pPr>
+            <a:r>
+              <a:rPr lang="en-US" altLang="ko-KR" b="0" i="0" dirty="0">
+                <a:solidFill>
+                  <a:srgbClr val="000000"/>
+                </a:solidFill>
+                <a:effectLst/>
+              </a:rPr>
+              <a:t>Average data points for each group and set them as new centers</a:t>
+            </a:r>
+          </a:p>
+          <a:p>
+            <a:pPr marL="914400" lvl="1" indent="-457200" algn="l">
+              <a:buFont typeface="+mj-lt"/>
+              <a:buAutoNum type="arabicPeriod"/>
+            </a:pPr>
+            <a:r>
+              <a:rPr lang="en-US" altLang="ko-KR" b="0" i="0" dirty="0">
+                <a:solidFill>
+                  <a:srgbClr val="000000"/>
+                </a:solidFill>
+                <a:effectLst/>
+              </a:rPr>
+              <a:t>Repeat steps 2-3 until convergence</a:t>
+            </a:r>
+          </a:p>
+          <a:p>
+            <a:endParaRPr lang="ko-KR" altLang="en-US" dirty="0"/>
+          </a:p>
+        </p:txBody>
+      </p:sp>
       <p:pic>
         <p:nvPicPr>
-          <p:cNvPr id="6" name="그림 5">
-            <a:extLst>
-              <a:ext uri="{FF2B5EF4-FFF2-40B4-BE49-F238E27FC236}">
-                <a16:creationId xmlns:a16="http://schemas.microsoft.com/office/drawing/2014/main" id="{9CD5A4F0-0CDF-45B8-9B03-31A8392E9BA2}"/>
+          <p:cNvPr id="4" name="그림 3">
+            <a:extLst>
+              <a:ext uri="{FF2B5EF4-FFF2-40B4-BE49-F238E27FC236}">
+                <a16:creationId xmlns:a16="http://schemas.microsoft.com/office/drawing/2014/main" id="{B8E269D6-A6BE-419D-961C-9AC1F4681786}"/>
               </a:ext>
             </a:extLst>
           </p:cNvPr>
@@ -12690,45 +13370,10 @@
           </a:prstGeom>
         </p:spPr>
       </p:pic>
-      <p:pic>
-        <p:nvPicPr>
-          <p:cNvPr id="8" name="내용 개체 틀 7">
-            <a:extLst>
-              <a:ext uri="{FF2B5EF4-FFF2-40B4-BE49-F238E27FC236}">
-                <a16:creationId xmlns:a16="http://schemas.microsoft.com/office/drawing/2014/main" id="{D57A3363-7634-4D68-A814-3A41CA6BD11B}"/>
-              </a:ext>
-            </a:extLst>
-          </p:cNvPr>
-          <p:cNvPicPr>
-            <a:picLocks noGrp="1" noChangeAspect="1"/>
-          </p:cNvPicPr>
-          <p:nvPr>
-            <p:ph idx="1"/>
-          </p:nvPr>
-        </p:nvPicPr>
-        <p:blipFill>
-          <a:blip r:embed="rId3">
-            <a:extLst>
-              <a:ext uri="{28A0092B-C50C-407E-A947-70E740481C1C}">
-                <a14:useLocalDpi xmlns:a14="http://schemas.microsoft.com/office/drawing/2010/main" val="0"/>
-              </a:ext>
-            </a:extLst>
-          </a:blip>
-          <a:stretch>
-            <a:fillRect/>
-          </a:stretch>
-        </p:blipFill>
-        <p:spPr>
-          <a:xfrm>
-            <a:off x="1679835" y="1690688"/>
-            <a:ext cx="8832329" cy="4433415"/>
-          </a:xfrm>
-        </p:spPr>
-      </p:pic>
     </p:spTree>
     <p:extLst>
       <p:ext uri="{BB962C8B-B14F-4D97-AF65-F5344CB8AC3E}">
-        <p14:creationId xmlns:p14="http://schemas.microsoft.com/office/powerpoint/2010/main" val="3262002733"/>
+        <p14:creationId xmlns:p14="http://schemas.microsoft.com/office/powerpoint/2010/main" val="234729889"/>
       </p:ext>
     </p:extLst>
   </p:cSld>
@@ -12852,11 +13497,11 @@
                 </a:solidFill>
                 <a:effectLst/>
               </a:rPr>
-              <a:t>Two ways to reduce variables</a:t>
-            </a:r>
-          </a:p>
-          <a:p>
-            <a:pPr marL="742950" lvl="1" indent="-285750" algn="l">
+              <a:t>Using PCA, correlated multivariate data can be concisely represented as the main component.</a:t>
+            </a:r>
+          </a:p>
+          <a:p>
+            <a:pPr algn="l">
               <a:buFont typeface="Arial" panose="020B0604020202020204" pitchFamily="34" charset="0"/>
               <a:buChar char="•"/>
             </a:pPr>
@@ -12867,11 +13512,11 @@
                 </a:solidFill>
                 <a:effectLst/>
               </a:rPr>
-              <a:t>Choose only important variables and do not use the remaining variables.</a:t>
-            </a:r>
-          </a:p>
-          <a:p>
-            <a:pPr marL="742950" lvl="1" indent="-285750" algn="l">
+              <a:t>PCA is a method used to reduce variables in data.</a:t>
+            </a:r>
+          </a:p>
+          <a:p>
+            <a:pPr algn="l">
               <a:buFont typeface="Arial" panose="020B0604020202020204" pitchFamily="34" charset="0"/>
               <a:buChar char="•"/>
             </a:pPr>
@@ -12882,7 +13527,7 @@
                 </a:solidFill>
                 <a:effectLst/>
               </a:rPr>
-              <a:t>constructing a new variable from the original data variable</a:t>
+              <a:t>It is a representative dimension reduction method that can be applied to data that is correlated between variables.</a:t>
             </a:r>
           </a:p>
           <a:p>
@@ -12897,7 +13542,7 @@
                 </a:solidFill>
                 <a:effectLst/>
               </a:rPr>
-              <a:t>PCA reduces variables by constructing a new variable from the original data variable</a:t>
+              <a:t>Dimension reduction means 'It is expressed as several variables while maintaining the characteristics of data with many variables.'</a:t>
             </a:r>
           </a:p>
           <a:p>
@@ -12912,42 +13557,15 @@
                 </a:solidFill>
                 <a:effectLst/>
               </a:rPr>
-              <a:t>The data represented in a high-dimensional space is represented by a lower-dimensional variable.</a:t>
-            </a:r>
-          </a:p>
-          <a:p>
-            <a:pPr algn="l">
-              <a:buFont typeface="Arial" panose="020B0604020202020204" pitchFamily="34" charset="0"/>
-              <a:buChar char="•"/>
-            </a:pPr>
-            <a:r>
-              <a:rPr lang="en-US" altLang="ko-KR" b="0" i="0" dirty="0">
-                <a:solidFill>
-                  <a:srgbClr val="000000"/>
-                </a:solidFill>
-                <a:effectLst/>
-              </a:rPr>
-              <a:t>We call lower-dimensional axis as a principal component</a:t>
-            </a:r>
-          </a:p>
-          <a:p>
-            <a:pPr algn="l">
-              <a:buFont typeface="Arial" panose="020B0604020202020204" pitchFamily="34" charset="0"/>
-              <a:buChar char="•"/>
-            </a:pPr>
-            <a:endParaRPr lang="en-US" altLang="ko-KR" b="0" i="0" dirty="0">
-              <a:solidFill>
-                <a:srgbClr val="000000"/>
-              </a:solidFill>
-              <a:effectLst/>
-            </a:endParaRPr>
+              <a:t>It helps reduce complexity when analyzing multivariate data.</a:t>
+            </a:r>
           </a:p>
         </p:txBody>
       </p:sp>
     </p:spTree>
     <p:extLst>
       <p:ext uri="{BB962C8B-B14F-4D97-AF65-F5344CB8AC3E}">
-        <p14:creationId xmlns:p14="http://schemas.microsoft.com/office/powerpoint/2010/main" val="3324600363"/>
+        <p14:creationId xmlns:p14="http://schemas.microsoft.com/office/powerpoint/2010/main" val="301880539"/>
       </p:ext>
     </p:extLst>
   </p:cSld>
@@ -12979,7 +13597,7 @@
           <p:cNvPr id="2" name="제목 1">
             <a:extLst>
               <a:ext uri="{FF2B5EF4-FFF2-40B4-BE49-F238E27FC236}">
-                <a16:creationId xmlns:a16="http://schemas.microsoft.com/office/drawing/2014/main" id="{5E3354A9-E25D-4171-A135-36DC730699CF}"/>
+                <a16:creationId xmlns:a16="http://schemas.microsoft.com/office/drawing/2014/main" id="{1FFC1069-0AC9-4A0E-8B7B-DA42548C18E2}"/>
               </a:ext>
             </a:extLst>
           </p:cNvPr>
@@ -12997,77 +13615,7 @@
           <a:p>
             <a:r>
               <a:rPr lang="en-US" altLang="ko-KR" dirty="0"/>
-              <a:t>Sample Code</a:t>
-            </a:r>
-            <a:endParaRPr lang="ko-KR" altLang="en-US" dirty="0"/>
-          </a:p>
-        </p:txBody>
-      </p:sp>
-      <p:sp>
-        <p:nvSpPr>
-          <p:cNvPr id="3" name="내용 개체 틀 2">
-            <a:extLst>
-              <a:ext uri="{FF2B5EF4-FFF2-40B4-BE49-F238E27FC236}">
-                <a16:creationId xmlns:a16="http://schemas.microsoft.com/office/drawing/2014/main" id="{9BBBA53F-C12B-475D-AD6E-983850A6900D}"/>
-              </a:ext>
-            </a:extLst>
-          </p:cNvPr>
-          <p:cNvSpPr>
-            <a:spLocks noGrp="1"/>
-          </p:cNvSpPr>
-          <p:nvPr>
-            <p:ph sz="half" idx="1"/>
-          </p:nvPr>
-        </p:nvSpPr>
-        <p:spPr/>
-        <p:txBody>
-          <a:bodyPr/>
-          <a:lstStyle/>
-          <a:p>
-            <a:r>
-              <a:rPr lang="en-US" altLang="ko-KR" dirty="0"/>
-              <a:t>Import libraries</a:t>
-            </a:r>
-          </a:p>
-          <a:p>
-            <a:r>
-              <a:rPr lang="en-US" altLang="ko-KR" dirty="0"/>
-              <a:t>Load iris dataset</a:t>
-            </a:r>
-          </a:p>
-          <a:p>
-            <a:r>
-              <a:rPr lang="en-US" altLang="ko-KR" dirty="0"/>
-              <a:t>Make K-Means model</a:t>
-            </a:r>
-          </a:p>
-          <a:p>
-            <a:r>
-              <a:rPr lang="en-US" altLang="ko-KR" dirty="0"/>
-              <a:t>Set </a:t>
-            </a:r>
-            <a:r>
-              <a:rPr lang="en-US" altLang="ko-KR" dirty="0" err="1"/>
-              <a:t>n_cluster</a:t>
-            </a:r>
-            <a:endParaRPr lang="en-US" altLang="ko-KR" dirty="0"/>
-          </a:p>
-          <a:p>
-            <a:r>
-              <a:rPr lang="en-US" altLang="ko-KR" dirty="0"/>
-              <a:t>Fit data</a:t>
-            </a:r>
-          </a:p>
-          <a:p>
-            <a:r>
-              <a:rPr lang="en-US" altLang="ko-KR" dirty="0"/>
-              <a:t>Print labels</a:t>
-            </a:r>
-          </a:p>
-          <a:p>
-            <a:r>
-              <a:rPr lang="en-US" altLang="ko-KR" dirty="0"/>
-              <a:t>Print cluster’s center</a:t>
+              <a:t>Algorithm</a:t>
             </a:r>
             <a:endParaRPr lang="ko-KR" altLang="en-US" dirty="0"/>
           </a:p>
@@ -13075,45 +13623,10 @@
       </p:sp>
       <p:pic>
         <p:nvPicPr>
-          <p:cNvPr id="6" name="내용 개체 틀 5">
-            <a:extLst>
-              <a:ext uri="{FF2B5EF4-FFF2-40B4-BE49-F238E27FC236}">
-                <a16:creationId xmlns:a16="http://schemas.microsoft.com/office/drawing/2014/main" id="{ED0F5793-8987-43C0-B010-2C669D3DC44D}"/>
-              </a:ext>
-            </a:extLst>
-          </p:cNvPr>
-          <p:cNvPicPr>
-            <a:picLocks noGrp="1" noChangeAspect="1"/>
-          </p:cNvPicPr>
-          <p:nvPr>
-            <p:ph sz="half" idx="2"/>
-          </p:nvPr>
-        </p:nvPicPr>
-        <p:blipFill>
-          <a:blip r:embed="rId2">
-            <a:extLst>
-              <a:ext uri="{28A0092B-C50C-407E-A947-70E740481C1C}">
-                <a14:useLocalDpi xmlns:a14="http://schemas.microsoft.com/office/drawing/2010/main" val="0"/>
-              </a:ext>
-            </a:extLst>
-          </a:blip>
-          <a:stretch>
-            <a:fillRect/>
-          </a:stretch>
-        </p:blipFill>
-        <p:spPr>
-          <a:xfrm>
-            <a:off x="6172200" y="1955057"/>
-            <a:ext cx="5181600" cy="4092473"/>
-          </a:xfrm>
-        </p:spPr>
-      </p:pic>
-      <p:pic>
-        <p:nvPicPr>
-          <p:cNvPr id="7" name="그림 6">
-            <a:extLst>
-              <a:ext uri="{FF2B5EF4-FFF2-40B4-BE49-F238E27FC236}">
-                <a16:creationId xmlns:a16="http://schemas.microsoft.com/office/drawing/2014/main" id="{07001D21-B820-4D44-8F25-9B96EA1C58F6}"/>
+          <p:cNvPr id="6" name="그림 5">
+            <a:extLst>
+              <a:ext uri="{FF2B5EF4-FFF2-40B4-BE49-F238E27FC236}">
+                <a16:creationId xmlns:a16="http://schemas.microsoft.com/office/drawing/2014/main" id="{9CD5A4F0-0CDF-45B8-9B03-31A8392E9BA2}"/>
               </a:ext>
             </a:extLst>
           </p:cNvPr>
@@ -13123,7 +13636,7 @@
           <p:nvPr/>
         </p:nvPicPr>
         <p:blipFill>
-          <a:blip r:embed="rId3">
+          <a:blip r:embed="rId2">
             <a:extLst>
               <a:ext uri="{28A0092B-C50C-407E-A947-70E740481C1C}">
                 <a14:useLocalDpi xmlns:a14="http://schemas.microsoft.com/office/drawing/2010/main" val="0"/>
@@ -13144,10 +13657,45 @@
           </a:prstGeom>
         </p:spPr>
       </p:pic>
+      <p:pic>
+        <p:nvPicPr>
+          <p:cNvPr id="8" name="내용 개체 틀 7">
+            <a:extLst>
+              <a:ext uri="{FF2B5EF4-FFF2-40B4-BE49-F238E27FC236}">
+                <a16:creationId xmlns:a16="http://schemas.microsoft.com/office/drawing/2014/main" id="{D57A3363-7634-4D68-A814-3A41CA6BD11B}"/>
+              </a:ext>
+            </a:extLst>
+          </p:cNvPr>
+          <p:cNvPicPr>
+            <a:picLocks noGrp="1" noChangeAspect="1"/>
+          </p:cNvPicPr>
+          <p:nvPr>
+            <p:ph idx="1"/>
+          </p:nvPr>
+        </p:nvPicPr>
+        <p:blipFill>
+          <a:blip r:embed="rId3">
+            <a:extLst>
+              <a:ext uri="{28A0092B-C50C-407E-A947-70E740481C1C}">
+                <a14:useLocalDpi xmlns:a14="http://schemas.microsoft.com/office/drawing/2010/main" val="0"/>
+              </a:ext>
+            </a:extLst>
+          </a:blip>
+          <a:stretch>
+            <a:fillRect/>
+          </a:stretch>
+        </p:blipFill>
+        <p:spPr>
+          <a:xfrm>
+            <a:off x="1679835" y="1690688"/>
+            <a:ext cx="8832329" cy="4433415"/>
+          </a:xfrm>
+        </p:spPr>
+      </p:pic>
     </p:spTree>
     <p:extLst>
       <p:ext uri="{BB962C8B-B14F-4D97-AF65-F5344CB8AC3E}">
-        <p14:creationId xmlns:p14="http://schemas.microsoft.com/office/powerpoint/2010/main" val="1096605258"/>
+        <p14:creationId xmlns:p14="http://schemas.microsoft.com/office/powerpoint/2010/main" val="3262002733"/>
       </p:ext>
     </p:extLst>
   </p:cSld>
@@ -13179,7 +13727,7 @@
           <p:cNvPr id="2" name="제목 1">
             <a:extLst>
               <a:ext uri="{FF2B5EF4-FFF2-40B4-BE49-F238E27FC236}">
-                <a16:creationId xmlns:a16="http://schemas.microsoft.com/office/drawing/2014/main" id="{587C3C4C-3112-42C0-8B41-9C5749A63148}"/>
+                <a16:creationId xmlns:a16="http://schemas.microsoft.com/office/drawing/2014/main" id="{5E3354A9-E25D-4171-A135-36DC730699CF}"/>
               </a:ext>
             </a:extLst>
           </p:cNvPr>
@@ -13197,7 +13745,7 @@
           <a:p>
             <a:r>
               <a:rPr lang="en-US" altLang="ko-KR" dirty="0"/>
-              <a:t>Within-cluster sum of squares, WCSS</a:t>
+              <a:t>Sample Code</a:t>
             </a:r>
             <a:endParaRPr lang="ko-KR" altLang="en-US" dirty="0"/>
           </a:p>
@@ -13208,7 +13756,7 @@
           <p:cNvPr id="3" name="내용 개체 틀 2">
             <a:extLst>
               <a:ext uri="{FF2B5EF4-FFF2-40B4-BE49-F238E27FC236}">
-                <a16:creationId xmlns:a16="http://schemas.microsoft.com/office/drawing/2014/main" id="{4BAE5E9D-D0F5-49E4-86F0-A66060BE965F}"/>
+                <a16:creationId xmlns:a16="http://schemas.microsoft.com/office/drawing/2014/main" id="{9BBBA53F-C12B-475D-AD6E-983850A6900D}"/>
               </a:ext>
             </a:extLst>
           </p:cNvPr>
@@ -13216,7 +13764,7 @@
             <a:spLocks noGrp="1"/>
           </p:cNvSpPr>
           <p:nvPr>
-            <p:ph idx="1"/>
+            <p:ph sz="half" idx="1"/>
           </p:nvPr>
         </p:nvSpPr>
         <p:spPr/>
@@ -13224,46 +13772,96 @@
           <a:bodyPr/>
           <a:lstStyle/>
           <a:p>
-            <a:pPr algn="l">
-              <a:buFont typeface="Arial" panose="020B0604020202020204" pitchFamily="34" charset="0"/>
-              <a:buChar char="•"/>
-            </a:pPr>
-            <a:r>
-              <a:rPr lang="en-US" altLang="ko-KR" b="0" i="0" dirty="0">
-                <a:solidFill>
-                  <a:srgbClr val="000000"/>
-                </a:solidFill>
-                <a:effectLst/>
-              </a:rPr>
-              <a:t>The good or bad of clustering is evaluated quantitatively by calculating the WCSS.</a:t>
-            </a:r>
-          </a:p>
-          <a:p>
-            <a:pPr algn="l">
-              <a:buFont typeface="Arial" panose="020B0604020202020204" pitchFamily="34" charset="0"/>
-              <a:buChar char="•"/>
-            </a:pPr>
-            <a:r>
-              <a:rPr lang="en-US" altLang="ko-KR" b="0" i="0" dirty="0">
-                <a:solidFill>
-                  <a:srgbClr val="000000"/>
-                </a:solidFill>
-                <a:effectLst/>
-              </a:rPr>
-              <a:t>The smaller the distance between the center of the group and the data point belonging to the group, the smaller the WCSS value.</a:t>
-            </a:r>
-          </a:p>
-          <a:p>
+            <a:r>
+              <a:rPr lang="en-US" altLang="ko-KR" dirty="0"/>
+              <a:t>Import libraries</a:t>
+            </a:r>
+          </a:p>
+          <a:p>
+            <a:r>
+              <a:rPr lang="en-US" altLang="ko-KR" dirty="0"/>
+              <a:t>Load iris dataset</a:t>
+            </a:r>
+          </a:p>
+          <a:p>
+            <a:r>
+              <a:rPr lang="en-US" altLang="ko-KR" dirty="0"/>
+              <a:t>Make K-Means model</a:t>
+            </a:r>
+          </a:p>
+          <a:p>
+            <a:r>
+              <a:rPr lang="en-US" altLang="ko-KR" dirty="0"/>
+              <a:t>Set </a:t>
+            </a:r>
+            <a:r>
+              <a:rPr lang="en-US" altLang="ko-KR" dirty="0" err="1"/>
+              <a:t>n_cluster</a:t>
+            </a:r>
+            <a:endParaRPr lang="en-US" altLang="ko-KR" dirty="0"/>
+          </a:p>
+          <a:p>
+            <a:r>
+              <a:rPr lang="en-US" altLang="ko-KR" dirty="0"/>
+              <a:t>Fit data</a:t>
+            </a:r>
+          </a:p>
+          <a:p>
+            <a:r>
+              <a:rPr lang="en-US" altLang="ko-KR" dirty="0"/>
+              <a:t>Print labels</a:t>
+            </a:r>
+          </a:p>
+          <a:p>
+            <a:r>
+              <a:rPr lang="en-US" altLang="ko-KR" dirty="0"/>
+              <a:t>Print cluster’s center</a:t>
+            </a:r>
             <a:endParaRPr lang="ko-KR" altLang="en-US" dirty="0"/>
           </a:p>
         </p:txBody>
       </p:sp>
       <p:pic>
         <p:nvPicPr>
-          <p:cNvPr id="4" name="그림 3">
-            <a:extLst>
-              <a:ext uri="{FF2B5EF4-FFF2-40B4-BE49-F238E27FC236}">
-                <a16:creationId xmlns:a16="http://schemas.microsoft.com/office/drawing/2014/main" id="{B8E269D6-A6BE-419D-961C-9AC1F4681786}"/>
+          <p:cNvPr id="6" name="내용 개체 틀 5">
+            <a:extLst>
+              <a:ext uri="{FF2B5EF4-FFF2-40B4-BE49-F238E27FC236}">
+                <a16:creationId xmlns:a16="http://schemas.microsoft.com/office/drawing/2014/main" id="{ED0F5793-8987-43C0-B010-2C669D3DC44D}"/>
+              </a:ext>
+            </a:extLst>
+          </p:cNvPr>
+          <p:cNvPicPr>
+            <a:picLocks noGrp="1" noChangeAspect="1"/>
+          </p:cNvPicPr>
+          <p:nvPr>
+            <p:ph sz="half" idx="2"/>
+          </p:nvPr>
+        </p:nvPicPr>
+        <p:blipFill>
+          <a:blip r:embed="rId2">
+            <a:extLst>
+              <a:ext uri="{28A0092B-C50C-407E-A947-70E740481C1C}">
+                <a14:useLocalDpi xmlns:a14="http://schemas.microsoft.com/office/drawing/2010/main" val="0"/>
+              </a:ext>
+            </a:extLst>
+          </a:blip>
+          <a:stretch>
+            <a:fillRect/>
+          </a:stretch>
+        </p:blipFill>
+        <p:spPr>
+          <a:xfrm>
+            <a:off x="6172200" y="1955057"/>
+            <a:ext cx="5181600" cy="4092473"/>
+          </a:xfrm>
+        </p:spPr>
+      </p:pic>
+      <p:pic>
+        <p:nvPicPr>
+          <p:cNvPr id="7" name="그림 6">
+            <a:extLst>
+              <a:ext uri="{FF2B5EF4-FFF2-40B4-BE49-F238E27FC236}">
+                <a16:creationId xmlns:a16="http://schemas.microsoft.com/office/drawing/2014/main" id="{07001D21-B820-4D44-8F25-9B96EA1C58F6}"/>
               </a:ext>
             </a:extLst>
           </p:cNvPr>
@@ -13273,7 +13871,7 @@
           <p:nvPr/>
         </p:nvPicPr>
         <p:blipFill>
-          <a:blip r:embed="rId2">
+          <a:blip r:embed="rId3">
             <a:extLst>
               <a:ext uri="{28A0092B-C50C-407E-A947-70E740481C1C}">
                 <a14:useLocalDpi xmlns:a14="http://schemas.microsoft.com/office/drawing/2010/main" val="0"/>
@@ -13294,46 +13892,10 @@
           </a:prstGeom>
         </p:spPr>
       </p:pic>
-      <p:pic>
-        <p:nvPicPr>
-          <p:cNvPr id="6" name="그림 5">
-            <a:extLst>
-              <a:ext uri="{FF2B5EF4-FFF2-40B4-BE49-F238E27FC236}">
-                <a16:creationId xmlns:a16="http://schemas.microsoft.com/office/drawing/2014/main" id="{517CB3D4-74BC-4463-9E46-4860B8373898}"/>
-              </a:ext>
-            </a:extLst>
-          </p:cNvPr>
-          <p:cNvPicPr>
-            <a:picLocks noChangeAspect="1"/>
-          </p:cNvPicPr>
-          <p:nvPr/>
-        </p:nvPicPr>
-        <p:blipFill>
-          <a:blip r:embed="rId3">
-            <a:extLst>
-              <a:ext uri="{28A0092B-C50C-407E-A947-70E740481C1C}">
-                <a14:useLocalDpi xmlns:a14="http://schemas.microsoft.com/office/drawing/2010/main" val="0"/>
-              </a:ext>
-            </a:extLst>
-          </a:blip>
-          <a:stretch>
-            <a:fillRect/>
-          </a:stretch>
-        </p:blipFill>
-        <p:spPr>
-          <a:xfrm>
-            <a:off x="4106598" y="4001294"/>
-            <a:ext cx="3978803" cy="1308643"/>
-          </a:xfrm>
-          <a:prstGeom prst="rect">
-            <a:avLst/>
-          </a:prstGeom>
-        </p:spPr>
-      </p:pic>
     </p:spTree>
     <p:extLst>
       <p:ext uri="{BB962C8B-B14F-4D97-AF65-F5344CB8AC3E}">
-        <p14:creationId xmlns:p14="http://schemas.microsoft.com/office/powerpoint/2010/main" val="457363342"/>
+        <p14:creationId xmlns:p14="http://schemas.microsoft.com/office/powerpoint/2010/main" val="1096605258"/>
       </p:ext>
     </p:extLst>
   </p:cSld>
@@ -13383,7 +13945,7 @@
           <a:p>
             <a:r>
               <a:rPr lang="en-US" altLang="ko-KR" dirty="0"/>
-              <a:t>WCSS elbow method</a:t>
+              <a:t>Within-cluster sum of squares, WCSS</a:t>
             </a:r>
             <a:endParaRPr lang="ko-KR" altLang="en-US" dirty="0"/>
           </a:p>
@@ -13421,7 +13983,7 @@
                 </a:solidFill>
                 <a:effectLst/>
               </a:rPr>
-              <a:t>The number of clusters can be determined using the WCSS elbow-method.</a:t>
+              <a:t>The good or bad of clustering is evaluated quantitatively by calculating the WCSS.</a:t>
             </a:r>
           </a:p>
           <a:p>
@@ -13436,8 +13998,11 @@
                 </a:solidFill>
                 <a:effectLst/>
               </a:rPr>
-              <a:t>Determine the number based on the point on the graph that looks like an elbow.</a:t>
-            </a:r>
+              <a:t>The smaller the distance between the center of the group and the data point belonging to the group, the smaller the WCSS value.</a:t>
+            </a:r>
+          </a:p>
+          <a:p>
+            <a:endParaRPr lang="ko-KR" altLang="en-US" dirty="0"/>
           </a:p>
         </p:txBody>
       </p:sp>
@@ -13479,10 +14044,10 @@
       </p:pic>
       <p:pic>
         <p:nvPicPr>
-          <p:cNvPr id="7" name="그림 6">
-            <a:extLst>
-              <a:ext uri="{FF2B5EF4-FFF2-40B4-BE49-F238E27FC236}">
-                <a16:creationId xmlns:a16="http://schemas.microsoft.com/office/drawing/2014/main" id="{0C9A9959-70BC-4DF5-A5B2-4D3A0B235E8D}"/>
+          <p:cNvPr id="6" name="그림 5">
+            <a:extLst>
+              <a:ext uri="{FF2B5EF4-FFF2-40B4-BE49-F238E27FC236}">
+                <a16:creationId xmlns:a16="http://schemas.microsoft.com/office/drawing/2014/main" id="{517CB3D4-74BC-4463-9E46-4860B8373898}"/>
               </a:ext>
             </a:extLst>
           </p:cNvPr>
@@ -13505,8 +14070,8 @@
         </p:blipFill>
         <p:spPr>
           <a:xfrm>
-            <a:off x="4157662" y="3628553"/>
-            <a:ext cx="3876675" cy="2495550"/>
+            <a:off x="4106598" y="4001294"/>
+            <a:ext cx="3978803" cy="1308643"/>
           </a:xfrm>
           <a:prstGeom prst="rect">
             <a:avLst/>
@@ -13516,7 +14081,7 @@
     </p:spTree>
     <p:extLst>
       <p:ext uri="{BB962C8B-B14F-4D97-AF65-F5344CB8AC3E}">
-        <p14:creationId xmlns:p14="http://schemas.microsoft.com/office/powerpoint/2010/main" val="1460799913"/>
+        <p14:creationId xmlns:p14="http://schemas.microsoft.com/office/powerpoint/2010/main" val="457363342"/>
       </p:ext>
     </p:extLst>
   </p:cSld>
@@ -13548,7 +14113,7 @@
           <p:cNvPr id="2" name="제목 1">
             <a:extLst>
               <a:ext uri="{FF2B5EF4-FFF2-40B4-BE49-F238E27FC236}">
-                <a16:creationId xmlns:a16="http://schemas.microsoft.com/office/drawing/2014/main" id="{0863E830-5C97-4A75-9BC1-361A41988496}"/>
+                <a16:creationId xmlns:a16="http://schemas.microsoft.com/office/drawing/2014/main" id="{587C3C4C-3112-42C0-8B41-9C5749A63148}"/>
               </a:ext>
             </a:extLst>
           </p:cNvPr>
@@ -13566,7 +14131,7 @@
           <a:p>
             <a:r>
               <a:rPr lang="en-US" altLang="ko-KR" dirty="0"/>
-              <a:t>Over-fitting in unsupervised learning</a:t>
+              <a:t>WCSS elbow method</a:t>
             </a:r>
             <a:endParaRPr lang="ko-KR" altLang="en-US" dirty="0"/>
           </a:p>
@@ -13577,7 +14142,7 @@
           <p:cNvPr id="3" name="내용 개체 틀 2">
             <a:extLst>
               <a:ext uri="{FF2B5EF4-FFF2-40B4-BE49-F238E27FC236}">
-                <a16:creationId xmlns:a16="http://schemas.microsoft.com/office/drawing/2014/main" id="{64877D35-8D6A-4A99-BAF4-3952F2BA0B0F}"/>
+                <a16:creationId xmlns:a16="http://schemas.microsoft.com/office/drawing/2014/main" id="{4BAE5E9D-D0F5-49E4-86F0-A66060BE965F}"/>
               </a:ext>
             </a:extLst>
           </p:cNvPr>
@@ -13593,6 +14158,10 @@
           <a:bodyPr/>
           <a:lstStyle/>
           <a:p>
+            <a:pPr algn="l">
+              <a:buFont typeface="Arial" panose="020B0604020202020204" pitchFamily="34" charset="0"/>
+              <a:buChar char="•"/>
+            </a:pPr>
             <a:r>
               <a:rPr lang="en-US" altLang="ko-KR" b="0" i="0" dirty="0">
                 <a:solidFill>
@@ -13600,10 +14169,14 @@
                 </a:solidFill>
                 <a:effectLst/>
               </a:rPr>
-              <a:t>If there are too many clusters for a particular dataset, a generalized model is not created.</a:t>
-            </a:r>
-          </a:p>
-          <a:p>
+              <a:t>The number of clusters can be determined using the WCSS elbow-method.</a:t>
+            </a:r>
+          </a:p>
+          <a:p>
+            <a:pPr algn="l">
+              <a:buFont typeface="Arial" panose="020B0604020202020204" pitchFamily="34" charset="0"/>
+              <a:buChar char="•"/>
+            </a:pPr>
             <a:r>
               <a:rPr lang="en-US" altLang="ko-KR" b="0" i="0" dirty="0">
                 <a:solidFill>
@@ -13611,9 +14184,8 @@
                 </a:solidFill>
                 <a:effectLst/>
               </a:rPr>
-              <a:t>For example, there are three actual types of iris varieties, but setting the cluster to five creates an unsuitable model.</a:t>
-            </a:r>
-            <a:endParaRPr lang="ko-KR" altLang="en-US" dirty="0"/>
+              <a:t>Determine the number based on the point on the graph that looks like an elbow.</a:t>
+            </a:r>
           </a:p>
         </p:txBody>
       </p:sp>
@@ -13622,7 +14194,7 @@
           <p:cNvPr id="4" name="그림 3">
             <a:extLst>
               <a:ext uri="{FF2B5EF4-FFF2-40B4-BE49-F238E27FC236}">
-                <a16:creationId xmlns:a16="http://schemas.microsoft.com/office/drawing/2014/main" id="{1C9FAC72-A3C3-492E-B174-FF1E2EF371AD}"/>
+                <a16:creationId xmlns:a16="http://schemas.microsoft.com/office/drawing/2014/main" id="{B8E269D6-A6BE-419D-961C-9AC1F4681786}"/>
               </a:ext>
             </a:extLst>
           </p:cNvPr>
@@ -13653,10 +14225,46 @@
           </a:prstGeom>
         </p:spPr>
       </p:pic>
+      <p:pic>
+        <p:nvPicPr>
+          <p:cNvPr id="7" name="그림 6">
+            <a:extLst>
+              <a:ext uri="{FF2B5EF4-FFF2-40B4-BE49-F238E27FC236}">
+                <a16:creationId xmlns:a16="http://schemas.microsoft.com/office/drawing/2014/main" id="{0C9A9959-70BC-4DF5-A5B2-4D3A0B235E8D}"/>
+              </a:ext>
+            </a:extLst>
+          </p:cNvPr>
+          <p:cNvPicPr>
+            <a:picLocks noChangeAspect="1"/>
+          </p:cNvPicPr>
+          <p:nvPr/>
+        </p:nvPicPr>
+        <p:blipFill>
+          <a:blip r:embed="rId3">
+            <a:extLst>
+              <a:ext uri="{28A0092B-C50C-407E-A947-70E740481C1C}">
+                <a14:useLocalDpi xmlns:a14="http://schemas.microsoft.com/office/drawing/2010/main" val="0"/>
+              </a:ext>
+            </a:extLst>
+          </a:blip>
+          <a:stretch>
+            <a:fillRect/>
+          </a:stretch>
+        </p:blipFill>
+        <p:spPr>
+          <a:xfrm>
+            <a:off x="4157662" y="3628553"/>
+            <a:ext cx="3876675" cy="2495550"/>
+          </a:xfrm>
+          <a:prstGeom prst="rect">
+            <a:avLst/>
+          </a:prstGeom>
+        </p:spPr>
+      </p:pic>
     </p:spTree>
     <p:extLst>
       <p:ext uri="{BB962C8B-B14F-4D97-AF65-F5344CB8AC3E}">
-        <p14:creationId xmlns:p14="http://schemas.microsoft.com/office/powerpoint/2010/main" val="55731596"/>
+        <p14:creationId xmlns:p14="http://schemas.microsoft.com/office/powerpoint/2010/main" val="1460799913"/>
       </p:ext>
     </p:extLst>
   </p:cSld>
@@ -13688,7 +14296,7 @@
           <p:cNvPr id="2" name="제목 1">
             <a:extLst>
               <a:ext uri="{FF2B5EF4-FFF2-40B4-BE49-F238E27FC236}">
-                <a16:creationId xmlns:a16="http://schemas.microsoft.com/office/drawing/2014/main" id="{6CE768E2-A535-4DE5-B299-72A89AC438AB}"/>
+                <a16:creationId xmlns:a16="http://schemas.microsoft.com/office/drawing/2014/main" id="{0863E830-5C97-4A75-9BC1-361A41988496}"/>
               </a:ext>
             </a:extLst>
           </p:cNvPr>
@@ -13696,7 +14304,7 @@
             <a:spLocks noGrp="1"/>
           </p:cNvSpPr>
           <p:nvPr>
-            <p:ph type="ctrTitle"/>
+            <p:ph type="title"/>
           </p:nvPr>
         </p:nvSpPr>
         <p:spPr/>
@@ -13706,7 +14314,7 @@
           <a:p>
             <a:r>
               <a:rPr lang="en-US" altLang="ko-KR" dirty="0"/>
-              <a:t>Unsupervised Learning</a:t>
+              <a:t>Over-fitting in unsupervised learning</a:t>
             </a:r>
             <a:endParaRPr lang="ko-KR" altLang="en-US" dirty="0"/>
           </a:p>
@@ -13714,10 +14322,10 @@
       </p:sp>
       <p:sp>
         <p:nvSpPr>
-          <p:cNvPr id="3" name="부제목 2">
-            <a:extLst>
-              <a:ext uri="{FF2B5EF4-FFF2-40B4-BE49-F238E27FC236}">
-                <a16:creationId xmlns:a16="http://schemas.microsoft.com/office/drawing/2014/main" id="{35A474EA-640F-4507-AFC8-0846D3134FA7}"/>
+          <p:cNvPr id="3" name="내용 개체 틀 2">
+            <a:extLst>
+              <a:ext uri="{FF2B5EF4-FFF2-40B4-BE49-F238E27FC236}">
+                <a16:creationId xmlns:a16="http://schemas.microsoft.com/office/drawing/2014/main" id="{64877D35-8D6A-4A99-BAF4-3952F2BA0B0F}"/>
               </a:ext>
             </a:extLst>
           </p:cNvPr>
@@ -13725,7 +14333,7 @@
             <a:spLocks noGrp="1"/>
           </p:cNvSpPr>
           <p:nvPr>
-            <p:ph type="subTitle" idx="1"/>
+            <p:ph idx="1"/>
           </p:nvPr>
         </p:nvSpPr>
         <p:spPr/>
@@ -13734,8 +14342,24 @@
           <a:lstStyle/>
           <a:p>
             <a:r>
-              <a:rPr lang="en-US" altLang="ko-KR" dirty="0"/>
-              <a:t>Gaussian mixture model</a:t>
+              <a:rPr lang="en-US" altLang="ko-KR" b="0" i="0" dirty="0">
+                <a:solidFill>
+                  <a:srgbClr val="000000"/>
+                </a:solidFill>
+                <a:effectLst/>
+              </a:rPr>
+              <a:t>If there are too many clusters for a particular dataset, a generalized model is not created.</a:t>
+            </a:r>
+          </a:p>
+          <a:p>
+            <a:r>
+              <a:rPr lang="en-US" altLang="ko-KR" b="0" i="0" dirty="0">
+                <a:solidFill>
+                  <a:srgbClr val="000000"/>
+                </a:solidFill>
+                <a:effectLst/>
+              </a:rPr>
+              <a:t>For example, there are three actual types of iris varieties, but setting the cluster to five creates an unsuitable model.</a:t>
             </a:r>
             <a:endParaRPr lang="ko-KR" altLang="en-US" dirty="0"/>
           </a:p>
@@ -13746,7 +14370,7 @@
           <p:cNvPr id="4" name="그림 3">
             <a:extLst>
               <a:ext uri="{FF2B5EF4-FFF2-40B4-BE49-F238E27FC236}">
-                <a16:creationId xmlns:a16="http://schemas.microsoft.com/office/drawing/2014/main" id="{F10E97B4-24DA-421D-9217-6F2C21207D6A}"/>
+                <a16:creationId xmlns:a16="http://schemas.microsoft.com/office/drawing/2014/main" id="{1C9FAC72-A3C3-492E-B174-FF1E2EF371AD}"/>
               </a:ext>
             </a:extLst>
           </p:cNvPr>
@@ -13780,7 +14404,7 @@
     </p:spTree>
     <p:extLst>
       <p:ext uri="{BB962C8B-B14F-4D97-AF65-F5344CB8AC3E}">
-        <p14:creationId xmlns:p14="http://schemas.microsoft.com/office/powerpoint/2010/main" val="4027118663"/>
+        <p14:creationId xmlns:p14="http://schemas.microsoft.com/office/powerpoint/2010/main" val="55731596"/>
       </p:ext>
     </p:extLst>
   </p:cSld>
@@ -13812,7 +14436,7 @@
           <p:cNvPr id="2" name="제목 1">
             <a:extLst>
               <a:ext uri="{FF2B5EF4-FFF2-40B4-BE49-F238E27FC236}">
-                <a16:creationId xmlns:a16="http://schemas.microsoft.com/office/drawing/2014/main" id="{0DA839C8-076B-4121-9725-EA4775E0D0D3}"/>
+                <a16:creationId xmlns:a16="http://schemas.microsoft.com/office/drawing/2014/main" id="{6CE768E2-A535-4DE5-B299-72A89AC438AB}"/>
               </a:ext>
             </a:extLst>
           </p:cNvPr>
@@ -13820,7 +14444,7 @@
             <a:spLocks noGrp="1"/>
           </p:cNvSpPr>
           <p:nvPr>
-            <p:ph type="title"/>
+            <p:ph type="ctrTitle"/>
           </p:nvPr>
         </p:nvSpPr>
         <p:spPr/>
@@ -13830,7 +14454,7 @@
           <a:p>
             <a:r>
               <a:rPr lang="en-US" altLang="ko-KR" dirty="0"/>
-              <a:t>Fundamental Concept</a:t>
+              <a:t>Unsupervised Learning</a:t>
             </a:r>
             <a:endParaRPr lang="ko-KR" altLang="en-US" dirty="0"/>
           </a:p>
@@ -13838,10 +14462,10 @@
       </p:sp>
       <p:sp>
         <p:nvSpPr>
-          <p:cNvPr id="3" name="내용 개체 틀 2">
-            <a:extLst>
-              <a:ext uri="{FF2B5EF4-FFF2-40B4-BE49-F238E27FC236}">
-                <a16:creationId xmlns:a16="http://schemas.microsoft.com/office/drawing/2014/main" id="{181A2A2E-B282-4CC9-9004-93BAE3C791EE}"/>
+          <p:cNvPr id="3" name="부제목 2">
+            <a:extLst>
+              <a:ext uri="{FF2B5EF4-FFF2-40B4-BE49-F238E27FC236}">
+                <a16:creationId xmlns:a16="http://schemas.microsoft.com/office/drawing/2014/main" id="{35A474EA-640F-4507-AFC8-0846D3134FA7}"/>
               </a:ext>
             </a:extLst>
           </p:cNvPr>
@@ -13849,7 +14473,7 @@
             <a:spLocks noGrp="1"/>
           </p:cNvSpPr>
           <p:nvPr>
-            <p:ph idx="1"/>
+            <p:ph type="subTitle" idx="1"/>
           </p:nvPr>
         </p:nvSpPr>
         <p:spPr/>
@@ -13857,51 +14481,10 @@
           <a:bodyPr/>
           <a:lstStyle/>
           <a:p>
-            <a:pPr algn="l">
-              <a:buFont typeface="Arial" panose="020B0604020202020204" pitchFamily="34" charset="0"/>
-              <a:buChar char="•"/>
-            </a:pPr>
-            <a:r>
-              <a:rPr lang="en-US" altLang="ko-KR" b="0" i="0" dirty="0">
-                <a:solidFill>
-                  <a:srgbClr val="000000"/>
-                </a:solidFill>
-                <a:effectLst/>
-              </a:rPr>
-              <a:t>It is used in clustering</a:t>
-            </a:r>
-          </a:p>
-          <a:p>
-            <a:pPr algn="l">
-              <a:buFont typeface="Arial" panose="020B0604020202020204" pitchFamily="34" charset="0"/>
-              <a:buChar char="•"/>
-            </a:pPr>
-            <a:r>
-              <a:rPr lang="en-US" altLang="ko-KR" b="0" i="0" dirty="0">
-                <a:solidFill>
-                  <a:srgbClr val="000000"/>
-                </a:solidFill>
-                <a:effectLst/>
-              </a:rPr>
-              <a:t>The data distribution is represented using the mean and variance of the data.</a:t>
-            </a:r>
-          </a:p>
-          <a:p>
-            <a:pPr algn="l">
-              <a:buFont typeface="Arial" panose="020B0604020202020204" pitchFamily="34" charset="0"/>
-              <a:buChar char="•"/>
-            </a:pPr>
-            <a:r>
-              <a:rPr lang="en-US" altLang="ko-KR" b="0" i="0" dirty="0">
-                <a:solidFill>
-                  <a:srgbClr val="000000"/>
-                </a:solidFill>
-                <a:effectLst/>
-              </a:rPr>
-              <a:t>The Gaussian distribution is mixed to represent complex data consisting of several groups.</a:t>
-            </a:r>
-          </a:p>
-          <a:p>
+            <a:r>
+              <a:rPr lang="en-US" altLang="ko-KR" dirty="0"/>
+              <a:t>Gaussian mixture model</a:t>
+            </a:r>
             <a:endParaRPr lang="ko-KR" altLang="en-US" dirty="0"/>
           </a:p>
         </p:txBody>
@@ -13911,7 +14494,7 @@
           <p:cNvPr id="4" name="그림 3">
             <a:extLst>
               <a:ext uri="{FF2B5EF4-FFF2-40B4-BE49-F238E27FC236}">
-                <a16:creationId xmlns:a16="http://schemas.microsoft.com/office/drawing/2014/main" id="{E2871EAA-86D7-4D96-B210-F21438B92C2D}"/>
+                <a16:creationId xmlns:a16="http://schemas.microsoft.com/office/drawing/2014/main" id="{F10E97B4-24DA-421D-9217-6F2C21207D6A}"/>
               </a:ext>
             </a:extLst>
           </p:cNvPr>
@@ -13942,10 +14525,56 @@
           </a:prstGeom>
         </p:spPr>
       </p:pic>
+      <p:sp>
+        <p:nvSpPr>
+          <p:cNvPr id="5" name="TextBox 4">
+            <a:extLst>
+              <a:ext uri="{FF2B5EF4-FFF2-40B4-BE49-F238E27FC236}">
+                <a16:creationId xmlns:a16="http://schemas.microsoft.com/office/drawing/2014/main" id="{EA410218-3C20-4D7B-9453-5A50086A4A07}"/>
+              </a:ext>
+            </a:extLst>
+          </p:cNvPr>
+          <p:cNvSpPr txBox="1"/>
+          <p:nvPr/>
+        </p:nvSpPr>
+        <p:spPr>
+          <a:xfrm>
+            <a:off x="0" y="6211669"/>
+            <a:ext cx="2805576" cy="646331"/>
+          </a:xfrm>
+          <a:prstGeom prst="rect">
+            <a:avLst/>
+          </a:prstGeom>
+          <a:noFill/>
+        </p:spPr>
+        <p:txBody>
+          <a:bodyPr wrap="none" rtlCol="0">
+            <a:spAutoFit/>
+          </a:bodyPr>
+          <a:lstStyle/>
+          <a:p>
+            <a:r>
+              <a:rPr lang="ko-KR" altLang="en-US" dirty="0"/>
+              <a:t>경희대학교 컴퓨터공학과</a:t>
+            </a:r>
+            <a:endParaRPr lang="en-US" altLang="ko-KR" dirty="0"/>
+          </a:p>
+          <a:p>
+            <a:r>
+              <a:rPr lang="en-US" altLang="ko-KR" dirty="0"/>
+              <a:t>2019102191 </a:t>
+            </a:r>
+            <a:r>
+              <a:rPr lang="ko-KR" altLang="en-US" dirty="0"/>
+              <a:t>신주영</a:t>
+            </a:r>
+          </a:p>
+        </p:txBody>
+      </p:sp>
     </p:spTree>
     <p:extLst>
       <p:ext uri="{BB962C8B-B14F-4D97-AF65-F5344CB8AC3E}">
-        <p14:creationId xmlns:p14="http://schemas.microsoft.com/office/powerpoint/2010/main" val="3799252948"/>
+        <p14:creationId xmlns:p14="http://schemas.microsoft.com/office/powerpoint/2010/main" val="4027118663"/>
       </p:ext>
     </p:extLst>
   </p:cSld>
@@ -14001,41 +14630,76 @@
           </a:p>
         </p:txBody>
       </p:sp>
-      <p:pic>
-        <p:nvPicPr>
-          <p:cNvPr id="6" name="내용 개체 틀 5">
-            <a:extLst>
-              <a:ext uri="{FF2B5EF4-FFF2-40B4-BE49-F238E27FC236}">
-                <a16:creationId xmlns:a16="http://schemas.microsoft.com/office/drawing/2014/main" id="{234F5DA8-A4A9-4ECE-AEEB-A5A5B51A4551}"/>
-              </a:ext>
-            </a:extLst>
-          </p:cNvPr>
-          <p:cNvPicPr>
-            <a:picLocks noGrp="1" noChangeAspect="1"/>
-          </p:cNvPicPr>
+      <p:sp>
+        <p:nvSpPr>
+          <p:cNvPr id="3" name="내용 개체 틀 2">
+            <a:extLst>
+              <a:ext uri="{FF2B5EF4-FFF2-40B4-BE49-F238E27FC236}">
+                <a16:creationId xmlns:a16="http://schemas.microsoft.com/office/drawing/2014/main" id="{181A2A2E-B282-4CC9-9004-93BAE3C791EE}"/>
+              </a:ext>
+            </a:extLst>
+          </p:cNvPr>
+          <p:cNvSpPr>
+            <a:spLocks noGrp="1"/>
+          </p:cNvSpPr>
           <p:nvPr>
             <p:ph idx="1"/>
           </p:nvPr>
-        </p:nvPicPr>
-        <p:blipFill>
-          <a:blip r:embed="rId2">
-            <a:extLst>
-              <a:ext uri="{28A0092B-C50C-407E-A947-70E740481C1C}">
-                <a14:useLocalDpi xmlns:a14="http://schemas.microsoft.com/office/drawing/2010/main" val="0"/>
-              </a:ext>
-            </a:extLst>
-          </a:blip>
-          <a:stretch>
-            <a:fillRect/>
-          </a:stretch>
-        </p:blipFill>
-        <p:spPr>
-          <a:xfrm>
-            <a:off x="2509837" y="2062956"/>
-            <a:ext cx="7172325" cy="3876675"/>
-          </a:xfrm>
-        </p:spPr>
-      </p:pic>
+        </p:nvSpPr>
+        <p:spPr/>
+        <p:txBody>
+          <a:bodyPr/>
+          <a:lstStyle/>
+          <a:p>
+            <a:pPr algn="l">
+              <a:buFont typeface="Arial" panose="020B0604020202020204" pitchFamily="34" charset="0"/>
+              <a:buChar char="•"/>
+            </a:pPr>
+            <a:r>
+              <a:rPr lang="en-US" altLang="ko-KR" b="0" i="0" dirty="0">
+                <a:solidFill>
+                  <a:srgbClr val="000000"/>
+                </a:solidFill>
+                <a:effectLst/>
+              </a:rPr>
+              <a:t>It is used in clustering</a:t>
+            </a:r>
+          </a:p>
+          <a:p>
+            <a:pPr algn="l">
+              <a:buFont typeface="Arial" panose="020B0604020202020204" pitchFamily="34" charset="0"/>
+              <a:buChar char="•"/>
+            </a:pPr>
+            <a:r>
+              <a:rPr lang="en-US" altLang="ko-KR" b="0" i="0" dirty="0">
+                <a:solidFill>
+                  <a:srgbClr val="000000"/>
+                </a:solidFill>
+                <a:effectLst/>
+              </a:rPr>
+              <a:t>The data distribution is represented using the mean and variance of the data.</a:t>
+            </a:r>
+          </a:p>
+          <a:p>
+            <a:pPr algn="l">
+              <a:buFont typeface="Arial" panose="020B0604020202020204" pitchFamily="34" charset="0"/>
+              <a:buChar char="•"/>
+            </a:pPr>
+            <a:r>
+              <a:rPr lang="en-US" altLang="ko-KR" b="0" i="0" dirty="0">
+                <a:solidFill>
+                  <a:srgbClr val="000000"/>
+                </a:solidFill>
+                <a:effectLst/>
+              </a:rPr>
+              <a:t>The Gaussian distribution is mixed to represent complex data consisting of several groups.</a:t>
+            </a:r>
+          </a:p>
+          <a:p>
+            <a:endParaRPr lang="ko-KR" altLang="en-US" dirty="0"/>
+          </a:p>
+        </p:txBody>
+      </p:sp>
       <p:pic>
         <p:nvPicPr>
           <p:cNvPr id="4" name="그림 3">
@@ -14051,7 +14715,7 @@
           <p:nvPr/>
         </p:nvPicPr>
         <p:blipFill>
-          <a:blip r:embed="rId3">
+          <a:blip r:embed="rId2">
             <a:extLst>
               <a:ext uri="{28A0092B-C50C-407E-A947-70E740481C1C}">
                 <a14:useLocalDpi xmlns:a14="http://schemas.microsoft.com/office/drawing/2010/main" val="0"/>
@@ -14075,7 +14739,7 @@
     </p:spTree>
     <p:extLst>
       <p:ext uri="{BB962C8B-B14F-4D97-AF65-F5344CB8AC3E}">
-        <p14:creationId xmlns:p14="http://schemas.microsoft.com/office/powerpoint/2010/main" val="1074430146"/>
+        <p14:creationId xmlns:p14="http://schemas.microsoft.com/office/powerpoint/2010/main" val="3799252948"/>
       </p:ext>
     </p:extLst>
   </p:cSld>
@@ -14125,112 +14789,47 @@
           <a:p>
             <a:r>
               <a:rPr lang="en-US" altLang="ko-KR" dirty="0"/>
-              <a:t>Algorithm</a:t>
+              <a:t>Fundamental Concept</a:t>
             </a:r>
             <a:endParaRPr lang="ko-KR" altLang="en-US" dirty="0"/>
           </a:p>
         </p:txBody>
       </p:sp>
-      <p:sp>
-        <p:nvSpPr>
-          <p:cNvPr id="3" name="내용 개체 틀 2">
-            <a:extLst>
-              <a:ext uri="{FF2B5EF4-FFF2-40B4-BE49-F238E27FC236}">
-                <a16:creationId xmlns:a16="http://schemas.microsoft.com/office/drawing/2014/main" id="{181A2A2E-B282-4CC9-9004-93BAE3C791EE}"/>
-              </a:ext>
-            </a:extLst>
-          </p:cNvPr>
-          <p:cNvSpPr>
-            <a:spLocks noGrp="1"/>
-          </p:cNvSpPr>
+      <p:pic>
+        <p:nvPicPr>
+          <p:cNvPr id="6" name="내용 개체 틀 5">
+            <a:extLst>
+              <a:ext uri="{FF2B5EF4-FFF2-40B4-BE49-F238E27FC236}">
+                <a16:creationId xmlns:a16="http://schemas.microsoft.com/office/drawing/2014/main" id="{234F5DA8-A4A9-4ECE-AEEB-A5A5B51A4551}"/>
+              </a:ext>
+            </a:extLst>
+          </p:cNvPr>
+          <p:cNvPicPr>
+            <a:picLocks noGrp="1" noChangeAspect="1"/>
+          </p:cNvPicPr>
           <p:nvPr>
             <p:ph idx="1"/>
           </p:nvPr>
-        </p:nvSpPr>
-        <p:spPr/>
-        <p:txBody>
-          <a:bodyPr/>
-          <a:lstStyle/>
-          <a:p>
-            <a:pPr algn="l">
-              <a:buFont typeface="Arial" panose="020B0604020202020204" pitchFamily="34" charset="0"/>
-              <a:buChar char="•"/>
-            </a:pPr>
-            <a:r>
-              <a:rPr lang="en-US" altLang="ko-KR" b="0" i="0" dirty="0">
-                <a:solidFill>
-                  <a:srgbClr val="000000"/>
-                </a:solidFill>
-                <a:effectLst/>
-              </a:rPr>
-              <a:t>The Gaussian mixture model calculates the mean and variance for each Gaussian distribution at the data point.</a:t>
-            </a:r>
-          </a:p>
-          <a:p>
-            <a:pPr marL="914400" lvl="1" indent="-457200" algn="l">
-              <a:buFont typeface="+mj-lt"/>
-              <a:buAutoNum type="arabicPeriod"/>
-            </a:pPr>
-            <a:r>
-              <a:rPr lang="en-US" altLang="ko-KR" b="0" i="0" dirty="0">
-                <a:solidFill>
-                  <a:srgbClr val="000000"/>
-                </a:solidFill>
-                <a:effectLst/>
-              </a:rPr>
-              <a:t>Initialize the mean and variance of each Gaussian distribution</a:t>
-            </a:r>
-          </a:p>
-          <a:p>
-            <a:pPr marL="914400" lvl="1" indent="-457200" algn="l">
-              <a:buFont typeface="+mj-lt"/>
-              <a:buAutoNum type="arabicPeriod"/>
-            </a:pPr>
-            <a:r>
-              <a:rPr lang="en-US" altLang="ko-KR" b="0" i="0" dirty="0">
-                <a:solidFill>
-                  <a:srgbClr val="000000"/>
-                </a:solidFill>
-                <a:effectLst/>
-              </a:rPr>
-              <a:t>Calculate the weight of each data point from group to group</a:t>
-            </a:r>
-          </a:p>
-          <a:p>
-            <a:pPr marL="914400" lvl="1" indent="-457200" algn="l">
-              <a:buFont typeface="+mj-lt"/>
-              <a:buAutoNum type="arabicPeriod"/>
-            </a:pPr>
-            <a:r>
-              <a:rPr lang="en-US" altLang="ko-KR" b="0" i="0" dirty="0">
-                <a:solidFill>
-                  <a:srgbClr val="000000"/>
-                </a:solidFill>
-                <a:effectLst/>
-              </a:rPr>
-              <a:t>Recompute parameters with weights obtained in course 2</a:t>
-            </a:r>
-          </a:p>
-          <a:p>
-            <a:pPr marL="914400" lvl="1" indent="-457200" algn="l">
-              <a:buFont typeface="+mj-lt"/>
-              <a:buAutoNum type="arabicPeriod"/>
-            </a:pPr>
-            <a:r>
-              <a:rPr lang="en-US" altLang="ko-KR" b="0" i="0" dirty="0">
-                <a:solidFill>
-                  <a:srgbClr val="000000"/>
-                </a:solidFill>
-                <a:effectLst/>
-              </a:rPr>
-              <a:t>Repeat Steps 2 and 3 until each change in the average updated in Course 3 is sufficiently small</a:t>
-            </a:r>
-          </a:p>
-          <a:p>
-            <a:endParaRPr lang="ko-KR" altLang="en-US" dirty="0"/>
-          </a:p>
-        </p:txBody>
-      </p:sp>
+        </p:nvPicPr>
+        <p:blipFill>
+          <a:blip r:embed="rId2">
+            <a:extLst>
+              <a:ext uri="{28A0092B-C50C-407E-A947-70E740481C1C}">
+                <a14:useLocalDpi xmlns:a14="http://schemas.microsoft.com/office/drawing/2010/main" val="0"/>
+              </a:ext>
+            </a:extLst>
+          </a:blip>
+          <a:stretch>
+            <a:fillRect/>
+          </a:stretch>
+        </p:blipFill>
+        <p:spPr>
+          <a:xfrm>
+            <a:off x="2509837" y="2062956"/>
+            <a:ext cx="7172325" cy="3876675"/>
+          </a:xfrm>
+        </p:spPr>
+      </p:pic>
       <p:pic>
         <p:nvPicPr>
           <p:cNvPr id="4" name="그림 3">
@@ -14246,7 +14845,7 @@
           <p:nvPr/>
         </p:nvPicPr>
         <p:blipFill>
-          <a:blip r:embed="rId2">
+          <a:blip r:embed="rId3">
             <a:extLst>
               <a:ext uri="{28A0092B-C50C-407E-A947-70E740481C1C}">
                 <a14:useLocalDpi xmlns:a14="http://schemas.microsoft.com/office/drawing/2010/main" val="0"/>
@@ -14270,7 +14869,7 @@
     </p:spTree>
     <p:extLst>
       <p:ext uri="{BB962C8B-B14F-4D97-AF65-F5344CB8AC3E}">
-        <p14:creationId xmlns:p14="http://schemas.microsoft.com/office/powerpoint/2010/main" val="3299709967"/>
+        <p14:creationId xmlns:p14="http://schemas.microsoft.com/office/powerpoint/2010/main" val="1074430146"/>
       </p:ext>
     </p:extLst>
   </p:cSld>
@@ -14302,7 +14901,7 @@
           <p:cNvPr id="2" name="제목 1">
             <a:extLst>
               <a:ext uri="{FF2B5EF4-FFF2-40B4-BE49-F238E27FC236}">
-                <a16:creationId xmlns:a16="http://schemas.microsoft.com/office/drawing/2014/main" id="{E63D4E02-8B50-4FCF-95C4-843AC2F9D70C}"/>
+                <a16:creationId xmlns:a16="http://schemas.microsoft.com/office/drawing/2014/main" id="{0DA839C8-076B-4121-9725-EA4775E0D0D3}"/>
               </a:ext>
             </a:extLst>
           </p:cNvPr>
@@ -14320,7 +14919,7 @@
           <a:p>
             <a:r>
               <a:rPr lang="en-US" altLang="ko-KR" dirty="0"/>
-              <a:t>Sample Code</a:t>
+              <a:t>Algorithm</a:t>
             </a:r>
             <a:endParaRPr lang="ko-KR" altLang="en-US" dirty="0"/>
           </a:p>
@@ -14331,7 +14930,7 @@
           <p:cNvPr id="3" name="내용 개체 틀 2">
             <a:extLst>
               <a:ext uri="{FF2B5EF4-FFF2-40B4-BE49-F238E27FC236}">
-                <a16:creationId xmlns:a16="http://schemas.microsoft.com/office/drawing/2014/main" id="{DE8DEBA6-2AB8-4E4C-9FF7-F5422FB0156D}"/>
+                <a16:creationId xmlns:a16="http://schemas.microsoft.com/office/drawing/2014/main" id="{181A2A2E-B282-4CC9-9004-93BAE3C791EE}"/>
               </a:ext>
             </a:extLst>
           </p:cNvPr>
@@ -14339,7 +14938,7 @@
             <a:spLocks noGrp="1"/>
           </p:cNvSpPr>
           <p:nvPr>
-            <p:ph sz="half" idx="1"/>
+            <p:ph idx="1"/>
           </p:nvPr>
         </p:nvSpPr>
         <p:spPr/>
@@ -14347,85 +14946,91 @@
           <a:bodyPr/>
           <a:lstStyle/>
           <a:p>
-            <a:r>
-              <a:rPr lang="en-US" altLang="ko-KR" dirty="0"/>
-              <a:t>Import libraries</a:t>
-            </a:r>
-          </a:p>
-          <a:p>
-            <a:r>
-              <a:rPr lang="en-US" altLang="ko-KR" dirty="0"/>
-              <a:t>Make Gaussian mixture model instance</a:t>
-            </a:r>
-          </a:p>
-          <a:p>
-            <a:r>
-              <a:rPr lang="en-US" altLang="ko-KR" dirty="0"/>
-              <a:t>Train data</a:t>
-            </a:r>
-          </a:p>
-          <a:p>
-            <a:r>
-              <a:rPr lang="en-US" altLang="ko-KR" dirty="0"/>
-              <a:t>Print predicted data</a:t>
-            </a:r>
-          </a:p>
-          <a:p>
-            <a:r>
-              <a:rPr lang="en-US" altLang="ko-KR" dirty="0"/>
-              <a:t>Print means</a:t>
-            </a:r>
-          </a:p>
-          <a:p>
-            <a:r>
-              <a:rPr lang="en-US" altLang="ko-KR"/>
-              <a:t>Print covariances</a:t>
-            </a:r>
-            <a:endParaRPr lang="ko-KR" altLang="en-US"/>
+            <a:pPr algn="l">
+              <a:buFont typeface="Arial" panose="020B0604020202020204" pitchFamily="34" charset="0"/>
+              <a:buChar char="•"/>
+            </a:pPr>
+            <a:r>
+              <a:rPr lang="en-US" altLang="ko-KR" b="0" i="0" dirty="0">
+                <a:solidFill>
+                  <a:srgbClr val="000000"/>
+                </a:solidFill>
+                <a:effectLst/>
+              </a:rPr>
+              <a:t>The Gaussian mixture model calculates the mean and variance for each Gaussian distribution at the data point.</a:t>
+            </a:r>
+          </a:p>
+          <a:p>
+            <a:pPr marL="914400" lvl="1" indent="-457200" algn="l">
+              <a:buFont typeface="+mj-lt"/>
+              <a:buAutoNum type="arabicPeriod"/>
+            </a:pPr>
+            <a:r>
+              <a:rPr lang="en-US" altLang="ko-KR" b="0" i="0" dirty="0">
+                <a:solidFill>
+                  <a:srgbClr val="000000"/>
+                </a:solidFill>
+                <a:effectLst/>
+              </a:rPr>
+              <a:t>Initialize the mean and variance of each Gaussian distribution</a:t>
+            </a:r>
+          </a:p>
+          <a:p>
+            <a:pPr marL="914400" lvl="1" indent="-457200" algn="l">
+              <a:buFont typeface="+mj-lt"/>
+              <a:buAutoNum type="arabicPeriod"/>
+            </a:pPr>
+            <a:r>
+              <a:rPr lang="en-US" altLang="ko-KR" b="0" i="0" dirty="0">
+                <a:solidFill>
+                  <a:srgbClr val="000000"/>
+                </a:solidFill>
+                <a:effectLst/>
+              </a:rPr>
+              <a:t>Calculate the weight of each data point from group to group</a:t>
+            </a:r>
+          </a:p>
+          <a:p>
+            <a:pPr marL="914400" lvl="1" indent="-457200" algn="l">
+              <a:buFont typeface="+mj-lt"/>
+              <a:buAutoNum type="arabicPeriod"/>
+            </a:pPr>
+            <a:r>
+              <a:rPr lang="en-US" altLang="ko-KR" b="0" i="0" dirty="0">
+                <a:solidFill>
+                  <a:srgbClr val="000000"/>
+                </a:solidFill>
+                <a:effectLst/>
+              </a:rPr>
+              <a:t>Recompute parameters with weights obtained in course 2</a:t>
+            </a:r>
+          </a:p>
+          <a:p>
+            <a:pPr marL="914400" lvl="1" indent="-457200" algn="l">
+              <a:buFont typeface="+mj-lt"/>
+              <a:buAutoNum type="arabicPeriod"/>
+            </a:pPr>
+            <a:r>
+              <a:rPr lang="en-US" altLang="ko-KR" b="0" i="0" dirty="0">
+                <a:solidFill>
+                  <a:srgbClr val="000000"/>
+                </a:solidFill>
+                <a:effectLst/>
+              </a:rPr>
+              <a:t>Repeat Steps 2 and 3 until each change in the average updated in Course 3 is sufficiently small</a:t>
+            </a:r>
+          </a:p>
+          <a:p>
+            <a:endParaRPr lang="ko-KR" altLang="en-US" dirty="0"/>
           </a:p>
         </p:txBody>
       </p:sp>
       <p:pic>
         <p:nvPicPr>
-          <p:cNvPr id="7" name="내용 개체 틀 6">
-            <a:extLst>
-              <a:ext uri="{FF2B5EF4-FFF2-40B4-BE49-F238E27FC236}">
-                <a16:creationId xmlns:a16="http://schemas.microsoft.com/office/drawing/2014/main" id="{9AC66AFE-FCB0-4DEF-9D8F-F309F8F0BBF3}"/>
-              </a:ext>
-            </a:extLst>
-          </p:cNvPr>
-          <p:cNvPicPr>
-            <a:picLocks noGrp="1" noChangeAspect="1"/>
-          </p:cNvPicPr>
-          <p:nvPr>
-            <p:ph sz="half" idx="2"/>
-          </p:nvPr>
-        </p:nvPicPr>
-        <p:blipFill>
-          <a:blip r:embed="rId2">
-            <a:extLst>
-              <a:ext uri="{28A0092B-C50C-407E-A947-70E740481C1C}">
-                <a14:useLocalDpi xmlns:a14="http://schemas.microsoft.com/office/drawing/2010/main" val="0"/>
-              </a:ext>
-            </a:extLst>
-          </a:blip>
-          <a:stretch>
-            <a:fillRect/>
-          </a:stretch>
-        </p:blipFill>
-        <p:spPr>
-          <a:xfrm>
-            <a:off x="6172200" y="2026630"/>
-            <a:ext cx="5181600" cy="3949328"/>
-          </a:xfrm>
-        </p:spPr>
-      </p:pic>
-      <p:pic>
-        <p:nvPicPr>
-          <p:cNvPr id="5" name="그림 4">
-            <a:extLst>
-              <a:ext uri="{FF2B5EF4-FFF2-40B4-BE49-F238E27FC236}">
-                <a16:creationId xmlns:a16="http://schemas.microsoft.com/office/drawing/2014/main" id="{0321480A-F299-4B1D-8693-B07962BE99EE}"/>
+          <p:cNvPr id="4" name="그림 3">
+            <a:extLst>
+              <a:ext uri="{FF2B5EF4-FFF2-40B4-BE49-F238E27FC236}">
+                <a16:creationId xmlns:a16="http://schemas.microsoft.com/office/drawing/2014/main" id="{E2871EAA-86D7-4D96-B210-F21438B92C2D}"/>
               </a:ext>
             </a:extLst>
           </p:cNvPr>
@@ -14435,7 +15040,7 @@
           <p:nvPr/>
         </p:nvPicPr>
         <p:blipFill>
-          <a:blip r:embed="rId3">
+          <a:blip r:embed="rId2">
             <a:extLst>
               <a:ext uri="{28A0092B-C50C-407E-A947-70E740481C1C}">
                 <a14:useLocalDpi xmlns:a14="http://schemas.microsoft.com/office/drawing/2010/main" val="0"/>
@@ -14459,7 +15064,7 @@
     </p:spTree>
     <p:extLst>
       <p:ext uri="{BB962C8B-B14F-4D97-AF65-F5344CB8AC3E}">
-        <p14:creationId xmlns:p14="http://schemas.microsoft.com/office/powerpoint/2010/main" val="3237242564"/>
+        <p14:creationId xmlns:p14="http://schemas.microsoft.com/office/powerpoint/2010/main" val="3299709967"/>
       </p:ext>
     </p:extLst>
   </p:cSld>
@@ -14491,7 +15096,7 @@
           <p:cNvPr id="2" name="제목 1">
             <a:extLst>
               <a:ext uri="{FF2B5EF4-FFF2-40B4-BE49-F238E27FC236}">
-                <a16:creationId xmlns:a16="http://schemas.microsoft.com/office/drawing/2014/main" id="{BFFBA749-92AB-45F5-A5B9-1FB19BC1744B}"/>
+                <a16:creationId xmlns:a16="http://schemas.microsoft.com/office/drawing/2014/main" id="{E63D4E02-8B50-4FCF-95C4-843AC2F9D70C}"/>
               </a:ext>
             </a:extLst>
           </p:cNvPr>
@@ -14499,7 +15104,7 @@
             <a:spLocks noGrp="1"/>
           </p:cNvSpPr>
           <p:nvPr>
-            <p:ph type="ctrTitle"/>
+            <p:ph type="title"/>
           </p:nvPr>
         </p:nvSpPr>
         <p:spPr/>
@@ -14509,7 +15114,7 @@
           <a:p>
             <a:r>
               <a:rPr lang="en-US" altLang="ko-KR" dirty="0"/>
-              <a:t>Unsupervised Learning</a:t>
+              <a:t>Sample Code</a:t>
             </a:r>
             <a:endParaRPr lang="ko-KR" altLang="en-US" dirty="0"/>
           </a:p>
@@ -14517,10 +15122,10 @@
       </p:sp>
       <p:sp>
         <p:nvSpPr>
-          <p:cNvPr id="3" name="부제목 2">
-            <a:extLst>
-              <a:ext uri="{FF2B5EF4-FFF2-40B4-BE49-F238E27FC236}">
-                <a16:creationId xmlns:a16="http://schemas.microsoft.com/office/drawing/2014/main" id="{39DBC248-5B4C-4735-AD63-7BF2D6109F60}"/>
+          <p:cNvPr id="3" name="내용 개체 틀 2">
+            <a:extLst>
+              <a:ext uri="{FF2B5EF4-FFF2-40B4-BE49-F238E27FC236}">
+                <a16:creationId xmlns:a16="http://schemas.microsoft.com/office/drawing/2014/main" id="{DE8DEBA6-2AB8-4E4C-9FF7-F5422FB0156D}"/>
               </a:ext>
             </a:extLst>
           </p:cNvPr>
@@ -14528,7 +15133,7 @@
             <a:spLocks noGrp="1"/>
           </p:cNvSpPr>
           <p:nvPr>
-            <p:ph type="subTitle" idx="1"/>
+            <p:ph sz="half" idx="1"/>
           </p:nvPr>
         </p:nvSpPr>
         <p:spPr/>
@@ -14538,18 +15143,83 @@
           <a:p>
             <a:r>
               <a:rPr lang="en-US" altLang="ko-KR" dirty="0"/>
-              <a:t>Local Linear Embedding, LLE</a:t>
-            </a:r>
-            <a:endParaRPr lang="ko-KR" altLang="en-US" dirty="0"/>
+              <a:t>Import libraries</a:t>
+            </a:r>
+          </a:p>
+          <a:p>
+            <a:r>
+              <a:rPr lang="en-US" altLang="ko-KR" dirty="0"/>
+              <a:t>Make Gaussian mixture model instance</a:t>
+            </a:r>
+          </a:p>
+          <a:p>
+            <a:r>
+              <a:rPr lang="en-US" altLang="ko-KR" dirty="0"/>
+              <a:t>Train data</a:t>
+            </a:r>
+          </a:p>
+          <a:p>
+            <a:r>
+              <a:rPr lang="en-US" altLang="ko-KR" dirty="0"/>
+              <a:t>Print predicted data</a:t>
+            </a:r>
+          </a:p>
+          <a:p>
+            <a:r>
+              <a:rPr lang="en-US" altLang="ko-KR" dirty="0"/>
+              <a:t>Print means</a:t>
+            </a:r>
+          </a:p>
+          <a:p>
+            <a:r>
+              <a:rPr lang="en-US" altLang="ko-KR"/>
+              <a:t>Print covariances</a:t>
+            </a:r>
+            <a:endParaRPr lang="ko-KR" altLang="en-US"/>
           </a:p>
         </p:txBody>
       </p:sp>
       <p:pic>
         <p:nvPicPr>
-          <p:cNvPr id="4" name="그림 3">
-            <a:extLst>
-              <a:ext uri="{FF2B5EF4-FFF2-40B4-BE49-F238E27FC236}">
-                <a16:creationId xmlns:a16="http://schemas.microsoft.com/office/drawing/2014/main" id="{8F1395D0-51A0-4404-B999-D86CBCA9553B}"/>
+          <p:cNvPr id="7" name="내용 개체 틀 6">
+            <a:extLst>
+              <a:ext uri="{FF2B5EF4-FFF2-40B4-BE49-F238E27FC236}">
+                <a16:creationId xmlns:a16="http://schemas.microsoft.com/office/drawing/2014/main" id="{9AC66AFE-FCB0-4DEF-9D8F-F309F8F0BBF3}"/>
+              </a:ext>
+            </a:extLst>
+          </p:cNvPr>
+          <p:cNvPicPr>
+            <a:picLocks noGrp="1" noChangeAspect="1"/>
+          </p:cNvPicPr>
+          <p:nvPr>
+            <p:ph sz="half" idx="2"/>
+          </p:nvPr>
+        </p:nvPicPr>
+        <p:blipFill>
+          <a:blip r:embed="rId2">
+            <a:extLst>
+              <a:ext uri="{28A0092B-C50C-407E-A947-70E740481C1C}">
+                <a14:useLocalDpi xmlns:a14="http://schemas.microsoft.com/office/drawing/2010/main" val="0"/>
+              </a:ext>
+            </a:extLst>
+          </a:blip>
+          <a:stretch>
+            <a:fillRect/>
+          </a:stretch>
+        </p:blipFill>
+        <p:spPr>
+          <a:xfrm>
+            <a:off x="6172200" y="2026630"/>
+            <a:ext cx="5181600" cy="3949328"/>
+          </a:xfrm>
+        </p:spPr>
+      </p:pic>
+      <p:pic>
+        <p:nvPicPr>
+          <p:cNvPr id="5" name="그림 4">
+            <a:extLst>
+              <a:ext uri="{FF2B5EF4-FFF2-40B4-BE49-F238E27FC236}">
+                <a16:creationId xmlns:a16="http://schemas.microsoft.com/office/drawing/2014/main" id="{0321480A-F299-4B1D-8693-B07962BE99EE}"/>
               </a:ext>
             </a:extLst>
           </p:cNvPr>
@@ -14559,7 +15229,7 @@
           <p:nvPr/>
         </p:nvPicPr>
         <p:blipFill>
-          <a:blip r:embed="rId2">
+          <a:blip r:embed="rId3">
             <a:extLst>
               <a:ext uri="{28A0092B-C50C-407E-A947-70E740481C1C}">
                 <a14:useLocalDpi xmlns:a14="http://schemas.microsoft.com/office/drawing/2010/main" val="0"/>
@@ -14583,7 +15253,7 @@
     </p:spTree>
     <p:extLst>
       <p:ext uri="{BB962C8B-B14F-4D97-AF65-F5344CB8AC3E}">
-        <p14:creationId xmlns:p14="http://schemas.microsoft.com/office/powerpoint/2010/main" val="2714013517"/>
+        <p14:creationId xmlns:p14="http://schemas.microsoft.com/office/powerpoint/2010/main" val="3237242564"/>
       </p:ext>
     </p:extLst>
   </p:cSld>
@@ -14693,14 +15363,12 @@
         </p:nvSpPr>
         <p:spPr/>
         <p:txBody>
-          <a:bodyPr>
-            <a:normAutofit fontScale="92500" lnSpcReduction="10000"/>
-          </a:bodyPr>
+          <a:bodyPr/>
           <a:lstStyle/>
           <a:p>
             <a:pPr algn="l">
-              <a:buFont typeface="+mj-lt"/>
-              <a:buAutoNum type="arabicPeriod"/>
+              <a:buFont typeface="Arial" panose="020B0604020202020204" pitchFamily="34" charset="0"/>
+              <a:buChar char="•"/>
             </a:pPr>
             <a:r>
               <a:rPr lang="en-US" altLang="ko-KR" b="0" i="0" dirty="0">
@@ -14709,11 +15377,14 @@
                 </a:solidFill>
                 <a:effectLst/>
               </a:rPr>
-              <a:t>Find the direction and importance necessary for data principal component analysis.</a:t>
-            </a:r>
-          </a:p>
-          <a:p>
-            <a:pPr lvl="1"/>
+              <a:t>Two ways to reduce variables</a:t>
+            </a:r>
+          </a:p>
+          <a:p>
+            <a:pPr marL="742950" lvl="1" indent="-285750" algn="l">
+              <a:buFont typeface="Arial" panose="020B0604020202020204" pitchFamily="34" charset="0"/>
+              <a:buChar char="•"/>
+            </a:pPr>
             <a:r>
               <a:rPr lang="en-US" altLang="ko-KR" b="0" i="0" dirty="0">
                 <a:solidFill>
@@ -14721,11 +15392,14 @@
                 </a:solidFill>
                 <a:effectLst/>
               </a:rPr>
-              <a:t>The direction of the line is the direction of the data.</a:t>
-            </a:r>
-          </a:p>
-          <a:p>
-            <a:pPr lvl="1"/>
+              <a:t>Choose only important variables and do not use the remaining variables.</a:t>
+            </a:r>
+          </a:p>
+          <a:p>
+            <a:pPr marL="742950" lvl="1" indent="-285750" algn="l">
+              <a:buFont typeface="Arial" panose="020B0604020202020204" pitchFamily="34" charset="0"/>
+              <a:buChar char="•"/>
+            </a:pPr>
             <a:r>
               <a:rPr lang="en-US" altLang="ko-KR" b="0" i="0" dirty="0">
                 <a:solidFill>
@@ -14733,13 +15407,13 @@
                 </a:solidFill>
                 <a:effectLst/>
               </a:rPr>
-              <a:t>Length represents importance.</a:t>
-            </a:r>
-          </a:p>
-          <a:p>
-            <a:pPr marL="1143000" lvl="2" indent="-228600" algn="l">
-              <a:buFont typeface="+mj-lt"/>
-              <a:buAutoNum type="arabicPeriod"/>
+              <a:t>constructing a new variable from the original data variable</a:t>
+            </a:r>
+          </a:p>
+          <a:p>
+            <a:pPr algn="l">
+              <a:buFont typeface="Arial" panose="020B0604020202020204" pitchFamily="34" charset="0"/>
+              <a:buChar char="•"/>
             </a:pPr>
             <a:r>
               <a:rPr lang="en-US" altLang="ko-KR" b="0" i="0" dirty="0">
@@ -14748,13 +15422,13 @@
                 </a:solidFill>
                 <a:effectLst/>
               </a:rPr>
-              <a:t>The direction of the data is determined by how much weight is assigned to the data variable when configuring a new variable.</a:t>
-            </a:r>
-          </a:p>
-          <a:p>
-            <a:pPr marL="1143000" lvl="2" indent="-228600" algn="l">
-              <a:buFont typeface="+mj-lt"/>
-              <a:buAutoNum type="arabicPeriod"/>
+              <a:t>PCA reduces variables by constructing a new variable from the original data variable</a:t>
+            </a:r>
+          </a:p>
+          <a:p>
+            <a:pPr algn="l">
+              <a:buFont typeface="Arial" panose="020B0604020202020204" pitchFamily="34" charset="0"/>
+              <a:buChar char="•"/>
             </a:pPr>
             <a:r>
               <a:rPr lang="en-US" altLang="ko-KR" b="0" i="0" dirty="0">
@@ -14763,13 +15437,13 @@
                 </a:solidFill>
                 <a:effectLst/>
               </a:rPr>
-              <a:t>The importance of data is related to changes in variables.</a:t>
+              <a:t>The data represented in a high-dimensional space is represented by a lower-dimensional variable.</a:t>
             </a:r>
           </a:p>
           <a:p>
             <a:pPr algn="l">
-              <a:buFont typeface="+mj-lt"/>
-              <a:buAutoNum type="arabicPeriod"/>
+              <a:buFont typeface="Arial" panose="020B0604020202020204" pitchFamily="34" charset="0"/>
+              <a:buChar char="•"/>
             </a:pPr>
             <a:r>
               <a:rPr lang="en-US" altLang="ko-KR" b="0" i="0" dirty="0">
@@ -14778,37 +15452,7 @@
                 </a:solidFill>
                 <a:effectLst/>
               </a:rPr>
-              <a:t>The orthogonal line is used as a new axis and converted into original data.</a:t>
-            </a:r>
-          </a:p>
-          <a:p>
-            <a:pPr marL="742950" lvl="1" indent="-285750" algn="l">
-              <a:buFont typeface="+mj-lt"/>
-              <a:buAutoNum type="arabicPeriod"/>
-            </a:pPr>
-            <a:r>
-              <a:rPr lang="en-US" altLang="ko-KR" b="0" i="0" dirty="0">
-                <a:solidFill>
-                  <a:srgbClr val="000000"/>
-                </a:solidFill>
-                <a:effectLst/>
-              </a:rPr>
-              <a:t>The changed data at this time is called the principal component score.</a:t>
-            </a:r>
-          </a:p>
-          <a:p>
-            <a:pPr marL="742950" lvl="1" indent="-285750" algn="l">
-              <a:buFont typeface="+mj-lt"/>
-              <a:buAutoNum type="arabicPeriod"/>
-            </a:pPr>
-            <a:r>
-              <a:rPr lang="en-US" altLang="ko-KR" b="0" i="0" dirty="0">
-                <a:solidFill>
-                  <a:srgbClr val="000000"/>
-                </a:solidFill>
-                <a:effectLst/>
-              </a:rPr>
-              <a:t>It is called the first principal component and the second principal component from the value of the axis with the greatest importance among the principal components.</a:t>
+              <a:t>We call lower-dimensional axis as a principal component</a:t>
             </a:r>
           </a:p>
           <a:p>
@@ -14828,7 +15472,7 @@
     </p:spTree>
     <p:extLst>
       <p:ext uri="{BB962C8B-B14F-4D97-AF65-F5344CB8AC3E}">
-        <p14:creationId xmlns:p14="http://schemas.microsoft.com/office/powerpoint/2010/main" val="3884379556"/>
+        <p14:creationId xmlns:p14="http://schemas.microsoft.com/office/powerpoint/2010/main" val="3324600363"/>
       </p:ext>
     </p:extLst>
   </p:cSld>
@@ -14860,7 +15504,7 @@
           <p:cNvPr id="2" name="제목 1">
             <a:extLst>
               <a:ext uri="{FF2B5EF4-FFF2-40B4-BE49-F238E27FC236}">
-                <a16:creationId xmlns:a16="http://schemas.microsoft.com/office/drawing/2014/main" id="{FCB40961-8433-45B4-9971-EEEE06E58510}"/>
+                <a16:creationId xmlns:a16="http://schemas.microsoft.com/office/drawing/2014/main" id="{BFFBA749-92AB-45F5-A5B9-1FB19BC1744B}"/>
               </a:ext>
             </a:extLst>
           </p:cNvPr>
@@ -14868,7 +15512,7 @@
             <a:spLocks noGrp="1"/>
           </p:cNvSpPr>
           <p:nvPr>
-            <p:ph type="title"/>
+            <p:ph type="ctrTitle"/>
           </p:nvPr>
         </p:nvSpPr>
         <p:spPr/>
@@ -14878,7 +15522,7 @@
           <a:p>
             <a:r>
               <a:rPr lang="en-US" altLang="ko-KR" dirty="0"/>
-              <a:t>A Dictionary Concept</a:t>
+              <a:t>Unsupervised Learning</a:t>
             </a:r>
             <a:endParaRPr lang="ko-KR" altLang="en-US" dirty="0"/>
           </a:p>
@@ -14886,10 +15530,10 @@
       </p:sp>
       <p:sp>
         <p:nvSpPr>
-          <p:cNvPr id="3" name="내용 개체 틀 2">
-            <a:extLst>
-              <a:ext uri="{FF2B5EF4-FFF2-40B4-BE49-F238E27FC236}">
-                <a16:creationId xmlns:a16="http://schemas.microsoft.com/office/drawing/2014/main" id="{0112C357-8B58-4C80-9C0F-277140D430C2}"/>
+          <p:cNvPr id="3" name="부제목 2">
+            <a:extLst>
+              <a:ext uri="{FF2B5EF4-FFF2-40B4-BE49-F238E27FC236}">
+                <a16:creationId xmlns:a16="http://schemas.microsoft.com/office/drawing/2014/main" id="{39DBC248-5B4C-4735-AD63-7BF2D6109F60}"/>
               </a:ext>
             </a:extLst>
           </p:cNvPr>
@@ -14897,7 +15541,7 @@
             <a:spLocks noGrp="1"/>
           </p:cNvSpPr>
           <p:nvPr>
-            <p:ph sz="half" idx="1"/>
+            <p:ph type="subTitle" idx="1"/>
           </p:nvPr>
         </p:nvSpPr>
         <p:spPr/>
@@ -14906,58 +15550,19 @@
           <a:lstStyle/>
           <a:p>
             <a:r>
-              <a:rPr lang="en-US" altLang="ko-KR" b="0" i="0" dirty="0">
-                <a:solidFill>
-                  <a:srgbClr val="000000"/>
-                </a:solidFill>
-                <a:effectLst/>
-              </a:rPr>
-              <a:t>manifold: The low-dimensional manifold is a low-dimensional shape bent or twisted in a high-dimensional space.</a:t>
-            </a:r>
+              <a:rPr lang="en-US" altLang="ko-KR" dirty="0"/>
+              <a:t>Local Linear Embedding, LLE</a:t>
+            </a:r>
+            <a:endParaRPr lang="ko-KR" altLang="en-US" dirty="0"/>
           </a:p>
         </p:txBody>
       </p:sp>
       <p:pic>
         <p:nvPicPr>
-          <p:cNvPr id="6" name="내용 개체 틀 5">
-            <a:extLst>
-              <a:ext uri="{FF2B5EF4-FFF2-40B4-BE49-F238E27FC236}">
-                <a16:creationId xmlns:a16="http://schemas.microsoft.com/office/drawing/2014/main" id="{F75C7467-E6E4-477F-AA33-21F15135D6BA}"/>
-              </a:ext>
-            </a:extLst>
-          </p:cNvPr>
-          <p:cNvPicPr>
-            <a:picLocks noGrp="1" noChangeAspect="1"/>
-          </p:cNvPicPr>
-          <p:nvPr>
-            <p:ph sz="half" idx="2"/>
-          </p:nvPr>
-        </p:nvPicPr>
-        <p:blipFill>
-          <a:blip r:embed="rId2">
-            <a:extLst>
-              <a:ext uri="{28A0092B-C50C-407E-A947-70E740481C1C}">
-                <a14:useLocalDpi xmlns:a14="http://schemas.microsoft.com/office/drawing/2010/main" val="0"/>
-              </a:ext>
-            </a:extLst>
-          </a:blip>
-          <a:stretch>
-            <a:fillRect/>
-          </a:stretch>
-        </p:blipFill>
-        <p:spPr>
-          <a:xfrm>
-            <a:off x="6833938" y="1825625"/>
-            <a:ext cx="3978442" cy="3925631"/>
-          </a:xfrm>
-        </p:spPr>
-      </p:pic>
-      <p:pic>
-        <p:nvPicPr>
-          <p:cNvPr id="7" name="그림 6">
-            <a:extLst>
-              <a:ext uri="{FF2B5EF4-FFF2-40B4-BE49-F238E27FC236}">
-                <a16:creationId xmlns:a16="http://schemas.microsoft.com/office/drawing/2014/main" id="{528F8509-B123-4F59-84A3-4ED97E298841}"/>
+          <p:cNvPr id="4" name="그림 3">
+            <a:extLst>
+              <a:ext uri="{FF2B5EF4-FFF2-40B4-BE49-F238E27FC236}">
+                <a16:creationId xmlns:a16="http://schemas.microsoft.com/office/drawing/2014/main" id="{8F1395D0-51A0-4404-B999-D86CBCA9553B}"/>
               </a:ext>
             </a:extLst>
           </p:cNvPr>
@@ -14967,7 +15572,7 @@
           <p:nvPr/>
         </p:nvPicPr>
         <p:blipFill>
-          <a:blip r:embed="rId3">
+          <a:blip r:embed="rId2">
             <a:extLst>
               <a:ext uri="{28A0092B-C50C-407E-A947-70E740481C1C}">
                 <a14:useLocalDpi xmlns:a14="http://schemas.microsoft.com/office/drawing/2010/main" val="0"/>
@@ -14988,10 +15593,56 @@
           </a:prstGeom>
         </p:spPr>
       </p:pic>
+      <p:sp>
+        <p:nvSpPr>
+          <p:cNvPr id="5" name="TextBox 4">
+            <a:extLst>
+              <a:ext uri="{FF2B5EF4-FFF2-40B4-BE49-F238E27FC236}">
+                <a16:creationId xmlns:a16="http://schemas.microsoft.com/office/drawing/2014/main" id="{C3B0D1EA-62EC-478B-B1D8-D9F9C9AD2BF6}"/>
+              </a:ext>
+            </a:extLst>
+          </p:cNvPr>
+          <p:cNvSpPr txBox="1"/>
+          <p:nvPr/>
+        </p:nvSpPr>
+        <p:spPr>
+          <a:xfrm>
+            <a:off x="0" y="6211669"/>
+            <a:ext cx="2805576" cy="646331"/>
+          </a:xfrm>
+          <a:prstGeom prst="rect">
+            <a:avLst/>
+          </a:prstGeom>
+          <a:noFill/>
+        </p:spPr>
+        <p:txBody>
+          <a:bodyPr wrap="none" rtlCol="0">
+            <a:spAutoFit/>
+          </a:bodyPr>
+          <a:lstStyle/>
+          <a:p>
+            <a:r>
+              <a:rPr lang="ko-KR" altLang="en-US" dirty="0"/>
+              <a:t>경희대학교 컴퓨터공학과</a:t>
+            </a:r>
+            <a:endParaRPr lang="en-US" altLang="ko-KR" dirty="0"/>
+          </a:p>
+          <a:p>
+            <a:r>
+              <a:rPr lang="en-US" altLang="ko-KR" dirty="0"/>
+              <a:t>2019102191 </a:t>
+            </a:r>
+            <a:r>
+              <a:rPr lang="ko-KR" altLang="en-US" dirty="0"/>
+              <a:t>신주영</a:t>
+            </a:r>
+          </a:p>
+        </p:txBody>
+      </p:sp>
     </p:spTree>
     <p:extLst>
       <p:ext uri="{BB962C8B-B14F-4D97-AF65-F5344CB8AC3E}">
-        <p14:creationId xmlns:p14="http://schemas.microsoft.com/office/powerpoint/2010/main" val="2766434383"/>
+        <p14:creationId xmlns:p14="http://schemas.microsoft.com/office/powerpoint/2010/main" val="2714013517"/>
       </p:ext>
     </p:extLst>
   </p:cSld>
@@ -15023,7 +15674,7 @@
           <p:cNvPr id="2" name="제목 1">
             <a:extLst>
               <a:ext uri="{FF2B5EF4-FFF2-40B4-BE49-F238E27FC236}">
-                <a16:creationId xmlns:a16="http://schemas.microsoft.com/office/drawing/2014/main" id="{19D1CA9C-D61D-4F44-8906-9353A301DBD4}"/>
+                <a16:creationId xmlns:a16="http://schemas.microsoft.com/office/drawing/2014/main" id="{FCB40961-8433-45B4-9971-EEEE06E58510}"/>
               </a:ext>
             </a:extLst>
           </p:cNvPr>
@@ -15041,7 +15692,7 @@
           <a:p>
             <a:r>
               <a:rPr lang="en-US" altLang="ko-KR" dirty="0"/>
-              <a:t>Fundamental Concept</a:t>
+              <a:t>A Dictionary Concept</a:t>
             </a:r>
             <a:endParaRPr lang="ko-KR" altLang="en-US" dirty="0"/>
           </a:p>
@@ -15052,7 +15703,7 @@
           <p:cNvPr id="3" name="내용 개체 틀 2">
             <a:extLst>
               <a:ext uri="{FF2B5EF4-FFF2-40B4-BE49-F238E27FC236}">
-                <a16:creationId xmlns:a16="http://schemas.microsoft.com/office/drawing/2014/main" id="{8E38A385-E52F-4B4B-AF20-3E3AB7063A3D}"/>
+                <a16:creationId xmlns:a16="http://schemas.microsoft.com/office/drawing/2014/main" id="{0112C357-8B58-4C80-9C0F-277140D430C2}"/>
               </a:ext>
             </a:extLst>
           </p:cNvPr>
@@ -15060,7 +15711,7 @@
             <a:spLocks noGrp="1"/>
           </p:cNvSpPr>
           <p:nvPr>
-            <p:ph idx="1"/>
+            <p:ph sz="half" idx="1"/>
           </p:nvPr>
         </p:nvSpPr>
         <p:spPr/>
@@ -15068,10 +15719,6 @@
           <a:bodyPr/>
           <a:lstStyle/>
           <a:p>
-            <a:pPr algn="l">
-              <a:buFont typeface="Arial" panose="020B0604020202020204" pitchFamily="34" charset="0"/>
-              <a:buChar char="•"/>
-            </a:pPr>
             <a:r>
               <a:rPr lang="en-US" altLang="ko-KR" b="0" i="0" dirty="0">
                 <a:solidFill>
@@ -15079,47 +15726,52 @@
                 </a:solidFill>
                 <a:effectLst/>
               </a:rPr>
-              <a:t>LLE is an algorithm that represents a curved or twisted structure in a high-dimensional space as a simple structure in a low-dimensional space.</a:t>
-            </a:r>
-          </a:p>
-          <a:p>
-            <a:pPr algn="l">
-              <a:buFont typeface="Arial" panose="020B0604020202020204" pitchFamily="34" charset="0"/>
-              <a:buChar char="•"/>
-            </a:pPr>
-            <a:r>
-              <a:rPr lang="en-US" altLang="ko-KR" b="0" i="0" dirty="0">
-                <a:solidFill>
-                  <a:srgbClr val="000000"/>
-                </a:solidFill>
-                <a:effectLst/>
-              </a:rPr>
-              <a:t>LLE is one of the manifold learnings that dimensionally reduce data of nonlinear structures.</a:t>
-            </a:r>
-          </a:p>
-          <a:p>
-            <a:pPr algn="l">
-              <a:buFont typeface="Arial" panose="020B0604020202020204" pitchFamily="34" charset="0"/>
-              <a:buChar char="•"/>
-            </a:pPr>
-            <a:r>
-              <a:rPr lang="en-US" altLang="ko-KR" b="0" i="0" dirty="0">
-                <a:solidFill>
-                  <a:srgbClr val="000000"/>
-                </a:solidFill>
-                <a:effectLst/>
-              </a:rPr>
-              <a:t>LLE takes out the 2D structure hidden in the 3D space and represents it as 2D data.</a:t>
+              <a:t>manifold: The low-dimensional manifold is a low-dimensional shape bent or twisted in a high-dimensional space.</a:t>
             </a:r>
           </a:p>
         </p:txBody>
       </p:sp>
       <p:pic>
         <p:nvPicPr>
-          <p:cNvPr id="4" name="그림 3">
-            <a:extLst>
-              <a:ext uri="{FF2B5EF4-FFF2-40B4-BE49-F238E27FC236}">
-                <a16:creationId xmlns:a16="http://schemas.microsoft.com/office/drawing/2014/main" id="{E03B52E7-2F47-4BB9-86CB-2CF5A96ABDF9}"/>
+          <p:cNvPr id="6" name="내용 개체 틀 5">
+            <a:extLst>
+              <a:ext uri="{FF2B5EF4-FFF2-40B4-BE49-F238E27FC236}">
+                <a16:creationId xmlns:a16="http://schemas.microsoft.com/office/drawing/2014/main" id="{F75C7467-E6E4-477F-AA33-21F15135D6BA}"/>
+              </a:ext>
+            </a:extLst>
+          </p:cNvPr>
+          <p:cNvPicPr>
+            <a:picLocks noGrp="1" noChangeAspect="1"/>
+          </p:cNvPicPr>
+          <p:nvPr>
+            <p:ph sz="half" idx="2"/>
+          </p:nvPr>
+        </p:nvPicPr>
+        <p:blipFill>
+          <a:blip r:embed="rId2">
+            <a:extLst>
+              <a:ext uri="{28A0092B-C50C-407E-A947-70E740481C1C}">
+                <a14:useLocalDpi xmlns:a14="http://schemas.microsoft.com/office/drawing/2010/main" val="0"/>
+              </a:ext>
+            </a:extLst>
+          </a:blip>
+          <a:stretch>
+            <a:fillRect/>
+          </a:stretch>
+        </p:blipFill>
+        <p:spPr>
+          <a:xfrm>
+            <a:off x="6833938" y="1825625"/>
+            <a:ext cx="3978442" cy="3925631"/>
+          </a:xfrm>
+        </p:spPr>
+      </p:pic>
+      <p:pic>
+        <p:nvPicPr>
+          <p:cNvPr id="7" name="그림 6">
+            <a:extLst>
+              <a:ext uri="{FF2B5EF4-FFF2-40B4-BE49-F238E27FC236}">
+                <a16:creationId xmlns:a16="http://schemas.microsoft.com/office/drawing/2014/main" id="{528F8509-B123-4F59-84A3-4ED97E298841}"/>
               </a:ext>
             </a:extLst>
           </p:cNvPr>
@@ -15129,7 +15781,7 @@
           <p:nvPr/>
         </p:nvPicPr>
         <p:blipFill>
-          <a:blip r:embed="rId2">
+          <a:blip r:embed="rId3">
             <a:extLst>
               <a:ext uri="{28A0092B-C50C-407E-A947-70E740481C1C}">
                 <a14:useLocalDpi xmlns:a14="http://schemas.microsoft.com/office/drawing/2010/main" val="0"/>
@@ -15153,7 +15805,7 @@
     </p:spTree>
     <p:extLst>
       <p:ext uri="{BB962C8B-B14F-4D97-AF65-F5344CB8AC3E}">
-        <p14:creationId xmlns:p14="http://schemas.microsoft.com/office/powerpoint/2010/main" val="1831673176"/>
+        <p14:creationId xmlns:p14="http://schemas.microsoft.com/office/powerpoint/2010/main" val="2766434383"/>
       </p:ext>
     </p:extLst>
   </p:cSld>
@@ -15209,41 +15861,73 @@
           </a:p>
         </p:txBody>
       </p:sp>
-      <p:pic>
-        <p:nvPicPr>
-          <p:cNvPr id="6" name="내용 개체 틀 5">
-            <a:extLst>
-              <a:ext uri="{FF2B5EF4-FFF2-40B4-BE49-F238E27FC236}">
-                <a16:creationId xmlns:a16="http://schemas.microsoft.com/office/drawing/2014/main" id="{6437E611-D0FA-4F71-9C3B-4BD8A0B649A6}"/>
-              </a:ext>
-            </a:extLst>
-          </p:cNvPr>
-          <p:cNvPicPr>
-            <a:picLocks noGrp="1" noChangeAspect="1"/>
-          </p:cNvPicPr>
+      <p:sp>
+        <p:nvSpPr>
+          <p:cNvPr id="3" name="내용 개체 틀 2">
+            <a:extLst>
+              <a:ext uri="{FF2B5EF4-FFF2-40B4-BE49-F238E27FC236}">
+                <a16:creationId xmlns:a16="http://schemas.microsoft.com/office/drawing/2014/main" id="{8E38A385-E52F-4B4B-AF20-3E3AB7063A3D}"/>
+              </a:ext>
+            </a:extLst>
+          </p:cNvPr>
+          <p:cNvSpPr>
+            <a:spLocks noGrp="1"/>
+          </p:cNvSpPr>
           <p:nvPr>
             <p:ph idx="1"/>
           </p:nvPr>
-        </p:nvPicPr>
-        <p:blipFill>
-          <a:blip r:embed="rId2">
-            <a:extLst>
-              <a:ext uri="{28A0092B-C50C-407E-A947-70E740481C1C}">
-                <a14:useLocalDpi xmlns:a14="http://schemas.microsoft.com/office/drawing/2010/main" val="0"/>
-              </a:ext>
-            </a:extLst>
-          </a:blip>
-          <a:stretch>
-            <a:fillRect/>
-          </a:stretch>
-        </p:blipFill>
-        <p:spPr>
-          <a:xfrm>
-            <a:off x="1759243" y="2247037"/>
-            <a:ext cx="8673513" cy="3320716"/>
-          </a:xfrm>
-        </p:spPr>
-      </p:pic>
+        </p:nvSpPr>
+        <p:spPr/>
+        <p:txBody>
+          <a:bodyPr/>
+          <a:lstStyle/>
+          <a:p>
+            <a:pPr algn="l">
+              <a:buFont typeface="Arial" panose="020B0604020202020204" pitchFamily="34" charset="0"/>
+              <a:buChar char="•"/>
+            </a:pPr>
+            <a:r>
+              <a:rPr lang="en-US" altLang="ko-KR" b="0" i="0" dirty="0">
+                <a:solidFill>
+                  <a:srgbClr val="000000"/>
+                </a:solidFill>
+                <a:effectLst/>
+              </a:rPr>
+              <a:t>LLE is an algorithm that represents a curved or twisted structure in a high-dimensional space as a simple structure in a low-dimensional space.</a:t>
+            </a:r>
+          </a:p>
+          <a:p>
+            <a:pPr algn="l">
+              <a:buFont typeface="Arial" panose="020B0604020202020204" pitchFamily="34" charset="0"/>
+              <a:buChar char="•"/>
+            </a:pPr>
+            <a:r>
+              <a:rPr lang="en-US" altLang="ko-KR" b="0" i="0" dirty="0">
+                <a:solidFill>
+                  <a:srgbClr val="000000"/>
+                </a:solidFill>
+                <a:effectLst/>
+              </a:rPr>
+              <a:t>LLE is one of the manifold learnings that dimensionally reduce data of nonlinear structures.</a:t>
+            </a:r>
+          </a:p>
+          <a:p>
+            <a:pPr algn="l">
+              <a:buFont typeface="Arial" panose="020B0604020202020204" pitchFamily="34" charset="0"/>
+              <a:buChar char="•"/>
+            </a:pPr>
+            <a:r>
+              <a:rPr lang="en-US" altLang="ko-KR" b="0" i="0" dirty="0">
+                <a:solidFill>
+                  <a:srgbClr val="000000"/>
+                </a:solidFill>
+                <a:effectLst/>
+              </a:rPr>
+              <a:t>LLE takes out the 2D structure hidden in the 3D space and represents it as 2D data.</a:t>
+            </a:r>
+          </a:p>
+        </p:txBody>
+      </p:sp>
       <p:pic>
         <p:nvPicPr>
           <p:cNvPr id="4" name="그림 3">
@@ -15259,7 +15943,7 @@
           <p:nvPr/>
         </p:nvPicPr>
         <p:blipFill>
-          <a:blip r:embed="rId3">
+          <a:blip r:embed="rId2">
             <a:extLst>
               <a:ext uri="{28A0092B-C50C-407E-A947-70E740481C1C}">
                 <a14:useLocalDpi xmlns:a14="http://schemas.microsoft.com/office/drawing/2010/main" val="0"/>
@@ -15283,7 +15967,7 @@
     </p:spTree>
     <p:extLst>
       <p:ext uri="{BB962C8B-B14F-4D97-AF65-F5344CB8AC3E}">
-        <p14:creationId xmlns:p14="http://schemas.microsoft.com/office/powerpoint/2010/main" val="933010659"/>
+        <p14:creationId xmlns:p14="http://schemas.microsoft.com/office/powerpoint/2010/main" val="1831673176"/>
       </p:ext>
     </p:extLst>
   </p:cSld>
@@ -15315,6 +15999,136 @@
           <p:cNvPr id="2" name="제목 1">
             <a:extLst>
               <a:ext uri="{FF2B5EF4-FFF2-40B4-BE49-F238E27FC236}">
+                <a16:creationId xmlns:a16="http://schemas.microsoft.com/office/drawing/2014/main" id="{19D1CA9C-D61D-4F44-8906-9353A301DBD4}"/>
+              </a:ext>
+            </a:extLst>
+          </p:cNvPr>
+          <p:cNvSpPr>
+            <a:spLocks noGrp="1"/>
+          </p:cNvSpPr>
+          <p:nvPr>
+            <p:ph type="title"/>
+          </p:nvPr>
+        </p:nvSpPr>
+        <p:spPr/>
+        <p:txBody>
+          <a:bodyPr/>
+          <a:lstStyle/>
+          <a:p>
+            <a:r>
+              <a:rPr lang="en-US" altLang="ko-KR" dirty="0"/>
+              <a:t>Fundamental Concept</a:t>
+            </a:r>
+            <a:endParaRPr lang="ko-KR" altLang="en-US" dirty="0"/>
+          </a:p>
+        </p:txBody>
+      </p:sp>
+      <p:pic>
+        <p:nvPicPr>
+          <p:cNvPr id="6" name="내용 개체 틀 5">
+            <a:extLst>
+              <a:ext uri="{FF2B5EF4-FFF2-40B4-BE49-F238E27FC236}">
+                <a16:creationId xmlns:a16="http://schemas.microsoft.com/office/drawing/2014/main" id="{6437E611-D0FA-4F71-9C3B-4BD8A0B649A6}"/>
+              </a:ext>
+            </a:extLst>
+          </p:cNvPr>
+          <p:cNvPicPr>
+            <a:picLocks noGrp="1" noChangeAspect="1"/>
+          </p:cNvPicPr>
+          <p:nvPr>
+            <p:ph idx="1"/>
+          </p:nvPr>
+        </p:nvPicPr>
+        <p:blipFill>
+          <a:blip r:embed="rId2">
+            <a:extLst>
+              <a:ext uri="{28A0092B-C50C-407E-A947-70E740481C1C}">
+                <a14:useLocalDpi xmlns:a14="http://schemas.microsoft.com/office/drawing/2010/main" val="0"/>
+              </a:ext>
+            </a:extLst>
+          </a:blip>
+          <a:stretch>
+            <a:fillRect/>
+          </a:stretch>
+        </p:blipFill>
+        <p:spPr>
+          <a:xfrm>
+            <a:off x="1759243" y="2247037"/>
+            <a:ext cx="8673513" cy="3320716"/>
+          </a:xfrm>
+        </p:spPr>
+      </p:pic>
+      <p:pic>
+        <p:nvPicPr>
+          <p:cNvPr id="4" name="그림 3">
+            <a:extLst>
+              <a:ext uri="{FF2B5EF4-FFF2-40B4-BE49-F238E27FC236}">
+                <a16:creationId xmlns:a16="http://schemas.microsoft.com/office/drawing/2014/main" id="{E03B52E7-2F47-4BB9-86CB-2CF5A96ABDF9}"/>
+              </a:ext>
+            </a:extLst>
+          </p:cNvPr>
+          <p:cNvPicPr>
+            <a:picLocks noChangeAspect="1"/>
+          </p:cNvPicPr>
+          <p:nvPr/>
+        </p:nvPicPr>
+        <p:blipFill>
+          <a:blip r:embed="rId3">
+            <a:extLst>
+              <a:ext uri="{28A0092B-C50C-407E-A947-70E740481C1C}">
+                <a14:useLocalDpi xmlns:a14="http://schemas.microsoft.com/office/drawing/2010/main" val="0"/>
+              </a:ext>
+            </a:extLst>
+          </a:blip>
+          <a:stretch>
+            <a:fillRect/>
+          </a:stretch>
+        </p:blipFill>
+        <p:spPr>
+          <a:xfrm>
+            <a:off x="9017429" y="6124103"/>
+            <a:ext cx="3031958" cy="733897"/>
+          </a:xfrm>
+          <a:prstGeom prst="rect">
+            <a:avLst/>
+          </a:prstGeom>
+        </p:spPr>
+      </p:pic>
+    </p:spTree>
+    <p:extLst>
+      <p:ext uri="{BB962C8B-B14F-4D97-AF65-F5344CB8AC3E}">
+        <p14:creationId xmlns:p14="http://schemas.microsoft.com/office/powerpoint/2010/main" val="933010659"/>
+      </p:ext>
+    </p:extLst>
+  </p:cSld>
+  <p:clrMapOvr>
+    <a:masterClrMapping/>
+  </p:clrMapOvr>
+</p:sld>
+</file>
+
+<file path=ppt/slides/slide54.xml><?xml version="1.0" encoding="utf-8"?>
+<p:sld xmlns:a="http://schemas.openxmlformats.org/drawingml/2006/main" xmlns:r="http://schemas.openxmlformats.org/officeDocument/2006/relationships" xmlns:p="http://schemas.openxmlformats.org/presentationml/2006/main">
+  <p:cSld>
+    <p:spTree>
+      <p:nvGrpSpPr>
+        <p:cNvPr id="1" name=""/>
+        <p:cNvGrpSpPr/>
+        <p:nvPr/>
+      </p:nvGrpSpPr>
+      <p:grpSpPr>
+        <a:xfrm>
+          <a:off x="0" y="0"/>
+          <a:ext cx="0" cy="0"/>
+          <a:chOff x="0" y="0"/>
+          <a:chExt cx="0" cy="0"/>
+        </a:xfrm>
+      </p:grpSpPr>
+      <p:sp>
+        <p:nvSpPr>
+          <p:cNvPr id="2" name="제목 1">
+            <a:extLst>
+              <a:ext uri="{FF2B5EF4-FFF2-40B4-BE49-F238E27FC236}">
                 <a16:creationId xmlns:a16="http://schemas.microsoft.com/office/drawing/2014/main" id="{B75CF1A5-E7BF-484C-B563-E0B0090CE174}"/>
               </a:ext>
             </a:extLst>
@@ -15491,7 +16305,7 @@
 </p:sld>
 </file>
 
-<file path=ppt/slides/slide54.xml><?xml version="1.0" encoding="utf-8"?>
+<file path=ppt/slides/slide55.xml><?xml version="1.0" encoding="utf-8"?>
 <p:sld xmlns:a="http://schemas.openxmlformats.org/drawingml/2006/main" xmlns:r="http://schemas.openxmlformats.org/officeDocument/2006/relationships" xmlns:p="http://schemas.openxmlformats.org/presentationml/2006/main">
   <p:cSld>
     <p:spTree>
@@ -17021,7 +17835,7 @@
 </p:sld>
 </file>
 
-<file path=ppt/slides/slide55.xml><?xml version="1.0" encoding="utf-8"?>
+<file path=ppt/slides/slide56.xml><?xml version="1.0" encoding="utf-8"?>
 <p:sld xmlns:a="http://schemas.openxmlformats.org/drawingml/2006/main" xmlns:r="http://schemas.openxmlformats.org/officeDocument/2006/relationships" xmlns:p="http://schemas.openxmlformats.org/presentationml/2006/main">
   <p:cSld>
     <p:spTree>
@@ -18056,7 +18870,7 @@
 </p:sld>
 </file>
 
-<file path=ppt/slides/slide56.xml><?xml version="1.0" encoding="utf-8"?>
+<file path=ppt/slides/slide57.xml><?xml version="1.0" encoding="utf-8"?>
 <p:sld xmlns:a="http://schemas.openxmlformats.org/drawingml/2006/main" xmlns:r="http://schemas.openxmlformats.org/officeDocument/2006/relationships" xmlns:p="http://schemas.openxmlformats.org/presentationml/2006/main">
   <p:cSld>
     <p:spTree>
@@ -18552,196 +19366,6 @@
 </p:sld>
 </file>
 
-<file path=ppt/slides/slide57.xml><?xml version="1.0" encoding="utf-8"?>
-<p:sld xmlns:a="http://schemas.openxmlformats.org/drawingml/2006/main" xmlns:r="http://schemas.openxmlformats.org/officeDocument/2006/relationships" xmlns:p="http://schemas.openxmlformats.org/presentationml/2006/main">
-  <p:cSld>
-    <p:spTree>
-      <p:nvGrpSpPr>
-        <p:cNvPr id="1" name=""/>
-        <p:cNvGrpSpPr/>
-        <p:nvPr/>
-      </p:nvGrpSpPr>
-      <p:grpSpPr>
-        <a:xfrm>
-          <a:off x="0" y="0"/>
-          <a:ext cx="0" cy="0"/>
-          <a:chOff x="0" y="0"/>
-          <a:chExt cx="0" cy="0"/>
-        </a:xfrm>
-      </p:grpSpPr>
-      <p:sp>
-        <p:nvSpPr>
-          <p:cNvPr id="2" name="제목 1">
-            <a:extLst>
-              <a:ext uri="{FF2B5EF4-FFF2-40B4-BE49-F238E27FC236}">
-                <a16:creationId xmlns:a16="http://schemas.microsoft.com/office/drawing/2014/main" id="{509B0237-A0B5-4EBA-8931-21916DDC5B13}"/>
-              </a:ext>
-            </a:extLst>
-          </p:cNvPr>
-          <p:cNvSpPr>
-            <a:spLocks noGrp="1"/>
-          </p:cNvSpPr>
-          <p:nvPr>
-            <p:ph type="title"/>
-          </p:nvPr>
-        </p:nvSpPr>
-        <p:spPr/>
-        <p:txBody>
-          <a:bodyPr/>
-          <a:lstStyle/>
-          <a:p>
-            <a:r>
-              <a:rPr lang="en-US" altLang="ko-KR" dirty="0"/>
-              <a:t>Sample Code</a:t>
-            </a:r>
-            <a:endParaRPr lang="ko-KR" altLang="en-US" dirty="0"/>
-          </a:p>
-        </p:txBody>
-      </p:sp>
-      <p:sp>
-        <p:nvSpPr>
-          <p:cNvPr id="3" name="내용 개체 틀 2">
-            <a:extLst>
-              <a:ext uri="{FF2B5EF4-FFF2-40B4-BE49-F238E27FC236}">
-                <a16:creationId xmlns:a16="http://schemas.microsoft.com/office/drawing/2014/main" id="{852D941E-9E90-4A7C-BD60-35356E97F45D}"/>
-              </a:ext>
-            </a:extLst>
-          </p:cNvPr>
-          <p:cNvSpPr>
-            <a:spLocks noGrp="1"/>
-          </p:cNvSpPr>
-          <p:nvPr>
-            <p:ph sz="half" idx="1"/>
-          </p:nvPr>
-        </p:nvSpPr>
-        <p:spPr/>
-        <p:txBody>
-          <a:bodyPr/>
-          <a:lstStyle/>
-          <a:p>
-            <a:r>
-              <a:rPr lang="en-US" altLang="ko-KR" dirty="0"/>
-              <a:t>Import libraries</a:t>
-            </a:r>
-          </a:p>
-          <a:p>
-            <a:r>
-              <a:rPr lang="en-US" altLang="ko-KR" dirty="0"/>
-              <a:t>Make dataset</a:t>
-            </a:r>
-          </a:p>
-          <a:p>
-            <a:r>
-              <a:rPr lang="en-US" altLang="ko-KR" dirty="0"/>
-              <a:t>Set </a:t>
-            </a:r>
-            <a:r>
-              <a:rPr lang="en-US" altLang="ko-KR" dirty="0" err="1"/>
-              <a:t>n_neighbors</a:t>
-            </a:r>
-            <a:r>
-              <a:rPr lang="en-US" altLang="ko-KR" dirty="0"/>
-              <a:t> and dimension</a:t>
-            </a:r>
-          </a:p>
-          <a:p>
-            <a:r>
-              <a:rPr lang="en-US" altLang="ko-KR" dirty="0"/>
-              <a:t>Train data</a:t>
-            </a:r>
-          </a:p>
-          <a:p>
-            <a:r>
-              <a:rPr lang="en-US" altLang="ko-KR" dirty="0"/>
-              <a:t>Print result</a:t>
-            </a:r>
-          </a:p>
-        </p:txBody>
-      </p:sp>
-      <p:pic>
-        <p:nvPicPr>
-          <p:cNvPr id="6" name="내용 개체 틀 5">
-            <a:extLst>
-              <a:ext uri="{FF2B5EF4-FFF2-40B4-BE49-F238E27FC236}">
-                <a16:creationId xmlns:a16="http://schemas.microsoft.com/office/drawing/2014/main" id="{014757D0-53FD-4766-BB86-0176250F0D6F}"/>
-              </a:ext>
-            </a:extLst>
-          </p:cNvPr>
-          <p:cNvPicPr>
-            <a:picLocks noGrp="1" noChangeAspect="1"/>
-          </p:cNvPicPr>
-          <p:nvPr>
-            <p:ph sz="half" idx="2"/>
-          </p:nvPr>
-        </p:nvPicPr>
-        <p:blipFill>
-          <a:blip r:embed="rId2">
-            <a:extLst>
-              <a:ext uri="{28A0092B-C50C-407E-A947-70E740481C1C}">
-                <a14:useLocalDpi xmlns:a14="http://schemas.microsoft.com/office/drawing/2010/main" val="0"/>
-              </a:ext>
-            </a:extLst>
-          </a:blip>
-          <a:stretch>
-            <a:fillRect/>
-          </a:stretch>
-        </p:blipFill>
-        <p:spPr>
-          <a:xfrm>
-            <a:off x="6172200" y="2339608"/>
-            <a:ext cx="5181600" cy="3323371"/>
-          </a:xfrm>
-        </p:spPr>
-      </p:pic>
-      <p:pic>
-        <p:nvPicPr>
-          <p:cNvPr id="7" name="그림 6">
-            <a:extLst>
-              <a:ext uri="{FF2B5EF4-FFF2-40B4-BE49-F238E27FC236}">
-                <a16:creationId xmlns:a16="http://schemas.microsoft.com/office/drawing/2014/main" id="{93B9212F-5231-43BB-830E-5F40A4732D93}"/>
-              </a:ext>
-            </a:extLst>
-          </p:cNvPr>
-          <p:cNvPicPr>
-            <a:picLocks noChangeAspect="1"/>
-          </p:cNvPicPr>
-          <p:nvPr/>
-        </p:nvPicPr>
-        <p:blipFill>
-          <a:blip r:embed="rId3">
-            <a:extLst>
-              <a:ext uri="{28A0092B-C50C-407E-A947-70E740481C1C}">
-                <a14:useLocalDpi xmlns:a14="http://schemas.microsoft.com/office/drawing/2010/main" val="0"/>
-              </a:ext>
-            </a:extLst>
-          </a:blip>
-          <a:stretch>
-            <a:fillRect/>
-          </a:stretch>
-        </p:blipFill>
-        <p:spPr>
-          <a:xfrm>
-            <a:off x="9017429" y="6124103"/>
-            <a:ext cx="3031958" cy="733897"/>
-          </a:xfrm>
-          <a:prstGeom prst="rect">
-            <a:avLst/>
-          </a:prstGeom>
-        </p:spPr>
-      </p:pic>
-    </p:spTree>
-    <p:extLst>
-      <p:ext uri="{BB962C8B-B14F-4D97-AF65-F5344CB8AC3E}">
-        <p14:creationId xmlns:p14="http://schemas.microsoft.com/office/powerpoint/2010/main" val="419852058"/>
-      </p:ext>
-    </p:extLst>
-  </p:cSld>
-  <p:clrMapOvr>
-    <a:masterClrMapping/>
-  </p:clrMapOvr>
-</p:sld>
-</file>
-
 <file path=ppt/slides/slide58.xml><?xml version="1.0" encoding="utf-8"?>
 <p:sld xmlns:a="http://schemas.openxmlformats.org/drawingml/2006/main" xmlns:r="http://schemas.openxmlformats.org/officeDocument/2006/relationships" xmlns:p="http://schemas.openxmlformats.org/presentationml/2006/main">
   <p:cSld>
@@ -18764,7 +19388,7 @@
           <p:cNvPr id="2" name="제목 1">
             <a:extLst>
               <a:ext uri="{FF2B5EF4-FFF2-40B4-BE49-F238E27FC236}">
-                <a16:creationId xmlns:a16="http://schemas.microsoft.com/office/drawing/2014/main" id="{F571E3C5-BDF0-4947-A8D6-D690CED2A61D}"/>
+                <a16:creationId xmlns:a16="http://schemas.microsoft.com/office/drawing/2014/main" id="{509B0237-A0B5-4EBA-8931-21916DDC5B13}"/>
               </a:ext>
             </a:extLst>
           </p:cNvPr>
@@ -18772,7 +19396,7 @@
             <a:spLocks noGrp="1"/>
           </p:cNvSpPr>
           <p:nvPr>
-            <p:ph type="ctrTitle"/>
+            <p:ph type="title"/>
           </p:nvPr>
         </p:nvSpPr>
         <p:spPr/>
@@ -18782,7 +19406,7 @@
           <a:p>
             <a:r>
               <a:rPr lang="en-US" altLang="ko-KR" dirty="0"/>
-              <a:t>Unsupervised Learning</a:t>
+              <a:t>Sample Code</a:t>
             </a:r>
             <a:endParaRPr lang="ko-KR" altLang="en-US" dirty="0"/>
           </a:p>
@@ -18790,10 +19414,10 @@
       </p:sp>
       <p:sp>
         <p:nvSpPr>
-          <p:cNvPr id="3" name="부제목 2">
-            <a:extLst>
-              <a:ext uri="{FF2B5EF4-FFF2-40B4-BE49-F238E27FC236}">
-                <a16:creationId xmlns:a16="http://schemas.microsoft.com/office/drawing/2014/main" id="{B5BB64F4-5683-4E4D-8FB5-54E770083D4F}"/>
+          <p:cNvPr id="3" name="내용 개체 틀 2">
+            <a:extLst>
+              <a:ext uri="{FF2B5EF4-FFF2-40B4-BE49-F238E27FC236}">
+                <a16:creationId xmlns:a16="http://schemas.microsoft.com/office/drawing/2014/main" id="{852D941E-9E90-4A7C-BD60-35356E97F45D}"/>
               </a:ext>
             </a:extLst>
           </p:cNvPr>
@@ -18801,7 +19425,7 @@
             <a:spLocks noGrp="1"/>
           </p:cNvSpPr>
           <p:nvPr>
-            <p:ph type="subTitle" idx="1"/>
+            <p:ph sz="half" idx="1"/>
           </p:nvPr>
         </p:nvSpPr>
         <p:spPr/>
@@ -18811,18 +19435,84 @@
           <a:p>
             <a:r>
               <a:rPr lang="en-US" altLang="ko-KR" dirty="0"/>
-              <a:t>t-distributed stochastic neighbor embedding, t-SNE</a:t>
-            </a:r>
-            <a:endParaRPr lang="ko-KR" altLang="en-US" dirty="0"/>
+              <a:t>Import libraries</a:t>
+            </a:r>
+          </a:p>
+          <a:p>
+            <a:r>
+              <a:rPr lang="en-US" altLang="ko-KR" dirty="0"/>
+              <a:t>Make dataset</a:t>
+            </a:r>
+          </a:p>
+          <a:p>
+            <a:r>
+              <a:rPr lang="en-US" altLang="ko-KR" dirty="0"/>
+              <a:t>Set </a:t>
+            </a:r>
+            <a:r>
+              <a:rPr lang="en-US" altLang="ko-KR" dirty="0" err="1"/>
+              <a:t>n_neighbors</a:t>
+            </a:r>
+            <a:r>
+              <a:rPr lang="en-US" altLang="ko-KR" dirty="0"/>
+              <a:t> and dimension</a:t>
+            </a:r>
+          </a:p>
+          <a:p>
+            <a:r>
+              <a:rPr lang="en-US" altLang="ko-KR" dirty="0"/>
+              <a:t>Train data</a:t>
+            </a:r>
+          </a:p>
+          <a:p>
+            <a:r>
+              <a:rPr lang="en-US" altLang="ko-KR" dirty="0"/>
+              <a:t>Print result</a:t>
+            </a:r>
           </a:p>
         </p:txBody>
       </p:sp>
       <p:pic>
         <p:nvPicPr>
-          <p:cNvPr id="4" name="그림 3">
-            <a:extLst>
-              <a:ext uri="{FF2B5EF4-FFF2-40B4-BE49-F238E27FC236}">
-                <a16:creationId xmlns:a16="http://schemas.microsoft.com/office/drawing/2014/main" id="{3C680046-0F2D-406B-934D-2497A3FEBBA6}"/>
+          <p:cNvPr id="6" name="내용 개체 틀 5">
+            <a:extLst>
+              <a:ext uri="{FF2B5EF4-FFF2-40B4-BE49-F238E27FC236}">
+                <a16:creationId xmlns:a16="http://schemas.microsoft.com/office/drawing/2014/main" id="{014757D0-53FD-4766-BB86-0176250F0D6F}"/>
+              </a:ext>
+            </a:extLst>
+          </p:cNvPr>
+          <p:cNvPicPr>
+            <a:picLocks noGrp="1" noChangeAspect="1"/>
+          </p:cNvPicPr>
+          <p:nvPr>
+            <p:ph sz="half" idx="2"/>
+          </p:nvPr>
+        </p:nvPicPr>
+        <p:blipFill>
+          <a:blip r:embed="rId2">
+            <a:extLst>
+              <a:ext uri="{28A0092B-C50C-407E-A947-70E740481C1C}">
+                <a14:useLocalDpi xmlns:a14="http://schemas.microsoft.com/office/drawing/2010/main" val="0"/>
+              </a:ext>
+            </a:extLst>
+          </a:blip>
+          <a:stretch>
+            <a:fillRect/>
+          </a:stretch>
+        </p:blipFill>
+        <p:spPr>
+          <a:xfrm>
+            <a:off x="6172200" y="2339608"/>
+            <a:ext cx="5181600" cy="3323371"/>
+          </a:xfrm>
+        </p:spPr>
+      </p:pic>
+      <p:pic>
+        <p:nvPicPr>
+          <p:cNvPr id="7" name="그림 6">
+            <a:extLst>
+              <a:ext uri="{FF2B5EF4-FFF2-40B4-BE49-F238E27FC236}">
+                <a16:creationId xmlns:a16="http://schemas.microsoft.com/office/drawing/2014/main" id="{93B9212F-5231-43BB-830E-5F40A4732D93}"/>
               </a:ext>
             </a:extLst>
           </p:cNvPr>
@@ -18832,7 +19522,7 @@
           <p:nvPr/>
         </p:nvPicPr>
         <p:blipFill>
-          <a:blip r:embed="rId2">
+          <a:blip r:embed="rId3">
             <a:extLst>
               <a:ext uri="{28A0092B-C50C-407E-A947-70E740481C1C}">
                 <a14:useLocalDpi xmlns:a14="http://schemas.microsoft.com/office/drawing/2010/main" val="0"/>
@@ -18856,7 +19546,7 @@
     </p:spTree>
     <p:extLst>
       <p:ext uri="{BB962C8B-B14F-4D97-AF65-F5344CB8AC3E}">
-        <p14:creationId xmlns:p14="http://schemas.microsoft.com/office/powerpoint/2010/main" val="1646833912"/>
+        <p14:creationId xmlns:p14="http://schemas.microsoft.com/office/powerpoint/2010/main" val="419852058"/>
       </p:ext>
     </p:extLst>
   </p:cSld>
@@ -18888,7 +19578,7 @@
           <p:cNvPr id="2" name="제목 1">
             <a:extLst>
               <a:ext uri="{FF2B5EF4-FFF2-40B4-BE49-F238E27FC236}">
-                <a16:creationId xmlns:a16="http://schemas.microsoft.com/office/drawing/2014/main" id="{0AF19039-6517-4E3D-A561-CD5AC24AE864}"/>
+                <a16:creationId xmlns:a16="http://schemas.microsoft.com/office/drawing/2014/main" id="{F571E3C5-BDF0-4947-A8D6-D690CED2A61D}"/>
               </a:ext>
             </a:extLst>
           </p:cNvPr>
@@ -18896,7 +19586,7 @@
             <a:spLocks noGrp="1"/>
           </p:cNvSpPr>
           <p:nvPr>
-            <p:ph type="title"/>
+            <p:ph type="ctrTitle"/>
           </p:nvPr>
         </p:nvSpPr>
         <p:spPr/>
@@ -18906,7 +19596,7 @@
           <a:p>
             <a:r>
               <a:rPr lang="en-US" altLang="ko-KR" dirty="0"/>
-              <a:t>Fundamental Concept</a:t>
+              <a:t>Unsupervised Learning</a:t>
             </a:r>
             <a:endParaRPr lang="ko-KR" altLang="en-US" dirty="0"/>
           </a:p>
@@ -18914,10 +19604,10 @@
       </p:sp>
       <p:sp>
         <p:nvSpPr>
-          <p:cNvPr id="3" name="내용 개체 틀 2">
-            <a:extLst>
-              <a:ext uri="{FF2B5EF4-FFF2-40B4-BE49-F238E27FC236}">
-                <a16:creationId xmlns:a16="http://schemas.microsoft.com/office/drawing/2014/main" id="{DB6C73AD-6A1F-4336-8A97-45B39F0813E4}"/>
+          <p:cNvPr id="3" name="부제목 2">
+            <a:extLst>
+              <a:ext uri="{FF2B5EF4-FFF2-40B4-BE49-F238E27FC236}">
+                <a16:creationId xmlns:a16="http://schemas.microsoft.com/office/drawing/2014/main" id="{B5BB64F4-5683-4E4D-8FB5-54E770083D4F}"/>
               </a:ext>
             </a:extLst>
           </p:cNvPr>
@@ -18925,7 +19615,7 @@
             <a:spLocks noGrp="1"/>
           </p:cNvSpPr>
           <p:nvPr>
-            <p:ph idx="1"/>
+            <p:ph type="subTitle" idx="1"/>
           </p:nvPr>
         </p:nvSpPr>
         <p:spPr/>
@@ -18933,36 +19623,10 @@
           <a:bodyPr/>
           <a:lstStyle/>
           <a:p>
-            <a:pPr algn="l">
-              <a:buFont typeface="Arial" panose="020B0604020202020204" pitchFamily="34" charset="0"/>
-              <a:buChar char="•"/>
-            </a:pPr>
-            <a:r>
-              <a:rPr lang="en-US" altLang="ko-KR" b="0" i="0" dirty="0">
-                <a:solidFill>
-                  <a:srgbClr val="000000"/>
-                </a:solidFill>
-                <a:effectLst/>
-              </a:rPr>
-              <a:t>It is a method of dimensionally reducing complex data in high dimensions to two dimensions.</a:t>
-            </a:r>
-          </a:p>
-          <a:p>
-            <a:pPr algn="l">
-              <a:buFont typeface="Arial" panose="020B0604020202020204" pitchFamily="34" charset="0"/>
-              <a:buChar char="•"/>
-            </a:pPr>
-            <a:r>
-              <a:rPr lang="en-US" altLang="ko-KR" b="0" i="0" dirty="0">
-                <a:solidFill>
-                  <a:srgbClr val="000000"/>
-                </a:solidFill>
-                <a:effectLst/>
-              </a:rPr>
-              <a:t>t-SNE is one of manifold learning and aims to visualize complex data.</a:t>
-            </a:r>
-          </a:p>
-          <a:p>
+            <a:r>
+              <a:rPr lang="en-US" altLang="ko-KR" dirty="0"/>
+              <a:t>t-distributed stochastic neighbor embedding, t-SNE</a:t>
+            </a:r>
             <a:endParaRPr lang="ko-KR" altLang="en-US" dirty="0"/>
           </a:p>
         </p:txBody>
@@ -18972,7 +19636,7 @@
           <p:cNvPr id="4" name="그림 3">
             <a:extLst>
               <a:ext uri="{FF2B5EF4-FFF2-40B4-BE49-F238E27FC236}">
-                <a16:creationId xmlns:a16="http://schemas.microsoft.com/office/drawing/2014/main" id="{53CA0AF8-7840-4632-BAEC-9BC74151CD0C}"/>
+                <a16:creationId xmlns:a16="http://schemas.microsoft.com/office/drawing/2014/main" id="{3C680046-0F2D-406B-934D-2497A3FEBBA6}"/>
               </a:ext>
             </a:extLst>
           </p:cNvPr>
@@ -19003,10 +19667,56 @@
           </a:prstGeom>
         </p:spPr>
       </p:pic>
+      <p:sp>
+        <p:nvSpPr>
+          <p:cNvPr id="5" name="TextBox 4">
+            <a:extLst>
+              <a:ext uri="{FF2B5EF4-FFF2-40B4-BE49-F238E27FC236}">
+                <a16:creationId xmlns:a16="http://schemas.microsoft.com/office/drawing/2014/main" id="{206D0783-ED8B-4C45-BA27-DFB463CC3C44}"/>
+              </a:ext>
+            </a:extLst>
+          </p:cNvPr>
+          <p:cNvSpPr txBox="1"/>
+          <p:nvPr/>
+        </p:nvSpPr>
+        <p:spPr>
+          <a:xfrm>
+            <a:off x="0" y="6211669"/>
+            <a:ext cx="2805576" cy="646331"/>
+          </a:xfrm>
+          <a:prstGeom prst="rect">
+            <a:avLst/>
+          </a:prstGeom>
+          <a:noFill/>
+        </p:spPr>
+        <p:txBody>
+          <a:bodyPr wrap="none" rtlCol="0">
+            <a:spAutoFit/>
+          </a:bodyPr>
+          <a:lstStyle/>
+          <a:p>
+            <a:r>
+              <a:rPr lang="ko-KR" altLang="en-US" dirty="0"/>
+              <a:t>경희대학교 컴퓨터공학과</a:t>
+            </a:r>
+            <a:endParaRPr lang="en-US" altLang="ko-KR" dirty="0"/>
+          </a:p>
+          <a:p>
+            <a:r>
+              <a:rPr lang="en-US" altLang="ko-KR" dirty="0"/>
+              <a:t>2019102191 </a:t>
+            </a:r>
+            <a:r>
+              <a:rPr lang="ko-KR" altLang="en-US" dirty="0"/>
+              <a:t>신주영</a:t>
+            </a:r>
+          </a:p>
+        </p:txBody>
+      </p:sp>
     </p:spTree>
     <p:extLst>
       <p:ext uri="{BB962C8B-B14F-4D97-AF65-F5344CB8AC3E}">
-        <p14:creationId xmlns:p14="http://schemas.microsoft.com/office/powerpoint/2010/main" val="598552627"/>
+        <p14:creationId xmlns:p14="http://schemas.microsoft.com/office/powerpoint/2010/main" val="1646833912"/>
       </p:ext>
     </p:extLst>
   </p:cSld>
@@ -19056,7 +19766,7 @@
           <a:p>
             <a:r>
               <a:rPr lang="en-US" altLang="ko-KR" dirty="0"/>
-              <a:t>Algorithm</a:t>
+              <a:t>Fundamental Concept</a:t>
             </a:r>
             <a:endParaRPr lang="ko-KR" altLang="en-US" dirty="0"/>
           </a:p>
@@ -19117,13 +19827,13 @@
         <p:spPr/>
         <p:txBody>
           <a:bodyPr>
-            <a:normAutofit/>
+            <a:normAutofit fontScale="92500" lnSpcReduction="10000"/>
           </a:bodyPr>
           <a:lstStyle/>
           <a:p>
             <a:pPr algn="l">
-              <a:buFont typeface="Arial" panose="020B0604020202020204" pitchFamily="34" charset="0"/>
-              <a:buChar char="•"/>
+              <a:buFont typeface="+mj-lt"/>
+              <a:buAutoNum type="arabicPeriod"/>
             </a:pPr>
             <a:r>
               <a:rPr lang="en-US" altLang="ko-KR" b="0" i="0" dirty="0">
@@ -19132,14 +19842,11 @@
                 </a:solidFill>
                 <a:effectLst/>
               </a:rPr>
-              <a:t>The principal component analysis calculates the principal component in the following order.</a:t>
-            </a:r>
-          </a:p>
-          <a:p>
-            <a:pPr marL="971550" lvl="1" indent="-514350">
-              <a:buFont typeface="+mj-lt"/>
-              <a:buAutoNum type="arabicPeriod"/>
-            </a:pPr>
+              <a:t>Find the direction and importance necessary for data principal component analysis.</a:t>
+            </a:r>
+          </a:p>
+          <a:p>
+            <a:pPr lvl="1"/>
             <a:r>
               <a:rPr lang="en-US" altLang="ko-KR" b="0" i="0" dirty="0">
                 <a:solidFill>
@@ -19147,36 +19854,101 @@
                 </a:solidFill>
                 <a:effectLst/>
               </a:rPr>
-              <a:t>Calculate variance covariance matrix</a:t>
-            </a:r>
-          </a:p>
-          <a:p>
-            <a:pPr marL="971550" lvl="1" indent="-514350">
+              <a:t>The direction of the line is the direction of the data.</a:t>
+            </a:r>
+          </a:p>
+          <a:p>
+            <a:pPr lvl="1"/>
+            <a:r>
+              <a:rPr lang="en-US" altLang="ko-KR" b="0" i="0" dirty="0">
+                <a:solidFill>
+                  <a:srgbClr val="000000"/>
+                </a:solidFill>
+                <a:effectLst/>
+              </a:rPr>
+              <a:t>Length represents importance.</a:t>
+            </a:r>
+          </a:p>
+          <a:p>
+            <a:pPr marL="1143000" lvl="2" indent="-228600" algn="l">
               <a:buFont typeface="+mj-lt"/>
               <a:buAutoNum type="arabicPeriod"/>
             </a:pPr>
             <a:r>
-              <a:rPr lang="en-US" altLang="ko-KR" dirty="0">
+              <a:rPr lang="en-US" altLang="ko-KR" b="0" i="0" dirty="0">
                 <a:solidFill>
                   <a:srgbClr val="000000"/>
                 </a:solidFill>
+                <a:effectLst/>
               </a:rPr>
-              <a:t>Solve eigenvalue problems and calculate eigenvalue of eigenvectors</a:t>
-            </a:r>
-          </a:p>
-          <a:p>
-            <a:pPr marL="971550" lvl="1" indent="-514350">
+              <a:t>The direction of the data is determined by how much weight is assigned to the data variable when configuring a new variable.</a:t>
+            </a:r>
+          </a:p>
+          <a:p>
+            <a:pPr marL="1143000" lvl="2" indent="-228600" algn="l">
               <a:buFont typeface="+mj-lt"/>
               <a:buAutoNum type="arabicPeriod"/>
             </a:pPr>
             <a:r>
-              <a:rPr lang="en-US" altLang="ko-KR" dirty="0">
+              <a:rPr lang="en-US" altLang="ko-KR" b="0" i="0" dirty="0">
                 <a:solidFill>
                   <a:srgbClr val="000000"/>
                 </a:solidFill>
+                <a:effectLst/>
               </a:rPr>
-              <a:t>Construct data in each principal component direction</a:t>
-            </a:r>
+              <a:t>The importance of data is related to changes in variables.</a:t>
+            </a:r>
+          </a:p>
+          <a:p>
+            <a:pPr algn="l">
+              <a:buFont typeface="+mj-lt"/>
+              <a:buAutoNum type="arabicPeriod"/>
+            </a:pPr>
+            <a:r>
+              <a:rPr lang="en-US" altLang="ko-KR" b="0" i="0" dirty="0">
+                <a:solidFill>
+                  <a:srgbClr val="000000"/>
+                </a:solidFill>
+                <a:effectLst/>
+              </a:rPr>
+              <a:t>The orthogonal line is used as a new axis and converted into original data.</a:t>
+            </a:r>
+          </a:p>
+          <a:p>
+            <a:pPr marL="742950" lvl="1" indent="-285750" algn="l">
+              <a:buFont typeface="+mj-lt"/>
+              <a:buAutoNum type="arabicPeriod"/>
+            </a:pPr>
+            <a:r>
+              <a:rPr lang="en-US" altLang="ko-KR" b="0" i="0" dirty="0">
+                <a:solidFill>
+                  <a:srgbClr val="000000"/>
+                </a:solidFill>
+                <a:effectLst/>
+              </a:rPr>
+              <a:t>The changed data at this time is called the principal component score.</a:t>
+            </a:r>
+          </a:p>
+          <a:p>
+            <a:pPr marL="742950" lvl="1" indent="-285750" algn="l">
+              <a:buFont typeface="+mj-lt"/>
+              <a:buAutoNum type="arabicPeriod"/>
+            </a:pPr>
+            <a:r>
+              <a:rPr lang="en-US" altLang="ko-KR" b="0" i="0" dirty="0">
+                <a:solidFill>
+                  <a:srgbClr val="000000"/>
+                </a:solidFill>
+                <a:effectLst/>
+              </a:rPr>
+              <a:t>It is called the first principal component and the second principal component from the value of the axis with the greatest importance among the principal components.</a:t>
+            </a:r>
+          </a:p>
+          <a:p>
+            <a:pPr algn="l">
+              <a:buFont typeface="Arial" panose="020B0604020202020204" pitchFamily="34" charset="0"/>
+              <a:buChar char="•"/>
+            </a:pPr>
             <a:endParaRPr lang="en-US" altLang="ko-KR" b="0" i="0" dirty="0">
               <a:solidFill>
                 <a:srgbClr val="000000"/>
@@ -19189,7 +19961,7 @@
     </p:spTree>
     <p:extLst>
       <p:ext uri="{BB962C8B-B14F-4D97-AF65-F5344CB8AC3E}">
-        <p14:creationId xmlns:p14="http://schemas.microsoft.com/office/powerpoint/2010/main" val="3830762058"/>
+        <p14:creationId xmlns:p14="http://schemas.microsoft.com/office/powerpoint/2010/main" val="3884379556"/>
       </p:ext>
     </p:extLst>
   </p:cSld>
@@ -19221,6 +19993,156 @@
           <p:cNvPr id="2" name="제목 1">
             <a:extLst>
               <a:ext uri="{FF2B5EF4-FFF2-40B4-BE49-F238E27FC236}">
+                <a16:creationId xmlns:a16="http://schemas.microsoft.com/office/drawing/2014/main" id="{0AF19039-6517-4E3D-A561-CD5AC24AE864}"/>
+              </a:ext>
+            </a:extLst>
+          </p:cNvPr>
+          <p:cNvSpPr>
+            <a:spLocks noGrp="1"/>
+          </p:cNvSpPr>
+          <p:nvPr>
+            <p:ph type="title"/>
+          </p:nvPr>
+        </p:nvSpPr>
+        <p:spPr/>
+        <p:txBody>
+          <a:bodyPr/>
+          <a:lstStyle/>
+          <a:p>
+            <a:r>
+              <a:rPr lang="en-US" altLang="ko-KR" dirty="0"/>
+              <a:t>Fundamental Concept</a:t>
+            </a:r>
+            <a:endParaRPr lang="ko-KR" altLang="en-US" dirty="0"/>
+          </a:p>
+        </p:txBody>
+      </p:sp>
+      <p:sp>
+        <p:nvSpPr>
+          <p:cNvPr id="3" name="내용 개체 틀 2">
+            <a:extLst>
+              <a:ext uri="{FF2B5EF4-FFF2-40B4-BE49-F238E27FC236}">
+                <a16:creationId xmlns:a16="http://schemas.microsoft.com/office/drawing/2014/main" id="{DB6C73AD-6A1F-4336-8A97-45B39F0813E4}"/>
+              </a:ext>
+            </a:extLst>
+          </p:cNvPr>
+          <p:cNvSpPr>
+            <a:spLocks noGrp="1"/>
+          </p:cNvSpPr>
+          <p:nvPr>
+            <p:ph idx="1"/>
+          </p:nvPr>
+        </p:nvSpPr>
+        <p:spPr/>
+        <p:txBody>
+          <a:bodyPr/>
+          <a:lstStyle/>
+          <a:p>
+            <a:pPr algn="l">
+              <a:buFont typeface="Arial" panose="020B0604020202020204" pitchFamily="34" charset="0"/>
+              <a:buChar char="•"/>
+            </a:pPr>
+            <a:r>
+              <a:rPr lang="en-US" altLang="ko-KR" b="0" i="0" dirty="0">
+                <a:solidFill>
+                  <a:srgbClr val="000000"/>
+                </a:solidFill>
+                <a:effectLst/>
+              </a:rPr>
+              <a:t>It is a method of dimensionally reducing complex data in high dimensions to two dimensions.</a:t>
+            </a:r>
+          </a:p>
+          <a:p>
+            <a:pPr algn="l">
+              <a:buFont typeface="Arial" panose="020B0604020202020204" pitchFamily="34" charset="0"/>
+              <a:buChar char="•"/>
+            </a:pPr>
+            <a:r>
+              <a:rPr lang="en-US" altLang="ko-KR" b="0" i="0" dirty="0">
+                <a:solidFill>
+                  <a:srgbClr val="000000"/>
+                </a:solidFill>
+                <a:effectLst/>
+              </a:rPr>
+              <a:t>t-SNE is one of manifold learning and aims to visualize complex data.</a:t>
+            </a:r>
+          </a:p>
+          <a:p>
+            <a:endParaRPr lang="ko-KR" altLang="en-US" dirty="0"/>
+          </a:p>
+        </p:txBody>
+      </p:sp>
+      <p:pic>
+        <p:nvPicPr>
+          <p:cNvPr id="4" name="그림 3">
+            <a:extLst>
+              <a:ext uri="{FF2B5EF4-FFF2-40B4-BE49-F238E27FC236}">
+                <a16:creationId xmlns:a16="http://schemas.microsoft.com/office/drawing/2014/main" id="{53CA0AF8-7840-4632-BAEC-9BC74151CD0C}"/>
+              </a:ext>
+            </a:extLst>
+          </p:cNvPr>
+          <p:cNvPicPr>
+            <a:picLocks noChangeAspect="1"/>
+          </p:cNvPicPr>
+          <p:nvPr/>
+        </p:nvPicPr>
+        <p:blipFill>
+          <a:blip r:embed="rId2">
+            <a:extLst>
+              <a:ext uri="{28A0092B-C50C-407E-A947-70E740481C1C}">
+                <a14:useLocalDpi xmlns:a14="http://schemas.microsoft.com/office/drawing/2010/main" val="0"/>
+              </a:ext>
+            </a:extLst>
+          </a:blip>
+          <a:stretch>
+            <a:fillRect/>
+          </a:stretch>
+        </p:blipFill>
+        <p:spPr>
+          <a:xfrm>
+            <a:off x="9017429" y="6124103"/>
+            <a:ext cx="3031958" cy="733897"/>
+          </a:xfrm>
+          <a:prstGeom prst="rect">
+            <a:avLst/>
+          </a:prstGeom>
+        </p:spPr>
+      </p:pic>
+    </p:spTree>
+    <p:extLst>
+      <p:ext uri="{BB962C8B-B14F-4D97-AF65-F5344CB8AC3E}">
+        <p14:creationId xmlns:p14="http://schemas.microsoft.com/office/powerpoint/2010/main" val="598552627"/>
+      </p:ext>
+    </p:extLst>
+  </p:cSld>
+  <p:clrMapOvr>
+    <a:masterClrMapping/>
+  </p:clrMapOvr>
+</p:sld>
+</file>
+
+<file path=ppt/slides/slide61.xml><?xml version="1.0" encoding="utf-8"?>
+<p:sld xmlns:a="http://schemas.openxmlformats.org/drawingml/2006/main" xmlns:r="http://schemas.openxmlformats.org/officeDocument/2006/relationships" xmlns:p="http://schemas.openxmlformats.org/presentationml/2006/main">
+  <p:cSld>
+    <p:spTree>
+      <p:nvGrpSpPr>
+        <p:cNvPr id="1" name=""/>
+        <p:cNvGrpSpPr/>
+        <p:nvPr/>
+      </p:nvGrpSpPr>
+      <p:grpSpPr>
+        <a:xfrm>
+          <a:off x="0" y="0"/>
+          <a:ext cx="0" cy="0"/>
+          <a:chOff x="0" y="0"/>
+          <a:chExt cx="0" cy="0"/>
+        </a:xfrm>
+      </p:grpSpPr>
+      <p:sp>
+        <p:nvSpPr>
+          <p:cNvPr id="2" name="제목 1">
+            <a:extLst>
+              <a:ext uri="{FF2B5EF4-FFF2-40B4-BE49-F238E27FC236}">
                 <a16:creationId xmlns:a16="http://schemas.microsoft.com/office/drawing/2014/main" id="{0F562962-8B85-4367-9716-B39DE4FB37CE}"/>
               </a:ext>
             </a:extLst>
@@ -19329,7 +20251,7 @@
 </p:sld>
 </file>
 
-<file path=ppt/slides/slide61.xml><?xml version="1.0" encoding="utf-8"?>
+<file path=ppt/slides/slide62.xml><?xml version="1.0" encoding="utf-8"?>
 <p:sld xmlns:a="http://schemas.openxmlformats.org/drawingml/2006/main" xmlns:r="http://schemas.openxmlformats.org/officeDocument/2006/relationships" xmlns:p="http://schemas.openxmlformats.org/presentationml/2006/main">
   <p:cSld>
     <p:spTree>
@@ -20016,7 +20938,7 @@
 </p:sld>
 </file>
 
-<file path=ppt/slides/slide62.xml><?xml version="1.0" encoding="utf-8"?>
+<file path=ppt/slides/slide63.xml><?xml version="1.0" encoding="utf-8"?>
 <p:sld xmlns:a="http://schemas.openxmlformats.org/drawingml/2006/main" xmlns:r="http://schemas.openxmlformats.org/officeDocument/2006/relationships" xmlns:p="http://schemas.openxmlformats.org/presentationml/2006/main">
   <p:cSld>
     <p:spTree>
@@ -20194,6 +21116,189 @@
 </file>
 
 <file path=ppt/slides/slide7.xml><?xml version="1.0" encoding="utf-8"?>
+<p:sld xmlns:a="http://schemas.openxmlformats.org/drawingml/2006/main" xmlns:r="http://schemas.openxmlformats.org/officeDocument/2006/relationships" xmlns:p="http://schemas.openxmlformats.org/presentationml/2006/main">
+  <p:cSld>
+    <p:spTree>
+      <p:nvGrpSpPr>
+        <p:cNvPr id="1" name=""/>
+        <p:cNvGrpSpPr/>
+        <p:nvPr/>
+      </p:nvGrpSpPr>
+      <p:grpSpPr>
+        <a:xfrm>
+          <a:off x="0" y="0"/>
+          <a:ext cx="0" cy="0"/>
+          <a:chOff x="0" y="0"/>
+          <a:chExt cx="0" cy="0"/>
+        </a:xfrm>
+      </p:grpSpPr>
+      <p:sp>
+        <p:nvSpPr>
+          <p:cNvPr id="2" name="제목 1">
+            <a:extLst>
+              <a:ext uri="{FF2B5EF4-FFF2-40B4-BE49-F238E27FC236}">
+                <a16:creationId xmlns:a16="http://schemas.microsoft.com/office/drawing/2014/main" id="{C540CC04-1585-4064-8907-459537D39D09}"/>
+              </a:ext>
+            </a:extLst>
+          </p:cNvPr>
+          <p:cNvSpPr>
+            <a:spLocks noGrp="1"/>
+          </p:cNvSpPr>
+          <p:nvPr>
+            <p:ph type="title"/>
+          </p:nvPr>
+        </p:nvSpPr>
+        <p:spPr/>
+        <p:txBody>
+          <a:bodyPr/>
+          <a:lstStyle/>
+          <a:p>
+            <a:r>
+              <a:rPr lang="en-US" altLang="ko-KR" dirty="0"/>
+              <a:t>Algorithm</a:t>
+            </a:r>
+            <a:endParaRPr lang="ko-KR" altLang="en-US" dirty="0"/>
+          </a:p>
+        </p:txBody>
+      </p:sp>
+      <p:pic>
+        <p:nvPicPr>
+          <p:cNvPr id="4" name="그림 3">
+            <a:extLst>
+              <a:ext uri="{FF2B5EF4-FFF2-40B4-BE49-F238E27FC236}">
+                <a16:creationId xmlns:a16="http://schemas.microsoft.com/office/drawing/2014/main" id="{BD17100A-6263-4BAC-B87F-42153C247FDA}"/>
+              </a:ext>
+            </a:extLst>
+          </p:cNvPr>
+          <p:cNvPicPr>
+            <a:picLocks noChangeAspect="1"/>
+          </p:cNvPicPr>
+          <p:nvPr/>
+        </p:nvPicPr>
+        <p:blipFill>
+          <a:blip r:embed="rId2">
+            <a:extLst>
+              <a:ext uri="{28A0092B-C50C-407E-A947-70E740481C1C}">
+                <a14:useLocalDpi xmlns:a14="http://schemas.microsoft.com/office/drawing/2010/main" val="0"/>
+              </a:ext>
+            </a:extLst>
+          </a:blip>
+          <a:stretch>
+            <a:fillRect/>
+          </a:stretch>
+        </p:blipFill>
+        <p:spPr>
+          <a:xfrm>
+            <a:off x="9017429" y="6124103"/>
+            <a:ext cx="3031958" cy="733897"/>
+          </a:xfrm>
+          <a:prstGeom prst="rect">
+            <a:avLst/>
+          </a:prstGeom>
+        </p:spPr>
+      </p:pic>
+      <p:sp>
+        <p:nvSpPr>
+          <p:cNvPr id="5" name="내용 개체 틀 4">
+            <a:extLst>
+              <a:ext uri="{FF2B5EF4-FFF2-40B4-BE49-F238E27FC236}">
+                <a16:creationId xmlns:a16="http://schemas.microsoft.com/office/drawing/2014/main" id="{15A699E5-7E30-45BD-BE32-71C7AB56832A}"/>
+              </a:ext>
+            </a:extLst>
+          </p:cNvPr>
+          <p:cNvSpPr>
+            <a:spLocks noGrp="1"/>
+          </p:cNvSpPr>
+          <p:nvPr>
+            <p:ph idx="1"/>
+          </p:nvPr>
+        </p:nvSpPr>
+        <p:spPr/>
+        <p:txBody>
+          <a:bodyPr>
+            <a:normAutofit/>
+          </a:bodyPr>
+          <a:lstStyle/>
+          <a:p>
+            <a:pPr algn="l">
+              <a:buFont typeface="Arial" panose="020B0604020202020204" pitchFamily="34" charset="0"/>
+              <a:buChar char="•"/>
+            </a:pPr>
+            <a:r>
+              <a:rPr lang="en-US" altLang="ko-KR" b="0" i="0" dirty="0">
+                <a:solidFill>
+                  <a:srgbClr val="000000"/>
+                </a:solidFill>
+                <a:effectLst/>
+              </a:rPr>
+              <a:t>The principal component analysis calculates the principal component in the following order.</a:t>
+            </a:r>
+          </a:p>
+          <a:p>
+            <a:pPr marL="971550" lvl="1" indent="-514350">
+              <a:buFont typeface="+mj-lt"/>
+              <a:buAutoNum type="arabicPeriod"/>
+            </a:pPr>
+            <a:r>
+              <a:rPr lang="en-US" altLang="ko-KR" b="0" i="0" dirty="0">
+                <a:solidFill>
+                  <a:srgbClr val="000000"/>
+                </a:solidFill>
+                <a:effectLst/>
+              </a:rPr>
+              <a:t>Calculate variance covariance matrix</a:t>
+            </a:r>
+          </a:p>
+          <a:p>
+            <a:pPr marL="971550" lvl="1" indent="-514350">
+              <a:buFont typeface="+mj-lt"/>
+              <a:buAutoNum type="arabicPeriod"/>
+            </a:pPr>
+            <a:r>
+              <a:rPr lang="en-US" altLang="ko-KR" dirty="0">
+                <a:solidFill>
+                  <a:srgbClr val="000000"/>
+                </a:solidFill>
+              </a:rPr>
+              <a:t>Solve eigenvalue problems and calculate eigenvalue of eigenvectors</a:t>
+            </a:r>
+          </a:p>
+          <a:p>
+            <a:pPr marL="971550" lvl="1" indent="-514350">
+              <a:buFont typeface="+mj-lt"/>
+              <a:buAutoNum type="arabicPeriod"/>
+            </a:pPr>
+            <a:r>
+              <a:rPr lang="en-US" altLang="ko-KR" dirty="0">
+                <a:solidFill>
+                  <a:srgbClr val="000000"/>
+                </a:solidFill>
+              </a:rPr>
+              <a:t>Construct data in each principal component direction</a:t>
+            </a:r>
+            <a:endParaRPr lang="en-US" altLang="ko-KR" b="0" i="0" dirty="0">
+              <a:solidFill>
+                <a:srgbClr val="000000"/>
+              </a:solidFill>
+              <a:effectLst/>
+            </a:endParaRPr>
+          </a:p>
+        </p:txBody>
+      </p:sp>
+    </p:spTree>
+    <p:extLst>
+      <p:ext uri="{BB962C8B-B14F-4D97-AF65-F5344CB8AC3E}">
+        <p14:creationId xmlns:p14="http://schemas.microsoft.com/office/powerpoint/2010/main" val="3830762058"/>
+      </p:ext>
+    </p:extLst>
+  </p:cSld>
+  <p:clrMapOvr>
+    <a:masterClrMapping/>
+  </p:clrMapOvr>
+</p:sld>
+</file>
+
+<file path=ppt/slides/slide8.xml><?xml version="1.0" encoding="utf-8"?>
 <p:sld xmlns:a="http://schemas.openxmlformats.org/drawingml/2006/main" xmlns:r="http://schemas.openxmlformats.org/officeDocument/2006/relationships" xmlns:p="http://schemas.openxmlformats.org/presentationml/2006/main">
   <p:cSld>
     <p:spTree>
@@ -21517,143 +22622,6 @@
 </p:sld>
 </file>
 
-<file path=ppt/slides/slide8.xml><?xml version="1.0" encoding="utf-8"?>
-<p:sld xmlns:a="http://schemas.openxmlformats.org/drawingml/2006/main" xmlns:r="http://schemas.openxmlformats.org/officeDocument/2006/relationships" xmlns:p="http://schemas.openxmlformats.org/presentationml/2006/main">
-  <p:cSld>
-    <p:spTree>
-      <p:nvGrpSpPr>
-        <p:cNvPr id="1" name=""/>
-        <p:cNvGrpSpPr/>
-        <p:nvPr/>
-      </p:nvGrpSpPr>
-      <p:grpSpPr>
-        <a:xfrm>
-          <a:off x="0" y="0"/>
-          <a:ext cx="0" cy="0"/>
-          <a:chOff x="0" y="0"/>
-          <a:chExt cx="0" cy="0"/>
-        </a:xfrm>
-      </p:grpSpPr>
-      <p:sp>
-        <p:nvSpPr>
-          <p:cNvPr id="2" name="제목 1">
-            <a:extLst>
-              <a:ext uri="{FF2B5EF4-FFF2-40B4-BE49-F238E27FC236}">
-                <a16:creationId xmlns:a16="http://schemas.microsoft.com/office/drawing/2014/main" id="{6166E8EE-6B62-48E8-9FF1-9D1DBC7A7802}"/>
-              </a:ext>
-            </a:extLst>
-          </p:cNvPr>
-          <p:cNvSpPr>
-            <a:spLocks noGrp="1"/>
-          </p:cNvSpPr>
-          <p:nvPr>
-            <p:ph type="title"/>
-          </p:nvPr>
-        </p:nvSpPr>
-        <p:spPr/>
-        <p:txBody>
-          <a:bodyPr/>
-          <a:lstStyle/>
-          <a:p>
-            <a:r>
-              <a:rPr lang="en-US" altLang="ko-KR" dirty="0"/>
-              <a:t>Algorithm</a:t>
-            </a:r>
-            <a:br>
-              <a:rPr lang="en-US" altLang="ko-KR" dirty="0"/>
-            </a:br>
-            <a:r>
-              <a:rPr lang="en-US" altLang="ko-KR" sz="2400" dirty="0"/>
-              <a:t>Covariance</a:t>
-            </a:r>
-            <a:endParaRPr lang="ko-KR" altLang="en-US" dirty="0"/>
-          </a:p>
-        </p:txBody>
-      </p:sp>
-      <p:pic>
-        <p:nvPicPr>
-          <p:cNvPr id="6" name="내용 개체 틀 5">
-            <a:extLst>
-              <a:ext uri="{FF2B5EF4-FFF2-40B4-BE49-F238E27FC236}">
-                <a16:creationId xmlns:a16="http://schemas.microsoft.com/office/drawing/2014/main" id="{D09461FF-D4DA-4EC1-9775-795C71BD503A}"/>
-              </a:ext>
-            </a:extLst>
-          </p:cNvPr>
-          <p:cNvPicPr>
-            <a:picLocks noGrp="1" noChangeAspect="1"/>
-          </p:cNvPicPr>
-          <p:nvPr>
-            <p:ph idx="1"/>
-          </p:nvPr>
-        </p:nvPicPr>
-        <p:blipFill>
-          <a:blip r:embed="rId2">
-            <a:extLst>
-              <a:ext uri="{28A0092B-C50C-407E-A947-70E740481C1C}">
-                <a14:useLocalDpi xmlns:a14="http://schemas.microsoft.com/office/drawing/2010/main" val="0"/>
-              </a:ext>
-            </a:extLst>
-          </a:blip>
-          <a:stretch>
-            <a:fillRect/>
-          </a:stretch>
-        </p:blipFill>
-        <p:spPr>
-          <a:xfrm>
-            <a:off x="1929581" y="2114025"/>
-            <a:ext cx="8332838" cy="3271707"/>
-          </a:xfrm>
-        </p:spPr>
-      </p:pic>
-      <p:pic>
-        <p:nvPicPr>
-          <p:cNvPr id="4" name="그림 3">
-            <a:extLst>
-              <a:ext uri="{FF2B5EF4-FFF2-40B4-BE49-F238E27FC236}">
-                <a16:creationId xmlns:a16="http://schemas.microsoft.com/office/drawing/2014/main" id="{9C40C19B-6FA5-4EAD-A011-5807CEE34AA9}"/>
-              </a:ext>
-            </a:extLst>
-          </p:cNvPr>
-          <p:cNvPicPr>
-            <a:picLocks noChangeAspect="1"/>
-          </p:cNvPicPr>
-          <p:nvPr/>
-        </p:nvPicPr>
-        <p:blipFill>
-          <a:blip r:embed="rId3">
-            <a:extLst>
-              <a:ext uri="{28A0092B-C50C-407E-A947-70E740481C1C}">
-                <a14:useLocalDpi xmlns:a14="http://schemas.microsoft.com/office/drawing/2010/main" val="0"/>
-              </a:ext>
-            </a:extLst>
-          </a:blip>
-          <a:stretch>
-            <a:fillRect/>
-          </a:stretch>
-        </p:blipFill>
-        <p:spPr>
-          <a:xfrm>
-            <a:off x="9017429" y="6124103"/>
-            <a:ext cx="3031958" cy="733897"/>
-          </a:xfrm>
-          <a:prstGeom prst="rect">
-            <a:avLst/>
-          </a:prstGeom>
-        </p:spPr>
-      </p:pic>
-    </p:spTree>
-    <p:extLst>
-      <p:ext uri="{BB962C8B-B14F-4D97-AF65-F5344CB8AC3E}">
-        <p14:creationId xmlns:p14="http://schemas.microsoft.com/office/powerpoint/2010/main" val="478043781"/>
-      </p:ext>
-    </p:extLst>
-  </p:cSld>
-  <p:clrMapOvr>
-    <a:masterClrMapping/>
-  </p:clrMapOvr>
-</p:sld>
-</file>
-
 <file path=ppt/slides/slide9.xml><?xml version="1.0" encoding="utf-8"?>
 <p:sld xmlns:a="http://schemas.openxmlformats.org/drawingml/2006/main" xmlns:r="http://schemas.openxmlformats.org/officeDocument/2006/relationships" xmlns:p="http://schemas.openxmlformats.org/presentationml/2006/main">
   <p:cSld>
@@ -21701,12 +22669,47 @@
             </a:br>
             <a:r>
               <a:rPr lang="en-US" altLang="ko-KR" sz="2400" dirty="0"/>
-              <a:t>Correlation</a:t>
+              <a:t>Covariance</a:t>
             </a:r>
             <a:endParaRPr lang="ko-KR" altLang="en-US" dirty="0"/>
           </a:p>
         </p:txBody>
       </p:sp>
+      <p:pic>
+        <p:nvPicPr>
+          <p:cNvPr id="6" name="내용 개체 틀 5">
+            <a:extLst>
+              <a:ext uri="{FF2B5EF4-FFF2-40B4-BE49-F238E27FC236}">
+                <a16:creationId xmlns:a16="http://schemas.microsoft.com/office/drawing/2014/main" id="{D09461FF-D4DA-4EC1-9775-795C71BD503A}"/>
+              </a:ext>
+            </a:extLst>
+          </p:cNvPr>
+          <p:cNvPicPr>
+            <a:picLocks noGrp="1" noChangeAspect="1"/>
+          </p:cNvPicPr>
+          <p:nvPr>
+            <p:ph idx="1"/>
+          </p:nvPr>
+        </p:nvPicPr>
+        <p:blipFill>
+          <a:blip r:embed="rId2">
+            <a:extLst>
+              <a:ext uri="{28A0092B-C50C-407E-A947-70E740481C1C}">
+                <a14:useLocalDpi xmlns:a14="http://schemas.microsoft.com/office/drawing/2010/main" val="0"/>
+              </a:ext>
+            </a:extLst>
+          </a:blip>
+          <a:stretch>
+            <a:fillRect/>
+          </a:stretch>
+        </p:blipFill>
+        <p:spPr>
+          <a:xfrm>
+            <a:off x="1929581" y="2114025"/>
+            <a:ext cx="8332838" cy="3271707"/>
+          </a:xfrm>
+        </p:spPr>
+      </p:pic>
       <p:pic>
         <p:nvPicPr>
           <p:cNvPr id="4" name="그림 3">
@@ -21722,7 +22725,7 @@
           <p:nvPr/>
         </p:nvPicPr>
         <p:blipFill>
-          <a:blip r:embed="rId2">
+          <a:blip r:embed="rId3">
             <a:extLst>
               <a:ext uri="{28A0092B-C50C-407E-A947-70E740481C1C}">
                 <a14:useLocalDpi xmlns:a14="http://schemas.microsoft.com/office/drawing/2010/main" val="0"/>
@@ -21743,439 +22746,10 @@
           </a:prstGeom>
         </p:spPr>
       </p:pic>
-      <mc:AlternateContent xmlns:mc="http://schemas.openxmlformats.org/markup-compatibility/2006" xmlns:a14="http://schemas.microsoft.com/office/drawing/2010/main">
-        <mc:Choice Requires="a14">
-          <p:sp>
-            <p:nvSpPr>
-              <p:cNvPr id="5" name="내용 개체 틀 4">
-                <a:extLst>
-                  <a:ext uri="{FF2B5EF4-FFF2-40B4-BE49-F238E27FC236}">
-                    <a16:creationId xmlns:a16="http://schemas.microsoft.com/office/drawing/2014/main" id="{9A145EEF-778A-4D7E-8BC0-10B9D82A9B24}"/>
-                  </a:ext>
-                </a:extLst>
-              </p:cNvPr>
-              <p:cNvSpPr>
-                <a:spLocks noGrp="1"/>
-              </p:cNvSpPr>
-              <p:nvPr>
-                <p:ph idx="1"/>
-              </p:nvPr>
-            </p:nvSpPr>
-            <p:spPr/>
-            <p:txBody>
-              <a:bodyPr/>
-              <a:lstStyle/>
-              <a:p>
-                <a:r>
-                  <a:rPr lang="en-US" altLang="ko-KR" b="0" i="0" dirty="0">
-                    <a:solidFill>
-                      <a:srgbClr val="000000"/>
-                    </a:solidFill>
-                    <a:effectLst/>
-                  </a:rPr>
-                  <a:t>An index that does not depend on the size of the variance represents a correlation coefficient.</a:t>
-                </a:r>
-              </a:p>
-              <a:p>
-                <a:r>
-                  <a:rPr lang="en-US" altLang="ko-KR" b="0" i="0" dirty="0">
-                    <a:solidFill>
-                      <a:srgbClr val="000000"/>
-                    </a:solidFill>
-                    <a:effectLst/>
-                  </a:rPr>
-                  <a:t>The covariance </a:t>
-                </a:r>
-                <a14:m>
-                  <m:oMath xmlns:m="http://schemas.openxmlformats.org/officeDocument/2006/math">
-                    <m:sSub>
-                      <m:sSubPr>
-                        <m:ctrlPr>
-                          <a:rPr lang="en-US" altLang="ko-KR" b="0" i="1" dirty="0" smtClean="0">
-                            <a:solidFill>
-                              <a:srgbClr val="000000"/>
-                            </a:solidFill>
-                            <a:effectLst/>
-                            <a:latin typeface="Cambria Math" panose="02040503050406030204" pitchFamily="18" charset="0"/>
-                          </a:rPr>
-                        </m:ctrlPr>
-                      </m:sSubPr>
-                      <m:e>
-                        <m:r>
-                          <a:rPr lang="en-US" altLang="ko-KR" b="0" i="1" dirty="0" smtClean="0">
-                            <a:solidFill>
-                              <a:srgbClr val="000000"/>
-                            </a:solidFill>
-                            <a:effectLst/>
-                            <a:latin typeface="Cambria Math" panose="02040503050406030204" pitchFamily="18" charset="0"/>
-                          </a:rPr>
-                          <m:t>𝑠</m:t>
-                        </m:r>
-                      </m:e>
-                      <m:sub>
-                        <m:r>
-                          <a:rPr lang="en-US" altLang="ko-KR" b="0" i="1" dirty="0" smtClean="0">
-                            <a:solidFill>
-                              <a:srgbClr val="000000"/>
-                            </a:solidFill>
-                            <a:effectLst/>
-                            <a:latin typeface="Cambria Math" panose="02040503050406030204" pitchFamily="18" charset="0"/>
-                          </a:rPr>
-                          <m:t>𝑥𝑦</m:t>
-                        </m:r>
-                      </m:sub>
-                    </m:sSub>
-                    <m:r>
-                      <a:rPr lang="en-US" altLang="ko-KR" b="0" i="1" dirty="0" smtClean="0">
-                        <a:solidFill>
-                          <a:srgbClr val="000000"/>
-                        </a:solidFill>
-                        <a:effectLst/>
-                        <a:latin typeface="Cambria Math" panose="02040503050406030204" pitchFamily="18" charset="0"/>
-                      </a:rPr>
-                      <m:t> </m:t>
-                    </m:r>
-                  </m:oMath>
-                </a14:m>
-                <a:r>
-                  <a:rPr lang="en-US" altLang="ko-KR" b="0" i="0" dirty="0">
-                    <a:solidFill>
-                      <a:srgbClr val="000000"/>
-                    </a:solidFill>
-                    <a:effectLst/>
-                  </a:rPr>
-                  <a:t>of the two data </a:t>
-                </a:r>
-                <a14:m>
-                  <m:oMath xmlns:m="http://schemas.openxmlformats.org/officeDocument/2006/math">
-                    <m:r>
-                      <a:rPr lang="en-US" altLang="ko-KR" i="1">
-                        <a:solidFill>
-                          <a:srgbClr val="000000"/>
-                        </a:solidFill>
-                        <a:latin typeface="Cambria Math" panose="02040503050406030204" pitchFamily="18" charset="0"/>
-                      </a:rPr>
-                      <m:t>𝑥</m:t>
-                    </m:r>
-                  </m:oMath>
-                </a14:m>
-                <a:r>
-                  <a:rPr lang="en-US" altLang="ko-KR" b="0" i="0" dirty="0">
-                    <a:solidFill>
-                      <a:srgbClr val="000000"/>
-                    </a:solidFill>
-                    <a:effectLst/>
-                  </a:rPr>
-                  <a:t> and </a:t>
-                </a:r>
-                <a14:m>
-                  <m:oMath xmlns:m="http://schemas.openxmlformats.org/officeDocument/2006/math">
-                    <m:r>
-                      <a:rPr lang="en-US" altLang="ko-KR" i="1" dirty="0">
-                        <a:solidFill>
-                          <a:srgbClr val="000000"/>
-                        </a:solidFill>
-                        <a:latin typeface="Cambria Math" panose="02040503050406030204" pitchFamily="18" charset="0"/>
-                      </a:rPr>
-                      <m:t>𝑦</m:t>
-                    </m:r>
-                  </m:oMath>
-                </a14:m>
-                <a:r>
-                  <a:rPr lang="en-US" altLang="ko-KR" b="0" i="0" dirty="0">
-                    <a:solidFill>
-                      <a:srgbClr val="000000"/>
-                    </a:solidFill>
-                    <a:effectLst/>
-                  </a:rPr>
-                  <a:t> is divided by the standard deviations </a:t>
-                </a:r>
-                <a14:m>
-                  <m:oMath xmlns:m="http://schemas.openxmlformats.org/officeDocument/2006/math">
-                    <m:sSub>
-                      <m:sSubPr>
-                        <m:ctrlPr>
-                          <a:rPr lang="en-US" altLang="ko-KR" b="0" i="1" smtClean="0">
-                            <a:solidFill>
-                              <a:srgbClr val="000000"/>
-                            </a:solidFill>
-                            <a:effectLst/>
-                            <a:latin typeface="Cambria Math" panose="02040503050406030204" pitchFamily="18" charset="0"/>
-                          </a:rPr>
-                        </m:ctrlPr>
-                      </m:sSubPr>
-                      <m:e>
-                        <m:r>
-                          <a:rPr lang="en-US" altLang="ko-KR" b="0" i="1" smtClean="0">
-                            <a:solidFill>
-                              <a:srgbClr val="000000"/>
-                            </a:solidFill>
-                            <a:effectLst/>
-                            <a:latin typeface="Cambria Math" panose="02040503050406030204" pitchFamily="18" charset="0"/>
-                          </a:rPr>
-                          <m:t>𝑠</m:t>
-                        </m:r>
-                      </m:e>
-                      <m:sub>
-                        <m:r>
-                          <a:rPr lang="en-US" altLang="ko-KR" b="0" i="1" smtClean="0">
-                            <a:solidFill>
-                              <a:srgbClr val="000000"/>
-                            </a:solidFill>
-                            <a:effectLst/>
-                            <a:latin typeface="Cambria Math" panose="02040503050406030204" pitchFamily="18" charset="0"/>
-                          </a:rPr>
-                          <m:t>𝑥</m:t>
-                        </m:r>
-                      </m:sub>
-                    </m:sSub>
-                  </m:oMath>
-                </a14:m>
-                <a:r>
-                  <a:rPr lang="en-US" altLang="ko-KR" b="0" i="0" dirty="0">
-                    <a:solidFill>
-                      <a:srgbClr val="000000"/>
-                    </a:solidFill>
-                    <a:effectLst/>
-                  </a:rPr>
-                  <a:t> and </a:t>
-                </a:r>
-                <a14:m>
-                  <m:oMath xmlns:m="http://schemas.openxmlformats.org/officeDocument/2006/math">
-                    <m:sSub>
-                      <m:sSubPr>
-                        <m:ctrlPr>
-                          <a:rPr lang="en-US" altLang="ko-KR" b="0" i="1" smtClean="0">
-                            <a:solidFill>
-                              <a:srgbClr val="000000"/>
-                            </a:solidFill>
-                            <a:effectLst/>
-                            <a:latin typeface="Cambria Math" panose="02040503050406030204" pitchFamily="18" charset="0"/>
-                          </a:rPr>
-                        </m:ctrlPr>
-                      </m:sSubPr>
-                      <m:e>
-                        <m:r>
-                          <a:rPr lang="en-US" altLang="ko-KR" b="0" i="1" smtClean="0">
-                            <a:solidFill>
-                              <a:srgbClr val="000000"/>
-                            </a:solidFill>
-                            <a:effectLst/>
-                            <a:latin typeface="Cambria Math" panose="02040503050406030204" pitchFamily="18" charset="0"/>
-                          </a:rPr>
-                          <m:t>𝑠</m:t>
-                        </m:r>
-                      </m:e>
-                      <m:sub>
-                        <m:r>
-                          <a:rPr lang="en-US" altLang="ko-KR" b="0" i="1" smtClean="0">
-                            <a:solidFill>
-                              <a:srgbClr val="000000"/>
-                            </a:solidFill>
-                            <a:effectLst/>
-                            <a:latin typeface="Cambria Math" panose="02040503050406030204" pitchFamily="18" charset="0"/>
-                          </a:rPr>
-                          <m:t>𝑦</m:t>
-                        </m:r>
-                      </m:sub>
-                    </m:sSub>
-                  </m:oMath>
-                </a14:m>
-                <a:r>
-                  <a:rPr lang="en-US" altLang="ko-KR" b="0" i="0" dirty="0">
-                    <a:solidFill>
-                      <a:srgbClr val="000000"/>
-                    </a:solidFill>
-                    <a:effectLst/>
-                  </a:rPr>
-                  <a:t>.</a:t>
-                </a:r>
-              </a:p>
-              <a:p>
-                <a14:m>
-                  <m:oMath xmlns:m="http://schemas.openxmlformats.org/officeDocument/2006/math">
-                    <m:sSub>
-                      <m:sSubPr>
-                        <m:ctrlPr>
-                          <a:rPr lang="en-US" altLang="ko-KR" i="1" smtClean="0">
-                            <a:latin typeface="Cambria Math" panose="02040503050406030204" pitchFamily="18" charset="0"/>
-                          </a:rPr>
-                        </m:ctrlPr>
-                      </m:sSubPr>
-                      <m:e>
-                        <m:r>
-                          <a:rPr lang="en-US" altLang="ko-KR" b="0" i="1" smtClean="0">
-                            <a:latin typeface="Cambria Math" panose="02040503050406030204" pitchFamily="18" charset="0"/>
-                          </a:rPr>
-                          <m:t>𝑟</m:t>
-                        </m:r>
-                      </m:e>
-                      <m:sub>
-                        <m:r>
-                          <a:rPr lang="en-US" altLang="ko-KR" b="0" i="1" smtClean="0">
-                            <a:latin typeface="Cambria Math" panose="02040503050406030204" pitchFamily="18" charset="0"/>
-                          </a:rPr>
-                          <m:t>𝑥𝑦</m:t>
-                        </m:r>
-                      </m:sub>
-                    </m:sSub>
-                    <m:r>
-                      <a:rPr lang="en-US" altLang="ko-KR" b="0" i="1" smtClean="0">
-                        <a:latin typeface="Cambria Math" panose="02040503050406030204" pitchFamily="18" charset="0"/>
-                      </a:rPr>
-                      <m:t>=</m:t>
-                    </m:r>
-                    <m:f>
-                      <m:fPr>
-                        <m:ctrlPr>
-                          <a:rPr lang="en-US" altLang="ko-KR" b="0" i="1" smtClean="0">
-                            <a:latin typeface="Cambria Math" panose="02040503050406030204" pitchFamily="18" charset="0"/>
-                          </a:rPr>
-                        </m:ctrlPr>
-                      </m:fPr>
-                      <m:num>
-                        <m:sSub>
-                          <m:sSubPr>
-                            <m:ctrlPr>
-                              <a:rPr lang="en-US" altLang="ko-KR" b="0" i="1" smtClean="0">
-                                <a:latin typeface="Cambria Math" panose="02040503050406030204" pitchFamily="18" charset="0"/>
-                              </a:rPr>
-                            </m:ctrlPr>
-                          </m:sSubPr>
-                          <m:e>
-                            <m:r>
-                              <a:rPr lang="en-US" altLang="ko-KR" b="0" i="1" smtClean="0">
-                                <a:latin typeface="Cambria Math" panose="02040503050406030204" pitchFamily="18" charset="0"/>
-                              </a:rPr>
-                              <m:t>𝑠</m:t>
-                            </m:r>
-                          </m:e>
-                          <m:sub>
-                            <m:r>
-                              <a:rPr lang="en-US" altLang="ko-KR" b="0" i="1" smtClean="0">
-                                <a:latin typeface="Cambria Math" panose="02040503050406030204" pitchFamily="18" charset="0"/>
-                              </a:rPr>
-                              <m:t>𝑥𝑦</m:t>
-                            </m:r>
-                          </m:sub>
-                        </m:sSub>
-                      </m:num>
-                      <m:den>
-                        <m:sSub>
-                          <m:sSubPr>
-                            <m:ctrlPr>
-                              <a:rPr lang="en-US" altLang="ko-KR" b="0" i="1" smtClean="0">
-                                <a:latin typeface="Cambria Math" panose="02040503050406030204" pitchFamily="18" charset="0"/>
-                              </a:rPr>
-                            </m:ctrlPr>
-                          </m:sSubPr>
-                          <m:e>
-                            <m:r>
-                              <a:rPr lang="en-US" altLang="ko-KR" b="0" i="1" smtClean="0">
-                                <a:latin typeface="Cambria Math" panose="02040503050406030204" pitchFamily="18" charset="0"/>
-                              </a:rPr>
-                              <m:t>𝑠</m:t>
-                            </m:r>
-                          </m:e>
-                          <m:sub>
-                            <m:r>
-                              <a:rPr lang="en-US" altLang="ko-KR" b="0" i="1" smtClean="0">
-                                <a:latin typeface="Cambria Math" panose="02040503050406030204" pitchFamily="18" charset="0"/>
-                              </a:rPr>
-                              <m:t>𝑥</m:t>
-                            </m:r>
-                          </m:sub>
-                        </m:sSub>
-                        <m:sSub>
-                          <m:sSubPr>
-                            <m:ctrlPr>
-                              <a:rPr lang="en-US" altLang="ko-KR" b="0" i="1" smtClean="0">
-                                <a:latin typeface="Cambria Math" panose="02040503050406030204" pitchFamily="18" charset="0"/>
-                              </a:rPr>
-                            </m:ctrlPr>
-                          </m:sSubPr>
-                          <m:e>
-                            <m:r>
-                              <a:rPr lang="en-US" altLang="ko-KR" b="0" i="1" smtClean="0">
-                                <a:latin typeface="Cambria Math" panose="02040503050406030204" pitchFamily="18" charset="0"/>
-                              </a:rPr>
-                              <m:t>𝑠</m:t>
-                            </m:r>
-                          </m:e>
-                          <m:sub>
-                            <m:r>
-                              <a:rPr lang="en-US" altLang="ko-KR" b="0" i="1" smtClean="0">
-                                <a:latin typeface="Cambria Math" panose="02040503050406030204" pitchFamily="18" charset="0"/>
-                              </a:rPr>
-                              <m:t>𝑦</m:t>
-                            </m:r>
-                          </m:sub>
-                        </m:sSub>
-                      </m:den>
-                    </m:f>
-                  </m:oMath>
-                </a14:m>
-                <a:endParaRPr lang="en-US" altLang="ko-KR" dirty="0"/>
-              </a:p>
-              <a:p>
-                <a:r>
-                  <a:rPr lang="en-US" altLang="ko-KR" b="0" i="0" dirty="0">
-                    <a:solidFill>
-                      <a:srgbClr val="000000"/>
-                    </a:solidFill>
-                    <a:effectLst/>
-                  </a:rPr>
-                  <a:t>The correlation coefficient represents the relationship between data like covariance, but since it is divided by each standard deviation, a value between -1 and 1 is obtained.</a:t>
-                </a:r>
-                <a:endParaRPr lang="ko-KR" altLang="en-US" dirty="0"/>
-              </a:p>
-            </p:txBody>
-          </p:sp>
-        </mc:Choice>
-        <mc:Fallback xmlns="">
-          <p:sp>
-            <p:nvSpPr>
-              <p:cNvPr id="5" name="내용 개체 틀 4">
-                <a:extLst>
-                  <a:ext uri="{FF2B5EF4-FFF2-40B4-BE49-F238E27FC236}">
-                    <a16:creationId xmlns:a16="http://schemas.microsoft.com/office/drawing/2014/main" id="{9A145EEF-778A-4D7E-8BC0-10B9D82A9B24}"/>
-                  </a:ext>
-                </a:extLst>
-              </p:cNvPr>
-              <p:cNvSpPr>
-                <a:spLocks noGrp="1" noRot="1" noChangeAspect="1" noMove="1" noResize="1" noEditPoints="1" noAdjustHandles="1" noChangeArrowheads="1" noChangeShapeType="1" noTextEdit="1"/>
-              </p:cNvSpPr>
-              <p:nvPr>
-                <p:ph idx="1"/>
-              </p:nvPr>
-            </p:nvSpPr>
-            <p:spPr>
-              <a:blipFill>
-                <a:blip r:embed="rId3"/>
-                <a:stretch>
-                  <a:fillRect l="-1043" t="-2381"/>
-                </a:stretch>
-              </a:blipFill>
-            </p:spPr>
-            <p:txBody>
-              <a:bodyPr/>
-              <a:lstStyle/>
-              <a:p>
-                <a:r>
-                  <a:rPr lang="ko-KR" altLang="en-US">
-                    <a:noFill/>
-                  </a:rPr>
-                  <a:t> </a:t>
-                </a:r>
-              </a:p>
-            </p:txBody>
-          </p:sp>
-        </mc:Fallback>
-      </mc:AlternateContent>
     </p:spTree>
     <p:extLst>
       <p:ext uri="{BB962C8B-B14F-4D97-AF65-F5344CB8AC3E}">
-        <p14:creationId xmlns:p14="http://schemas.microsoft.com/office/powerpoint/2010/main" val="3832908025"/>
+        <p14:creationId xmlns:p14="http://schemas.microsoft.com/office/powerpoint/2010/main" val="478043781"/>
       </p:ext>
     </p:extLst>
   </p:cSld>
